--- a/Meeting Presentations/15.09.2022_ML Meeting.pptx
+++ b/Meeting Presentations/15.09.2022_ML Meeting.pptx
@@ -6983,7 +6983,430 @@
           </a:bodyPr>
           <a:lstStyle/>
           <a:p>
-            <a:endParaRPr lang="en-GB" sz="2000" dirty="0"/>
+            <a:r>
+              <a:rPr lang="nb-NO" sz="2000" dirty="0"/>
+              <a:t>In </a:t>
+            </a:r>
+            <a:r>
+              <a:rPr lang="nb-NO" sz="2000" dirty="0" err="1"/>
+              <a:t>the</a:t>
+            </a:r>
+            <a:r>
+              <a:rPr lang="nb-NO" sz="2000" dirty="0"/>
+              <a:t> </a:t>
+            </a:r>
+            <a:r>
+              <a:rPr lang="nb-NO" sz="2000" dirty="0" err="1"/>
+              <a:t>control</a:t>
+            </a:r>
+            <a:r>
+              <a:rPr lang="nb-NO" sz="2000" dirty="0"/>
+              <a:t> file </a:t>
+            </a:r>
+            <a:r>
+              <a:rPr lang="nb-NO" sz="2000" dirty="0" err="1"/>
+              <a:t>will</a:t>
+            </a:r>
+            <a:r>
+              <a:rPr lang="nb-NO" sz="2000" dirty="0"/>
+              <a:t> be:</a:t>
+            </a:r>
+          </a:p>
+          <a:p>
+            <a:pPr lvl="1"/>
+            <a:r>
+              <a:rPr lang="nb-NO" sz="1600" dirty="0"/>
+              <a:t>‘settings’ : </a:t>
+            </a:r>
+            <a:r>
+              <a:rPr lang="nb-NO" sz="1600" i="1" dirty="0" err="1"/>
+              <a:t>dict</a:t>
+            </a:r>
+            <a:endParaRPr lang="nb-NO" sz="1600" i="1" dirty="0"/>
+          </a:p>
+          <a:p>
+            <a:pPr lvl="2"/>
+            <a:r>
+              <a:rPr lang="nb-NO" sz="1200" dirty="0" err="1"/>
+              <a:t>Contains</a:t>
+            </a:r>
+            <a:r>
+              <a:rPr lang="nb-NO" sz="1200" dirty="0"/>
+              <a:t> </a:t>
+            </a:r>
+            <a:r>
+              <a:rPr lang="nb-NO" sz="1200" dirty="0" err="1"/>
+              <a:t>the</a:t>
+            </a:r>
+            <a:r>
+              <a:rPr lang="nb-NO" sz="1200" dirty="0"/>
+              <a:t> settings used for </a:t>
+            </a:r>
+            <a:r>
+              <a:rPr lang="nb-NO" sz="1200" dirty="0" err="1"/>
+              <a:t>that</a:t>
+            </a:r>
+            <a:r>
+              <a:rPr lang="nb-NO" sz="1200" dirty="0"/>
+              <a:t> </a:t>
+            </a:r>
+            <a:r>
+              <a:rPr lang="nb-NO" sz="1200" dirty="0" err="1"/>
+              <a:t>particular</a:t>
+            </a:r>
+            <a:r>
+              <a:rPr lang="nb-NO" sz="1200" dirty="0"/>
+              <a:t> </a:t>
+            </a:r>
+            <a:r>
+              <a:rPr lang="nb-NO" sz="1200" dirty="0" err="1"/>
+              <a:t>model</a:t>
+            </a:r>
+            <a:endParaRPr lang="nb-NO" sz="1200" dirty="0"/>
+          </a:p>
+          <a:p>
+            <a:pPr lvl="1"/>
+            <a:r>
+              <a:rPr lang="nb-NO" sz="1600" dirty="0"/>
+              <a:t>‘</a:t>
+            </a:r>
+            <a:r>
+              <a:rPr lang="nb-NO" sz="1600" dirty="0" err="1"/>
+              <a:t>summary_stats</a:t>
+            </a:r>
+            <a:r>
+              <a:rPr lang="nb-NO" sz="1600" dirty="0"/>
+              <a:t>’ : </a:t>
+            </a:r>
+            <a:r>
+              <a:rPr lang="nb-NO" sz="1600" i="1" dirty="0" err="1"/>
+              <a:t>dict</a:t>
+            </a:r>
+            <a:endParaRPr lang="nb-NO" sz="1600" i="1" dirty="0"/>
+          </a:p>
+          <a:p>
+            <a:pPr lvl="2"/>
+            <a:r>
+              <a:rPr lang="nb-NO" sz="1200" dirty="0" err="1"/>
+              <a:t>Contains</a:t>
+            </a:r>
+            <a:r>
+              <a:rPr lang="nb-NO" sz="1200" dirty="0"/>
+              <a:t> </a:t>
+            </a:r>
+            <a:r>
+              <a:rPr lang="nb-NO" sz="1200" dirty="0" err="1"/>
+              <a:t>the</a:t>
+            </a:r>
+            <a:r>
+              <a:rPr lang="nb-NO" sz="1200" dirty="0"/>
+              <a:t> </a:t>
+            </a:r>
+            <a:r>
+              <a:rPr lang="nb-NO" sz="1200" dirty="0" err="1"/>
+              <a:t>summary</a:t>
+            </a:r>
+            <a:r>
+              <a:rPr lang="nb-NO" sz="1200" dirty="0"/>
+              <a:t> </a:t>
+            </a:r>
+            <a:r>
+              <a:rPr lang="nb-NO" sz="1200" dirty="0" err="1"/>
+              <a:t>statistics</a:t>
+            </a:r>
+            <a:r>
+              <a:rPr lang="nb-NO" sz="1200" dirty="0"/>
+              <a:t> for </a:t>
+            </a:r>
+            <a:r>
+              <a:rPr lang="nb-NO" sz="1200" dirty="0" err="1"/>
+              <a:t>the</a:t>
+            </a:r>
+            <a:r>
+              <a:rPr lang="nb-NO" sz="1200" dirty="0"/>
+              <a:t> </a:t>
+            </a:r>
+            <a:r>
+              <a:rPr lang="nb-NO" sz="1200" dirty="0" err="1"/>
+              <a:t>model</a:t>
+            </a:r>
+            <a:r>
+              <a:rPr lang="nb-NO" sz="1200" dirty="0"/>
+              <a:t> and </a:t>
+            </a:r>
+            <a:r>
+              <a:rPr lang="nb-NO" sz="1200" dirty="0" err="1"/>
+              <a:t>performance</a:t>
+            </a:r>
+            <a:r>
+              <a:rPr lang="nb-NO" sz="1200" dirty="0"/>
+              <a:t> </a:t>
+            </a:r>
+            <a:r>
+              <a:rPr lang="nb-NO" sz="1200" dirty="0" err="1"/>
+              <a:t>evaluation</a:t>
+            </a:r>
+            <a:endParaRPr lang="nb-NO" sz="1200" dirty="0"/>
+          </a:p>
+          <a:p>
+            <a:pPr lvl="1"/>
+            <a:r>
+              <a:rPr lang="nb-NO" sz="1600" dirty="0"/>
+              <a:t>‘data’ : </a:t>
+            </a:r>
+            <a:r>
+              <a:rPr lang="nb-NO" sz="1600" i="1" dirty="0"/>
+              <a:t>list</a:t>
+            </a:r>
+          </a:p>
+          <a:p>
+            <a:pPr lvl="2"/>
+            <a:r>
+              <a:rPr lang="nb-NO" sz="1200" dirty="0" err="1"/>
+              <a:t>Contains</a:t>
+            </a:r>
+            <a:r>
+              <a:rPr lang="nb-NO" sz="1200" dirty="0"/>
+              <a:t> file </a:t>
+            </a:r>
+            <a:r>
+              <a:rPr lang="nb-NO" sz="1200" dirty="0" err="1"/>
+              <a:t>paths</a:t>
+            </a:r>
+            <a:r>
+              <a:rPr lang="nb-NO" sz="1200" dirty="0"/>
+              <a:t> to </a:t>
+            </a:r>
+            <a:r>
+              <a:rPr lang="nb-NO" sz="1200" dirty="0" err="1"/>
+              <a:t>the</a:t>
+            </a:r>
+            <a:r>
+              <a:rPr lang="nb-NO" sz="1200" dirty="0"/>
+              <a:t> data used for training (</a:t>
+            </a:r>
+            <a:r>
+              <a:rPr lang="nb-NO" sz="1200" dirty="0" err="1"/>
+              <a:t>maybe</a:t>
+            </a:r>
+            <a:r>
+              <a:rPr lang="nb-NO" sz="1200" dirty="0"/>
+              <a:t> </a:t>
+            </a:r>
+            <a:r>
+              <a:rPr lang="nb-NO" sz="1200" dirty="0" err="1"/>
+              <a:t>also</a:t>
+            </a:r>
+            <a:r>
+              <a:rPr lang="nb-NO" sz="1200" dirty="0"/>
+              <a:t> testing) </a:t>
+            </a:r>
+            <a:r>
+              <a:rPr lang="nb-NO" sz="1200" dirty="0" err="1"/>
+              <a:t>the</a:t>
+            </a:r>
+            <a:r>
+              <a:rPr lang="nb-NO" sz="1200" dirty="0"/>
+              <a:t> </a:t>
+            </a:r>
+            <a:r>
+              <a:rPr lang="nb-NO" sz="1200" dirty="0" err="1"/>
+              <a:t>model</a:t>
+            </a:r>
+            <a:endParaRPr lang="nb-NO" sz="1200" dirty="0"/>
+          </a:p>
+          <a:p>
+            <a:pPr lvl="2"/>
+            <a:r>
+              <a:rPr lang="nb-NO" sz="1200" dirty="0"/>
+              <a:t>In </a:t>
+            </a:r>
+            <a:r>
+              <a:rPr lang="nb-NO" sz="1200" dirty="0" err="1"/>
+              <a:t>this</a:t>
+            </a:r>
+            <a:r>
+              <a:rPr lang="nb-NO" sz="1200" dirty="0"/>
+              <a:t> </a:t>
+            </a:r>
+            <a:r>
+              <a:rPr lang="nb-NO" sz="1200" dirty="0" err="1"/>
+              <a:t>way</a:t>
+            </a:r>
+            <a:r>
+              <a:rPr lang="nb-NO" sz="1200" dirty="0"/>
+              <a:t>, </a:t>
+            </a:r>
+            <a:r>
+              <a:rPr lang="nb-NO" sz="1200" dirty="0" err="1"/>
+              <a:t>augmented</a:t>
+            </a:r>
+            <a:r>
+              <a:rPr lang="nb-NO" sz="1200" dirty="0"/>
+              <a:t> data </a:t>
+            </a:r>
+            <a:r>
+              <a:rPr lang="nb-NO" sz="1200" dirty="0" err="1"/>
+              <a:t>sets</a:t>
+            </a:r>
+            <a:r>
+              <a:rPr lang="nb-NO" sz="1200" dirty="0"/>
+              <a:t> </a:t>
+            </a:r>
+            <a:r>
+              <a:rPr lang="nb-NO" sz="1200" dirty="0" err="1"/>
+              <a:t>can</a:t>
+            </a:r>
+            <a:r>
+              <a:rPr lang="nb-NO" sz="1200" dirty="0"/>
+              <a:t> be </a:t>
+            </a:r>
+            <a:r>
+              <a:rPr lang="nb-NO" sz="1200" dirty="0" err="1"/>
+              <a:t>created</a:t>
+            </a:r>
+            <a:r>
+              <a:rPr lang="nb-NO" sz="1200" dirty="0"/>
+              <a:t> </a:t>
+            </a:r>
+            <a:r>
+              <a:rPr lang="nb-NO" sz="1200" dirty="0" err="1"/>
+              <a:t>without</a:t>
+            </a:r>
+            <a:r>
+              <a:rPr lang="nb-NO" sz="1200" dirty="0"/>
+              <a:t> </a:t>
+            </a:r>
+            <a:r>
+              <a:rPr lang="nb-NO" sz="1200" dirty="0" err="1"/>
+              <a:t>getting</a:t>
+            </a:r>
+            <a:r>
+              <a:rPr lang="nb-NO" sz="1200" dirty="0"/>
+              <a:t> </a:t>
+            </a:r>
+            <a:r>
+              <a:rPr lang="nb-NO" sz="1200" dirty="0" err="1"/>
+              <a:t>tied</a:t>
+            </a:r>
+            <a:r>
+              <a:rPr lang="nb-NO" sz="1200" dirty="0"/>
+              <a:t> to a </a:t>
+            </a:r>
+            <a:r>
+              <a:rPr lang="nb-NO" sz="1200" dirty="0" err="1"/>
+              <a:t>particular</a:t>
+            </a:r>
+            <a:r>
+              <a:rPr lang="nb-NO" sz="1200" dirty="0"/>
+              <a:t> </a:t>
+            </a:r>
+            <a:r>
+              <a:rPr lang="nb-NO" sz="1200" dirty="0" err="1"/>
+              <a:t>model</a:t>
+            </a:r>
+            <a:r>
+              <a:rPr lang="nb-NO" sz="1200" dirty="0"/>
+              <a:t> </a:t>
+            </a:r>
+            <a:r>
+              <a:rPr lang="nb-NO" sz="1200" dirty="0" err="1"/>
+              <a:t>instance</a:t>
+            </a:r>
+            <a:endParaRPr lang="nb-NO" sz="1200" dirty="0"/>
+          </a:p>
+          <a:p>
+            <a:endParaRPr lang="nb-NO" sz="1800" dirty="0"/>
+          </a:p>
+          <a:p>
+            <a:r>
+              <a:rPr lang="nb-NO" sz="1800" dirty="0"/>
+              <a:t>I </a:t>
+            </a:r>
+            <a:r>
+              <a:rPr lang="nb-NO" sz="1800" dirty="0" err="1"/>
+              <a:t>may</a:t>
+            </a:r>
+            <a:r>
+              <a:rPr lang="nb-NO" sz="1800" dirty="0"/>
+              <a:t> </a:t>
+            </a:r>
+            <a:r>
+              <a:rPr lang="nb-NO" sz="1800" dirty="0" err="1"/>
+              <a:t>decide</a:t>
+            </a:r>
+            <a:r>
+              <a:rPr lang="nb-NO" sz="1800" dirty="0"/>
+              <a:t> </a:t>
+            </a:r>
+            <a:r>
+              <a:rPr lang="nb-NO" sz="1800" dirty="0" err="1"/>
+              <a:t>on</a:t>
+            </a:r>
+            <a:r>
+              <a:rPr lang="nb-NO" sz="1800" dirty="0"/>
+              <a:t> a </a:t>
+            </a:r>
+            <a:r>
+              <a:rPr lang="nb-NO" sz="1800" dirty="0" err="1"/>
+              <a:t>better</a:t>
+            </a:r>
+            <a:r>
+              <a:rPr lang="nb-NO" sz="1800" dirty="0"/>
+              <a:t> </a:t>
+            </a:r>
+            <a:r>
+              <a:rPr lang="nb-NO" sz="1800" dirty="0" err="1"/>
+              <a:t>name</a:t>
+            </a:r>
+            <a:r>
+              <a:rPr lang="nb-NO" sz="1800" dirty="0"/>
+              <a:t> for </a:t>
+            </a:r>
+            <a:r>
+              <a:rPr lang="nb-NO" sz="1800" dirty="0" err="1"/>
+              <a:t>this</a:t>
+            </a:r>
+            <a:r>
+              <a:rPr lang="nb-NO" sz="1800" dirty="0"/>
+              <a:t> file </a:t>
+            </a:r>
+            <a:r>
+              <a:rPr lang="nb-NO" sz="1800" dirty="0" err="1"/>
+              <a:t>before</a:t>
+            </a:r>
+            <a:r>
+              <a:rPr lang="nb-NO" sz="1800" dirty="0"/>
+              <a:t> I start to </a:t>
+            </a:r>
+            <a:r>
+              <a:rPr lang="nb-NO" sz="1800" dirty="0" err="1"/>
+              <a:t>train</a:t>
+            </a:r>
+            <a:r>
+              <a:rPr lang="nb-NO" sz="1800" dirty="0"/>
+              <a:t> </a:t>
+            </a:r>
+            <a:r>
+              <a:rPr lang="nb-NO" sz="1800" dirty="0" err="1"/>
+              <a:t>the</a:t>
+            </a:r>
+            <a:r>
+              <a:rPr lang="nb-NO" sz="1800" dirty="0"/>
+              <a:t> </a:t>
+            </a:r>
+            <a:r>
+              <a:rPr lang="nb-NO" sz="1800" dirty="0" err="1"/>
+              <a:t>models</a:t>
+            </a:r>
+            <a:r>
+              <a:rPr lang="nb-NO" sz="1800" dirty="0"/>
+              <a:t>…</a:t>
+            </a:r>
+          </a:p>
+          <a:p>
+            <a:pPr lvl="2"/>
+            <a:endParaRPr lang="en-GB" sz="1200" dirty="0"/>
           </a:p>
         </p:txBody>
       </p:sp>
@@ -9084,10 +9507,85 @@
               <a:t> in folders by </a:t>
             </a:r>
             <a:r>
-              <a:rPr lang="nb-NO" sz="1600" dirty="0" err="1"/>
+              <a:rPr lang="nb-NO" sz="1600" i="1" dirty="0" err="1"/>
               <a:t>datetime</a:t>
             </a:r>
-            <a:endParaRPr lang="nb-NO" sz="1600" dirty="0"/>
+            <a:endParaRPr lang="nb-NO" sz="1600" i="1" dirty="0"/>
+          </a:p>
+          <a:p>
+            <a:pPr lvl="2"/>
+            <a:r>
+              <a:rPr lang="nb-NO" sz="1200" dirty="0" err="1"/>
+              <a:t>That</a:t>
+            </a:r>
+            <a:r>
+              <a:rPr lang="nb-NO" sz="1200" dirty="0"/>
+              <a:t> </a:t>
+            </a:r>
+            <a:r>
+              <a:rPr lang="nb-NO" sz="1200" dirty="0" err="1"/>
+              <a:t>way</a:t>
+            </a:r>
+            <a:r>
+              <a:rPr lang="nb-NO" sz="1200" dirty="0"/>
+              <a:t>, all </a:t>
+            </a:r>
+            <a:r>
+              <a:rPr lang="nb-NO" sz="1200" dirty="0" err="1"/>
+              <a:t>models</a:t>
+            </a:r>
+            <a:r>
+              <a:rPr lang="nb-NO" sz="1200" dirty="0"/>
+              <a:t> </a:t>
+            </a:r>
+            <a:r>
+              <a:rPr lang="nb-NO" sz="1200" dirty="0" err="1"/>
+              <a:t>will</a:t>
+            </a:r>
+            <a:r>
+              <a:rPr lang="nb-NO" sz="1200" dirty="0"/>
+              <a:t> have </a:t>
+            </a:r>
+            <a:r>
+              <a:rPr lang="nb-NO" sz="1200" dirty="0" err="1"/>
+              <a:t>unique</a:t>
+            </a:r>
+            <a:r>
+              <a:rPr lang="nb-NO" sz="1200" dirty="0"/>
+              <a:t> </a:t>
+            </a:r>
+            <a:r>
+              <a:rPr lang="nb-NO" sz="1200" dirty="0" err="1"/>
+              <a:t>names</a:t>
+            </a:r>
+            <a:r>
+              <a:rPr lang="nb-NO" sz="1200" dirty="0"/>
+              <a:t>; </a:t>
+            </a:r>
+            <a:r>
+              <a:rPr lang="nb-NO" sz="1200" b="1" dirty="0" err="1"/>
+              <a:t>Maybe</a:t>
+            </a:r>
+            <a:r>
+              <a:rPr lang="nb-NO" sz="1200" b="1" dirty="0"/>
+              <a:t> I </a:t>
+            </a:r>
+            <a:r>
+              <a:rPr lang="nb-NO" sz="1200" b="1" dirty="0" err="1"/>
+              <a:t>should</a:t>
+            </a:r>
+            <a:r>
+              <a:rPr lang="nb-NO" sz="1200" b="1" dirty="0"/>
+              <a:t> </a:t>
+            </a:r>
+            <a:r>
+              <a:rPr lang="nb-NO" sz="1200" b="1" dirty="0" err="1"/>
+              <a:t>create</a:t>
+            </a:r>
+            <a:r>
+              <a:rPr lang="nb-NO" sz="1200" b="1" dirty="0"/>
+              <a:t> a UID</a:t>
+            </a:r>
           </a:p>
           <a:p>
             <a:pPr lvl="1"/>

--- a/Meeting Presentations/15.09.2022_ML Meeting.pptx
+++ b/Meeting Presentations/15.09.2022_ML Meeting.pptx
@@ -14,7 +14,8 @@
     <p:sldId id="259" r:id="rId8"/>
     <p:sldId id="258" r:id="rId9"/>
     <p:sldId id="262" r:id="rId10"/>
-    <p:sldId id="260" r:id="rId11"/>
+    <p:sldId id="266" r:id="rId11"/>
+    <p:sldId id="260" r:id="rId12"/>
   </p:sldIdLst>
   <p:sldSz cx="12192000" cy="6858000"/>
   <p:notesSz cx="6858000" cy="9144000"/>
@@ -113,6 +114,11 @@
       </a:defRPr>
     </a:lvl9pPr>
   </p:defaultTextStyle>
+  <p:extLst>
+    <p:ext uri="{EFAFB233-063F-42B5-8137-9DF3F51BA10A}">
+      <p15:sldGuideLst xmlns:p15="http://schemas.microsoft.com/office/powerpoint/2012/main"/>
+    </p:ext>
+  </p:extLst>
 </p:presentation>
 </file>
 
@@ -265,7 +271,7 @@
           <a:p>
             <a:fld id="{071A3C2B-3F22-4204-A663-520AACC933AB}" type="datetimeFigureOut">
               <a:rPr lang="en-GB" smtClean="0"/>
-              <a:t>07/09/2022</a:t>
+              <a:t>08/09/2022</a:t>
             </a:fld>
             <a:endParaRPr lang="en-GB"/>
           </a:p>
@@ -465,7 +471,7 @@
           <a:p>
             <a:fld id="{071A3C2B-3F22-4204-A663-520AACC933AB}" type="datetimeFigureOut">
               <a:rPr lang="en-GB" smtClean="0"/>
-              <a:t>07/09/2022</a:t>
+              <a:t>08/09/2022</a:t>
             </a:fld>
             <a:endParaRPr lang="en-GB"/>
           </a:p>
@@ -675,7 +681,7 @@
           <a:p>
             <a:fld id="{071A3C2B-3F22-4204-A663-520AACC933AB}" type="datetimeFigureOut">
               <a:rPr lang="en-GB" smtClean="0"/>
-              <a:t>07/09/2022</a:t>
+              <a:t>08/09/2022</a:t>
             </a:fld>
             <a:endParaRPr lang="en-GB"/>
           </a:p>
@@ -875,7 +881,7 @@
           <a:p>
             <a:fld id="{071A3C2B-3F22-4204-A663-520AACC933AB}" type="datetimeFigureOut">
               <a:rPr lang="en-GB" smtClean="0"/>
-              <a:t>07/09/2022</a:t>
+              <a:t>08/09/2022</a:t>
             </a:fld>
             <a:endParaRPr lang="en-GB"/>
           </a:p>
@@ -1151,7 +1157,7 @@
           <a:p>
             <a:fld id="{071A3C2B-3F22-4204-A663-520AACC933AB}" type="datetimeFigureOut">
               <a:rPr lang="en-GB" smtClean="0"/>
-              <a:t>07/09/2022</a:t>
+              <a:t>08/09/2022</a:t>
             </a:fld>
             <a:endParaRPr lang="en-GB"/>
           </a:p>
@@ -1419,7 +1425,7 @@
           <a:p>
             <a:fld id="{071A3C2B-3F22-4204-A663-520AACC933AB}" type="datetimeFigureOut">
               <a:rPr lang="en-GB" smtClean="0"/>
-              <a:t>07/09/2022</a:t>
+              <a:t>08/09/2022</a:t>
             </a:fld>
             <a:endParaRPr lang="en-GB"/>
           </a:p>
@@ -1834,7 +1840,7 @@
           <a:p>
             <a:fld id="{071A3C2B-3F22-4204-A663-520AACC933AB}" type="datetimeFigureOut">
               <a:rPr lang="en-GB" smtClean="0"/>
-              <a:t>07/09/2022</a:t>
+              <a:t>08/09/2022</a:t>
             </a:fld>
             <a:endParaRPr lang="en-GB"/>
           </a:p>
@@ -1976,7 +1982,7 @@
           <a:p>
             <a:fld id="{071A3C2B-3F22-4204-A663-520AACC933AB}" type="datetimeFigureOut">
               <a:rPr lang="en-GB" smtClean="0"/>
-              <a:t>07/09/2022</a:t>
+              <a:t>08/09/2022</a:t>
             </a:fld>
             <a:endParaRPr lang="en-GB"/>
           </a:p>
@@ -2089,7 +2095,7 @@
           <a:p>
             <a:fld id="{071A3C2B-3F22-4204-A663-520AACC933AB}" type="datetimeFigureOut">
               <a:rPr lang="en-GB" smtClean="0"/>
-              <a:t>07/09/2022</a:t>
+              <a:t>08/09/2022</a:t>
             </a:fld>
             <a:endParaRPr lang="en-GB"/>
           </a:p>
@@ -2402,7 +2408,7 @@
           <a:p>
             <a:fld id="{071A3C2B-3F22-4204-A663-520AACC933AB}" type="datetimeFigureOut">
               <a:rPr lang="en-GB" smtClean="0"/>
-              <a:t>07/09/2022</a:t>
+              <a:t>08/09/2022</a:t>
             </a:fld>
             <a:endParaRPr lang="en-GB"/>
           </a:p>
@@ -2691,7 +2697,7 @@
           <a:p>
             <a:fld id="{071A3C2B-3F22-4204-A663-520AACC933AB}" type="datetimeFigureOut">
               <a:rPr lang="en-GB" smtClean="0"/>
-              <a:t>07/09/2022</a:t>
+              <a:t>08/09/2022</a:t>
             </a:fld>
             <a:endParaRPr lang="en-GB"/>
           </a:p>
@@ -2934,7 +2940,7 @@
           <a:p>
             <a:fld id="{071A3C2B-3F22-4204-A663-520AACC933AB}" type="datetimeFigureOut">
               <a:rPr lang="en-GB" smtClean="0"/>
-              <a:t>07/09/2022</a:t>
+              <a:t>08/09/2022</a:t>
             </a:fld>
             <a:endParaRPr lang="en-GB"/>
           </a:p>
@@ -4380,7 +4386,7 @@
           <p:cNvPr id="2" name="Title 1">
             <a:extLst>
               <a:ext uri="{FF2B5EF4-FFF2-40B4-BE49-F238E27FC236}">
-                <a16:creationId xmlns:a16="http://schemas.microsoft.com/office/drawing/2014/main" id="{F6FAB5C0-EDED-4E5D-9D77-3386F7E5BBF3}"/>
+                <a16:creationId xmlns:a16="http://schemas.microsoft.com/office/drawing/2014/main" id="{CCCCF8C1-483F-4BE5-A4A1-B6A450E79F41}"/>
               </a:ext>
             </a:extLst>
           </p:cNvPr>
@@ -4409,7 +4415,7 @@
                   <a:srgbClr val="FFFFFF"/>
                 </a:solidFill>
               </a:rPr>
-              <a:t>Next</a:t>
+              <a:t>What</a:t>
             </a:r>
             <a:r>
               <a:rPr lang="nb-NO" sz="4000" dirty="0">
@@ -4417,15 +4423,7 @@
                   <a:srgbClr val="FFFFFF"/>
                 </a:solidFill>
               </a:rPr>
-              <a:t> </a:t>
-            </a:r>
-            <a:r>
-              <a:rPr lang="nb-NO" sz="4000" dirty="0" err="1">
-                <a:solidFill>
-                  <a:srgbClr val="FFFFFF"/>
-                </a:solidFill>
-              </a:rPr>
-              <a:t>meeting</a:t>
+              <a:t> to run?</a:t>
             </a:r>
             <a:endParaRPr lang="en-GB" sz="4000" dirty="0">
               <a:solidFill>
@@ -4440,7 +4438,7 @@
           <p:cNvPr id="3" name="Content Placeholder 2">
             <a:extLst>
               <a:ext uri="{FF2B5EF4-FFF2-40B4-BE49-F238E27FC236}">
-                <a16:creationId xmlns:a16="http://schemas.microsoft.com/office/drawing/2014/main" id="{0B0C8338-C8EC-448D-A305-9E6E9B704004}"/>
+                <a16:creationId xmlns:a16="http://schemas.microsoft.com/office/drawing/2014/main" id="{E5CD9A0B-5851-473C-AAFE-5D5C8DC9A145}"/>
               </a:ext>
             </a:extLst>
           </p:cNvPr>
@@ -4464,67 +4462,317 @@
           <a:lstStyle/>
           <a:p>
             <a:r>
-              <a:rPr lang="nb-NO" sz="3200" dirty="0"/>
-              <a:t>General Meeting: </a:t>
-            </a:r>
-            <a:r>
-              <a:rPr lang="nb-NO" sz="3200" b="1" dirty="0"/>
-              <a:t>5/10 2022</a:t>
-            </a:r>
-          </a:p>
-          <a:p>
-            <a:r>
-              <a:rPr lang="nb-NO" sz="2000" dirty="0" err="1"/>
-              <a:t>There</a:t>
-            </a:r>
-            <a:r>
-              <a:rPr lang="nb-NO" sz="2000" dirty="0"/>
-              <a:t> </a:t>
-            </a:r>
-            <a:r>
-              <a:rPr lang="nb-NO" sz="2000" dirty="0" err="1"/>
-              <a:t>may</a:t>
-            </a:r>
-            <a:r>
-              <a:rPr lang="nb-NO" sz="2000" dirty="0"/>
-              <a:t> be a </a:t>
-            </a:r>
-            <a:r>
-              <a:rPr lang="nb-NO" sz="2000" dirty="0" err="1"/>
-              <a:t>meeting</a:t>
-            </a:r>
-            <a:r>
-              <a:rPr lang="nb-NO" sz="2000" dirty="0"/>
-              <a:t> </a:t>
-            </a:r>
-            <a:r>
-              <a:rPr lang="nb-NO" sz="2000" dirty="0" err="1"/>
-              <a:t>before</a:t>
-            </a:r>
-            <a:r>
-              <a:rPr lang="nb-NO" sz="2000" dirty="0"/>
-              <a:t> </a:t>
-            </a:r>
-            <a:r>
-              <a:rPr lang="nb-NO" sz="2000" dirty="0" err="1"/>
-              <a:t>this</a:t>
-            </a:r>
-            <a:r>
-              <a:rPr lang="nb-NO" sz="2000" dirty="0"/>
-              <a:t> time as </a:t>
-            </a:r>
-            <a:r>
-              <a:rPr lang="nb-NO" sz="2000" dirty="0" err="1"/>
-              <a:t>well</a:t>
-            </a:r>
-            <a:endParaRPr lang="en-GB" sz="2000" dirty="0"/>
+              <a:rPr lang="nb-NO" sz="2000" dirty="0"/>
+              <a:t>This is </a:t>
+            </a:r>
+            <a:r>
+              <a:rPr lang="nb-NO" sz="2000" dirty="0" err="1"/>
+              <a:t>about</a:t>
+            </a:r>
+            <a:r>
+              <a:rPr lang="nb-NO" sz="2000" dirty="0"/>
+              <a:t> </a:t>
+            </a:r>
+            <a:r>
+              <a:rPr lang="nb-NO" sz="2000" dirty="0" err="1"/>
+              <a:t>navigating</a:t>
+            </a:r>
+            <a:r>
+              <a:rPr lang="nb-NO" sz="2000" dirty="0"/>
+              <a:t> </a:t>
+            </a:r>
+            <a:r>
+              <a:rPr lang="nb-NO" sz="2000" dirty="0" err="1"/>
+              <a:t>the</a:t>
+            </a:r>
+            <a:r>
+              <a:rPr lang="nb-NO" sz="2000" dirty="0"/>
+              <a:t> different </a:t>
+            </a:r>
+            <a:r>
+              <a:rPr lang="nb-NO" sz="2000" dirty="0" err="1"/>
+              <a:t>permutations</a:t>
+            </a:r>
+            <a:r>
+              <a:rPr lang="nb-NO" sz="2000" dirty="0"/>
+              <a:t> </a:t>
+            </a:r>
+            <a:r>
+              <a:rPr lang="nb-NO" sz="2000" dirty="0" err="1"/>
+              <a:t>of</a:t>
+            </a:r>
+            <a:r>
+              <a:rPr lang="nb-NO" sz="2000" dirty="0"/>
+              <a:t> </a:t>
+            </a:r>
+            <a:r>
+              <a:rPr lang="nb-NO" sz="2000" dirty="0" err="1"/>
+              <a:t>model</a:t>
+            </a:r>
+            <a:r>
+              <a:rPr lang="nb-NO" sz="2000" dirty="0"/>
+              <a:t> </a:t>
+            </a:r>
+            <a:r>
+              <a:rPr lang="nb-NO" sz="2000" dirty="0" err="1"/>
+              <a:t>setups</a:t>
+            </a:r>
+            <a:endParaRPr lang="nb-NO" sz="2000" dirty="0"/>
+          </a:p>
+          <a:p>
+            <a:r>
+              <a:rPr lang="nb-NO" sz="2000" dirty="0"/>
+              <a:t>For all combinations </a:t>
+            </a:r>
+            <a:r>
+              <a:rPr lang="nb-NO" sz="2000" dirty="0" err="1"/>
+              <a:t>of</a:t>
+            </a:r>
+            <a:r>
+              <a:rPr lang="nb-NO" sz="2000" dirty="0"/>
+              <a:t> ML parameters (</a:t>
+            </a:r>
+            <a:r>
+              <a:rPr lang="nb-NO" sz="2000" dirty="0" err="1"/>
+              <a:t>e.g</a:t>
+            </a:r>
+            <a:r>
+              <a:rPr lang="nb-NO" sz="2000" dirty="0"/>
+              <a:t> hyperparameter </a:t>
+            </a:r>
+            <a:r>
+              <a:rPr lang="nb-NO" sz="2000" dirty="0" err="1"/>
+              <a:t>tweak</a:t>
+            </a:r>
+            <a:r>
+              <a:rPr lang="nb-NO" sz="2000" dirty="0"/>
+              <a:t>, </a:t>
+            </a:r>
+            <a:r>
+              <a:rPr lang="nb-NO" sz="2000" dirty="0" err="1"/>
+              <a:t>epochs</a:t>
+            </a:r>
+            <a:r>
+              <a:rPr lang="nb-NO" sz="2000" dirty="0"/>
+              <a:t>, </a:t>
+            </a:r>
+            <a:r>
+              <a:rPr lang="nb-NO" sz="2000" dirty="0" err="1"/>
+              <a:t>batches</a:t>
+            </a:r>
+            <a:r>
+              <a:rPr lang="nb-NO" sz="2000" dirty="0"/>
+              <a:t>, </a:t>
+            </a:r>
+            <a:r>
+              <a:rPr lang="nb-NO" sz="2000" dirty="0" err="1"/>
+              <a:t>learn</a:t>
+            </a:r>
+            <a:r>
+              <a:rPr lang="nb-NO" sz="2000" dirty="0"/>
+              <a:t> rate etc. )</a:t>
+            </a:r>
+          </a:p>
+          <a:p>
+            <a:pPr lvl="1"/>
+            <a:r>
+              <a:rPr lang="nb-NO" sz="1600" dirty="0" err="1"/>
+              <a:t>Initialize</a:t>
+            </a:r>
+            <a:r>
+              <a:rPr lang="nb-NO" sz="1600" dirty="0"/>
+              <a:t> </a:t>
+            </a:r>
+            <a:r>
+              <a:rPr lang="nb-NO" sz="1600" dirty="0" err="1"/>
+              <a:t>on</a:t>
+            </a:r>
+            <a:r>
+              <a:rPr lang="nb-NO" sz="1600" dirty="0"/>
+              <a:t> </a:t>
+            </a:r>
+            <a:r>
+              <a:rPr lang="nb-NO" sz="1600" dirty="0" err="1"/>
+              <a:t>the</a:t>
+            </a:r>
+            <a:r>
+              <a:rPr lang="nb-NO" sz="1600" dirty="0"/>
+              <a:t> </a:t>
+            </a:r>
+            <a:r>
+              <a:rPr lang="nb-NO" sz="1600" dirty="0" err="1"/>
+              <a:t>three</a:t>
+            </a:r>
+            <a:r>
+              <a:rPr lang="nb-NO" sz="1600" dirty="0"/>
+              <a:t> best </a:t>
+            </a:r>
+            <a:r>
+              <a:rPr lang="nb-NO" sz="1600" dirty="0" err="1"/>
+              <a:t>performing</a:t>
+            </a:r>
+            <a:r>
+              <a:rPr lang="nb-NO" sz="1600" dirty="0"/>
+              <a:t>, and random</a:t>
+            </a:r>
+          </a:p>
+          <a:p>
+            <a:pPr lvl="1"/>
+            <a:r>
+              <a:rPr lang="nb-NO" sz="1600" dirty="0" err="1"/>
+              <a:t>Try</a:t>
+            </a:r>
+            <a:r>
+              <a:rPr lang="nb-NO" sz="1600" dirty="0"/>
+              <a:t> </a:t>
+            </a:r>
+            <a:r>
+              <a:rPr lang="nb-NO" sz="1600" dirty="0" err="1"/>
+              <a:t>using</a:t>
+            </a:r>
+            <a:r>
+              <a:rPr lang="nb-NO" sz="1600" dirty="0"/>
+              <a:t> </a:t>
+            </a:r>
+            <a:r>
+              <a:rPr lang="nb-NO" sz="1600" dirty="0" err="1"/>
+              <a:t>boreholes</a:t>
+            </a:r>
+            <a:r>
+              <a:rPr lang="nb-NO" sz="1600" dirty="0"/>
+              <a:t> </a:t>
+            </a:r>
+            <a:r>
+              <a:rPr lang="nb-NO" sz="1600" dirty="0" err="1"/>
+              <a:t>only</a:t>
+            </a:r>
+            <a:endParaRPr lang="nb-NO" sz="1600" dirty="0"/>
+          </a:p>
+          <a:p>
+            <a:pPr lvl="1"/>
+            <a:r>
+              <a:rPr lang="nb-NO" sz="1600" dirty="0" err="1"/>
+              <a:t>Try</a:t>
+            </a:r>
+            <a:r>
+              <a:rPr lang="nb-NO" sz="1600" dirty="0"/>
+              <a:t> </a:t>
+            </a:r>
+            <a:r>
+              <a:rPr lang="nb-NO" sz="1600" dirty="0" err="1"/>
+              <a:t>handpicked</a:t>
+            </a:r>
+            <a:r>
+              <a:rPr lang="nb-NO" sz="1600" dirty="0"/>
+              <a:t> traces, w/ </a:t>
+            </a:r>
+            <a:r>
+              <a:rPr lang="nb-NO" sz="1600" dirty="0" err="1"/>
+              <a:t>genetic</a:t>
+            </a:r>
+            <a:r>
+              <a:rPr lang="nb-NO" sz="1600" dirty="0"/>
+              <a:t> </a:t>
+            </a:r>
+            <a:r>
+              <a:rPr lang="nb-NO" sz="1600" dirty="0" err="1"/>
+              <a:t>algorithm</a:t>
+            </a:r>
+            <a:endParaRPr lang="nb-NO" sz="1600" dirty="0"/>
+          </a:p>
+          <a:p>
+            <a:pPr lvl="1"/>
+            <a:r>
+              <a:rPr lang="nb-NO" sz="1600" dirty="0" err="1"/>
+              <a:t>Try</a:t>
+            </a:r>
+            <a:r>
+              <a:rPr lang="nb-NO" sz="1600" dirty="0"/>
+              <a:t> 1D and 2D</a:t>
+            </a:r>
+          </a:p>
+          <a:p>
+            <a:pPr lvl="1"/>
+            <a:r>
+              <a:rPr lang="nb-NO" sz="1600" dirty="0" err="1"/>
+              <a:t>Weight</a:t>
+            </a:r>
+            <a:r>
+              <a:rPr lang="nb-NO" sz="1600" dirty="0"/>
+              <a:t> </a:t>
+            </a:r>
+            <a:r>
+              <a:rPr lang="nb-NO" sz="1600" dirty="0" err="1"/>
+              <a:t>sharing</a:t>
+            </a:r>
+            <a:r>
+              <a:rPr lang="nb-NO" sz="1600" dirty="0"/>
+              <a:t> – </a:t>
+            </a:r>
+            <a:r>
+              <a:rPr lang="nb-NO" sz="1600" dirty="0" err="1"/>
+              <a:t>no</a:t>
+            </a:r>
+            <a:r>
+              <a:rPr lang="nb-NO" sz="1600" dirty="0"/>
+              <a:t> </a:t>
+            </a:r>
+            <a:r>
+              <a:rPr lang="nb-NO" sz="1600" dirty="0" err="1"/>
+              <a:t>weight</a:t>
+            </a:r>
+            <a:r>
+              <a:rPr lang="nb-NO" sz="1600" dirty="0"/>
+              <a:t> </a:t>
+            </a:r>
+            <a:r>
+              <a:rPr lang="nb-NO" sz="1600" dirty="0" err="1"/>
+              <a:t>sharing</a:t>
+            </a:r>
+            <a:endParaRPr lang="nb-NO" sz="1600" dirty="0"/>
+          </a:p>
+          <a:p>
+            <a:pPr lvl="1"/>
+            <a:r>
+              <a:rPr lang="nb-NO" sz="1600" dirty="0"/>
+              <a:t>Levels </a:t>
+            </a:r>
+            <a:r>
+              <a:rPr lang="nb-NO" sz="1600" dirty="0" err="1"/>
+              <a:t>of</a:t>
+            </a:r>
+            <a:r>
+              <a:rPr lang="nb-NO" sz="1600" dirty="0"/>
+              <a:t> random </a:t>
+            </a:r>
+            <a:r>
+              <a:rPr lang="nb-NO" sz="1600" dirty="0" err="1"/>
+              <a:t>noise</a:t>
+            </a:r>
+            <a:endParaRPr lang="nb-NO" sz="1600" dirty="0"/>
+          </a:p>
+          <a:p>
+            <a:pPr lvl="1"/>
+            <a:r>
+              <a:rPr lang="nb-NO" sz="1600" dirty="0" err="1"/>
+              <a:t>Feature</a:t>
+            </a:r>
+            <a:r>
+              <a:rPr lang="nb-NO" sz="1600" dirty="0"/>
+              <a:t> </a:t>
+            </a:r>
+            <a:r>
+              <a:rPr lang="nb-NO" sz="1600" dirty="0" err="1"/>
+              <a:t>augmentation</a:t>
+            </a:r>
+            <a:endParaRPr lang="en-GB" sz="1600" dirty="0"/>
           </a:p>
         </p:txBody>
       </p:sp>
     </p:spTree>
     <p:extLst>
       <p:ext uri="{BB962C8B-B14F-4D97-AF65-F5344CB8AC3E}">
-        <p14:creationId xmlns:p14="http://schemas.microsoft.com/office/powerpoint/2010/main" val="2068425649"/>
+        <p14:creationId xmlns:p14="http://schemas.microsoft.com/office/powerpoint/2010/main" val="713500511"/>
       </p:ext>
     </p:extLst>
   </p:cSld>
@@ -4534,7 +4782,7 @@
 </p:sld>
 </file>
 
-<file path=ppt/slides/slide2.xml><?xml version="1.0" encoding="utf-8"?>
+<file path=ppt/slides/slide11.xml><?xml version="1.0" encoding="utf-8"?>
 <p:sld xmlns:a="http://schemas.openxmlformats.org/drawingml/2006/main" xmlns:r="http://schemas.openxmlformats.org/officeDocument/2006/relationships" xmlns:p="http://schemas.openxmlformats.org/presentationml/2006/main">
   <p:cSld>
     <p:bg>
@@ -4940,7 +5188,7 @@
           <p:cNvPr id="2" name="Title 1">
             <a:extLst>
               <a:ext uri="{FF2B5EF4-FFF2-40B4-BE49-F238E27FC236}">
-                <a16:creationId xmlns:a16="http://schemas.microsoft.com/office/drawing/2014/main" id="{4063C3B5-B407-494C-8550-9EC2F0C3D108}"/>
+                <a16:creationId xmlns:a16="http://schemas.microsoft.com/office/drawing/2014/main" id="{F6FAB5C0-EDED-4E5D-9D77-3386F7E5BBF3}"/>
               </a:ext>
             </a:extLst>
           </p:cNvPr>
@@ -4964,12 +5212,28 @@
           <a:lstStyle/>
           <a:p>
             <a:r>
+              <a:rPr lang="nb-NO" sz="4000" dirty="0" err="1">
+                <a:solidFill>
+                  <a:srgbClr val="FFFFFF"/>
+                </a:solidFill>
+              </a:rPr>
+              <a:t>Next</a:t>
+            </a:r>
+            <a:r>
               <a:rPr lang="nb-NO" sz="4000" dirty="0">
                 <a:solidFill>
                   <a:srgbClr val="FFFFFF"/>
                 </a:solidFill>
               </a:rPr>
-              <a:t>Purpose</a:t>
+              <a:t> </a:t>
+            </a:r>
+            <a:r>
+              <a:rPr lang="nb-NO" sz="4000" dirty="0" err="1">
+                <a:solidFill>
+                  <a:srgbClr val="FFFFFF"/>
+                </a:solidFill>
+              </a:rPr>
+              <a:t>meeting</a:t>
             </a:r>
             <a:endParaRPr lang="en-GB" sz="4000" dirty="0">
               <a:solidFill>
@@ -4984,7 +5248,7 @@
           <p:cNvPr id="3" name="Content Placeholder 2">
             <a:extLst>
               <a:ext uri="{FF2B5EF4-FFF2-40B4-BE49-F238E27FC236}">
-                <a16:creationId xmlns:a16="http://schemas.microsoft.com/office/drawing/2014/main" id="{BA2DB92D-6928-414C-80EA-824A7B8FDB09}"/>
+                <a16:creationId xmlns:a16="http://schemas.microsoft.com/office/drawing/2014/main" id="{0B0C8338-C8EC-448D-A305-9E6E9B704004}"/>
               </a:ext>
             </a:extLst>
           </p:cNvPr>
@@ -5008,78 +5272,59 @@
           <a:lstStyle/>
           <a:p>
             <a:r>
-              <a:rPr lang="nb-NO" sz="2000" dirty="0" err="1"/>
-              <a:t>Demonstrate</a:t>
-            </a:r>
-            <a:r>
-              <a:rPr lang="nb-NO" sz="2000" dirty="0"/>
-              <a:t> </a:t>
-            </a:r>
-            <a:r>
-              <a:rPr lang="nb-NO" sz="2000" dirty="0" err="1"/>
-              <a:t>the</a:t>
-            </a:r>
-            <a:r>
-              <a:rPr lang="nb-NO" sz="2000" dirty="0"/>
-              <a:t> </a:t>
-            </a:r>
-            <a:r>
-              <a:rPr lang="nb-NO" sz="2000" dirty="0" err="1"/>
-              <a:t>infrastructure</a:t>
-            </a:r>
-            <a:endParaRPr lang="nb-NO" sz="2000" dirty="0"/>
-          </a:p>
-          <a:p>
-            <a:r>
-              <a:rPr lang="nb-NO" sz="2000" dirty="0" err="1"/>
-              <a:t>Performance</a:t>
-            </a:r>
-            <a:r>
-              <a:rPr lang="nb-NO" sz="2000" dirty="0"/>
-              <a:t> </a:t>
-            </a:r>
-            <a:r>
-              <a:rPr lang="nb-NO" sz="2000" dirty="0" err="1"/>
-              <a:t>evaluation</a:t>
-            </a:r>
-            <a:endParaRPr lang="nb-NO" sz="2000" dirty="0"/>
-          </a:p>
-          <a:p>
-            <a:pPr lvl="1"/>
-            <a:r>
-              <a:rPr lang="nb-NO" sz="1600" dirty="0"/>
-              <a:t>Visual </a:t>
-            </a:r>
-            <a:r>
-              <a:rPr lang="nb-NO" sz="1600" dirty="0" err="1"/>
-              <a:t>comparison</a:t>
-            </a:r>
-            <a:endParaRPr lang="nb-NO" sz="1600" dirty="0"/>
-          </a:p>
-          <a:p>
-            <a:r>
-              <a:rPr lang="nb-NO" sz="2000" dirty="0"/>
-              <a:t>Model </a:t>
-            </a:r>
-            <a:r>
-              <a:rPr lang="nb-NO" sz="2000" dirty="0" err="1"/>
-              <a:t>storage</a:t>
-            </a:r>
-            <a:endParaRPr lang="nb-NO" sz="2000" dirty="0"/>
-          </a:p>
-          <a:p>
-            <a:pPr lvl="1"/>
-            <a:r>
-              <a:rPr lang="nb-NO" sz="1600" dirty="0"/>
-              <a:t>Transfer </a:t>
-            </a:r>
-            <a:r>
-              <a:rPr lang="nb-NO" sz="1600" dirty="0" err="1"/>
-              <a:t>learning</a:t>
-            </a:r>
-            <a:endParaRPr lang="nb-NO" sz="1600" dirty="0"/>
-          </a:p>
-          <a:p>
+              <a:rPr lang="nb-NO" sz="3200" dirty="0"/>
+              <a:t>General Meeting: </a:t>
+            </a:r>
+            <a:r>
+              <a:rPr lang="nb-NO" sz="3200" b="1" dirty="0"/>
+              <a:t>5/10 2022</a:t>
+            </a:r>
+          </a:p>
+          <a:p>
+            <a:r>
+              <a:rPr lang="nb-NO" sz="2000" dirty="0" err="1"/>
+              <a:t>There</a:t>
+            </a:r>
+            <a:r>
+              <a:rPr lang="nb-NO" sz="2000" dirty="0"/>
+              <a:t> </a:t>
+            </a:r>
+            <a:r>
+              <a:rPr lang="nb-NO" sz="2000" dirty="0" err="1"/>
+              <a:t>may</a:t>
+            </a:r>
+            <a:r>
+              <a:rPr lang="nb-NO" sz="2000" dirty="0"/>
+              <a:t> be a </a:t>
+            </a:r>
+            <a:r>
+              <a:rPr lang="nb-NO" sz="2000" dirty="0" err="1"/>
+              <a:t>meeting</a:t>
+            </a:r>
+            <a:r>
+              <a:rPr lang="nb-NO" sz="2000" dirty="0"/>
+              <a:t> </a:t>
+            </a:r>
+            <a:r>
+              <a:rPr lang="nb-NO" sz="2000" dirty="0" err="1"/>
+              <a:t>before</a:t>
+            </a:r>
+            <a:r>
+              <a:rPr lang="nb-NO" sz="2000" dirty="0"/>
+              <a:t> </a:t>
+            </a:r>
+            <a:r>
+              <a:rPr lang="nb-NO" sz="2000" dirty="0" err="1"/>
+              <a:t>this</a:t>
+            </a:r>
+            <a:r>
+              <a:rPr lang="nb-NO" sz="2000" dirty="0"/>
+              <a:t> time as </a:t>
+            </a:r>
+            <a:r>
+              <a:rPr lang="nb-NO" sz="2000" dirty="0" err="1"/>
+              <a:t>well</a:t>
+            </a:r>
             <a:endParaRPr lang="en-GB" sz="2000" dirty="0"/>
           </a:p>
         </p:txBody>
@@ -5087,7 +5332,7 @@
     </p:spTree>
     <p:extLst>
       <p:ext uri="{BB962C8B-B14F-4D97-AF65-F5344CB8AC3E}">
-        <p14:creationId xmlns:p14="http://schemas.microsoft.com/office/powerpoint/2010/main" val="1333346582"/>
+        <p14:creationId xmlns:p14="http://schemas.microsoft.com/office/powerpoint/2010/main" val="2068425649"/>
       </p:ext>
     </p:extLst>
   </p:cSld>
@@ -5097,7 +5342,7 @@
 </p:sld>
 </file>
 
-<file path=ppt/slides/slide3.xml><?xml version="1.0" encoding="utf-8"?>
+<file path=ppt/slides/slide2.xml><?xml version="1.0" encoding="utf-8"?>
 <p:sld xmlns:a="http://schemas.openxmlformats.org/drawingml/2006/main" xmlns:r="http://schemas.openxmlformats.org/officeDocument/2006/relationships" xmlns:p="http://schemas.openxmlformats.org/presentationml/2006/main">
   <p:cSld>
     <p:bg>
@@ -5503,7 +5748,7 @@
           <p:cNvPr id="2" name="Title 1">
             <a:extLst>
               <a:ext uri="{FF2B5EF4-FFF2-40B4-BE49-F238E27FC236}">
-                <a16:creationId xmlns:a16="http://schemas.microsoft.com/office/drawing/2014/main" id="{4A764FF9-9F73-4D4D-AAFD-1C04C11F07B1}"/>
+                <a16:creationId xmlns:a16="http://schemas.microsoft.com/office/drawing/2014/main" id="{4063C3B5-B407-494C-8550-9EC2F0C3D108}"/>
               </a:ext>
             </a:extLst>
           </p:cNvPr>
@@ -5532,39 +5777,7 @@
                   <a:srgbClr val="FFFFFF"/>
                 </a:solidFill>
               </a:rPr>
-              <a:t>How far </a:t>
-            </a:r>
-            <a:r>
-              <a:rPr lang="nb-NO" sz="4000" dirty="0" err="1">
-                <a:solidFill>
-                  <a:srgbClr val="FFFFFF"/>
-                </a:solidFill>
-              </a:rPr>
-              <a:t>did</a:t>
-            </a:r>
-            <a:r>
-              <a:rPr lang="nb-NO" sz="4000" dirty="0">
-                <a:solidFill>
-                  <a:srgbClr val="FFFFFF"/>
-                </a:solidFill>
-              </a:rPr>
-              <a:t> I </a:t>
-            </a:r>
-            <a:r>
-              <a:rPr lang="nb-NO" sz="4000" dirty="0" err="1">
-                <a:solidFill>
-                  <a:srgbClr val="FFFFFF"/>
-                </a:solidFill>
-              </a:rPr>
-              <a:t>get</a:t>
-            </a:r>
-            <a:r>
-              <a:rPr lang="nb-NO" sz="4000" dirty="0">
-                <a:solidFill>
-                  <a:srgbClr val="FFFFFF"/>
-                </a:solidFill>
-              </a:rPr>
-              <a:t>?</a:t>
+              <a:t>Purpose</a:t>
             </a:r>
             <a:endParaRPr lang="en-GB" sz="4000" dirty="0">
               <a:solidFill>
@@ -5579,7 +5792,7 @@
           <p:cNvPr id="3" name="Content Placeholder 2">
             <a:extLst>
               <a:ext uri="{FF2B5EF4-FFF2-40B4-BE49-F238E27FC236}">
-                <a16:creationId xmlns:a16="http://schemas.microsoft.com/office/drawing/2014/main" id="{3D320F21-65DE-42A9-8F93-737639ED9E6E}"/>
+                <a16:creationId xmlns:a16="http://schemas.microsoft.com/office/drawing/2014/main" id="{BA2DB92D-6928-414C-80EA-824A7B8FDB09}"/>
               </a:ext>
             </a:extLst>
           </p:cNvPr>
@@ -5602,75 +5815,77 @@
           </a:bodyPr>
           <a:lstStyle/>
           <a:p>
-            <a:pPr lvl="2"/>
-            <a:r>
-              <a:rPr lang="en-GB" sz="1200" b="1" dirty="0">
-                <a:solidFill>
-                  <a:schemeClr val="accent6"/>
-                </a:solidFill>
-              </a:rPr>
-              <a:t>Implemented</a:t>
-            </a:r>
-            <a:r>
-              <a:rPr lang="en-GB" sz="1200" dirty="0"/>
-              <a:t> </a:t>
-            </a:r>
-            <a:r>
-              <a:rPr lang="en-GB" sz="1200" strike="sngStrike" dirty="0">
-                <a:solidFill>
-                  <a:srgbClr val="FF0000"/>
-                </a:solidFill>
-              </a:rPr>
-              <a:t>all needed </a:t>
-            </a:r>
-            <a:r>
-              <a:rPr lang="en-GB" sz="1200" b="1" dirty="0">
-                <a:solidFill>
-                  <a:schemeClr val="accent6"/>
-                </a:solidFill>
-              </a:rPr>
-              <a:t>architectures</a:t>
-            </a:r>
-          </a:p>
-          <a:p>
-            <a:pPr lvl="2"/>
-            <a:r>
-              <a:rPr lang="en-GB" sz="1200" dirty="0"/>
-              <a:t>Implemented transfer learning loss functions</a:t>
-            </a:r>
-          </a:p>
-          <a:p>
-            <a:pPr lvl="2"/>
-            <a:r>
-              <a:rPr lang="en-GB" sz="1200" b="1" dirty="0">
-                <a:solidFill>
-                  <a:schemeClr val="accent6"/>
-                </a:solidFill>
-              </a:rPr>
-              <a:t>Implemented logging script</a:t>
-            </a:r>
-          </a:p>
-          <a:p>
-            <a:pPr lvl="2"/>
-            <a:r>
-              <a:rPr lang="en-GB" sz="1200" dirty="0"/>
-              <a:t>Gotten familiar with loading the data from NGI’s TNW folder (</a:t>
-            </a:r>
-            <a:r>
-              <a:rPr lang="en-GB" sz="1200" dirty="0" err="1"/>
-              <a:t>OpendTect</a:t>
-            </a:r>
-            <a:r>
-              <a:rPr lang="en-GB" sz="1200" dirty="0"/>
-              <a:t> etc.)</a:t>
-            </a:r>
-          </a:p>
-          <a:p>
-            <a:pPr lvl="2"/>
-            <a:r>
-              <a:rPr lang="en-GB" sz="1200" dirty="0"/>
-              <a:t>Ran at least one algorithm with summary statistics</a:t>
-            </a:r>
+            <a:r>
+              <a:rPr lang="nb-NO" sz="2000" dirty="0" err="1"/>
+              <a:t>Demonstrate</a:t>
+            </a:r>
+            <a:r>
+              <a:rPr lang="nb-NO" sz="2000" dirty="0"/>
+              <a:t> </a:t>
+            </a:r>
+            <a:r>
+              <a:rPr lang="nb-NO" sz="2000" dirty="0" err="1"/>
+              <a:t>the</a:t>
+            </a:r>
+            <a:r>
+              <a:rPr lang="nb-NO" sz="2000" dirty="0"/>
+              <a:t> </a:t>
+            </a:r>
+            <a:r>
+              <a:rPr lang="nb-NO" sz="2000" dirty="0" err="1"/>
+              <a:t>infrastructure</a:t>
+            </a:r>
+            <a:endParaRPr lang="nb-NO" sz="2000" dirty="0"/>
+          </a:p>
+          <a:p>
+            <a:r>
+              <a:rPr lang="nb-NO" sz="2000" dirty="0" err="1"/>
+              <a:t>Performance</a:t>
+            </a:r>
+            <a:r>
+              <a:rPr lang="nb-NO" sz="2000" dirty="0"/>
+              <a:t> </a:t>
+            </a:r>
+            <a:r>
+              <a:rPr lang="nb-NO" sz="2000" dirty="0" err="1"/>
+              <a:t>evaluation</a:t>
+            </a:r>
+            <a:endParaRPr lang="nb-NO" sz="2000" dirty="0"/>
+          </a:p>
+          <a:p>
+            <a:pPr lvl="1"/>
+            <a:r>
+              <a:rPr lang="nb-NO" sz="1600" dirty="0"/>
+              <a:t>Visual </a:t>
+            </a:r>
+            <a:r>
+              <a:rPr lang="nb-NO" sz="1600" dirty="0" err="1"/>
+              <a:t>comparison</a:t>
+            </a:r>
+            <a:endParaRPr lang="nb-NO" sz="1600" dirty="0"/>
+          </a:p>
+          <a:p>
+            <a:r>
+              <a:rPr lang="nb-NO" sz="2000" dirty="0"/>
+              <a:t>Model </a:t>
+            </a:r>
+            <a:r>
+              <a:rPr lang="nb-NO" sz="2000" dirty="0" err="1"/>
+              <a:t>storage</a:t>
+            </a:r>
+            <a:endParaRPr lang="nb-NO" sz="2000" dirty="0"/>
+          </a:p>
+          <a:p>
+            <a:pPr lvl="1"/>
+            <a:r>
+              <a:rPr lang="nb-NO" sz="1600" dirty="0"/>
+              <a:t>Transfer </a:t>
+            </a:r>
+            <a:r>
+              <a:rPr lang="nb-NO" sz="1600" dirty="0" err="1"/>
+              <a:t>learning</a:t>
+            </a:r>
+            <a:endParaRPr lang="nb-NO" sz="1600" dirty="0"/>
           </a:p>
           <a:p>
             <a:endParaRPr lang="en-GB" sz="2000" dirty="0"/>
@@ -5680,7 +5895,7 @@
     </p:spTree>
     <p:extLst>
       <p:ext uri="{BB962C8B-B14F-4D97-AF65-F5344CB8AC3E}">
-        <p14:creationId xmlns:p14="http://schemas.microsoft.com/office/powerpoint/2010/main" val="388341662"/>
+        <p14:creationId xmlns:p14="http://schemas.microsoft.com/office/powerpoint/2010/main" val="1333346582"/>
       </p:ext>
     </p:extLst>
   </p:cSld>
@@ -5690,7 +5905,7 @@
 </p:sld>
 </file>
 
-<file path=ppt/slides/slide4.xml><?xml version="1.0" encoding="utf-8"?>
+<file path=ppt/slides/slide3.xml><?xml version="1.0" encoding="utf-8"?>
 <p:sld xmlns:a="http://schemas.openxmlformats.org/drawingml/2006/main" xmlns:r="http://schemas.openxmlformats.org/officeDocument/2006/relationships" xmlns:p="http://schemas.openxmlformats.org/presentationml/2006/main">
   <p:cSld>
     <p:bg>
@@ -6096,7 +6311,7 @@
           <p:cNvPr id="2" name="Title 1">
             <a:extLst>
               <a:ext uri="{FF2B5EF4-FFF2-40B4-BE49-F238E27FC236}">
-                <a16:creationId xmlns:a16="http://schemas.microsoft.com/office/drawing/2014/main" id="{8D9D9894-4DCD-4892-B6B1-96DA1FBB07CD}"/>
+                <a16:creationId xmlns:a16="http://schemas.microsoft.com/office/drawing/2014/main" id="{4A764FF9-9F73-4D4D-AAFD-1C04C11F07B1}"/>
               </a:ext>
             </a:extLst>
           </p:cNvPr>
@@ -6120,6 +6335,617 @@
           <a:lstStyle/>
           <a:p>
             <a:r>
+              <a:rPr lang="nb-NO" sz="4000" dirty="0">
+                <a:solidFill>
+                  <a:srgbClr val="FFFFFF"/>
+                </a:solidFill>
+              </a:rPr>
+              <a:t>How far </a:t>
+            </a:r>
+            <a:r>
+              <a:rPr lang="nb-NO" sz="4000" dirty="0" err="1">
+                <a:solidFill>
+                  <a:srgbClr val="FFFFFF"/>
+                </a:solidFill>
+              </a:rPr>
+              <a:t>did</a:t>
+            </a:r>
+            <a:r>
+              <a:rPr lang="nb-NO" sz="4000" dirty="0">
+                <a:solidFill>
+                  <a:srgbClr val="FFFFFF"/>
+                </a:solidFill>
+              </a:rPr>
+              <a:t> I </a:t>
+            </a:r>
+            <a:r>
+              <a:rPr lang="nb-NO" sz="4000" dirty="0" err="1">
+                <a:solidFill>
+                  <a:srgbClr val="FFFFFF"/>
+                </a:solidFill>
+              </a:rPr>
+              <a:t>get</a:t>
+            </a:r>
+            <a:r>
+              <a:rPr lang="nb-NO" sz="4000" dirty="0">
+                <a:solidFill>
+                  <a:srgbClr val="FFFFFF"/>
+                </a:solidFill>
+              </a:rPr>
+              <a:t>?</a:t>
+            </a:r>
+            <a:endParaRPr lang="en-GB" sz="4000" dirty="0">
+              <a:solidFill>
+                <a:srgbClr val="FFFFFF"/>
+              </a:solidFill>
+            </a:endParaRPr>
+          </a:p>
+        </p:txBody>
+      </p:sp>
+      <p:sp>
+        <p:nvSpPr>
+          <p:cNvPr id="3" name="Content Placeholder 2">
+            <a:extLst>
+              <a:ext uri="{FF2B5EF4-FFF2-40B4-BE49-F238E27FC236}">
+                <a16:creationId xmlns:a16="http://schemas.microsoft.com/office/drawing/2014/main" id="{3D320F21-65DE-42A9-8F93-737639ED9E6E}"/>
+              </a:ext>
+            </a:extLst>
+          </p:cNvPr>
+          <p:cNvSpPr>
+            <a:spLocks noGrp="1"/>
+          </p:cNvSpPr>
+          <p:nvPr>
+            <p:ph idx="1"/>
+          </p:nvPr>
+        </p:nvSpPr>
+        <p:spPr>
+          <a:xfrm>
+            <a:off x="1371599" y="2318197"/>
+            <a:ext cx="9724031" cy="3683358"/>
+          </a:xfrm>
+        </p:spPr>
+        <p:txBody>
+          <a:bodyPr anchor="ctr">
+            <a:normAutofit/>
+          </a:bodyPr>
+          <a:lstStyle/>
+          <a:p>
+            <a:pPr lvl="2"/>
+            <a:r>
+              <a:rPr lang="en-GB" sz="1200" b="1" dirty="0">
+                <a:solidFill>
+                  <a:schemeClr val="accent6"/>
+                </a:solidFill>
+              </a:rPr>
+              <a:t>Implemented</a:t>
+            </a:r>
+            <a:r>
+              <a:rPr lang="en-GB" sz="1200" dirty="0"/>
+              <a:t> </a:t>
+            </a:r>
+            <a:r>
+              <a:rPr lang="en-GB" sz="1200" strike="sngStrike" dirty="0">
+                <a:solidFill>
+                  <a:srgbClr val="FF0000"/>
+                </a:solidFill>
+              </a:rPr>
+              <a:t>all needed </a:t>
+            </a:r>
+            <a:r>
+              <a:rPr lang="en-GB" sz="1200" b="1" dirty="0">
+                <a:solidFill>
+                  <a:schemeClr val="accent6"/>
+                </a:solidFill>
+              </a:rPr>
+              <a:t>architectures</a:t>
+            </a:r>
+          </a:p>
+          <a:p>
+            <a:pPr lvl="2"/>
+            <a:r>
+              <a:rPr lang="en-GB" sz="1200" dirty="0"/>
+              <a:t>Implemented transfer learning loss functions</a:t>
+            </a:r>
+          </a:p>
+          <a:p>
+            <a:pPr lvl="2"/>
+            <a:r>
+              <a:rPr lang="en-GB" sz="1200" b="1" dirty="0">
+                <a:solidFill>
+                  <a:schemeClr val="accent6"/>
+                </a:solidFill>
+              </a:rPr>
+              <a:t>Implemented logging script</a:t>
+            </a:r>
+          </a:p>
+          <a:p>
+            <a:pPr lvl="2"/>
+            <a:r>
+              <a:rPr lang="en-GB" sz="1200" dirty="0"/>
+              <a:t>Gotten familiar with loading the data from NGI’s TNW folder (</a:t>
+            </a:r>
+            <a:r>
+              <a:rPr lang="en-GB" sz="1200" dirty="0" err="1"/>
+              <a:t>OpendTect</a:t>
+            </a:r>
+            <a:r>
+              <a:rPr lang="en-GB" sz="1200" dirty="0"/>
+              <a:t> etc.)</a:t>
+            </a:r>
+          </a:p>
+          <a:p>
+            <a:pPr lvl="2"/>
+            <a:r>
+              <a:rPr lang="en-GB" sz="1200" dirty="0"/>
+              <a:t>Ran at least one algorithm with summary statistics</a:t>
+            </a:r>
+          </a:p>
+          <a:p>
+            <a:r>
+              <a:rPr lang="en-GB" sz="2000" dirty="0"/>
+              <a:t>Added:</a:t>
+            </a:r>
+          </a:p>
+          <a:p>
+            <a:pPr lvl="1"/>
+            <a:r>
+              <a:rPr lang="en-GB" sz="1600" dirty="0"/>
+              <a:t>Export env </a:t>
+            </a:r>
+            <a:r>
+              <a:rPr lang="en-GB" sz="1600" dirty="0" err="1"/>
+              <a:t>yaml</a:t>
+            </a:r>
+            <a:r>
+              <a:rPr lang="en-GB" sz="1600" dirty="0"/>
+              <a:t> before first run, and keep it up to date</a:t>
+            </a:r>
+          </a:p>
+        </p:txBody>
+      </p:sp>
+    </p:spTree>
+    <p:extLst>
+      <p:ext uri="{BB962C8B-B14F-4D97-AF65-F5344CB8AC3E}">
+        <p14:creationId xmlns:p14="http://schemas.microsoft.com/office/powerpoint/2010/main" val="388341662"/>
+      </p:ext>
+    </p:extLst>
+  </p:cSld>
+  <p:clrMapOvr>
+    <a:masterClrMapping/>
+  </p:clrMapOvr>
+</p:sld>
+</file>
+
+<file path=ppt/slides/slide4.xml><?xml version="1.0" encoding="utf-8"?>
+<p:sld xmlns:a="http://schemas.openxmlformats.org/drawingml/2006/main" xmlns:r="http://schemas.openxmlformats.org/officeDocument/2006/relationships" xmlns:p="http://schemas.openxmlformats.org/presentationml/2006/main">
+  <p:cSld>
+    <p:bg>
+      <p:bgPr>
+        <a:solidFill>
+          <a:schemeClr val="bg1"/>
+        </a:solidFill>
+        <a:effectLst/>
+      </p:bgPr>
+    </p:bg>
+    <p:spTree>
+      <p:nvGrpSpPr>
+        <p:cNvPr id="1" name=""/>
+        <p:cNvGrpSpPr/>
+        <p:nvPr/>
+      </p:nvGrpSpPr>
+      <p:grpSpPr>
+        <a:xfrm>
+          <a:off x="0" y="0"/>
+          <a:ext cx="0" cy="0"/>
+          <a:chOff x="0" y="0"/>
+          <a:chExt cx="0" cy="0"/>
+        </a:xfrm>
+      </p:grpSpPr>
+      <p:sp useBgFill="1">
+        <p:nvSpPr>
+          <p:cNvPr id="8" name="Rectangle 7">
+            <a:extLst>
+              <a:ext uri="{FF2B5EF4-FFF2-40B4-BE49-F238E27FC236}">
+                <a16:creationId xmlns:a16="http://schemas.microsoft.com/office/drawing/2014/main" id="{1B15ED52-F352-441B-82BF-E0EA34836D08}"/>
+              </a:ext>
+              <a:ext uri="{C183D7F6-B498-43B3-948B-1728B52AA6E4}">
+                <adec:decorative xmlns:adec="http://schemas.microsoft.com/office/drawing/2017/decorative" val="1"/>
+              </a:ext>
+            </a:extLst>
+          </p:cNvPr>
+          <p:cNvSpPr>
+            <a:spLocks noGrp="1" noRot="1" noChangeAspect="1" noMove="1" noResize="1" noEditPoints="1" noAdjustHandles="1" noChangeArrowheads="1" noChangeShapeType="1" noTextEdit="1"/>
+          </p:cNvSpPr>
+          <p:nvPr>
+            <p:extLst>
+              <p:ext uri="{386F3935-93C4-4BCD-93E2-E3B085C9AB24}">
+                <p16:designElem xmlns:p16="http://schemas.microsoft.com/office/powerpoint/2015/main" val="1"/>
+              </p:ext>
+            </p:extLst>
+          </p:nvPr>
+        </p:nvSpPr>
+        <p:spPr>
+          <a:xfrm>
+            <a:off x="0" y="0"/>
+            <a:ext cx="12192000" cy="6858000"/>
+          </a:xfrm>
+          <a:prstGeom prst="rect">
+            <a:avLst/>
+          </a:prstGeom>
+          <a:ln w="12700" cap="flat" cmpd="sng" algn="ctr">
+            <a:noFill/>
+            <a:prstDash val="solid"/>
+            <a:miter lim="800000"/>
+          </a:ln>
+          <a:effectLst/>
+          <a:extLst>
+            <a:ext uri="{91240B29-F687-4F45-9708-019B960494DF}">
+              <a14:hiddenLine xmlns:a14="http://schemas.microsoft.com/office/drawing/2010/main" w="12700" cap="flat" cmpd="sng" algn="ctr">
+                <a:solidFill>
+                  <a:schemeClr val="accent1">
+                    <a:shade val="50000"/>
+                  </a:schemeClr>
+                </a:solidFill>
+                <a:prstDash val="solid"/>
+                <a:miter lim="800000"/>
+              </a14:hiddenLine>
+            </a:ext>
+          </a:extLst>
+        </p:spPr>
+        <p:style>
+          <a:lnRef idx="2">
+            <a:schemeClr val="accent1">
+              <a:shade val="50000"/>
+            </a:schemeClr>
+          </a:lnRef>
+          <a:fillRef idx="1">
+            <a:schemeClr val="accent1"/>
+          </a:fillRef>
+          <a:effectRef idx="0">
+            <a:schemeClr val="accent1"/>
+          </a:effectRef>
+          <a:fontRef idx="minor">
+            <a:schemeClr val="lt1"/>
+          </a:fontRef>
+        </p:style>
+        <p:txBody>
+          <a:bodyPr rtlCol="0" anchor="ctr"/>
+          <a:lstStyle/>
+          <a:p>
+            <a:pPr algn="ctr"/>
+            <a:endParaRPr lang="en-US"/>
+          </a:p>
+        </p:txBody>
+      </p:sp>
+      <p:sp>
+        <p:nvSpPr>
+          <p:cNvPr id="10" name="Rectangle 9">
+            <a:extLst>
+              <a:ext uri="{FF2B5EF4-FFF2-40B4-BE49-F238E27FC236}">
+                <a16:creationId xmlns:a16="http://schemas.microsoft.com/office/drawing/2014/main" id="{3B2E3793-BFE6-45A2-9B7B-E18844431C99}"/>
+              </a:ext>
+              <a:ext uri="{C183D7F6-B498-43B3-948B-1728B52AA6E4}">
+                <adec:decorative xmlns:adec="http://schemas.microsoft.com/office/drawing/2017/decorative" val="1"/>
+              </a:ext>
+            </a:extLst>
+          </p:cNvPr>
+          <p:cNvSpPr>
+            <a:spLocks noGrp="1" noRot="1" noChangeAspect="1" noMove="1" noResize="1" noEditPoints="1" noAdjustHandles="1" noChangeArrowheads="1" noChangeShapeType="1" noTextEdit="1"/>
+          </p:cNvSpPr>
+          <p:nvPr>
+            <p:extLst>
+              <p:ext uri="{386F3935-93C4-4BCD-93E2-E3B085C9AB24}">
+                <p16:designElem xmlns:p16="http://schemas.microsoft.com/office/powerpoint/2015/main" val="1"/>
+              </p:ext>
+            </p:extLst>
+          </p:nvPr>
+        </p:nvSpPr>
+        <p:spPr>
+          <a:xfrm flipH="1">
+            <a:off x="-1" y="-1"/>
+            <a:ext cx="12191998" cy="1590742"/>
+          </a:xfrm>
+          <a:prstGeom prst="rect">
+            <a:avLst/>
+          </a:prstGeom>
+          <a:gradFill>
+            <a:gsLst>
+              <a:gs pos="0">
+                <a:srgbClr val="000000"/>
+              </a:gs>
+              <a:gs pos="100000">
+                <a:schemeClr val="accent1">
+                  <a:lumMod val="75000"/>
+                </a:schemeClr>
+              </a:gs>
+            </a:gsLst>
+            <a:lin ang="8400000" scaled="0"/>
+          </a:gradFill>
+          <a:ln>
+            <a:noFill/>
+          </a:ln>
+        </p:spPr>
+        <p:style>
+          <a:lnRef idx="2">
+            <a:schemeClr val="accent1">
+              <a:shade val="50000"/>
+            </a:schemeClr>
+          </a:lnRef>
+          <a:fillRef idx="1">
+            <a:schemeClr val="accent1"/>
+          </a:fillRef>
+          <a:effectRef idx="0">
+            <a:schemeClr val="accent1"/>
+          </a:effectRef>
+          <a:fontRef idx="minor">
+            <a:schemeClr val="lt1"/>
+          </a:fontRef>
+        </p:style>
+        <p:txBody>
+          <a:bodyPr rtlCol="0" anchor="ctr"/>
+          <a:lstStyle/>
+          <a:p>
+            <a:pPr algn="ctr"/>
+            <a:endParaRPr lang="en-US"/>
+          </a:p>
+        </p:txBody>
+      </p:sp>
+      <p:sp>
+        <p:nvSpPr>
+          <p:cNvPr id="12" name="Rectangle 11">
+            <a:extLst>
+              <a:ext uri="{FF2B5EF4-FFF2-40B4-BE49-F238E27FC236}">
+                <a16:creationId xmlns:a16="http://schemas.microsoft.com/office/drawing/2014/main" id="{BC4C4868-CB8F-4AF9-9CDB-8108F2C19B67}"/>
+              </a:ext>
+              <a:ext uri="{C183D7F6-B498-43B3-948B-1728B52AA6E4}">
+                <adec:decorative xmlns:adec="http://schemas.microsoft.com/office/drawing/2017/decorative" val="1"/>
+              </a:ext>
+            </a:extLst>
+          </p:cNvPr>
+          <p:cNvSpPr>
+            <a:spLocks noGrp="1" noRot="1" noChangeAspect="1" noMove="1" noResize="1" noEditPoints="1" noAdjustHandles="1" noChangeArrowheads="1" noChangeShapeType="1" noTextEdit="1"/>
+          </p:cNvSpPr>
+          <p:nvPr>
+            <p:extLst>
+              <p:ext uri="{386F3935-93C4-4BCD-93E2-E3B085C9AB24}">
+                <p16:designElem xmlns:p16="http://schemas.microsoft.com/office/powerpoint/2015/main" val="1"/>
+              </p:ext>
+            </p:extLst>
+          </p:nvPr>
+        </p:nvSpPr>
+        <p:spPr>
+          <a:xfrm rot="10800000" flipH="1">
+            <a:off x="-3" y="0"/>
+            <a:ext cx="8115306" cy="1590742"/>
+          </a:xfrm>
+          <a:prstGeom prst="rect">
+            <a:avLst/>
+          </a:prstGeom>
+          <a:gradFill>
+            <a:gsLst>
+              <a:gs pos="20000">
+                <a:schemeClr val="accent1">
+                  <a:alpha val="0"/>
+                </a:schemeClr>
+              </a:gs>
+              <a:gs pos="100000">
+                <a:schemeClr val="accent1">
+                  <a:lumMod val="50000"/>
+                  <a:alpha val="55000"/>
+                </a:schemeClr>
+              </a:gs>
+            </a:gsLst>
+            <a:lin ang="13800000" scaled="0"/>
+          </a:gradFill>
+          <a:ln>
+            <a:noFill/>
+          </a:ln>
+        </p:spPr>
+        <p:style>
+          <a:lnRef idx="2">
+            <a:schemeClr val="accent1">
+              <a:shade val="50000"/>
+            </a:schemeClr>
+          </a:lnRef>
+          <a:fillRef idx="1">
+            <a:schemeClr val="accent1"/>
+          </a:fillRef>
+          <a:effectRef idx="0">
+            <a:schemeClr val="accent1"/>
+          </a:effectRef>
+          <a:fontRef idx="minor">
+            <a:schemeClr val="lt1"/>
+          </a:fontRef>
+        </p:style>
+        <p:txBody>
+          <a:bodyPr rtlCol="0" anchor="ctr"/>
+          <a:lstStyle/>
+          <a:p>
+            <a:pPr algn="ctr"/>
+            <a:endParaRPr lang="en-US"/>
+          </a:p>
+        </p:txBody>
+      </p:sp>
+      <p:sp>
+        <p:nvSpPr>
+          <p:cNvPr id="14" name="Rectangle 13">
+            <a:extLst>
+              <a:ext uri="{FF2B5EF4-FFF2-40B4-BE49-F238E27FC236}">
+                <a16:creationId xmlns:a16="http://schemas.microsoft.com/office/drawing/2014/main" id="{375E0459-6403-40CD-989D-56A4407CA12E}"/>
+              </a:ext>
+              <a:ext uri="{C183D7F6-B498-43B3-948B-1728B52AA6E4}">
+                <adec:decorative xmlns:adec="http://schemas.microsoft.com/office/drawing/2017/decorative" val="1"/>
+              </a:ext>
+            </a:extLst>
+          </p:cNvPr>
+          <p:cNvSpPr>
+            <a:spLocks noGrp="1" noRot="1" noChangeAspect="1" noMove="1" noResize="1" noEditPoints="1" noAdjustHandles="1" noChangeArrowheads="1" noChangeShapeType="1" noTextEdit="1"/>
+          </p:cNvSpPr>
+          <p:nvPr>
+            <p:extLst>
+              <p:ext uri="{386F3935-93C4-4BCD-93E2-E3B085C9AB24}">
+                <p16:designElem xmlns:p16="http://schemas.microsoft.com/office/powerpoint/2015/main" val="1"/>
+              </p:ext>
+            </p:extLst>
+          </p:nvPr>
+        </p:nvSpPr>
+        <p:spPr>
+          <a:xfrm flipH="1">
+            <a:off x="8115299" y="-1"/>
+            <a:ext cx="4076698" cy="1590742"/>
+          </a:xfrm>
+          <a:prstGeom prst="rect">
+            <a:avLst/>
+          </a:prstGeom>
+          <a:gradFill>
+            <a:gsLst>
+              <a:gs pos="0">
+                <a:schemeClr val="accent1">
+                  <a:alpha val="66000"/>
+                </a:schemeClr>
+              </a:gs>
+              <a:gs pos="100000">
+                <a:srgbClr val="000000">
+                  <a:alpha val="30000"/>
+                </a:srgbClr>
+              </a:gs>
+            </a:gsLst>
+            <a:lin ang="13200000" scaled="0"/>
+          </a:gradFill>
+          <a:ln>
+            <a:noFill/>
+          </a:ln>
+        </p:spPr>
+        <p:style>
+          <a:lnRef idx="2">
+            <a:schemeClr val="accent1">
+              <a:shade val="50000"/>
+            </a:schemeClr>
+          </a:lnRef>
+          <a:fillRef idx="1">
+            <a:schemeClr val="accent1"/>
+          </a:fillRef>
+          <a:effectRef idx="0">
+            <a:schemeClr val="accent1"/>
+          </a:effectRef>
+          <a:fontRef idx="minor">
+            <a:schemeClr val="lt1"/>
+          </a:fontRef>
+        </p:style>
+        <p:txBody>
+          <a:bodyPr rtlCol="0" anchor="ctr"/>
+          <a:lstStyle/>
+          <a:p>
+            <a:pPr algn="ctr"/>
+            <a:endParaRPr lang="en-US"/>
+          </a:p>
+        </p:txBody>
+      </p:sp>
+      <p:sp>
+        <p:nvSpPr>
+          <p:cNvPr id="16" name="Rectangle 15">
+            <a:extLst>
+              <a:ext uri="{FF2B5EF4-FFF2-40B4-BE49-F238E27FC236}">
+                <a16:creationId xmlns:a16="http://schemas.microsoft.com/office/drawing/2014/main" id="{53E5B1A8-3AC9-4BD1-9BBC-78CA94F2D1BA}"/>
+              </a:ext>
+              <a:ext uri="{C183D7F6-B498-43B3-948B-1728B52AA6E4}">
+                <adec:decorative xmlns:adec="http://schemas.microsoft.com/office/drawing/2017/decorative" val="1"/>
+              </a:ext>
+            </a:extLst>
+          </p:cNvPr>
+          <p:cNvSpPr>
+            <a:spLocks noGrp="1" noRot="1" noChangeAspect="1" noMove="1" noResize="1" noEditPoints="1" noAdjustHandles="1" noChangeArrowheads="1" noChangeShapeType="1" noTextEdit="1"/>
+          </p:cNvSpPr>
+          <p:nvPr>
+            <p:extLst>
+              <p:ext uri="{386F3935-93C4-4BCD-93E2-E3B085C9AB24}">
+                <p16:designElem xmlns:p16="http://schemas.microsoft.com/office/powerpoint/2015/main" val="1"/>
+              </p:ext>
+            </p:extLst>
+          </p:nvPr>
+        </p:nvSpPr>
+        <p:spPr>
+          <a:xfrm>
+            <a:off x="459350" y="-1"/>
+            <a:ext cx="11732646" cy="1597433"/>
+          </a:xfrm>
+          <a:prstGeom prst="rect">
+            <a:avLst/>
+          </a:prstGeom>
+          <a:gradFill>
+            <a:gsLst>
+              <a:gs pos="50000">
+                <a:srgbClr val="000000">
+                  <a:alpha val="0"/>
+                </a:srgbClr>
+              </a:gs>
+              <a:gs pos="99000">
+                <a:schemeClr val="accent1">
+                  <a:lumMod val="50000"/>
+                  <a:alpha val="52000"/>
+                </a:schemeClr>
+              </a:gs>
+            </a:gsLst>
+            <a:lin ang="16800000" scaled="0"/>
+          </a:gradFill>
+          <a:ln>
+            <a:noFill/>
+          </a:ln>
+        </p:spPr>
+        <p:style>
+          <a:lnRef idx="2">
+            <a:schemeClr val="accent1">
+              <a:shade val="50000"/>
+            </a:schemeClr>
+          </a:lnRef>
+          <a:fillRef idx="1">
+            <a:schemeClr val="accent1"/>
+          </a:fillRef>
+          <a:effectRef idx="0">
+            <a:schemeClr val="accent1"/>
+          </a:effectRef>
+          <a:fontRef idx="minor">
+            <a:schemeClr val="lt1"/>
+          </a:fontRef>
+        </p:style>
+        <p:txBody>
+          <a:bodyPr rtlCol="0" anchor="ctr"/>
+          <a:lstStyle/>
+          <a:p>
+            <a:pPr algn="ctr"/>
+            <a:endParaRPr lang="en-US"/>
+          </a:p>
+        </p:txBody>
+      </p:sp>
+      <p:sp>
+        <p:nvSpPr>
+          <p:cNvPr id="2" name="Title 1">
+            <a:extLst>
+              <a:ext uri="{FF2B5EF4-FFF2-40B4-BE49-F238E27FC236}">
+                <a16:creationId xmlns:a16="http://schemas.microsoft.com/office/drawing/2014/main" id="{8D9D9894-4DCD-4892-B6B1-96DA1FBB07CD}"/>
+              </a:ext>
+            </a:extLst>
+          </p:cNvPr>
+          <p:cNvSpPr>
+            <a:spLocks noGrp="1"/>
+          </p:cNvSpPr>
+          <p:nvPr>
+            <p:ph type="title"/>
+          </p:nvPr>
+        </p:nvSpPr>
+        <p:spPr>
+          <a:xfrm>
+            <a:off x="1371599" y="294538"/>
+            <a:ext cx="9895951" cy="1033669"/>
+          </a:xfrm>
+        </p:spPr>
+        <p:txBody>
+          <a:bodyPr>
+            <a:normAutofit/>
+          </a:bodyPr>
+          <a:lstStyle/>
+          <a:p>
+            <a:r>
               <a:rPr lang="nb-NO" sz="4000" dirty="0" err="1">
                 <a:solidFill>
                   <a:srgbClr val="FFFFFF"/>
@@ -6173,7 +6999,7 @@
             </a:r>
             <a:r>
               <a:rPr lang="nb-NO" sz="2000" dirty="0"/>
-              <a:t> as </a:t>
+              <a:t> and robust as </a:t>
             </a:r>
             <a:r>
               <a:rPr lang="nb-NO" sz="2000" dirty="0" err="1"/>

--- a/Meeting Presentations/15.09.2022_ML Meeting.pptx
+++ b/Meeting Presentations/15.09.2022_ML Meeting.pptx
@@ -8,14 +8,15 @@
     <p:sldId id="256" r:id="rId2"/>
     <p:sldId id="257" r:id="rId3"/>
     <p:sldId id="265" r:id="rId4"/>
-    <p:sldId id="263" r:id="rId5"/>
-    <p:sldId id="264" r:id="rId6"/>
-    <p:sldId id="261" r:id="rId7"/>
-    <p:sldId id="259" r:id="rId8"/>
-    <p:sldId id="258" r:id="rId9"/>
-    <p:sldId id="262" r:id="rId10"/>
-    <p:sldId id="266" r:id="rId11"/>
-    <p:sldId id="260" r:id="rId12"/>
+    <p:sldId id="267" r:id="rId5"/>
+    <p:sldId id="263" r:id="rId6"/>
+    <p:sldId id="264" r:id="rId7"/>
+    <p:sldId id="261" r:id="rId8"/>
+    <p:sldId id="259" r:id="rId9"/>
+    <p:sldId id="258" r:id="rId10"/>
+    <p:sldId id="262" r:id="rId11"/>
+    <p:sldId id="266" r:id="rId12"/>
+    <p:sldId id="260" r:id="rId13"/>
   </p:sldIdLst>
   <p:sldSz cx="12192000" cy="6858000"/>
   <p:notesSz cx="6858000" cy="9144000"/>
@@ -271,7 +272,7 @@
           <a:p>
             <a:fld id="{071A3C2B-3F22-4204-A663-520AACC933AB}" type="datetimeFigureOut">
               <a:rPr lang="en-GB" smtClean="0"/>
-              <a:t>08/09/2022</a:t>
+              <a:t>09/09/2022</a:t>
             </a:fld>
             <a:endParaRPr lang="en-GB"/>
           </a:p>
@@ -471,7 +472,7 @@
           <a:p>
             <a:fld id="{071A3C2B-3F22-4204-A663-520AACC933AB}" type="datetimeFigureOut">
               <a:rPr lang="en-GB" smtClean="0"/>
-              <a:t>08/09/2022</a:t>
+              <a:t>09/09/2022</a:t>
             </a:fld>
             <a:endParaRPr lang="en-GB"/>
           </a:p>
@@ -681,7 +682,7 @@
           <a:p>
             <a:fld id="{071A3C2B-3F22-4204-A663-520AACC933AB}" type="datetimeFigureOut">
               <a:rPr lang="en-GB" smtClean="0"/>
-              <a:t>08/09/2022</a:t>
+              <a:t>09/09/2022</a:t>
             </a:fld>
             <a:endParaRPr lang="en-GB"/>
           </a:p>
@@ -881,7 +882,7 @@
           <a:p>
             <a:fld id="{071A3C2B-3F22-4204-A663-520AACC933AB}" type="datetimeFigureOut">
               <a:rPr lang="en-GB" smtClean="0"/>
-              <a:t>08/09/2022</a:t>
+              <a:t>09/09/2022</a:t>
             </a:fld>
             <a:endParaRPr lang="en-GB"/>
           </a:p>
@@ -1157,7 +1158,7 @@
           <a:p>
             <a:fld id="{071A3C2B-3F22-4204-A663-520AACC933AB}" type="datetimeFigureOut">
               <a:rPr lang="en-GB" smtClean="0"/>
-              <a:t>08/09/2022</a:t>
+              <a:t>09/09/2022</a:t>
             </a:fld>
             <a:endParaRPr lang="en-GB"/>
           </a:p>
@@ -1425,7 +1426,7 @@
           <a:p>
             <a:fld id="{071A3C2B-3F22-4204-A663-520AACC933AB}" type="datetimeFigureOut">
               <a:rPr lang="en-GB" smtClean="0"/>
-              <a:t>08/09/2022</a:t>
+              <a:t>09/09/2022</a:t>
             </a:fld>
             <a:endParaRPr lang="en-GB"/>
           </a:p>
@@ -1840,7 +1841,7 @@
           <a:p>
             <a:fld id="{071A3C2B-3F22-4204-A663-520AACC933AB}" type="datetimeFigureOut">
               <a:rPr lang="en-GB" smtClean="0"/>
-              <a:t>08/09/2022</a:t>
+              <a:t>09/09/2022</a:t>
             </a:fld>
             <a:endParaRPr lang="en-GB"/>
           </a:p>
@@ -1982,7 +1983,7 @@
           <a:p>
             <a:fld id="{071A3C2B-3F22-4204-A663-520AACC933AB}" type="datetimeFigureOut">
               <a:rPr lang="en-GB" smtClean="0"/>
-              <a:t>08/09/2022</a:t>
+              <a:t>09/09/2022</a:t>
             </a:fld>
             <a:endParaRPr lang="en-GB"/>
           </a:p>
@@ -2095,7 +2096,7 @@
           <a:p>
             <a:fld id="{071A3C2B-3F22-4204-A663-520AACC933AB}" type="datetimeFigureOut">
               <a:rPr lang="en-GB" smtClean="0"/>
-              <a:t>08/09/2022</a:t>
+              <a:t>09/09/2022</a:t>
             </a:fld>
             <a:endParaRPr lang="en-GB"/>
           </a:p>
@@ -2408,7 +2409,7 @@
           <a:p>
             <a:fld id="{071A3C2B-3F22-4204-A663-520AACC933AB}" type="datetimeFigureOut">
               <a:rPr lang="en-GB" smtClean="0"/>
-              <a:t>08/09/2022</a:t>
+              <a:t>09/09/2022</a:t>
             </a:fld>
             <a:endParaRPr lang="en-GB"/>
           </a:p>
@@ -2697,7 +2698,7 @@
           <a:p>
             <a:fld id="{071A3C2B-3F22-4204-A663-520AACC933AB}" type="datetimeFigureOut">
               <a:rPr lang="en-GB" smtClean="0"/>
-              <a:t>08/09/2022</a:t>
+              <a:t>09/09/2022</a:t>
             </a:fld>
             <a:endParaRPr lang="en-GB"/>
           </a:p>
@@ -2940,7 +2941,7 @@
           <a:p>
             <a:fld id="{071A3C2B-3F22-4204-A663-520AACC933AB}" type="datetimeFigureOut">
               <a:rPr lang="en-GB" smtClean="0"/>
-              <a:t>08/09/2022</a:t>
+              <a:t>09/09/2022</a:t>
             </a:fld>
             <a:endParaRPr lang="en-GB"/>
           </a:p>
@@ -4386,7 +4387,7 @@
           <p:cNvPr id="2" name="Title 1">
             <a:extLst>
               <a:ext uri="{FF2B5EF4-FFF2-40B4-BE49-F238E27FC236}">
-                <a16:creationId xmlns:a16="http://schemas.microsoft.com/office/drawing/2014/main" id="{CCCCF8C1-483F-4BE5-A4A1-B6A450E79F41}"/>
+                <a16:creationId xmlns:a16="http://schemas.microsoft.com/office/drawing/2014/main" id="{98CD3415-4D6C-4BC5-9378-D7A5A3941644}"/>
               </a:ext>
             </a:extLst>
           </p:cNvPr>
@@ -4410,20 +4411,20 @@
           <a:lstStyle/>
           <a:p>
             <a:r>
+              <a:rPr lang="nb-NO" sz="4000" dirty="0">
+                <a:solidFill>
+                  <a:srgbClr val="FFFFFF"/>
+                </a:solidFill>
+              </a:rPr>
+              <a:t>Transfer </a:t>
+            </a:r>
+            <a:r>
               <a:rPr lang="nb-NO" sz="4000" dirty="0" err="1">
                 <a:solidFill>
                   <a:srgbClr val="FFFFFF"/>
                 </a:solidFill>
               </a:rPr>
-              <a:t>What</a:t>
-            </a:r>
-            <a:r>
-              <a:rPr lang="nb-NO" sz="4000" dirty="0">
-                <a:solidFill>
-                  <a:srgbClr val="FFFFFF"/>
-                </a:solidFill>
-              </a:rPr>
-              <a:t> to run?</a:t>
+              <a:t>learning</a:t>
             </a:r>
             <a:endParaRPr lang="en-GB" sz="4000" dirty="0">
               <a:solidFill>
@@ -4438,7 +4439,7 @@
           <p:cNvPr id="3" name="Content Placeholder 2">
             <a:extLst>
               <a:ext uri="{FF2B5EF4-FFF2-40B4-BE49-F238E27FC236}">
-                <a16:creationId xmlns:a16="http://schemas.microsoft.com/office/drawing/2014/main" id="{E5CD9A0B-5851-473C-AAFE-5D5C8DC9A145}"/>
+                <a16:creationId xmlns:a16="http://schemas.microsoft.com/office/drawing/2014/main" id="{88186C86-7E96-4CF0-AE2B-A2B248D85282}"/>
               </a:ext>
             </a:extLst>
           </p:cNvPr>
@@ -4463,19 +4464,83 @@
           <a:p>
             <a:r>
               <a:rPr lang="nb-NO" sz="2000" dirty="0"/>
-              <a:t>This is </a:t>
-            </a:r>
-            <a:r>
-              <a:rPr lang="nb-NO" sz="2000" dirty="0" err="1"/>
-              <a:t>about</a:t>
-            </a:r>
-            <a:r>
-              <a:rPr lang="nb-NO" sz="2000" dirty="0"/>
-              <a:t> </a:t>
-            </a:r>
-            <a:r>
-              <a:rPr lang="nb-NO" sz="2000" dirty="0" err="1"/>
-              <a:t>navigating</a:t>
+              <a:t>The </a:t>
+            </a:r>
+            <a:r>
+              <a:rPr lang="nb-NO" sz="2000" dirty="0" err="1"/>
+              <a:t>three</a:t>
+            </a:r>
+            <a:r>
+              <a:rPr lang="nb-NO" sz="2000" dirty="0"/>
+              <a:t> best </a:t>
+            </a:r>
+            <a:r>
+              <a:rPr lang="nb-NO" sz="2000" dirty="0" err="1"/>
+              <a:t>predicting</a:t>
+            </a:r>
+            <a:r>
+              <a:rPr lang="nb-NO" sz="2000" dirty="0"/>
+              <a:t> </a:t>
+            </a:r>
+            <a:r>
+              <a:rPr lang="nb-NO" sz="2000" dirty="0" err="1"/>
+              <a:t>models</a:t>
+            </a:r>
+            <a:r>
+              <a:rPr lang="nb-NO" sz="2000" dirty="0"/>
+              <a:t> </a:t>
+            </a:r>
+            <a:r>
+              <a:rPr lang="nb-NO" sz="2000" dirty="0" err="1"/>
+              <a:t>can</a:t>
+            </a:r>
+            <a:r>
+              <a:rPr lang="nb-NO" sz="2000" dirty="0"/>
+              <a:t> be </a:t>
+            </a:r>
+            <a:r>
+              <a:rPr lang="nb-NO" sz="2000" dirty="0" err="1"/>
+              <a:t>kept</a:t>
+            </a:r>
+            <a:r>
+              <a:rPr lang="nb-NO" sz="2000" dirty="0"/>
+              <a:t> </a:t>
+            </a:r>
+            <a:r>
+              <a:rPr lang="nb-NO" sz="2000" dirty="0" err="1"/>
+              <a:t>track</a:t>
+            </a:r>
+            <a:r>
+              <a:rPr lang="nb-NO" sz="2000" dirty="0"/>
+              <a:t> </a:t>
+            </a:r>
+            <a:r>
+              <a:rPr lang="nb-NO" sz="2000" dirty="0" err="1"/>
+              <a:t>of</a:t>
+            </a:r>
+            <a:r>
+              <a:rPr lang="nb-NO" sz="2000" dirty="0"/>
+              <a:t>, and </a:t>
+            </a:r>
+            <a:r>
+              <a:rPr lang="nb-NO" sz="2000" dirty="0" err="1"/>
+              <a:t>when</a:t>
+            </a:r>
+            <a:r>
+              <a:rPr lang="nb-NO" sz="2000" dirty="0"/>
+              <a:t> training </a:t>
+            </a:r>
+            <a:r>
+              <a:rPr lang="nb-NO" sz="2000" dirty="0" err="1"/>
+              <a:t>new</a:t>
+            </a:r>
+            <a:r>
+              <a:rPr lang="nb-NO" sz="2000" dirty="0"/>
+              <a:t> </a:t>
+            </a:r>
+            <a:r>
+              <a:rPr lang="nb-NO" sz="2000" dirty="0" err="1"/>
+              <a:t>models</a:t>
             </a:r>
             <a:r>
               <a:rPr lang="nb-NO" sz="2000" dirty="0"/>
@@ -4487,11 +4552,169 @@
             </a:r>
             <a:r>
               <a:rPr lang="nb-NO" sz="2000" dirty="0"/>
-              <a:t> different </a:t>
-            </a:r>
-            <a:r>
-              <a:rPr lang="nb-NO" sz="2000" dirty="0" err="1"/>
-              <a:t>permutations</a:t>
+              <a:t> </a:t>
+            </a:r>
+            <a:r>
+              <a:rPr lang="nb-NO" sz="2000" dirty="0" err="1"/>
+              <a:t>weights</a:t>
+            </a:r>
+            <a:r>
+              <a:rPr lang="nb-NO" sz="2000" dirty="0"/>
+              <a:t> </a:t>
+            </a:r>
+            <a:r>
+              <a:rPr lang="nb-NO" sz="2000" dirty="0" err="1"/>
+              <a:t>may</a:t>
+            </a:r>
+            <a:r>
+              <a:rPr lang="nb-NO" sz="2000" dirty="0"/>
+              <a:t> be </a:t>
+            </a:r>
+            <a:r>
+              <a:rPr lang="nb-NO" sz="2000" dirty="0" err="1"/>
+              <a:t>initiated</a:t>
+            </a:r>
+            <a:r>
+              <a:rPr lang="nb-NO" sz="2000" dirty="0"/>
+              <a:t> 1. </a:t>
+            </a:r>
+            <a:r>
+              <a:rPr lang="nb-NO" sz="2000" dirty="0" err="1"/>
+              <a:t>Randomly</a:t>
+            </a:r>
+            <a:r>
+              <a:rPr lang="nb-NO" sz="2000" dirty="0"/>
+              <a:t>, 2. Using </a:t>
+            </a:r>
+            <a:r>
+              <a:rPr lang="nb-NO" sz="2000" dirty="0" err="1"/>
+              <a:t>feature</a:t>
+            </a:r>
+            <a:r>
+              <a:rPr lang="nb-NO" sz="2000" dirty="0"/>
+              <a:t> </a:t>
+            </a:r>
+            <a:r>
+              <a:rPr lang="nb-NO" sz="2000" dirty="0" err="1"/>
+              <a:t>extraction</a:t>
+            </a:r>
+            <a:r>
+              <a:rPr lang="nb-NO" sz="2000" dirty="0"/>
+              <a:t> </a:t>
+            </a:r>
+            <a:r>
+              <a:rPr lang="nb-NO" sz="2000" dirty="0" err="1"/>
+              <a:t>module</a:t>
+            </a:r>
+            <a:r>
+              <a:rPr lang="nb-NO" sz="2000" dirty="0"/>
+              <a:t> from </a:t>
+            </a:r>
+            <a:r>
+              <a:rPr lang="nb-NO" sz="2000" dirty="0" err="1"/>
+              <a:t>the</a:t>
+            </a:r>
+            <a:r>
+              <a:rPr lang="nb-NO" sz="2000" dirty="0"/>
+              <a:t> </a:t>
+            </a:r>
+            <a:r>
+              <a:rPr lang="nb-NO" sz="2000" dirty="0" err="1"/>
+              <a:t>other</a:t>
+            </a:r>
+            <a:r>
+              <a:rPr lang="nb-NO" sz="2000" dirty="0"/>
+              <a:t> best </a:t>
+            </a:r>
+            <a:r>
+              <a:rPr lang="nb-NO" sz="2000" dirty="0" err="1"/>
+              <a:t>performing</a:t>
+            </a:r>
+            <a:r>
+              <a:rPr lang="nb-NO" sz="2000" dirty="0"/>
+              <a:t> </a:t>
+            </a:r>
+            <a:r>
+              <a:rPr lang="nb-NO" sz="2000" dirty="0" err="1"/>
+              <a:t>models</a:t>
+            </a:r>
+            <a:r>
+              <a:rPr lang="nb-NO" sz="2000" dirty="0"/>
+              <a:t>. </a:t>
+            </a:r>
+          </a:p>
+          <a:p>
+            <a:r>
+              <a:rPr lang="nb-NO" sz="2000" dirty="0"/>
+              <a:t>If </a:t>
+            </a:r>
+            <a:r>
+              <a:rPr lang="nb-NO" sz="2000" dirty="0" err="1"/>
+              <a:t>the</a:t>
+            </a:r>
+            <a:r>
+              <a:rPr lang="nb-NO" sz="2000" dirty="0"/>
+              <a:t> </a:t>
+            </a:r>
+            <a:r>
+              <a:rPr lang="nb-NO" sz="2000" dirty="0" err="1"/>
+              <a:t>model</a:t>
+            </a:r>
+            <a:r>
+              <a:rPr lang="nb-NO" sz="2000" dirty="0"/>
+              <a:t> </a:t>
+            </a:r>
+            <a:r>
+              <a:rPr lang="nb-NO" sz="2000" dirty="0" err="1"/>
+              <a:t>then</a:t>
+            </a:r>
+            <a:r>
+              <a:rPr lang="nb-NO" sz="2000" dirty="0"/>
+              <a:t> </a:t>
+            </a:r>
+            <a:r>
+              <a:rPr lang="nb-NO" sz="2000" dirty="0" err="1"/>
+              <a:t>performs</a:t>
+            </a:r>
+            <a:r>
+              <a:rPr lang="nb-NO" sz="2000" dirty="0"/>
+              <a:t> </a:t>
+            </a:r>
+            <a:r>
+              <a:rPr lang="nb-NO" sz="2000" dirty="0" err="1"/>
+              <a:t>even</a:t>
+            </a:r>
+            <a:r>
+              <a:rPr lang="nb-NO" sz="2000" dirty="0"/>
+              <a:t> </a:t>
+            </a:r>
+            <a:r>
+              <a:rPr lang="nb-NO" sz="2000" dirty="0" err="1"/>
+              <a:t>better</a:t>
+            </a:r>
+            <a:r>
+              <a:rPr lang="nb-NO" sz="2000" dirty="0"/>
+              <a:t>, It </a:t>
+            </a:r>
+            <a:r>
+              <a:rPr lang="nb-NO" sz="2000" dirty="0" err="1"/>
+              <a:t>will</a:t>
+            </a:r>
+            <a:r>
+              <a:rPr lang="nb-NO" sz="2000" dirty="0"/>
+              <a:t> </a:t>
+            </a:r>
+            <a:r>
+              <a:rPr lang="nb-NO" sz="2000" dirty="0" err="1"/>
+              <a:t>replace</a:t>
+            </a:r>
+            <a:r>
+              <a:rPr lang="nb-NO" sz="2000" dirty="0"/>
+              <a:t> </a:t>
+            </a:r>
+            <a:r>
+              <a:rPr lang="nb-NO" sz="2000" dirty="0" err="1"/>
+              <a:t>one</a:t>
             </a:r>
             <a:r>
               <a:rPr lang="nb-NO" sz="2000" dirty="0"/>
@@ -4507,77 +4730,58 @@
             </a:r>
             <a:r>
               <a:rPr lang="nb-NO" sz="2000" dirty="0" err="1"/>
-              <a:t>model</a:t>
-            </a:r>
-            <a:r>
-              <a:rPr lang="nb-NO" sz="2000" dirty="0"/>
-              <a:t> </a:t>
-            </a:r>
-            <a:r>
-              <a:rPr lang="nb-NO" sz="2000" dirty="0" err="1"/>
-              <a:t>setups</a:t>
-            </a:r>
-            <a:endParaRPr lang="nb-NO" sz="2000" dirty="0"/>
-          </a:p>
-          <a:p>
-            <a:r>
-              <a:rPr lang="nb-NO" sz="2000" dirty="0"/>
-              <a:t>For all combinations </a:t>
-            </a:r>
-            <a:r>
-              <a:rPr lang="nb-NO" sz="2000" dirty="0" err="1"/>
-              <a:t>of</a:t>
-            </a:r>
-            <a:r>
-              <a:rPr lang="nb-NO" sz="2000" dirty="0"/>
-              <a:t> ML parameters (</a:t>
-            </a:r>
-            <a:r>
-              <a:rPr lang="nb-NO" sz="2000" dirty="0" err="1"/>
-              <a:t>e.g</a:t>
-            </a:r>
-            <a:r>
-              <a:rPr lang="nb-NO" sz="2000" dirty="0"/>
-              <a:t> hyperparameter </a:t>
-            </a:r>
-            <a:r>
-              <a:rPr lang="nb-NO" sz="2000" dirty="0" err="1"/>
-              <a:t>tweak</a:t>
-            </a:r>
-            <a:r>
-              <a:rPr lang="nb-NO" sz="2000" dirty="0"/>
-              <a:t>, </a:t>
-            </a:r>
-            <a:r>
-              <a:rPr lang="nb-NO" sz="2000" dirty="0" err="1"/>
-              <a:t>epochs</a:t>
-            </a:r>
-            <a:r>
-              <a:rPr lang="nb-NO" sz="2000" dirty="0"/>
-              <a:t>, </a:t>
-            </a:r>
-            <a:r>
-              <a:rPr lang="nb-NO" sz="2000" dirty="0" err="1"/>
-              <a:t>batches</a:t>
-            </a:r>
-            <a:r>
-              <a:rPr lang="nb-NO" sz="2000" dirty="0"/>
-              <a:t>, </a:t>
-            </a:r>
-            <a:r>
-              <a:rPr lang="nb-NO" sz="2000" dirty="0" err="1"/>
-              <a:t>learn</a:t>
-            </a:r>
-            <a:r>
-              <a:rPr lang="nb-NO" sz="2000" dirty="0"/>
-              <a:t> rate etc. )</a:t>
+              <a:t>the</a:t>
+            </a:r>
+            <a:r>
+              <a:rPr lang="nb-NO" sz="2000" dirty="0"/>
+              <a:t> </a:t>
+            </a:r>
+            <a:r>
+              <a:rPr lang="nb-NO" sz="2000" dirty="0" err="1"/>
+              <a:t>others</a:t>
+            </a:r>
+            <a:r>
+              <a:rPr lang="nb-NO" sz="2000" dirty="0"/>
+              <a:t> </a:t>
+            </a:r>
+            <a:r>
+              <a:rPr lang="nb-NO" sz="2000" dirty="0" err="1"/>
+              <a:t>on</a:t>
+            </a:r>
+            <a:r>
+              <a:rPr lang="nb-NO" sz="2000" dirty="0"/>
+              <a:t> </a:t>
+            </a:r>
+            <a:r>
+              <a:rPr lang="nb-NO" sz="2000" dirty="0" err="1"/>
+              <a:t>the</a:t>
+            </a:r>
+            <a:r>
+              <a:rPr lang="nb-NO" sz="2000" dirty="0"/>
+              <a:t> </a:t>
+            </a:r>
+            <a:r>
+              <a:rPr lang="nb-NO" sz="2000" dirty="0" err="1"/>
+              <a:t>top</a:t>
+            </a:r>
+            <a:r>
+              <a:rPr lang="nb-NO" sz="2000" dirty="0"/>
+              <a:t> </a:t>
+            </a:r>
+            <a:r>
+              <a:rPr lang="nb-NO" sz="2000" dirty="0" err="1"/>
+              <a:t>three</a:t>
+            </a:r>
+            <a:r>
+              <a:rPr lang="nb-NO" sz="2000" dirty="0"/>
+              <a:t> list</a:t>
             </a:r>
           </a:p>
           <a:p>
             <a:pPr lvl="1"/>
             <a:r>
               <a:rPr lang="nb-NO" sz="1600" dirty="0" err="1"/>
-              <a:t>Initialize</a:t>
+              <a:t>Overfitting</a:t>
             </a:r>
             <a:r>
               <a:rPr lang="nb-NO" sz="1600" dirty="0"/>
@@ -4585,194 +4789,119 @@
             </a:r>
             <a:r>
               <a:rPr lang="nb-NO" sz="1600" dirty="0" err="1"/>
+              <a:t>may</a:t>
+            </a:r>
+            <a:r>
+              <a:rPr lang="nb-NO" sz="1600" dirty="0"/>
+              <a:t> be an </a:t>
+            </a:r>
+            <a:r>
+              <a:rPr lang="nb-NO" sz="1600" dirty="0" err="1"/>
+              <a:t>issue</a:t>
+            </a:r>
+            <a:r>
+              <a:rPr lang="nb-NO" sz="1600" dirty="0"/>
+              <a:t> </a:t>
+            </a:r>
+            <a:r>
+              <a:rPr lang="nb-NO" sz="1600" dirty="0" err="1"/>
+              <a:t>with</a:t>
+            </a:r>
+            <a:r>
+              <a:rPr lang="nb-NO" sz="1600" dirty="0"/>
+              <a:t> </a:t>
+            </a:r>
+            <a:r>
+              <a:rPr lang="nb-NO" sz="1600" dirty="0" err="1"/>
+              <a:t>this</a:t>
+            </a:r>
+            <a:endParaRPr lang="nb-NO" sz="1600" dirty="0"/>
+          </a:p>
+          <a:p>
+            <a:r>
+              <a:rPr lang="nb-NO" sz="2000" dirty="0" err="1"/>
+              <a:t>Another</a:t>
+            </a:r>
+            <a:r>
+              <a:rPr lang="nb-NO" sz="2000" dirty="0"/>
+              <a:t> </a:t>
+            </a:r>
+            <a:r>
+              <a:rPr lang="nb-NO" sz="2000" dirty="0" err="1"/>
+              <a:t>option</a:t>
+            </a:r>
+            <a:r>
+              <a:rPr lang="nb-NO" sz="2000" dirty="0"/>
+              <a:t>: Using </a:t>
+            </a:r>
+            <a:r>
+              <a:rPr lang="nb-NO" sz="2000" dirty="0" err="1"/>
+              <a:t>monte</a:t>
+            </a:r>
+            <a:r>
+              <a:rPr lang="nb-NO" sz="2000" dirty="0"/>
+              <a:t> </a:t>
+            </a:r>
+            <a:r>
+              <a:rPr lang="nb-NO" sz="2000" dirty="0" err="1"/>
+              <a:t>carlo</a:t>
+            </a:r>
+            <a:r>
+              <a:rPr lang="nb-NO" sz="2000" dirty="0"/>
+              <a:t> </a:t>
+            </a:r>
+            <a:r>
+              <a:rPr lang="nb-NO" sz="2000" dirty="0" err="1"/>
+              <a:t>tree</a:t>
+            </a:r>
+            <a:r>
+              <a:rPr lang="nb-NO" sz="2000" dirty="0"/>
+              <a:t> </a:t>
+            </a:r>
+            <a:r>
+              <a:rPr lang="nb-NO" sz="2000" dirty="0" err="1"/>
+              <a:t>search</a:t>
+            </a:r>
+            <a:r>
+              <a:rPr lang="nb-NO" sz="2000" dirty="0"/>
+              <a:t> </a:t>
+            </a:r>
+            <a:r>
+              <a:rPr lang="nb-NO" sz="2000" dirty="0" err="1"/>
+              <a:t>based</a:t>
+            </a:r>
+            <a:r>
+              <a:rPr lang="nb-NO" sz="2000" dirty="0"/>
+              <a:t> </a:t>
+            </a:r>
+            <a:r>
+              <a:rPr lang="nb-NO" sz="2000" dirty="0" err="1"/>
               <a:t>on</a:t>
             </a:r>
             <a:r>
-              <a:rPr lang="nb-NO" sz="1600" dirty="0"/>
-              <a:t> </a:t>
-            </a:r>
-            <a:r>
-              <a:rPr lang="nb-NO" sz="1600" dirty="0" err="1"/>
-              <a:t>the</a:t>
-            </a:r>
-            <a:r>
-              <a:rPr lang="nb-NO" sz="1600" dirty="0"/>
-              <a:t> </a:t>
-            </a:r>
-            <a:r>
-              <a:rPr lang="nb-NO" sz="1600" dirty="0" err="1"/>
-              <a:t>three</a:t>
-            </a:r>
-            <a:r>
-              <a:rPr lang="nb-NO" sz="1600" dirty="0"/>
-              <a:t> best </a:t>
-            </a:r>
-            <a:r>
-              <a:rPr lang="nb-NO" sz="1600" dirty="0" err="1"/>
-              <a:t>performing</a:t>
-            </a:r>
-            <a:r>
-              <a:rPr lang="nb-NO" sz="1600" dirty="0"/>
-              <a:t>, and random</a:t>
-            </a:r>
-          </a:p>
-          <a:p>
-            <a:pPr lvl="1"/>
-            <a:r>
-              <a:rPr lang="nb-NO" sz="1600" dirty="0" err="1"/>
-              <a:t>Try</a:t>
-            </a:r>
-            <a:r>
-              <a:rPr lang="nb-NO" sz="1600" dirty="0"/>
-              <a:t> </a:t>
-            </a:r>
-            <a:r>
-              <a:rPr lang="nb-NO" sz="1600" dirty="0" err="1"/>
-              <a:t>using</a:t>
-            </a:r>
-            <a:r>
-              <a:rPr lang="nb-NO" sz="1600" dirty="0"/>
-              <a:t> </a:t>
-            </a:r>
-            <a:r>
-              <a:rPr lang="nb-NO" sz="1600" dirty="0" err="1"/>
-              <a:t>boreholes</a:t>
-            </a:r>
-            <a:r>
-              <a:rPr lang="nb-NO" sz="1600" dirty="0"/>
-              <a:t> </a:t>
-            </a:r>
-            <a:r>
-              <a:rPr lang="nb-NO" sz="1600" dirty="0" err="1"/>
-              <a:t>only</a:t>
-            </a:r>
-            <a:endParaRPr lang="nb-NO" sz="1600" dirty="0"/>
-          </a:p>
-          <a:p>
-            <a:pPr lvl="1"/>
-            <a:r>
-              <a:rPr lang="nb-NO" sz="1600" dirty="0" err="1"/>
-              <a:t>Try</a:t>
-            </a:r>
-            <a:r>
-              <a:rPr lang="nb-NO" sz="1600" dirty="0"/>
-              <a:t> </a:t>
-            </a:r>
-            <a:r>
-              <a:rPr lang="nb-NO" sz="1600" dirty="0" err="1"/>
-              <a:t>handpicked</a:t>
-            </a:r>
-            <a:r>
-              <a:rPr lang="nb-NO" sz="1600" dirty="0"/>
-              <a:t> traces, w/ </a:t>
-            </a:r>
-            <a:r>
-              <a:rPr lang="nb-NO" sz="1600" dirty="0" err="1"/>
-              <a:t>genetic</a:t>
-            </a:r>
-            <a:r>
-              <a:rPr lang="nb-NO" sz="1600" dirty="0"/>
-              <a:t> </a:t>
-            </a:r>
-            <a:r>
-              <a:rPr lang="nb-NO" sz="1600" dirty="0" err="1"/>
-              <a:t>algorithm</a:t>
-            </a:r>
-            <a:endParaRPr lang="nb-NO" sz="1600" dirty="0"/>
-          </a:p>
-          <a:p>
-            <a:pPr lvl="1"/>
-            <a:r>
-              <a:rPr lang="nb-NO" sz="1600" dirty="0" err="1"/>
-              <a:t>Try</a:t>
-            </a:r>
-            <a:r>
-              <a:rPr lang="nb-NO" sz="1600" dirty="0"/>
-              <a:t> 1D and 2D</a:t>
-            </a:r>
-          </a:p>
-          <a:p>
-            <a:pPr lvl="1"/>
-            <a:r>
-              <a:rPr lang="nb-NO" sz="1600" dirty="0" err="1"/>
-              <a:t>Weight</a:t>
-            </a:r>
-            <a:r>
-              <a:rPr lang="nb-NO" sz="1600" dirty="0"/>
-              <a:t> </a:t>
-            </a:r>
-            <a:r>
-              <a:rPr lang="nb-NO" sz="1600" dirty="0" err="1"/>
-              <a:t>sharing</a:t>
-            </a:r>
-            <a:r>
-              <a:rPr lang="nb-NO" sz="1600" dirty="0"/>
-              <a:t> – </a:t>
-            </a:r>
-            <a:r>
-              <a:rPr lang="nb-NO" sz="1600" dirty="0" err="1"/>
-              <a:t>no</a:t>
-            </a:r>
-            <a:r>
-              <a:rPr lang="nb-NO" sz="1600" dirty="0"/>
-              <a:t> </a:t>
-            </a:r>
-            <a:r>
-              <a:rPr lang="nb-NO" sz="1600" dirty="0" err="1"/>
-              <a:t>weight</a:t>
-            </a:r>
-            <a:r>
-              <a:rPr lang="nb-NO" sz="1600" dirty="0"/>
-              <a:t> </a:t>
-            </a:r>
-            <a:r>
-              <a:rPr lang="nb-NO" sz="1600" dirty="0" err="1"/>
-              <a:t>sharing</a:t>
-            </a:r>
-            <a:endParaRPr lang="nb-NO" sz="1600" dirty="0"/>
-          </a:p>
-          <a:p>
-            <a:pPr lvl="1"/>
-            <a:r>
-              <a:rPr lang="nb-NO" sz="1600" dirty="0"/>
-              <a:t>Levels </a:t>
-            </a:r>
-            <a:r>
-              <a:rPr lang="nb-NO" sz="1600" dirty="0" err="1"/>
-              <a:t>of</a:t>
-            </a:r>
-            <a:r>
-              <a:rPr lang="nb-NO" sz="1600" dirty="0"/>
-              <a:t> random </a:t>
-            </a:r>
-            <a:r>
-              <a:rPr lang="nb-NO" sz="1600" dirty="0" err="1"/>
-              <a:t>noise</a:t>
-            </a:r>
-            <a:endParaRPr lang="nb-NO" sz="1600" dirty="0"/>
-          </a:p>
-          <a:p>
-            <a:pPr lvl="1"/>
-            <a:r>
-              <a:rPr lang="nb-NO" sz="1600" dirty="0" err="1"/>
-              <a:t>Feature</a:t>
-            </a:r>
-            <a:r>
-              <a:rPr lang="nb-NO" sz="1600" dirty="0"/>
-              <a:t> </a:t>
-            </a:r>
-            <a:r>
-              <a:rPr lang="nb-NO" sz="1600" dirty="0" err="1"/>
-              <a:t>augmentation</a:t>
-            </a:r>
-            <a:endParaRPr lang="en-GB" sz="1600" dirty="0"/>
+              <a:rPr lang="nb-NO" sz="2000" dirty="0"/>
+              <a:t> all </a:t>
+            </a:r>
+            <a:r>
+              <a:rPr lang="nb-NO" sz="2000" dirty="0" err="1"/>
+              <a:t>other</a:t>
+            </a:r>
+            <a:r>
+              <a:rPr lang="nb-NO" sz="2000" dirty="0"/>
+              <a:t> </a:t>
+            </a:r>
+            <a:r>
+              <a:rPr lang="nb-NO" sz="2000" dirty="0" err="1"/>
+              <a:t>models</a:t>
+            </a:r>
+            <a:endParaRPr lang="en-GB" sz="2000" dirty="0"/>
           </a:p>
         </p:txBody>
       </p:sp>
     </p:spTree>
     <p:extLst>
       <p:ext uri="{BB962C8B-B14F-4D97-AF65-F5344CB8AC3E}">
-        <p14:creationId xmlns:p14="http://schemas.microsoft.com/office/powerpoint/2010/main" val="713500511"/>
+        <p14:creationId xmlns:p14="http://schemas.microsoft.com/office/powerpoint/2010/main" val="2547130915"/>
       </p:ext>
     </p:extLst>
   </p:cSld>
@@ -5188,7 +5317,7 @@
           <p:cNvPr id="2" name="Title 1">
             <a:extLst>
               <a:ext uri="{FF2B5EF4-FFF2-40B4-BE49-F238E27FC236}">
-                <a16:creationId xmlns:a16="http://schemas.microsoft.com/office/drawing/2014/main" id="{F6FAB5C0-EDED-4E5D-9D77-3386F7E5BBF3}"/>
+                <a16:creationId xmlns:a16="http://schemas.microsoft.com/office/drawing/2014/main" id="{CCCCF8C1-483F-4BE5-A4A1-B6A450E79F41}"/>
               </a:ext>
             </a:extLst>
           </p:cNvPr>
@@ -5217,7 +5346,7 @@
                   <a:srgbClr val="FFFFFF"/>
                 </a:solidFill>
               </a:rPr>
-              <a:t>Next</a:t>
+              <a:t>What</a:t>
             </a:r>
             <a:r>
               <a:rPr lang="nb-NO" sz="4000" dirty="0">
@@ -5225,15 +5354,7 @@
                   <a:srgbClr val="FFFFFF"/>
                 </a:solidFill>
               </a:rPr>
-              <a:t> </a:t>
-            </a:r>
-            <a:r>
-              <a:rPr lang="nb-NO" sz="4000" dirty="0" err="1">
-                <a:solidFill>
-                  <a:srgbClr val="FFFFFF"/>
-                </a:solidFill>
-              </a:rPr>
-              <a:t>meeting</a:t>
+              <a:t> to run?</a:t>
             </a:r>
             <a:endParaRPr lang="en-GB" sz="4000" dirty="0">
               <a:solidFill>
@@ -5248,7 +5369,7 @@
           <p:cNvPr id="3" name="Content Placeholder 2">
             <a:extLst>
               <a:ext uri="{FF2B5EF4-FFF2-40B4-BE49-F238E27FC236}">
-                <a16:creationId xmlns:a16="http://schemas.microsoft.com/office/drawing/2014/main" id="{0B0C8338-C8EC-448D-A305-9E6E9B704004}"/>
+                <a16:creationId xmlns:a16="http://schemas.microsoft.com/office/drawing/2014/main" id="{E5CD9A0B-5851-473C-AAFE-5D5C8DC9A145}"/>
               </a:ext>
             </a:extLst>
           </p:cNvPr>
@@ -5272,67 +5393,317 @@
           <a:lstStyle/>
           <a:p>
             <a:r>
-              <a:rPr lang="nb-NO" sz="3200" dirty="0"/>
-              <a:t>General Meeting: </a:t>
-            </a:r>
-            <a:r>
-              <a:rPr lang="nb-NO" sz="3200" b="1" dirty="0"/>
-              <a:t>5/10 2022</a:t>
-            </a:r>
-          </a:p>
-          <a:p>
-            <a:r>
-              <a:rPr lang="nb-NO" sz="2000" dirty="0" err="1"/>
-              <a:t>There</a:t>
-            </a:r>
-            <a:r>
-              <a:rPr lang="nb-NO" sz="2000" dirty="0"/>
-              <a:t> </a:t>
-            </a:r>
-            <a:r>
-              <a:rPr lang="nb-NO" sz="2000" dirty="0" err="1"/>
-              <a:t>may</a:t>
-            </a:r>
-            <a:r>
-              <a:rPr lang="nb-NO" sz="2000" dirty="0"/>
-              <a:t> be a </a:t>
-            </a:r>
-            <a:r>
-              <a:rPr lang="nb-NO" sz="2000" dirty="0" err="1"/>
-              <a:t>meeting</a:t>
-            </a:r>
-            <a:r>
-              <a:rPr lang="nb-NO" sz="2000" dirty="0"/>
-              <a:t> </a:t>
-            </a:r>
-            <a:r>
-              <a:rPr lang="nb-NO" sz="2000" dirty="0" err="1"/>
-              <a:t>before</a:t>
-            </a:r>
-            <a:r>
-              <a:rPr lang="nb-NO" sz="2000" dirty="0"/>
-              <a:t> </a:t>
-            </a:r>
-            <a:r>
-              <a:rPr lang="nb-NO" sz="2000" dirty="0" err="1"/>
-              <a:t>this</a:t>
-            </a:r>
-            <a:r>
-              <a:rPr lang="nb-NO" sz="2000" dirty="0"/>
-              <a:t> time as </a:t>
-            </a:r>
-            <a:r>
-              <a:rPr lang="nb-NO" sz="2000" dirty="0" err="1"/>
-              <a:t>well</a:t>
-            </a:r>
-            <a:endParaRPr lang="en-GB" sz="2000" dirty="0"/>
+              <a:rPr lang="nb-NO" sz="2000" dirty="0"/>
+              <a:t>This is </a:t>
+            </a:r>
+            <a:r>
+              <a:rPr lang="nb-NO" sz="2000" dirty="0" err="1"/>
+              <a:t>about</a:t>
+            </a:r>
+            <a:r>
+              <a:rPr lang="nb-NO" sz="2000" dirty="0"/>
+              <a:t> </a:t>
+            </a:r>
+            <a:r>
+              <a:rPr lang="nb-NO" sz="2000" dirty="0" err="1"/>
+              <a:t>navigating</a:t>
+            </a:r>
+            <a:r>
+              <a:rPr lang="nb-NO" sz="2000" dirty="0"/>
+              <a:t> </a:t>
+            </a:r>
+            <a:r>
+              <a:rPr lang="nb-NO" sz="2000" dirty="0" err="1"/>
+              <a:t>the</a:t>
+            </a:r>
+            <a:r>
+              <a:rPr lang="nb-NO" sz="2000" dirty="0"/>
+              <a:t> different </a:t>
+            </a:r>
+            <a:r>
+              <a:rPr lang="nb-NO" sz="2000" dirty="0" err="1"/>
+              <a:t>permutations</a:t>
+            </a:r>
+            <a:r>
+              <a:rPr lang="nb-NO" sz="2000" dirty="0"/>
+              <a:t> </a:t>
+            </a:r>
+            <a:r>
+              <a:rPr lang="nb-NO" sz="2000" dirty="0" err="1"/>
+              <a:t>of</a:t>
+            </a:r>
+            <a:r>
+              <a:rPr lang="nb-NO" sz="2000" dirty="0"/>
+              <a:t> </a:t>
+            </a:r>
+            <a:r>
+              <a:rPr lang="nb-NO" sz="2000" dirty="0" err="1"/>
+              <a:t>model</a:t>
+            </a:r>
+            <a:r>
+              <a:rPr lang="nb-NO" sz="2000" dirty="0"/>
+              <a:t> </a:t>
+            </a:r>
+            <a:r>
+              <a:rPr lang="nb-NO" sz="2000" dirty="0" err="1"/>
+              <a:t>setups</a:t>
+            </a:r>
+            <a:endParaRPr lang="nb-NO" sz="2000" dirty="0"/>
+          </a:p>
+          <a:p>
+            <a:r>
+              <a:rPr lang="nb-NO" sz="2000" dirty="0"/>
+              <a:t>For all combinations </a:t>
+            </a:r>
+            <a:r>
+              <a:rPr lang="nb-NO" sz="2000" dirty="0" err="1"/>
+              <a:t>of</a:t>
+            </a:r>
+            <a:r>
+              <a:rPr lang="nb-NO" sz="2000" dirty="0"/>
+              <a:t> ML parameters (</a:t>
+            </a:r>
+            <a:r>
+              <a:rPr lang="nb-NO" sz="2000" dirty="0" err="1"/>
+              <a:t>e.g</a:t>
+            </a:r>
+            <a:r>
+              <a:rPr lang="nb-NO" sz="2000" dirty="0"/>
+              <a:t> hyperparameter </a:t>
+            </a:r>
+            <a:r>
+              <a:rPr lang="nb-NO" sz="2000" dirty="0" err="1"/>
+              <a:t>tweak</a:t>
+            </a:r>
+            <a:r>
+              <a:rPr lang="nb-NO" sz="2000" dirty="0"/>
+              <a:t>, </a:t>
+            </a:r>
+            <a:r>
+              <a:rPr lang="nb-NO" sz="2000" dirty="0" err="1"/>
+              <a:t>epochs</a:t>
+            </a:r>
+            <a:r>
+              <a:rPr lang="nb-NO" sz="2000" dirty="0"/>
+              <a:t>, </a:t>
+            </a:r>
+            <a:r>
+              <a:rPr lang="nb-NO" sz="2000" dirty="0" err="1"/>
+              <a:t>batches</a:t>
+            </a:r>
+            <a:r>
+              <a:rPr lang="nb-NO" sz="2000" dirty="0"/>
+              <a:t>, </a:t>
+            </a:r>
+            <a:r>
+              <a:rPr lang="nb-NO" sz="2000" dirty="0" err="1"/>
+              <a:t>learn</a:t>
+            </a:r>
+            <a:r>
+              <a:rPr lang="nb-NO" sz="2000" dirty="0"/>
+              <a:t> rate etc. )</a:t>
+            </a:r>
+          </a:p>
+          <a:p>
+            <a:pPr lvl="1"/>
+            <a:r>
+              <a:rPr lang="nb-NO" sz="1600" dirty="0" err="1"/>
+              <a:t>Initialize</a:t>
+            </a:r>
+            <a:r>
+              <a:rPr lang="nb-NO" sz="1600" dirty="0"/>
+              <a:t> </a:t>
+            </a:r>
+            <a:r>
+              <a:rPr lang="nb-NO" sz="1600" dirty="0" err="1"/>
+              <a:t>on</a:t>
+            </a:r>
+            <a:r>
+              <a:rPr lang="nb-NO" sz="1600" dirty="0"/>
+              <a:t> </a:t>
+            </a:r>
+            <a:r>
+              <a:rPr lang="nb-NO" sz="1600" dirty="0" err="1"/>
+              <a:t>the</a:t>
+            </a:r>
+            <a:r>
+              <a:rPr lang="nb-NO" sz="1600" dirty="0"/>
+              <a:t> </a:t>
+            </a:r>
+            <a:r>
+              <a:rPr lang="nb-NO" sz="1600" dirty="0" err="1"/>
+              <a:t>three</a:t>
+            </a:r>
+            <a:r>
+              <a:rPr lang="nb-NO" sz="1600" dirty="0"/>
+              <a:t> best </a:t>
+            </a:r>
+            <a:r>
+              <a:rPr lang="nb-NO" sz="1600" dirty="0" err="1"/>
+              <a:t>performing</a:t>
+            </a:r>
+            <a:r>
+              <a:rPr lang="nb-NO" sz="1600" dirty="0"/>
+              <a:t>, and random</a:t>
+            </a:r>
+          </a:p>
+          <a:p>
+            <a:pPr lvl="1"/>
+            <a:r>
+              <a:rPr lang="nb-NO" sz="1600" dirty="0" err="1"/>
+              <a:t>Try</a:t>
+            </a:r>
+            <a:r>
+              <a:rPr lang="nb-NO" sz="1600" dirty="0"/>
+              <a:t> </a:t>
+            </a:r>
+            <a:r>
+              <a:rPr lang="nb-NO" sz="1600" dirty="0" err="1"/>
+              <a:t>using</a:t>
+            </a:r>
+            <a:r>
+              <a:rPr lang="nb-NO" sz="1600" dirty="0"/>
+              <a:t> </a:t>
+            </a:r>
+            <a:r>
+              <a:rPr lang="nb-NO" sz="1600" dirty="0" err="1"/>
+              <a:t>boreholes</a:t>
+            </a:r>
+            <a:r>
+              <a:rPr lang="nb-NO" sz="1600" dirty="0"/>
+              <a:t> </a:t>
+            </a:r>
+            <a:r>
+              <a:rPr lang="nb-NO" sz="1600" dirty="0" err="1"/>
+              <a:t>only</a:t>
+            </a:r>
+            <a:endParaRPr lang="nb-NO" sz="1600" dirty="0"/>
+          </a:p>
+          <a:p>
+            <a:pPr lvl="1"/>
+            <a:r>
+              <a:rPr lang="nb-NO" sz="1600" dirty="0" err="1"/>
+              <a:t>Try</a:t>
+            </a:r>
+            <a:r>
+              <a:rPr lang="nb-NO" sz="1600" dirty="0"/>
+              <a:t> </a:t>
+            </a:r>
+            <a:r>
+              <a:rPr lang="nb-NO" sz="1600" dirty="0" err="1"/>
+              <a:t>handpicked</a:t>
+            </a:r>
+            <a:r>
+              <a:rPr lang="nb-NO" sz="1600" dirty="0"/>
+              <a:t> traces, w/ </a:t>
+            </a:r>
+            <a:r>
+              <a:rPr lang="nb-NO" sz="1600" dirty="0" err="1"/>
+              <a:t>genetic</a:t>
+            </a:r>
+            <a:r>
+              <a:rPr lang="nb-NO" sz="1600" dirty="0"/>
+              <a:t> </a:t>
+            </a:r>
+            <a:r>
+              <a:rPr lang="nb-NO" sz="1600" dirty="0" err="1"/>
+              <a:t>algorithm</a:t>
+            </a:r>
+            <a:endParaRPr lang="nb-NO" sz="1600" dirty="0"/>
+          </a:p>
+          <a:p>
+            <a:pPr lvl="1"/>
+            <a:r>
+              <a:rPr lang="nb-NO" sz="1600" dirty="0" err="1"/>
+              <a:t>Try</a:t>
+            </a:r>
+            <a:r>
+              <a:rPr lang="nb-NO" sz="1600" dirty="0"/>
+              <a:t> 1D and 2D</a:t>
+            </a:r>
+          </a:p>
+          <a:p>
+            <a:pPr lvl="1"/>
+            <a:r>
+              <a:rPr lang="nb-NO" sz="1600" dirty="0" err="1"/>
+              <a:t>Weight</a:t>
+            </a:r>
+            <a:r>
+              <a:rPr lang="nb-NO" sz="1600" dirty="0"/>
+              <a:t> </a:t>
+            </a:r>
+            <a:r>
+              <a:rPr lang="nb-NO" sz="1600" dirty="0" err="1"/>
+              <a:t>sharing</a:t>
+            </a:r>
+            <a:r>
+              <a:rPr lang="nb-NO" sz="1600" dirty="0"/>
+              <a:t> – </a:t>
+            </a:r>
+            <a:r>
+              <a:rPr lang="nb-NO" sz="1600" dirty="0" err="1"/>
+              <a:t>no</a:t>
+            </a:r>
+            <a:r>
+              <a:rPr lang="nb-NO" sz="1600" dirty="0"/>
+              <a:t> </a:t>
+            </a:r>
+            <a:r>
+              <a:rPr lang="nb-NO" sz="1600" dirty="0" err="1"/>
+              <a:t>weight</a:t>
+            </a:r>
+            <a:r>
+              <a:rPr lang="nb-NO" sz="1600" dirty="0"/>
+              <a:t> </a:t>
+            </a:r>
+            <a:r>
+              <a:rPr lang="nb-NO" sz="1600" dirty="0" err="1"/>
+              <a:t>sharing</a:t>
+            </a:r>
+            <a:endParaRPr lang="nb-NO" sz="1600" dirty="0"/>
+          </a:p>
+          <a:p>
+            <a:pPr lvl="1"/>
+            <a:r>
+              <a:rPr lang="nb-NO" sz="1600" dirty="0"/>
+              <a:t>Levels </a:t>
+            </a:r>
+            <a:r>
+              <a:rPr lang="nb-NO" sz="1600" dirty="0" err="1"/>
+              <a:t>of</a:t>
+            </a:r>
+            <a:r>
+              <a:rPr lang="nb-NO" sz="1600" dirty="0"/>
+              <a:t> random </a:t>
+            </a:r>
+            <a:r>
+              <a:rPr lang="nb-NO" sz="1600" dirty="0" err="1"/>
+              <a:t>noise</a:t>
+            </a:r>
+            <a:endParaRPr lang="nb-NO" sz="1600" dirty="0"/>
+          </a:p>
+          <a:p>
+            <a:pPr lvl="1"/>
+            <a:r>
+              <a:rPr lang="nb-NO" sz="1600" dirty="0" err="1"/>
+              <a:t>Feature</a:t>
+            </a:r>
+            <a:r>
+              <a:rPr lang="nb-NO" sz="1600" dirty="0"/>
+              <a:t> </a:t>
+            </a:r>
+            <a:r>
+              <a:rPr lang="nb-NO" sz="1600" dirty="0" err="1"/>
+              <a:t>augmentation</a:t>
+            </a:r>
+            <a:endParaRPr lang="en-GB" sz="1600" dirty="0"/>
           </a:p>
         </p:txBody>
       </p:sp>
     </p:spTree>
     <p:extLst>
       <p:ext uri="{BB962C8B-B14F-4D97-AF65-F5344CB8AC3E}">
-        <p14:creationId xmlns:p14="http://schemas.microsoft.com/office/powerpoint/2010/main" val="2068425649"/>
+        <p14:creationId xmlns:p14="http://schemas.microsoft.com/office/powerpoint/2010/main" val="713500511"/>
       </p:ext>
     </p:extLst>
   </p:cSld>
@@ -5342,7 +5713,7 @@
 </p:sld>
 </file>
 
-<file path=ppt/slides/slide2.xml><?xml version="1.0" encoding="utf-8"?>
+<file path=ppt/slides/slide12.xml><?xml version="1.0" encoding="utf-8"?>
 <p:sld xmlns:a="http://schemas.openxmlformats.org/drawingml/2006/main" xmlns:r="http://schemas.openxmlformats.org/officeDocument/2006/relationships" xmlns:p="http://schemas.openxmlformats.org/presentationml/2006/main">
   <p:cSld>
     <p:bg>
@@ -5748,7 +6119,7 @@
           <p:cNvPr id="2" name="Title 1">
             <a:extLst>
               <a:ext uri="{FF2B5EF4-FFF2-40B4-BE49-F238E27FC236}">
-                <a16:creationId xmlns:a16="http://schemas.microsoft.com/office/drawing/2014/main" id="{4063C3B5-B407-494C-8550-9EC2F0C3D108}"/>
+                <a16:creationId xmlns:a16="http://schemas.microsoft.com/office/drawing/2014/main" id="{F6FAB5C0-EDED-4E5D-9D77-3386F7E5BBF3}"/>
               </a:ext>
             </a:extLst>
           </p:cNvPr>
@@ -5772,12 +6143,28 @@
           <a:lstStyle/>
           <a:p>
             <a:r>
+              <a:rPr lang="nb-NO" sz="4000" dirty="0" err="1">
+                <a:solidFill>
+                  <a:srgbClr val="FFFFFF"/>
+                </a:solidFill>
+              </a:rPr>
+              <a:t>Next</a:t>
+            </a:r>
+            <a:r>
               <a:rPr lang="nb-NO" sz="4000" dirty="0">
                 <a:solidFill>
                   <a:srgbClr val="FFFFFF"/>
                 </a:solidFill>
               </a:rPr>
-              <a:t>Purpose</a:t>
+              <a:t> </a:t>
+            </a:r>
+            <a:r>
+              <a:rPr lang="nb-NO" sz="4000" dirty="0" err="1">
+                <a:solidFill>
+                  <a:srgbClr val="FFFFFF"/>
+                </a:solidFill>
+              </a:rPr>
+              <a:t>meeting</a:t>
             </a:r>
             <a:endParaRPr lang="en-GB" sz="4000" dirty="0">
               <a:solidFill>
@@ -5792,7 +6179,7 @@
           <p:cNvPr id="3" name="Content Placeholder 2">
             <a:extLst>
               <a:ext uri="{FF2B5EF4-FFF2-40B4-BE49-F238E27FC236}">
-                <a16:creationId xmlns:a16="http://schemas.microsoft.com/office/drawing/2014/main" id="{BA2DB92D-6928-414C-80EA-824A7B8FDB09}"/>
+                <a16:creationId xmlns:a16="http://schemas.microsoft.com/office/drawing/2014/main" id="{0B0C8338-C8EC-448D-A305-9E6E9B704004}"/>
               </a:ext>
             </a:extLst>
           </p:cNvPr>
@@ -5816,78 +6203,59 @@
           <a:lstStyle/>
           <a:p>
             <a:r>
-              <a:rPr lang="nb-NO" sz="2000" dirty="0" err="1"/>
-              <a:t>Demonstrate</a:t>
-            </a:r>
-            <a:r>
-              <a:rPr lang="nb-NO" sz="2000" dirty="0"/>
-              <a:t> </a:t>
-            </a:r>
-            <a:r>
-              <a:rPr lang="nb-NO" sz="2000" dirty="0" err="1"/>
-              <a:t>the</a:t>
-            </a:r>
-            <a:r>
-              <a:rPr lang="nb-NO" sz="2000" dirty="0"/>
-              <a:t> </a:t>
-            </a:r>
-            <a:r>
-              <a:rPr lang="nb-NO" sz="2000" dirty="0" err="1"/>
-              <a:t>infrastructure</a:t>
-            </a:r>
-            <a:endParaRPr lang="nb-NO" sz="2000" dirty="0"/>
-          </a:p>
-          <a:p>
-            <a:r>
-              <a:rPr lang="nb-NO" sz="2000" dirty="0" err="1"/>
-              <a:t>Performance</a:t>
-            </a:r>
-            <a:r>
-              <a:rPr lang="nb-NO" sz="2000" dirty="0"/>
-              <a:t> </a:t>
-            </a:r>
-            <a:r>
-              <a:rPr lang="nb-NO" sz="2000" dirty="0" err="1"/>
-              <a:t>evaluation</a:t>
-            </a:r>
-            <a:endParaRPr lang="nb-NO" sz="2000" dirty="0"/>
-          </a:p>
-          <a:p>
-            <a:pPr lvl="1"/>
-            <a:r>
-              <a:rPr lang="nb-NO" sz="1600" dirty="0"/>
-              <a:t>Visual </a:t>
-            </a:r>
-            <a:r>
-              <a:rPr lang="nb-NO" sz="1600" dirty="0" err="1"/>
-              <a:t>comparison</a:t>
-            </a:r>
-            <a:endParaRPr lang="nb-NO" sz="1600" dirty="0"/>
-          </a:p>
-          <a:p>
-            <a:r>
-              <a:rPr lang="nb-NO" sz="2000" dirty="0"/>
-              <a:t>Model </a:t>
-            </a:r>
-            <a:r>
-              <a:rPr lang="nb-NO" sz="2000" dirty="0" err="1"/>
-              <a:t>storage</a:t>
-            </a:r>
-            <a:endParaRPr lang="nb-NO" sz="2000" dirty="0"/>
-          </a:p>
-          <a:p>
-            <a:pPr lvl="1"/>
-            <a:r>
-              <a:rPr lang="nb-NO" sz="1600" dirty="0"/>
-              <a:t>Transfer </a:t>
-            </a:r>
-            <a:r>
-              <a:rPr lang="nb-NO" sz="1600" dirty="0" err="1"/>
-              <a:t>learning</a:t>
-            </a:r>
-            <a:endParaRPr lang="nb-NO" sz="1600" dirty="0"/>
-          </a:p>
-          <a:p>
+              <a:rPr lang="nb-NO" sz="3200" dirty="0"/>
+              <a:t>General Meeting: </a:t>
+            </a:r>
+            <a:r>
+              <a:rPr lang="nb-NO" sz="3200" b="1" dirty="0"/>
+              <a:t>5/10 2022</a:t>
+            </a:r>
+          </a:p>
+          <a:p>
+            <a:r>
+              <a:rPr lang="nb-NO" sz="2000" dirty="0" err="1"/>
+              <a:t>There</a:t>
+            </a:r>
+            <a:r>
+              <a:rPr lang="nb-NO" sz="2000" dirty="0"/>
+              <a:t> </a:t>
+            </a:r>
+            <a:r>
+              <a:rPr lang="nb-NO" sz="2000" dirty="0" err="1"/>
+              <a:t>may</a:t>
+            </a:r>
+            <a:r>
+              <a:rPr lang="nb-NO" sz="2000" dirty="0"/>
+              <a:t> be a </a:t>
+            </a:r>
+            <a:r>
+              <a:rPr lang="nb-NO" sz="2000" dirty="0" err="1"/>
+              <a:t>meeting</a:t>
+            </a:r>
+            <a:r>
+              <a:rPr lang="nb-NO" sz="2000" dirty="0"/>
+              <a:t> </a:t>
+            </a:r>
+            <a:r>
+              <a:rPr lang="nb-NO" sz="2000" dirty="0" err="1"/>
+              <a:t>before</a:t>
+            </a:r>
+            <a:r>
+              <a:rPr lang="nb-NO" sz="2000" dirty="0"/>
+              <a:t> </a:t>
+            </a:r>
+            <a:r>
+              <a:rPr lang="nb-NO" sz="2000" dirty="0" err="1"/>
+              <a:t>this</a:t>
+            </a:r>
+            <a:r>
+              <a:rPr lang="nb-NO" sz="2000" dirty="0"/>
+              <a:t> time as </a:t>
+            </a:r>
+            <a:r>
+              <a:rPr lang="nb-NO" sz="2000" dirty="0" err="1"/>
+              <a:t>well</a:t>
+            </a:r>
             <a:endParaRPr lang="en-GB" sz="2000" dirty="0"/>
           </a:p>
         </p:txBody>
@@ -5895,7 +6263,7 @@
     </p:spTree>
     <p:extLst>
       <p:ext uri="{BB962C8B-B14F-4D97-AF65-F5344CB8AC3E}">
-        <p14:creationId xmlns:p14="http://schemas.microsoft.com/office/powerpoint/2010/main" val="1333346582"/>
+        <p14:creationId xmlns:p14="http://schemas.microsoft.com/office/powerpoint/2010/main" val="2068425649"/>
       </p:ext>
     </p:extLst>
   </p:cSld>
@@ -5905,7 +6273,7 @@
 </p:sld>
 </file>
 
-<file path=ppt/slides/slide3.xml><?xml version="1.0" encoding="utf-8"?>
+<file path=ppt/slides/slide2.xml><?xml version="1.0" encoding="utf-8"?>
 <p:sld xmlns:a="http://schemas.openxmlformats.org/drawingml/2006/main" xmlns:r="http://schemas.openxmlformats.org/officeDocument/2006/relationships" xmlns:p="http://schemas.openxmlformats.org/presentationml/2006/main">
   <p:cSld>
     <p:bg>
@@ -6311,7 +6679,7 @@
           <p:cNvPr id="2" name="Title 1">
             <a:extLst>
               <a:ext uri="{FF2B5EF4-FFF2-40B4-BE49-F238E27FC236}">
-                <a16:creationId xmlns:a16="http://schemas.microsoft.com/office/drawing/2014/main" id="{4A764FF9-9F73-4D4D-AAFD-1C04C11F07B1}"/>
+                <a16:creationId xmlns:a16="http://schemas.microsoft.com/office/drawing/2014/main" id="{4063C3B5-B407-494C-8550-9EC2F0C3D108}"/>
               </a:ext>
             </a:extLst>
           </p:cNvPr>
@@ -6340,39 +6708,7 @@
                   <a:srgbClr val="FFFFFF"/>
                 </a:solidFill>
               </a:rPr>
-              <a:t>How far </a:t>
-            </a:r>
-            <a:r>
-              <a:rPr lang="nb-NO" sz="4000" dirty="0" err="1">
-                <a:solidFill>
-                  <a:srgbClr val="FFFFFF"/>
-                </a:solidFill>
-              </a:rPr>
-              <a:t>did</a:t>
-            </a:r>
-            <a:r>
-              <a:rPr lang="nb-NO" sz="4000" dirty="0">
-                <a:solidFill>
-                  <a:srgbClr val="FFFFFF"/>
-                </a:solidFill>
-              </a:rPr>
-              <a:t> I </a:t>
-            </a:r>
-            <a:r>
-              <a:rPr lang="nb-NO" sz="4000" dirty="0" err="1">
-                <a:solidFill>
-                  <a:srgbClr val="FFFFFF"/>
-                </a:solidFill>
-              </a:rPr>
-              <a:t>get</a:t>
-            </a:r>
-            <a:r>
-              <a:rPr lang="nb-NO" sz="4000" dirty="0">
-                <a:solidFill>
-                  <a:srgbClr val="FFFFFF"/>
-                </a:solidFill>
-              </a:rPr>
-              <a:t>?</a:t>
+              <a:t>Purpose</a:t>
             </a:r>
             <a:endParaRPr lang="en-GB" sz="4000" dirty="0">
               <a:solidFill>
@@ -6387,7 +6723,7 @@
           <p:cNvPr id="3" name="Content Placeholder 2">
             <a:extLst>
               <a:ext uri="{FF2B5EF4-FFF2-40B4-BE49-F238E27FC236}">
-                <a16:creationId xmlns:a16="http://schemas.microsoft.com/office/drawing/2014/main" id="{3D320F21-65DE-42A9-8F93-737639ED9E6E}"/>
+                <a16:creationId xmlns:a16="http://schemas.microsoft.com/office/drawing/2014/main" id="{BA2DB92D-6928-414C-80EA-824A7B8FDB09}"/>
               </a:ext>
             </a:extLst>
           </p:cNvPr>
@@ -6410,103 +6746,87 @@
           </a:bodyPr>
           <a:lstStyle/>
           <a:p>
-            <a:pPr lvl="2"/>
-            <a:r>
-              <a:rPr lang="en-GB" sz="1200" b="1" dirty="0">
-                <a:solidFill>
-                  <a:schemeClr val="accent6"/>
-                </a:solidFill>
-              </a:rPr>
-              <a:t>Implemented</a:t>
-            </a:r>
-            <a:r>
-              <a:rPr lang="en-GB" sz="1200" dirty="0"/>
-              <a:t> </a:t>
-            </a:r>
-            <a:r>
-              <a:rPr lang="en-GB" sz="1200" strike="sngStrike" dirty="0">
-                <a:solidFill>
-                  <a:srgbClr val="FF0000"/>
-                </a:solidFill>
-              </a:rPr>
-              <a:t>all needed </a:t>
-            </a:r>
-            <a:r>
-              <a:rPr lang="en-GB" sz="1200" b="1" dirty="0">
-                <a:solidFill>
-                  <a:schemeClr val="accent6"/>
-                </a:solidFill>
-              </a:rPr>
-              <a:t>architectures</a:t>
-            </a:r>
-          </a:p>
-          <a:p>
-            <a:pPr lvl="2"/>
-            <a:r>
-              <a:rPr lang="en-GB" sz="1200" dirty="0"/>
-              <a:t>Implemented transfer learning loss functions</a:t>
-            </a:r>
-          </a:p>
-          <a:p>
-            <a:pPr lvl="2"/>
-            <a:r>
-              <a:rPr lang="en-GB" sz="1200" b="1" dirty="0">
-                <a:solidFill>
-                  <a:schemeClr val="accent6"/>
-                </a:solidFill>
-              </a:rPr>
-              <a:t>Implemented logging script</a:t>
-            </a:r>
-          </a:p>
-          <a:p>
-            <a:pPr lvl="2"/>
-            <a:r>
-              <a:rPr lang="en-GB" sz="1200" dirty="0"/>
-              <a:t>Gotten familiar with loading the data from NGI’s TNW folder (</a:t>
-            </a:r>
-            <a:r>
-              <a:rPr lang="en-GB" sz="1200" dirty="0" err="1"/>
-              <a:t>OpendTect</a:t>
-            </a:r>
-            <a:r>
-              <a:rPr lang="en-GB" sz="1200" dirty="0"/>
-              <a:t> etc.)</a:t>
-            </a:r>
-          </a:p>
-          <a:p>
-            <a:pPr lvl="2"/>
-            <a:r>
-              <a:rPr lang="en-GB" sz="1200" dirty="0"/>
-              <a:t>Ran at least one algorithm with summary statistics</a:t>
-            </a:r>
-          </a:p>
-          <a:p>
-            <a:r>
-              <a:rPr lang="en-GB" sz="2000" dirty="0"/>
-              <a:t>Added:</a:t>
-            </a:r>
+            <a:r>
+              <a:rPr lang="nb-NO" sz="2000" dirty="0" err="1"/>
+              <a:t>Demonstrate</a:t>
+            </a:r>
+            <a:r>
+              <a:rPr lang="nb-NO" sz="2000" dirty="0"/>
+              <a:t> </a:t>
+            </a:r>
+            <a:r>
+              <a:rPr lang="nb-NO" sz="2000" dirty="0" err="1"/>
+              <a:t>the</a:t>
+            </a:r>
+            <a:r>
+              <a:rPr lang="nb-NO" sz="2000" dirty="0"/>
+              <a:t> </a:t>
+            </a:r>
+            <a:r>
+              <a:rPr lang="nb-NO" sz="2000" dirty="0" err="1"/>
+              <a:t>infrastructure</a:t>
+            </a:r>
+            <a:endParaRPr lang="nb-NO" sz="2000" dirty="0"/>
+          </a:p>
+          <a:p>
+            <a:r>
+              <a:rPr lang="nb-NO" sz="2000" dirty="0" err="1"/>
+              <a:t>Performance</a:t>
+            </a:r>
+            <a:r>
+              <a:rPr lang="nb-NO" sz="2000" dirty="0"/>
+              <a:t> </a:t>
+            </a:r>
+            <a:r>
+              <a:rPr lang="nb-NO" sz="2000" dirty="0" err="1"/>
+              <a:t>evaluation</a:t>
+            </a:r>
+            <a:endParaRPr lang="nb-NO" sz="2000" dirty="0"/>
           </a:p>
           <a:p>
             <a:pPr lvl="1"/>
             <a:r>
-              <a:rPr lang="en-GB" sz="1600" dirty="0"/>
-              <a:t>Export env </a:t>
-            </a:r>
-            <a:r>
-              <a:rPr lang="en-GB" sz="1600" dirty="0" err="1"/>
-              <a:t>yaml</a:t>
-            </a:r>
-            <a:r>
-              <a:rPr lang="en-GB" sz="1600" dirty="0"/>
-              <a:t> before first run, and keep it up to date</a:t>
-            </a:r>
+              <a:rPr lang="nb-NO" sz="1600" dirty="0"/>
+              <a:t>Visual </a:t>
+            </a:r>
+            <a:r>
+              <a:rPr lang="nb-NO" sz="1600" dirty="0" err="1"/>
+              <a:t>comparison</a:t>
+            </a:r>
+            <a:endParaRPr lang="nb-NO" sz="1600" dirty="0"/>
+          </a:p>
+          <a:p>
+            <a:r>
+              <a:rPr lang="nb-NO" sz="2000" dirty="0"/>
+              <a:t>Model </a:t>
+            </a:r>
+            <a:r>
+              <a:rPr lang="nb-NO" sz="2000" dirty="0" err="1"/>
+              <a:t>storage</a:t>
+            </a:r>
+            <a:endParaRPr lang="nb-NO" sz="2000" dirty="0"/>
+          </a:p>
+          <a:p>
+            <a:pPr lvl="1"/>
+            <a:r>
+              <a:rPr lang="nb-NO" sz="1600" dirty="0"/>
+              <a:t>Transfer </a:t>
+            </a:r>
+            <a:r>
+              <a:rPr lang="nb-NO" sz="1600" dirty="0" err="1"/>
+              <a:t>learning</a:t>
+            </a:r>
+            <a:endParaRPr lang="nb-NO" sz="1600" dirty="0"/>
+          </a:p>
+          <a:p>
+            <a:endParaRPr lang="en-GB" sz="2000" dirty="0"/>
           </a:p>
         </p:txBody>
       </p:sp>
     </p:spTree>
     <p:extLst>
       <p:ext uri="{BB962C8B-B14F-4D97-AF65-F5344CB8AC3E}">
-        <p14:creationId xmlns:p14="http://schemas.microsoft.com/office/powerpoint/2010/main" val="388341662"/>
+        <p14:creationId xmlns:p14="http://schemas.microsoft.com/office/powerpoint/2010/main" val="1333346582"/>
       </p:ext>
     </p:extLst>
   </p:cSld>
@@ -6516,7 +6836,7 @@
 </p:sld>
 </file>
 
-<file path=ppt/slides/slide4.xml><?xml version="1.0" encoding="utf-8"?>
+<file path=ppt/slides/slide3.xml><?xml version="1.0" encoding="utf-8"?>
 <p:sld xmlns:a="http://schemas.openxmlformats.org/drawingml/2006/main" xmlns:r="http://schemas.openxmlformats.org/officeDocument/2006/relationships" xmlns:p="http://schemas.openxmlformats.org/presentationml/2006/main">
   <p:cSld>
     <p:bg>
@@ -6922,7 +7242,7 @@
           <p:cNvPr id="2" name="Title 1">
             <a:extLst>
               <a:ext uri="{FF2B5EF4-FFF2-40B4-BE49-F238E27FC236}">
-                <a16:creationId xmlns:a16="http://schemas.microsoft.com/office/drawing/2014/main" id="{8D9D9894-4DCD-4892-B6B1-96DA1FBB07CD}"/>
+                <a16:creationId xmlns:a16="http://schemas.microsoft.com/office/drawing/2014/main" id="{4A764FF9-9F73-4D4D-AAFD-1C04C11F07B1}"/>
               </a:ext>
             </a:extLst>
           </p:cNvPr>
@@ -6946,12 +7266,44 @@
           <a:lstStyle/>
           <a:p>
             <a:r>
+              <a:rPr lang="nb-NO" sz="4000" dirty="0">
+                <a:solidFill>
+                  <a:srgbClr val="FFFFFF"/>
+                </a:solidFill>
+              </a:rPr>
+              <a:t>How far </a:t>
+            </a:r>
+            <a:r>
               <a:rPr lang="nb-NO" sz="4000" dirty="0" err="1">
                 <a:solidFill>
                   <a:srgbClr val="FFFFFF"/>
                 </a:solidFill>
               </a:rPr>
-              <a:t>Infrastructure</a:t>
+              <a:t>did</a:t>
+            </a:r>
+            <a:r>
+              <a:rPr lang="nb-NO" sz="4000" dirty="0">
+                <a:solidFill>
+                  <a:srgbClr val="FFFFFF"/>
+                </a:solidFill>
+              </a:rPr>
+              <a:t> I </a:t>
+            </a:r>
+            <a:r>
+              <a:rPr lang="nb-NO" sz="4000" dirty="0" err="1">
+                <a:solidFill>
+                  <a:srgbClr val="FFFFFF"/>
+                </a:solidFill>
+              </a:rPr>
+              <a:t>get</a:t>
+            </a:r>
+            <a:r>
+              <a:rPr lang="nb-NO" sz="4000" dirty="0">
+                <a:solidFill>
+                  <a:srgbClr val="FFFFFF"/>
+                </a:solidFill>
+              </a:rPr>
+              <a:t>?</a:t>
             </a:r>
             <a:endParaRPr lang="en-GB" sz="4000" dirty="0">
               <a:solidFill>
@@ -6966,7 +7318,7 @@
           <p:cNvPr id="3" name="Content Placeholder 2">
             <a:extLst>
               <a:ext uri="{FF2B5EF4-FFF2-40B4-BE49-F238E27FC236}">
-                <a16:creationId xmlns:a16="http://schemas.microsoft.com/office/drawing/2014/main" id="{B0BC876B-DDF8-4314-B987-4526731FFFCD}"/>
+                <a16:creationId xmlns:a16="http://schemas.microsoft.com/office/drawing/2014/main" id="{3D320F21-65DE-42A9-8F93-737639ED9E6E}"/>
               </a:ext>
             </a:extLst>
           </p:cNvPr>
@@ -6989,336 +7341,95 @@
           </a:bodyPr>
           <a:lstStyle/>
           <a:p>
-            <a:r>
-              <a:rPr lang="nb-NO" sz="2000" dirty="0"/>
-              <a:t>Goal: Make it as forwards </a:t>
-            </a:r>
-            <a:r>
-              <a:rPr lang="nb-NO" sz="2000" dirty="0" err="1"/>
-              <a:t>compatible</a:t>
-            </a:r>
-            <a:r>
-              <a:rPr lang="nb-NO" sz="2000" dirty="0"/>
-              <a:t> and robust as </a:t>
-            </a:r>
-            <a:r>
-              <a:rPr lang="nb-NO" sz="2000" dirty="0" err="1"/>
-              <a:t>possible</a:t>
-            </a:r>
-            <a:endParaRPr lang="nb-NO" sz="2000" dirty="0"/>
+            <a:pPr lvl="2"/>
+            <a:r>
+              <a:rPr lang="en-GB" sz="1200" b="1" dirty="0">
+                <a:solidFill>
+                  <a:schemeClr val="accent6"/>
+                </a:solidFill>
+              </a:rPr>
+              <a:t>Implemented</a:t>
+            </a:r>
+            <a:r>
+              <a:rPr lang="en-GB" sz="1200" dirty="0"/>
+              <a:t> </a:t>
+            </a:r>
+            <a:r>
+              <a:rPr lang="en-GB" sz="1200" strike="sngStrike" dirty="0">
+                <a:solidFill>
+                  <a:srgbClr val="FF0000"/>
+                </a:solidFill>
+              </a:rPr>
+              <a:t>all needed </a:t>
+            </a:r>
+            <a:r>
+              <a:rPr lang="en-GB" sz="1200" b="1" dirty="0">
+                <a:solidFill>
+                  <a:schemeClr val="accent6"/>
+                </a:solidFill>
+              </a:rPr>
+              <a:t>architectures</a:t>
+            </a:r>
+          </a:p>
+          <a:p>
+            <a:pPr lvl="2"/>
+            <a:r>
+              <a:rPr lang="en-GB" sz="1200" dirty="0"/>
+              <a:t>Implemented transfer learning loss functions</a:t>
+            </a:r>
+          </a:p>
+          <a:p>
+            <a:pPr lvl="2"/>
+            <a:r>
+              <a:rPr lang="en-GB" sz="1200" b="1" dirty="0">
+                <a:solidFill>
+                  <a:schemeClr val="accent6"/>
+                </a:solidFill>
+              </a:rPr>
+              <a:t>Implemented logging script</a:t>
+            </a:r>
+          </a:p>
+          <a:p>
+            <a:pPr lvl="2"/>
+            <a:r>
+              <a:rPr lang="en-GB" sz="1200" dirty="0"/>
+              <a:t>Gotten familiar with loading the data from NGI’s TNW folder (</a:t>
+            </a:r>
+            <a:r>
+              <a:rPr lang="en-GB" sz="1200" dirty="0" err="1"/>
+              <a:t>OpendTect</a:t>
+            </a:r>
+            <a:r>
+              <a:rPr lang="en-GB" sz="1200" dirty="0"/>
+              <a:t> etc.)</a:t>
+            </a:r>
+          </a:p>
+          <a:p>
+            <a:pPr lvl="2"/>
+            <a:r>
+              <a:rPr lang="en-GB" sz="1200" dirty="0"/>
+              <a:t>Ran at least one algorithm with summary statistics</a:t>
+            </a:r>
+          </a:p>
+          <a:p>
+            <a:r>
+              <a:rPr lang="en-GB" sz="2000" dirty="0"/>
+              <a:t>Added:</a:t>
+            </a:r>
           </a:p>
           <a:p>
             <a:pPr lvl="1"/>
             <a:r>
-              <a:rPr lang="nb-NO" sz="1600" dirty="0"/>
-              <a:t>I </a:t>
-            </a:r>
-            <a:r>
-              <a:rPr lang="nb-NO" sz="1600" dirty="0" err="1"/>
-              <a:t>want</a:t>
-            </a:r>
-            <a:r>
-              <a:rPr lang="nb-NO" sz="1600" dirty="0"/>
-              <a:t> to have a </a:t>
-            </a:r>
-            <a:r>
-              <a:rPr lang="nb-NO" sz="1600" dirty="0" err="1"/>
-              <a:t>good</a:t>
-            </a:r>
-            <a:r>
-              <a:rPr lang="nb-NO" sz="1600" dirty="0"/>
-              <a:t> </a:t>
-            </a:r>
-            <a:r>
-              <a:rPr lang="nb-NO" sz="1600" dirty="0" err="1"/>
-              <a:t>enough</a:t>
-            </a:r>
-            <a:r>
-              <a:rPr lang="nb-NO" sz="1600" dirty="0"/>
-              <a:t> </a:t>
-            </a:r>
-            <a:r>
-              <a:rPr lang="nb-NO" sz="1600" dirty="0" err="1"/>
-              <a:t>infrastructure</a:t>
-            </a:r>
-            <a:r>
-              <a:rPr lang="nb-NO" sz="1600" dirty="0"/>
-              <a:t>, so </a:t>
-            </a:r>
-            <a:r>
-              <a:rPr lang="nb-NO" sz="1600" dirty="0" err="1"/>
-              <a:t>that</a:t>
-            </a:r>
-            <a:r>
-              <a:rPr lang="nb-NO" sz="1600" dirty="0"/>
-              <a:t> I </a:t>
-            </a:r>
-            <a:r>
-              <a:rPr lang="nb-NO" sz="1600" dirty="0" err="1"/>
-              <a:t>will</a:t>
-            </a:r>
-            <a:r>
-              <a:rPr lang="nb-NO" sz="1600" dirty="0"/>
-              <a:t> not have to make grand </a:t>
-            </a:r>
-            <a:r>
-              <a:rPr lang="nb-NO" sz="1600" dirty="0" err="1"/>
-              <a:t>changes</a:t>
-            </a:r>
-            <a:r>
-              <a:rPr lang="nb-NO" sz="1600" dirty="0"/>
-              <a:t> in </a:t>
-            </a:r>
-            <a:r>
-              <a:rPr lang="nb-NO" sz="1600" dirty="0" err="1"/>
-              <a:t>the</a:t>
-            </a:r>
-            <a:r>
-              <a:rPr lang="nb-NO" sz="1600" dirty="0"/>
-              <a:t> </a:t>
-            </a:r>
-            <a:r>
-              <a:rPr lang="nb-NO" sz="1600" dirty="0" err="1"/>
-              <a:t>future</a:t>
-            </a:r>
-            <a:r>
-              <a:rPr lang="nb-NO" sz="1600" dirty="0"/>
-              <a:t>, </a:t>
-            </a:r>
-            <a:r>
-              <a:rPr lang="nb-NO" sz="1600" dirty="0" err="1"/>
-              <a:t>which</a:t>
-            </a:r>
-            <a:r>
-              <a:rPr lang="nb-NO" sz="1600" dirty="0"/>
-              <a:t> </a:t>
-            </a:r>
-            <a:r>
-              <a:rPr lang="nb-NO" sz="1600" dirty="0" err="1"/>
-              <a:t>will</a:t>
-            </a:r>
-            <a:r>
-              <a:rPr lang="nb-NO" sz="1600" dirty="0"/>
-              <a:t> </a:t>
-            </a:r>
-            <a:r>
-              <a:rPr lang="nb-NO" sz="1600" dirty="0" err="1"/>
-              <a:t>leave</a:t>
-            </a:r>
-            <a:r>
-              <a:rPr lang="nb-NO" sz="1600" dirty="0"/>
-              <a:t> older </a:t>
-            </a:r>
-            <a:r>
-              <a:rPr lang="nb-NO" sz="1600" dirty="0" err="1"/>
-              <a:t>models</a:t>
-            </a:r>
-            <a:r>
-              <a:rPr lang="nb-NO" sz="1600" dirty="0"/>
-              <a:t> non </a:t>
-            </a:r>
-            <a:r>
-              <a:rPr lang="nb-NO" sz="1600" dirty="0" err="1"/>
-              <a:t>compatible</a:t>
-            </a:r>
-            <a:r>
-              <a:rPr lang="nb-NO" sz="1600" dirty="0"/>
-              <a:t> </a:t>
-            </a:r>
-            <a:r>
-              <a:rPr lang="nb-NO" sz="1600" dirty="0" err="1"/>
-              <a:t>with</a:t>
-            </a:r>
-            <a:r>
-              <a:rPr lang="nb-NO" sz="1600" dirty="0"/>
-              <a:t> </a:t>
-            </a:r>
-            <a:r>
-              <a:rPr lang="nb-NO" sz="1600" dirty="0" err="1"/>
-              <a:t>newer</a:t>
-            </a:r>
-            <a:r>
-              <a:rPr lang="nb-NO" sz="1600" dirty="0"/>
-              <a:t> </a:t>
-            </a:r>
-            <a:r>
-              <a:rPr lang="nb-NO" sz="1600" dirty="0" err="1"/>
-              <a:t>ones</a:t>
-            </a:r>
-            <a:endParaRPr lang="nb-NO" sz="1600" dirty="0"/>
-          </a:p>
-          <a:p>
-            <a:r>
-              <a:rPr lang="nb-NO" sz="2000" dirty="0"/>
-              <a:t>This </a:t>
-            </a:r>
-            <a:r>
-              <a:rPr lang="nb-NO" sz="2000" dirty="0" err="1"/>
-              <a:t>affects</a:t>
-            </a:r>
-            <a:r>
-              <a:rPr lang="nb-NO" sz="2000" dirty="0"/>
-              <a:t>:</a:t>
-            </a:r>
-          </a:p>
-          <a:p>
-            <a:pPr lvl="1"/>
-            <a:r>
-              <a:rPr lang="nb-NO" sz="1600" dirty="0"/>
-              <a:t>How </a:t>
-            </a:r>
-            <a:r>
-              <a:rPr lang="nb-NO" sz="1600" dirty="0" err="1"/>
-              <a:t>the</a:t>
-            </a:r>
-            <a:r>
-              <a:rPr lang="nb-NO" sz="1600" dirty="0"/>
-              <a:t> </a:t>
-            </a:r>
-            <a:r>
-              <a:rPr lang="nb-NO" sz="1600" dirty="0" err="1"/>
-              <a:t>architectures</a:t>
-            </a:r>
-            <a:r>
-              <a:rPr lang="nb-NO" sz="1600" dirty="0"/>
-              <a:t> </a:t>
-            </a:r>
-            <a:r>
-              <a:rPr lang="nb-NO" sz="1600" dirty="0" err="1"/>
-              <a:t>are</a:t>
-            </a:r>
-            <a:r>
-              <a:rPr lang="nb-NO" sz="1600" dirty="0"/>
-              <a:t> </a:t>
-            </a:r>
-            <a:r>
-              <a:rPr lang="nb-NO" sz="1600" dirty="0" err="1"/>
-              <a:t>set</a:t>
-            </a:r>
-            <a:r>
-              <a:rPr lang="nb-NO" sz="1600" dirty="0"/>
-              <a:t> up</a:t>
-            </a:r>
-            <a:endParaRPr lang="en-GB" sz="1200" dirty="0"/>
-          </a:p>
-          <a:p>
-            <a:pPr lvl="2"/>
-            <a:r>
-              <a:rPr lang="en-GB" sz="1200" dirty="0"/>
-              <a:t>Implementing new architectures should not be harder than just writing </a:t>
-            </a:r>
-            <a:r>
-              <a:rPr lang="en-GB" sz="1200" b="1" dirty="0"/>
-              <a:t>one</a:t>
-            </a:r>
-            <a:r>
-              <a:rPr lang="en-GB" sz="1200" dirty="0"/>
-              <a:t> new function</a:t>
-            </a:r>
-          </a:p>
-          <a:p>
-            <a:pPr lvl="2"/>
-            <a:r>
-              <a:rPr lang="en-GB" sz="1200" dirty="0"/>
-              <a:t>Running different set ups, data sets, dilation rates etc. should not need coding specific to the training instance</a:t>
-            </a:r>
-          </a:p>
-          <a:p>
-            <a:pPr lvl="3"/>
-            <a:r>
-              <a:rPr lang="en-GB" sz="1000" dirty="0"/>
-              <a:t>2DTCN should handle to be passed 1DTCN parameters and vice versa. Random forest should know to ignore TCN params</a:t>
-            </a:r>
-          </a:p>
-          <a:p>
-            <a:pPr lvl="2"/>
-            <a:r>
-              <a:rPr lang="nb-NO" sz="1200" dirty="0" err="1"/>
-              <a:t>Writing</a:t>
-            </a:r>
-            <a:r>
-              <a:rPr lang="nb-NO" sz="1200" dirty="0"/>
-              <a:t> </a:t>
-            </a:r>
-            <a:r>
-              <a:rPr lang="nb-NO" sz="1200" dirty="0" err="1"/>
-              <a:t>the</a:t>
-            </a:r>
-            <a:r>
-              <a:rPr lang="nb-NO" sz="1200" dirty="0"/>
-              <a:t> </a:t>
-            </a:r>
-            <a:r>
-              <a:rPr lang="nb-NO" sz="1200" dirty="0" err="1"/>
-              <a:t>instructions</a:t>
-            </a:r>
-            <a:r>
-              <a:rPr lang="nb-NO" sz="1200" dirty="0"/>
-              <a:t> for </a:t>
-            </a:r>
-            <a:r>
-              <a:rPr lang="nb-NO" sz="1200" dirty="0" err="1"/>
-              <a:t>trying</a:t>
-            </a:r>
-            <a:r>
-              <a:rPr lang="nb-NO" sz="1200" dirty="0"/>
-              <a:t> </a:t>
-            </a:r>
-            <a:r>
-              <a:rPr lang="nb-NO" sz="1200" dirty="0" err="1"/>
-              <a:t>out</a:t>
-            </a:r>
-            <a:r>
-              <a:rPr lang="nb-NO" sz="1200" dirty="0"/>
-              <a:t> different </a:t>
-            </a:r>
-            <a:r>
-              <a:rPr lang="nb-NO" sz="1200" dirty="0" err="1"/>
-              <a:t>permutations</a:t>
-            </a:r>
-            <a:r>
-              <a:rPr lang="nb-NO" sz="1200" dirty="0"/>
-              <a:t> </a:t>
-            </a:r>
-            <a:r>
-              <a:rPr lang="nb-NO" sz="1200" dirty="0" err="1"/>
-              <a:t>of</a:t>
-            </a:r>
-            <a:r>
-              <a:rPr lang="nb-NO" sz="1200" dirty="0"/>
-              <a:t> </a:t>
-            </a:r>
-            <a:r>
-              <a:rPr lang="nb-NO" sz="1200" dirty="0" err="1"/>
-              <a:t>model</a:t>
-            </a:r>
-            <a:r>
-              <a:rPr lang="nb-NO" sz="1200" dirty="0"/>
-              <a:t> parameters </a:t>
-            </a:r>
-            <a:r>
-              <a:rPr lang="nb-NO" sz="1200" dirty="0" err="1"/>
-              <a:t>should</a:t>
-            </a:r>
-            <a:r>
-              <a:rPr lang="nb-NO" sz="1200" dirty="0"/>
-              <a:t> be </a:t>
-            </a:r>
-            <a:r>
-              <a:rPr lang="nb-NO" sz="1200" dirty="0" err="1"/>
-              <a:t>very</a:t>
-            </a:r>
-            <a:r>
-              <a:rPr lang="nb-NO" sz="1200" dirty="0"/>
-              <a:t> </a:t>
-            </a:r>
-            <a:r>
-              <a:rPr lang="nb-NO" sz="1200" dirty="0" err="1"/>
-              <a:t>easy</a:t>
-            </a:r>
-            <a:r>
-              <a:rPr lang="nb-NO" sz="1200" dirty="0"/>
-              <a:t> to do</a:t>
+              <a:rPr lang="en-GB" sz="1600" dirty="0"/>
+              <a:t>Export env </a:t>
+            </a:r>
+            <a:r>
+              <a:rPr lang="en-GB" sz="1600" dirty="0" err="1"/>
+              <a:t>yaml</a:t>
+            </a:r>
+            <a:r>
+              <a:rPr lang="en-GB" sz="1600" dirty="0"/>
+              <a:t> before first run, and keep it up to date</a:t>
             </a:r>
           </a:p>
         </p:txBody>
@@ -7326,7 +7437,7 @@
     </p:spTree>
     <p:extLst>
       <p:ext uri="{BB962C8B-B14F-4D97-AF65-F5344CB8AC3E}">
-        <p14:creationId xmlns:p14="http://schemas.microsoft.com/office/powerpoint/2010/main" val="2544512538"/>
+        <p14:creationId xmlns:p14="http://schemas.microsoft.com/office/powerpoint/2010/main" val="388341662"/>
       </p:ext>
     </p:extLst>
   </p:cSld>
@@ -7336,7 +7447,7 @@
 </p:sld>
 </file>
 
-<file path=ppt/slides/slide5.xml><?xml version="1.0" encoding="utf-8"?>
+<file path=ppt/slides/slide4.xml><?xml version="1.0" encoding="utf-8"?>
 <p:sld xmlns:a="http://schemas.openxmlformats.org/drawingml/2006/main" xmlns:r="http://schemas.openxmlformats.org/officeDocument/2006/relationships" xmlns:p="http://schemas.openxmlformats.org/presentationml/2006/main">
   <p:cSld>
     <p:bg>
@@ -7742,7 +7853,7 @@
           <p:cNvPr id="2" name="Title 1">
             <a:extLst>
               <a:ext uri="{FF2B5EF4-FFF2-40B4-BE49-F238E27FC236}">
-                <a16:creationId xmlns:a16="http://schemas.microsoft.com/office/drawing/2014/main" id="{FCDF147E-F845-49FC-A029-8023E8E09F5D}"/>
+                <a16:creationId xmlns:a16="http://schemas.microsoft.com/office/drawing/2014/main" id="{70D082FB-3B3E-47ED-A534-47F1087CF774}"/>
               </a:ext>
             </a:extLst>
           </p:cNvPr>
@@ -7766,12 +7877,28 @@
           <a:lstStyle/>
           <a:p>
             <a:r>
+              <a:rPr lang="nb-NO" sz="4000" dirty="0" err="1">
+                <a:solidFill>
+                  <a:srgbClr val="FFFFFF"/>
+                </a:solidFill>
+              </a:rPr>
+              <a:t>Implementation</a:t>
+            </a:r>
+            <a:r>
               <a:rPr lang="nb-NO" sz="4000" dirty="0">
                 <a:solidFill>
                   <a:srgbClr val="FFFFFF"/>
                 </a:solidFill>
               </a:rPr>
-              <a:t>Control JSON</a:t>
+              <a:t> </a:t>
+            </a:r>
+            <a:r>
+              <a:rPr lang="nb-NO" sz="4000" dirty="0" err="1">
+                <a:solidFill>
+                  <a:srgbClr val="FFFFFF"/>
+                </a:solidFill>
+              </a:rPr>
+              <a:t>inspiration</a:t>
             </a:r>
             <a:endParaRPr lang="en-GB" sz="4000" dirty="0">
               <a:solidFill>
@@ -7786,7 +7913,7 @@
           <p:cNvPr id="3" name="Content Placeholder 2">
             <a:extLst>
               <a:ext uri="{FF2B5EF4-FFF2-40B4-BE49-F238E27FC236}">
-                <a16:creationId xmlns:a16="http://schemas.microsoft.com/office/drawing/2014/main" id="{B415AB60-5772-4497-8421-F796D9D0CCC4}"/>
+                <a16:creationId xmlns:a16="http://schemas.microsoft.com/office/drawing/2014/main" id="{E17570F3-AEA7-44E7-9154-FD5FCCEB07DF}"/>
               </a:ext>
             </a:extLst>
           </p:cNvPr>
@@ -7800,446 +7927,75 @@
         <p:spPr>
           <a:xfrm>
             <a:off x="1371599" y="2318197"/>
-            <a:ext cx="9724031" cy="3683358"/>
+            <a:ext cx="4385389" cy="3683358"/>
           </a:xfrm>
         </p:spPr>
         <p:txBody>
-          <a:bodyPr anchor="ctr">
+          <a:bodyPr anchor="t">
             <a:normAutofit/>
           </a:bodyPr>
           <a:lstStyle/>
           <a:p>
             <a:r>
-              <a:rPr lang="nb-NO" sz="2000" dirty="0"/>
-              <a:t>In </a:t>
-            </a:r>
-            <a:r>
-              <a:rPr lang="nb-NO" sz="2000" dirty="0" err="1"/>
-              <a:t>the</a:t>
-            </a:r>
-            <a:r>
-              <a:rPr lang="nb-NO" sz="2000" dirty="0"/>
-              <a:t> </a:t>
-            </a:r>
-            <a:r>
-              <a:rPr lang="nb-NO" sz="2000" dirty="0" err="1"/>
-              <a:t>control</a:t>
-            </a:r>
-            <a:r>
-              <a:rPr lang="nb-NO" sz="2000" dirty="0"/>
-              <a:t> file </a:t>
-            </a:r>
-            <a:r>
-              <a:rPr lang="nb-NO" sz="2000" dirty="0" err="1"/>
-              <a:t>will</a:t>
-            </a:r>
-            <a:r>
-              <a:rPr lang="nb-NO" sz="2000" dirty="0"/>
-              <a:t> be:</a:t>
+              <a:rPr lang="en-GB" sz="2000" dirty="0"/>
+              <a:t>I was able to look to this repo for inspiration:</a:t>
             </a:r>
           </a:p>
           <a:p>
             <a:pPr lvl="1"/>
             <a:r>
-              <a:rPr lang="nb-NO" sz="1600" dirty="0"/>
-              <a:t>‘settings’ : </a:t>
-            </a:r>
-            <a:r>
-              <a:rPr lang="nb-NO" sz="1600" i="1" dirty="0" err="1"/>
-              <a:t>dict</a:t>
-            </a:r>
-            <a:endParaRPr lang="nb-NO" sz="1600" i="1" dirty="0"/>
-          </a:p>
-          <a:p>
-            <a:pPr lvl="2"/>
-            <a:r>
-              <a:rPr lang="nb-NO" sz="1200" dirty="0" err="1"/>
-              <a:t>Contains</a:t>
-            </a:r>
-            <a:r>
-              <a:rPr lang="nb-NO" sz="1200" dirty="0"/>
-              <a:t> </a:t>
-            </a:r>
-            <a:r>
-              <a:rPr lang="nb-NO" sz="1200" dirty="0" err="1"/>
-              <a:t>the</a:t>
-            </a:r>
-            <a:r>
-              <a:rPr lang="nb-NO" sz="1200" dirty="0"/>
-              <a:t> settings used for </a:t>
-            </a:r>
-            <a:r>
-              <a:rPr lang="nb-NO" sz="1200" dirty="0" err="1"/>
-              <a:t>that</a:t>
-            </a:r>
-            <a:r>
-              <a:rPr lang="nb-NO" sz="1200" dirty="0"/>
-              <a:t> </a:t>
-            </a:r>
-            <a:r>
-              <a:rPr lang="nb-NO" sz="1200" dirty="0" err="1"/>
-              <a:t>particular</a:t>
-            </a:r>
-            <a:r>
-              <a:rPr lang="nb-NO" sz="1200" dirty="0"/>
-              <a:t> </a:t>
-            </a:r>
-            <a:r>
-              <a:rPr lang="nb-NO" sz="1200" dirty="0" err="1"/>
-              <a:t>model</a:t>
-            </a:r>
-            <a:endParaRPr lang="nb-NO" sz="1200" dirty="0"/>
-          </a:p>
-          <a:p>
-            <a:pPr lvl="1"/>
-            <a:r>
-              <a:rPr lang="nb-NO" sz="1600" dirty="0"/>
-              <a:t>‘</a:t>
-            </a:r>
-            <a:r>
-              <a:rPr lang="nb-NO" sz="1600" dirty="0" err="1"/>
-              <a:t>summary_stats</a:t>
-            </a:r>
-            <a:r>
-              <a:rPr lang="nb-NO" sz="1600" dirty="0"/>
-              <a:t>’ : </a:t>
-            </a:r>
-            <a:r>
-              <a:rPr lang="nb-NO" sz="1600" i="1" dirty="0" err="1"/>
-              <a:t>dict</a:t>
-            </a:r>
-            <a:endParaRPr lang="nb-NO" sz="1600" i="1" dirty="0"/>
-          </a:p>
-          <a:p>
-            <a:pPr lvl="2"/>
-            <a:r>
-              <a:rPr lang="nb-NO" sz="1200" dirty="0" err="1"/>
-              <a:t>Contains</a:t>
-            </a:r>
-            <a:r>
-              <a:rPr lang="nb-NO" sz="1200" dirty="0"/>
-              <a:t> </a:t>
-            </a:r>
-            <a:r>
-              <a:rPr lang="nb-NO" sz="1200" dirty="0" err="1"/>
-              <a:t>the</a:t>
-            </a:r>
-            <a:r>
-              <a:rPr lang="nb-NO" sz="1200" dirty="0"/>
-              <a:t> </a:t>
-            </a:r>
-            <a:r>
-              <a:rPr lang="nb-NO" sz="1200" dirty="0" err="1"/>
-              <a:t>summary</a:t>
-            </a:r>
-            <a:r>
-              <a:rPr lang="nb-NO" sz="1200" dirty="0"/>
-              <a:t> </a:t>
-            </a:r>
-            <a:r>
-              <a:rPr lang="nb-NO" sz="1200" dirty="0" err="1"/>
-              <a:t>statistics</a:t>
-            </a:r>
-            <a:r>
-              <a:rPr lang="nb-NO" sz="1200" dirty="0"/>
-              <a:t> for </a:t>
-            </a:r>
-            <a:r>
-              <a:rPr lang="nb-NO" sz="1200" dirty="0" err="1"/>
-              <a:t>the</a:t>
-            </a:r>
-            <a:r>
-              <a:rPr lang="nb-NO" sz="1200" dirty="0"/>
-              <a:t> </a:t>
-            </a:r>
-            <a:r>
-              <a:rPr lang="nb-NO" sz="1200" dirty="0" err="1"/>
-              <a:t>model</a:t>
-            </a:r>
-            <a:r>
-              <a:rPr lang="nb-NO" sz="1200" dirty="0"/>
-              <a:t> and </a:t>
-            </a:r>
-            <a:r>
-              <a:rPr lang="nb-NO" sz="1200" dirty="0" err="1"/>
-              <a:t>performance</a:t>
-            </a:r>
-            <a:r>
-              <a:rPr lang="nb-NO" sz="1200" dirty="0"/>
-              <a:t> </a:t>
-            </a:r>
-            <a:r>
-              <a:rPr lang="nb-NO" sz="1200" dirty="0" err="1"/>
-              <a:t>evaluation</a:t>
-            </a:r>
-            <a:endParaRPr lang="nb-NO" sz="1200" dirty="0"/>
-          </a:p>
-          <a:p>
-            <a:pPr lvl="1"/>
-            <a:r>
-              <a:rPr lang="nb-NO" sz="1600" dirty="0"/>
-              <a:t>‘data’ : </a:t>
-            </a:r>
-            <a:r>
-              <a:rPr lang="nb-NO" sz="1600" i="1" dirty="0"/>
-              <a:t>list</a:t>
-            </a:r>
-          </a:p>
-          <a:p>
-            <a:pPr lvl="2"/>
-            <a:r>
-              <a:rPr lang="nb-NO" sz="1200" dirty="0" err="1"/>
-              <a:t>Contains</a:t>
-            </a:r>
-            <a:r>
-              <a:rPr lang="nb-NO" sz="1200" dirty="0"/>
-              <a:t> file </a:t>
-            </a:r>
-            <a:r>
-              <a:rPr lang="nb-NO" sz="1200" dirty="0" err="1"/>
-              <a:t>paths</a:t>
-            </a:r>
-            <a:r>
-              <a:rPr lang="nb-NO" sz="1200" dirty="0"/>
-              <a:t> to </a:t>
-            </a:r>
-            <a:r>
-              <a:rPr lang="nb-NO" sz="1200" dirty="0" err="1"/>
-              <a:t>the</a:t>
-            </a:r>
-            <a:r>
-              <a:rPr lang="nb-NO" sz="1200" dirty="0"/>
-              <a:t> data used for training (</a:t>
-            </a:r>
-            <a:r>
-              <a:rPr lang="nb-NO" sz="1200" dirty="0" err="1"/>
-              <a:t>maybe</a:t>
-            </a:r>
-            <a:r>
-              <a:rPr lang="nb-NO" sz="1200" dirty="0"/>
-              <a:t> </a:t>
-            </a:r>
-            <a:r>
-              <a:rPr lang="nb-NO" sz="1200" dirty="0" err="1"/>
-              <a:t>also</a:t>
-            </a:r>
-            <a:r>
-              <a:rPr lang="nb-NO" sz="1200" dirty="0"/>
-              <a:t> testing) </a:t>
-            </a:r>
-            <a:r>
-              <a:rPr lang="nb-NO" sz="1200" dirty="0" err="1"/>
-              <a:t>the</a:t>
-            </a:r>
-            <a:r>
-              <a:rPr lang="nb-NO" sz="1200" dirty="0"/>
-              <a:t> </a:t>
-            </a:r>
-            <a:r>
-              <a:rPr lang="nb-NO" sz="1200" dirty="0" err="1"/>
-              <a:t>model</a:t>
-            </a:r>
-            <a:endParaRPr lang="nb-NO" sz="1200" dirty="0"/>
-          </a:p>
-          <a:p>
-            <a:pPr lvl="2"/>
-            <a:r>
-              <a:rPr lang="nb-NO" sz="1200" dirty="0"/>
-              <a:t>In </a:t>
-            </a:r>
-            <a:r>
-              <a:rPr lang="nb-NO" sz="1200" dirty="0" err="1"/>
-              <a:t>this</a:t>
-            </a:r>
-            <a:r>
-              <a:rPr lang="nb-NO" sz="1200" dirty="0"/>
-              <a:t> </a:t>
-            </a:r>
-            <a:r>
-              <a:rPr lang="nb-NO" sz="1200" dirty="0" err="1"/>
-              <a:t>way</a:t>
-            </a:r>
-            <a:r>
-              <a:rPr lang="nb-NO" sz="1200" dirty="0"/>
-              <a:t>, </a:t>
-            </a:r>
-            <a:r>
-              <a:rPr lang="nb-NO" sz="1200" dirty="0" err="1"/>
-              <a:t>augmented</a:t>
-            </a:r>
-            <a:r>
-              <a:rPr lang="nb-NO" sz="1200" dirty="0"/>
-              <a:t> data </a:t>
-            </a:r>
-            <a:r>
-              <a:rPr lang="nb-NO" sz="1200" dirty="0" err="1"/>
-              <a:t>sets</a:t>
-            </a:r>
-            <a:r>
-              <a:rPr lang="nb-NO" sz="1200" dirty="0"/>
-              <a:t> </a:t>
-            </a:r>
-            <a:r>
-              <a:rPr lang="nb-NO" sz="1200" dirty="0" err="1"/>
-              <a:t>can</a:t>
-            </a:r>
-            <a:r>
-              <a:rPr lang="nb-NO" sz="1200" dirty="0"/>
-              <a:t> be </a:t>
-            </a:r>
-            <a:r>
-              <a:rPr lang="nb-NO" sz="1200" dirty="0" err="1"/>
-              <a:t>created</a:t>
-            </a:r>
-            <a:r>
-              <a:rPr lang="nb-NO" sz="1200" dirty="0"/>
-              <a:t> </a:t>
-            </a:r>
-            <a:r>
-              <a:rPr lang="nb-NO" sz="1200" dirty="0" err="1"/>
-              <a:t>without</a:t>
-            </a:r>
-            <a:r>
-              <a:rPr lang="nb-NO" sz="1200" dirty="0"/>
-              <a:t> </a:t>
-            </a:r>
-            <a:r>
-              <a:rPr lang="nb-NO" sz="1200" dirty="0" err="1"/>
-              <a:t>getting</a:t>
-            </a:r>
-            <a:r>
-              <a:rPr lang="nb-NO" sz="1200" dirty="0"/>
-              <a:t> </a:t>
-            </a:r>
-            <a:r>
-              <a:rPr lang="nb-NO" sz="1200" dirty="0" err="1"/>
-              <a:t>tied</a:t>
-            </a:r>
-            <a:r>
-              <a:rPr lang="nb-NO" sz="1200" dirty="0"/>
-              <a:t> to a </a:t>
-            </a:r>
-            <a:r>
-              <a:rPr lang="nb-NO" sz="1200" dirty="0" err="1"/>
-              <a:t>particular</a:t>
-            </a:r>
-            <a:r>
-              <a:rPr lang="nb-NO" sz="1200" dirty="0"/>
-              <a:t> </a:t>
-            </a:r>
-            <a:r>
-              <a:rPr lang="nb-NO" sz="1200" dirty="0" err="1"/>
-              <a:t>model</a:t>
-            </a:r>
-            <a:r>
-              <a:rPr lang="nb-NO" sz="1200" dirty="0"/>
-              <a:t> </a:t>
-            </a:r>
-            <a:r>
-              <a:rPr lang="nb-NO" sz="1200" dirty="0" err="1"/>
-              <a:t>instance</a:t>
-            </a:r>
-            <a:endParaRPr lang="nb-NO" sz="1200" dirty="0"/>
-          </a:p>
-          <a:p>
-            <a:endParaRPr lang="nb-NO" sz="1800" dirty="0"/>
-          </a:p>
-          <a:p>
-            <a:r>
-              <a:rPr lang="nb-NO" sz="1800" dirty="0"/>
-              <a:t>I </a:t>
-            </a:r>
-            <a:r>
-              <a:rPr lang="nb-NO" sz="1800" dirty="0" err="1"/>
-              <a:t>may</a:t>
-            </a:r>
-            <a:r>
-              <a:rPr lang="nb-NO" sz="1800" dirty="0"/>
-              <a:t> </a:t>
-            </a:r>
-            <a:r>
-              <a:rPr lang="nb-NO" sz="1800" dirty="0" err="1"/>
-              <a:t>decide</a:t>
-            </a:r>
-            <a:r>
-              <a:rPr lang="nb-NO" sz="1800" dirty="0"/>
-              <a:t> </a:t>
-            </a:r>
-            <a:r>
-              <a:rPr lang="nb-NO" sz="1800" dirty="0" err="1"/>
-              <a:t>on</a:t>
-            </a:r>
-            <a:r>
-              <a:rPr lang="nb-NO" sz="1800" dirty="0"/>
-              <a:t> a </a:t>
-            </a:r>
-            <a:r>
-              <a:rPr lang="nb-NO" sz="1800" dirty="0" err="1"/>
-              <a:t>better</a:t>
-            </a:r>
-            <a:r>
-              <a:rPr lang="nb-NO" sz="1800" dirty="0"/>
-              <a:t> </a:t>
-            </a:r>
-            <a:r>
-              <a:rPr lang="nb-NO" sz="1800" dirty="0" err="1"/>
-              <a:t>name</a:t>
-            </a:r>
-            <a:r>
-              <a:rPr lang="nb-NO" sz="1800" dirty="0"/>
-              <a:t> for </a:t>
-            </a:r>
-            <a:r>
-              <a:rPr lang="nb-NO" sz="1800" dirty="0" err="1"/>
-              <a:t>this</a:t>
-            </a:r>
-            <a:r>
-              <a:rPr lang="nb-NO" sz="1800" dirty="0"/>
-              <a:t> file </a:t>
-            </a:r>
-            <a:r>
-              <a:rPr lang="nb-NO" sz="1800" dirty="0" err="1"/>
-              <a:t>before</a:t>
-            </a:r>
-            <a:r>
-              <a:rPr lang="nb-NO" sz="1800" dirty="0"/>
-              <a:t> I start to </a:t>
-            </a:r>
-            <a:r>
-              <a:rPr lang="nb-NO" sz="1800" dirty="0" err="1"/>
-              <a:t>train</a:t>
-            </a:r>
-            <a:r>
-              <a:rPr lang="nb-NO" sz="1800" dirty="0"/>
-              <a:t> </a:t>
-            </a:r>
-            <a:r>
-              <a:rPr lang="nb-NO" sz="1800" dirty="0" err="1"/>
-              <a:t>the</a:t>
-            </a:r>
-            <a:r>
-              <a:rPr lang="nb-NO" sz="1800" dirty="0"/>
-              <a:t> </a:t>
-            </a:r>
-            <a:r>
-              <a:rPr lang="nb-NO" sz="1800" dirty="0" err="1"/>
-              <a:t>models</a:t>
-            </a:r>
-            <a:r>
-              <a:rPr lang="nb-NO" sz="1800" dirty="0"/>
-              <a:t>…</a:t>
-            </a:r>
-          </a:p>
-          <a:p>
-            <a:pPr lvl="2"/>
-            <a:endParaRPr lang="en-GB" sz="1200" dirty="0"/>
-          </a:p>
-        </p:txBody>
-      </p:sp>
+              <a:rPr lang="en-GB" sz="1600" dirty="0">
+                <a:hlinkClick r:id="rId2"/>
+              </a:rPr>
+              <a:t>https://github.com/philipperemy/keras-tcn</a:t>
+            </a:r>
+            <a:r>
+              <a:rPr lang="en-GB" sz="1600" dirty="0"/>
+              <a:t> </a:t>
+            </a:r>
+          </a:p>
+          <a:p>
+            <a:r>
+              <a:rPr lang="en-GB" sz="2000" dirty="0"/>
+              <a:t>I still wanted to have had a hand in the implementation, because this network is not specialized for seismic.</a:t>
+            </a:r>
+          </a:p>
+        </p:txBody>
+      </p:sp>
+      <p:pic>
+        <p:nvPicPr>
+          <p:cNvPr id="5" name="Picture 4">
+            <a:extLst>
+              <a:ext uri="{FF2B5EF4-FFF2-40B4-BE49-F238E27FC236}">
+                <a16:creationId xmlns:a16="http://schemas.microsoft.com/office/drawing/2014/main" id="{84C161A8-AC6E-44B6-A44F-AB1461D94BFC}"/>
+              </a:ext>
+            </a:extLst>
+          </p:cNvPr>
+          <p:cNvPicPr>
+            <a:picLocks noChangeAspect="1"/>
+          </p:cNvPicPr>
+          <p:nvPr/>
+        </p:nvPicPr>
+        <p:blipFill>
+          <a:blip r:embed="rId3"/>
+          <a:stretch>
+            <a:fillRect/>
+          </a:stretch>
+        </p:blipFill>
+        <p:spPr>
+          <a:xfrm>
+            <a:off x="6095998" y="1138335"/>
+            <a:ext cx="5389304" cy="5234473"/>
+          </a:xfrm>
+          <a:prstGeom prst="rect">
+            <a:avLst/>
+          </a:prstGeom>
+        </p:spPr>
+      </p:pic>
     </p:spTree>
     <p:extLst>
       <p:ext uri="{BB962C8B-B14F-4D97-AF65-F5344CB8AC3E}">
-        <p14:creationId xmlns:p14="http://schemas.microsoft.com/office/powerpoint/2010/main" val="3230011956"/>
+        <p14:creationId xmlns:p14="http://schemas.microsoft.com/office/powerpoint/2010/main" val="1248195073"/>
       </p:ext>
     </p:extLst>
   </p:cSld>
@@ -8249,7 +8005,7 @@
 </p:sld>
 </file>
 
-<file path=ppt/slides/slide6.xml><?xml version="1.0" encoding="utf-8"?>
+<file path=ppt/slides/slide5.xml><?xml version="1.0" encoding="utf-8"?>
 <p:sld xmlns:a="http://schemas.openxmlformats.org/drawingml/2006/main" xmlns:r="http://schemas.openxmlformats.org/officeDocument/2006/relationships" xmlns:p="http://schemas.openxmlformats.org/presentationml/2006/main">
   <p:cSld>
     <p:bg>
@@ -8655,7 +8411,7 @@
           <p:cNvPr id="2" name="Title 1">
             <a:extLst>
               <a:ext uri="{FF2B5EF4-FFF2-40B4-BE49-F238E27FC236}">
-                <a16:creationId xmlns:a16="http://schemas.microsoft.com/office/drawing/2014/main" id="{4DC10153-7CFE-49DA-9D15-258E7CE5EA64}"/>
+                <a16:creationId xmlns:a16="http://schemas.microsoft.com/office/drawing/2014/main" id="{8D9D9894-4DCD-4892-B6B1-96DA1FBB07CD}"/>
               </a:ext>
             </a:extLst>
           </p:cNvPr>
@@ -8684,23 +8440,7 @@
                   <a:srgbClr val="FFFFFF"/>
                 </a:solidFill>
               </a:rPr>
-              <a:t>Performance</a:t>
-            </a:r>
-            <a:r>
-              <a:rPr lang="nb-NO" sz="4000" dirty="0">
-                <a:solidFill>
-                  <a:srgbClr val="FFFFFF"/>
-                </a:solidFill>
-              </a:rPr>
-              <a:t> </a:t>
-            </a:r>
-            <a:r>
-              <a:rPr lang="nb-NO" sz="4000" dirty="0" err="1">
-                <a:solidFill>
-                  <a:srgbClr val="FFFFFF"/>
-                </a:solidFill>
-              </a:rPr>
-              <a:t>evaluation</a:t>
+              <a:t>Infrastructure</a:t>
             </a:r>
             <a:endParaRPr lang="en-GB" sz="4000" dirty="0">
               <a:solidFill>
@@ -8715,7 +8455,7 @@
           <p:cNvPr id="3" name="Content Placeholder 2">
             <a:extLst>
               <a:ext uri="{FF2B5EF4-FFF2-40B4-BE49-F238E27FC236}">
-                <a16:creationId xmlns:a16="http://schemas.microsoft.com/office/drawing/2014/main" id="{AE202909-E2A0-49AD-BA81-90606507E2F6}"/>
+                <a16:creationId xmlns:a16="http://schemas.microsoft.com/office/drawing/2014/main" id="{B0BC876B-DDF8-4314-B987-4526731FFFCD}"/>
               </a:ext>
             </a:extLst>
           </p:cNvPr>
@@ -8738,14 +8478,344 @@
           </a:bodyPr>
           <a:lstStyle/>
           <a:p>
-            <a:endParaRPr lang="en-GB" sz="2000" dirty="0"/>
+            <a:r>
+              <a:rPr lang="nb-NO" sz="2000" dirty="0"/>
+              <a:t>Goal: Make it </a:t>
+            </a:r>
+            <a:r>
+              <a:rPr lang="nb-NO" sz="2000"/>
+              <a:t>as forwards-compatible</a:t>
+            </a:r>
+            <a:r>
+              <a:rPr lang="nb-NO" sz="2000" dirty="0"/>
+              <a:t> and robust as </a:t>
+            </a:r>
+            <a:r>
+              <a:rPr lang="nb-NO" sz="2000" dirty="0" err="1"/>
+              <a:t>possible</a:t>
+            </a:r>
+            <a:endParaRPr lang="nb-NO" sz="2000" dirty="0"/>
+          </a:p>
+          <a:p>
+            <a:pPr lvl="1"/>
+            <a:r>
+              <a:rPr lang="nb-NO" sz="1600" dirty="0"/>
+              <a:t>I </a:t>
+            </a:r>
+            <a:r>
+              <a:rPr lang="nb-NO" sz="1600" dirty="0" err="1"/>
+              <a:t>want</a:t>
+            </a:r>
+            <a:r>
+              <a:rPr lang="nb-NO" sz="1600" dirty="0"/>
+              <a:t> to have a </a:t>
+            </a:r>
+            <a:r>
+              <a:rPr lang="nb-NO" sz="1600" dirty="0" err="1"/>
+              <a:t>good</a:t>
+            </a:r>
+            <a:r>
+              <a:rPr lang="nb-NO" sz="1600" dirty="0"/>
+              <a:t> </a:t>
+            </a:r>
+            <a:r>
+              <a:rPr lang="nb-NO" sz="1600" dirty="0" err="1"/>
+              <a:t>enough</a:t>
+            </a:r>
+            <a:r>
+              <a:rPr lang="nb-NO" sz="1600" dirty="0"/>
+              <a:t> </a:t>
+            </a:r>
+            <a:r>
+              <a:rPr lang="nb-NO" sz="1600" dirty="0" err="1"/>
+              <a:t>infrastructure</a:t>
+            </a:r>
+            <a:r>
+              <a:rPr lang="nb-NO" sz="1600" dirty="0"/>
+              <a:t>, so </a:t>
+            </a:r>
+            <a:r>
+              <a:rPr lang="nb-NO" sz="1600" dirty="0" err="1"/>
+              <a:t>that</a:t>
+            </a:r>
+            <a:r>
+              <a:rPr lang="nb-NO" sz="1600" dirty="0"/>
+              <a:t> I </a:t>
+            </a:r>
+            <a:r>
+              <a:rPr lang="nb-NO" sz="1600" dirty="0" err="1"/>
+              <a:t>will</a:t>
+            </a:r>
+            <a:r>
+              <a:rPr lang="nb-NO" sz="1600" dirty="0"/>
+              <a:t> not have to make grand </a:t>
+            </a:r>
+            <a:r>
+              <a:rPr lang="nb-NO" sz="1600" dirty="0" err="1"/>
+              <a:t>changes</a:t>
+            </a:r>
+            <a:r>
+              <a:rPr lang="nb-NO" sz="1600" dirty="0"/>
+              <a:t> in </a:t>
+            </a:r>
+            <a:r>
+              <a:rPr lang="nb-NO" sz="1600" dirty="0" err="1"/>
+              <a:t>the</a:t>
+            </a:r>
+            <a:r>
+              <a:rPr lang="nb-NO" sz="1600" dirty="0"/>
+              <a:t> </a:t>
+            </a:r>
+            <a:r>
+              <a:rPr lang="nb-NO" sz="1600" dirty="0" err="1"/>
+              <a:t>future</a:t>
+            </a:r>
+            <a:r>
+              <a:rPr lang="nb-NO" sz="1600" dirty="0"/>
+              <a:t>, </a:t>
+            </a:r>
+            <a:r>
+              <a:rPr lang="nb-NO" sz="1600" dirty="0" err="1"/>
+              <a:t>which</a:t>
+            </a:r>
+            <a:r>
+              <a:rPr lang="nb-NO" sz="1600" dirty="0"/>
+              <a:t> </a:t>
+            </a:r>
+            <a:r>
+              <a:rPr lang="nb-NO" sz="1600" dirty="0" err="1"/>
+              <a:t>will</a:t>
+            </a:r>
+            <a:r>
+              <a:rPr lang="nb-NO" sz="1600" dirty="0"/>
+              <a:t> </a:t>
+            </a:r>
+            <a:r>
+              <a:rPr lang="nb-NO" sz="1600" dirty="0" err="1"/>
+              <a:t>leave</a:t>
+            </a:r>
+            <a:r>
+              <a:rPr lang="nb-NO" sz="1600" dirty="0"/>
+              <a:t> older </a:t>
+            </a:r>
+            <a:r>
+              <a:rPr lang="nb-NO" sz="1600" dirty="0" err="1"/>
+              <a:t>models</a:t>
+            </a:r>
+            <a:r>
+              <a:rPr lang="nb-NO" sz="1600" dirty="0"/>
+              <a:t> non </a:t>
+            </a:r>
+            <a:r>
+              <a:rPr lang="nb-NO" sz="1600" dirty="0" err="1"/>
+              <a:t>compatible</a:t>
+            </a:r>
+            <a:r>
+              <a:rPr lang="nb-NO" sz="1600" dirty="0"/>
+              <a:t> </a:t>
+            </a:r>
+            <a:r>
+              <a:rPr lang="nb-NO" sz="1600" dirty="0" err="1"/>
+              <a:t>with</a:t>
+            </a:r>
+            <a:r>
+              <a:rPr lang="nb-NO" sz="1600" dirty="0"/>
+              <a:t> </a:t>
+            </a:r>
+            <a:r>
+              <a:rPr lang="nb-NO" sz="1600" dirty="0" err="1"/>
+              <a:t>newer</a:t>
+            </a:r>
+            <a:r>
+              <a:rPr lang="nb-NO" sz="1600" dirty="0"/>
+              <a:t> </a:t>
+            </a:r>
+            <a:r>
+              <a:rPr lang="nb-NO" sz="1600" dirty="0" err="1"/>
+              <a:t>ones</a:t>
+            </a:r>
+            <a:endParaRPr lang="nb-NO" sz="1600" dirty="0"/>
+          </a:p>
+          <a:p>
+            <a:r>
+              <a:rPr lang="nb-NO" sz="2000" dirty="0"/>
+              <a:t>This </a:t>
+            </a:r>
+            <a:r>
+              <a:rPr lang="nb-NO" sz="2000" dirty="0" err="1"/>
+              <a:t>affects</a:t>
+            </a:r>
+            <a:r>
+              <a:rPr lang="nb-NO" sz="2000" dirty="0"/>
+              <a:t>:</a:t>
+            </a:r>
+          </a:p>
+          <a:p>
+            <a:pPr lvl="1"/>
+            <a:r>
+              <a:rPr lang="nb-NO" sz="1600" dirty="0"/>
+              <a:t>How </a:t>
+            </a:r>
+            <a:r>
+              <a:rPr lang="nb-NO" sz="1600" dirty="0" err="1"/>
+              <a:t>the</a:t>
+            </a:r>
+            <a:r>
+              <a:rPr lang="nb-NO" sz="1600" dirty="0"/>
+              <a:t> </a:t>
+            </a:r>
+            <a:r>
+              <a:rPr lang="nb-NO" sz="1600" dirty="0" err="1"/>
+              <a:t>architectures</a:t>
+            </a:r>
+            <a:r>
+              <a:rPr lang="nb-NO" sz="1600" dirty="0"/>
+              <a:t> </a:t>
+            </a:r>
+            <a:r>
+              <a:rPr lang="nb-NO" sz="1600" dirty="0" err="1"/>
+              <a:t>are</a:t>
+            </a:r>
+            <a:r>
+              <a:rPr lang="nb-NO" sz="1600" dirty="0"/>
+              <a:t> </a:t>
+            </a:r>
+            <a:r>
+              <a:rPr lang="nb-NO" sz="1600" dirty="0" err="1"/>
+              <a:t>set</a:t>
+            </a:r>
+            <a:r>
+              <a:rPr lang="nb-NO" sz="1600" dirty="0"/>
+              <a:t> up</a:t>
+            </a:r>
+            <a:endParaRPr lang="en-GB" sz="1200" dirty="0"/>
+          </a:p>
+          <a:p>
+            <a:pPr lvl="2"/>
+            <a:r>
+              <a:rPr lang="en-GB" sz="1200" dirty="0"/>
+              <a:t>Implementing new architectures should not be harder than just writing </a:t>
+            </a:r>
+            <a:r>
+              <a:rPr lang="en-GB" sz="1200" b="1" dirty="0"/>
+              <a:t>one</a:t>
+            </a:r>
+            <a:r>
+              <a:rPr lang="en-GB" sz="1200" dirty="0"/>
+              <a:t> new function</a:t>
+            </a:r>
+          </a:p>
+          <a:p>
+            <a:pPr lvl="2"/>
+            <a:r>
+              <a:rPr lang="en-GB" sz="1200" dirty="0"/>
+              <a:t>Running different set ups, data sets, dilation rates etc. should not need coding specific to the training instance</a:t>
+            </a:r>
+          </a:p>
+          <a:p>
+            <a:pPr lvl="3"/>
+            <a:r>
+              <a:rPr lang="en-GB" sz="1000" dirty="0"/>
+              <a:t>2DTCN should handle to be passed 1DTCN parameters and vice versa. Random forest should know to ignore TCN params</a:t>
+            </a:r>
+          </a:p>
+          <a:p>
+            <a:pPr lvl="2"/>
+            <a:r>
+              <a:rPr lang="nb-NO" sz="1200" dirty="0" err="1"/>
+              <a:t>Writing</a:t>
+            </a:r>
+            <a:r>
+              <a:rPr lang="nb-NO" sz="1200" dirty="0"/>
+              <a:t> </a:t>
+            </a:r>
+            <a:r>
+              <a:rPr lang="nb-NO" sz="1200" dirty="0" err="1"/>
+              <a:t>the</a:t>
+            </a:r>
+            <a:r>
+              <a:rPr lang="nb-NO" sz="1200" dirty="0"/>
+              <a:t> </a:t>
+            </a:r>
+            <a:r>
+              <a:rPr lang="nb-NO" sz="1200" dirty="0" err="1"/>
+              <a:t>instructions</a:t>
+            </a:r>
+            <a:r>
+              <a:rPr lang="nb-NO" sz="1200" dirty="0"/>
+              <a:t> for </a:t>
+            </a:r>
+            <a:r>
+              <a:rPr lang="nb-NO" sz="1200" dirty="0" err="1"/>
+              <a:t>trying</a:t>
+            </a:r>
+            <a:r>
+              <a:rPr lang="nb-NO" sz="1200" dirty="0"/>
+              <a:t> </a:t>
+            </a:r>
+            <a:r>
+              <a:rPr lang="nb-NO" sz="1200" dirty="0" err="1"/>
+              <a:t>out</a:t>
+            </a:r>
+            <a:r>
+              <a:rPr lang="nb-NO" sz="1200" dirty="0"/>
+              <a:t> different </a:t>
+            </a:r>
+            <a:r>
+              <a:rPr lang="nb-NO" sz="1200" dirty="0" err="1"/>
+              <a:t>permutations</a:t>
+            </a:r>
+            <a:r>
+              <a:rPr lang="nb-NO" sz="1200" dirty="0"/>
+              <a:t> </a:t>
+            </a:r>
+            <a:r>
+              <a:rPr lang="nb-NO" sz="1200" dirty="0" err="1"/>
+              <a:t>of</a:t>
+            </a:r>
+            <a:r>
+              <a:rPr lang="nb-NO" sz="1200" dirty="0"/>
+              <a:t> </a:t>
+            </a:r>
+            <a:r>
+              <a:rPr lang="nb-NO" sz="1200" dirty="0" err="1"/>
+              <a:t>model</a:t>
+            </a:r>
+            <a:r>
+              <a:rPr lang="nb-NO" sz="1200" dirty="0"/>
+              <a:t> parameters </a:t>
+            </a:r>
+            <a:r>
+              <a:rPr lang="nb-NO" sz="1200" dirty="0" err="1"/>
+              <a:t>should</a:t>
+            </a:r>
+            <a:r>
+              <a:rPr lang="nb-NO" sz="1200" dirty="0"/>
+              <a:t> be </a:t>
+            </a:r>
+            <a:r>
+              <a:rPr lang="nb-NO" sz="1200" dirty="0" err="1"/>
+              <a:t>very</a:t>
+            </a:r>
+            <a:r>
+              <a:rPr lang="nb-NO" sz="1200" dirty="0"/>
+              <a:t> </a:t>
+            </a:r>
+            <a:r>
+              <a:rPr lang="nb-NO" sz="1200" dirty="0" err="1"/>
+              <a:t>easy</a:t>
+            </a:r>
+            <a:r>
+              <a:rPr lang="nb-NO" sz="1200" dirty="0"/>
+              <a:t> to do</a:t>
+            </a:r>
           </a:p>
         </p:txBody>
       </p:sp>
     </p:spTree>
     <p:extLst>
       <p:ext uri="{BB962C8B-B14F-4D97-AF65-F5344CB8AC3E}">
-        <p14:creationId xmlns:p14="http://schemas.microsoft.com/office/powerpoint/2010/main" val="3426608757"/>
+        <p14:creationId xmlns:p14="http://schemas.microsoft.com/office/powerpoint/2010/main" val="2544512538"/>
       </p:ext>
     </p:extLst>
   </p:cSld>
@@ -8755,7 +8825,7 @@
 </p:sld>
 </file>
 
-<file path=ppt/slides/slide7.xml><?xml version="1.0" encoding="utf-8"?>
+<file path=ppt/slides/slide6.xml><?xml version="1.0" encoding="utf-8"?>
 <p:sld xmlns:a="http://schemas.openxmlformats.org/drawingml/2006/main" xmlns:r="http://schemas.openxmlformats.org/officeDocument/2006/relationships" xmlns:p="http://schemas.openxmlformats.org/presentationml/2006/main">
   <p:cSld>
     <p:bg>
@@ -9161,7 +9231,7 @@
           <p:cNvPr id="2" name="Title 1">
             <a:extLst>
               <a:ext uri="{FF2B5EF4-FFF2-40B4-BE49-F238E27FC236}">
-                <a16:creationId xmlns:a16="http://schemas.microsoft.com/office/drawing/2014/main" id="{C854D3B8-276F-46FA-9392-8B71BA7BB724}"/>
+                <a16:creationId xmlns:a16="http://schemas.microsoft.com/office/drawing/2014/main" id="{FCDF147E-F845-49FC-A029-8023E8E09F5D}"/>
               </a:ext>
             </a:extLst>
           </p:cNvPr>
@@ -9190,15 +9260,7 @@
                   <a:srgbClr val="FFFFFF"/>
                 </a:solidFill>
               </a:rPr>
-              <a:t>Visual </a:t>
-            </a:r>
-            <a:r>
-              <a:rPr lang="nb-NO" sz="4000" dirty="0" err="1">
-                <a:solidFill>
-                  <a:srgbClr val="FFFFFF"/>
-                </a:solidFill>
-              </a:rPr>
-              <a:t>comparisons</a:t>
+              <a:t>Control JSON</a:t>
             </a:r>
             <a:endParaRPr lang="en-GB" sz="4000" dirty="0">
               <a:solidFill>
@@ -9213,7 +9275,7 @@
           <p:cNvPr id="3" name="Content Placeholder 2">
             <a:extLst>
               <a:ext uri="{FF2B5EF4-FFF2-40B4-BE49-F238E27FC236}">
-                <a16:creationId xmlns:a16="http://schemas.microsoft.com/office/drawing/2014/main" id="{039163CE-F701-4A16-91A0-95347A92ADD0}"/>
+                <a16:creationId xmlns:a16="http://schemas.microsoft.com/office/drawing/2014/main" id="{B415AB60-5772-4497-8421-F796D9D0CCC4}"/>
               </a:ext>
             </a:extLst>
           </p:cNvPr>
@@ -9238,23 +9300,7 @@
           <a:p>
             <a:r>
               <a:rPr lang="nb-NO" sz="2000" dirty="0"/>
-              <a:t>To </a:t>
-            </a:r>
-            <a:r>
-              <a:rPr lang="nb-NO" sz="2000" dirty="0" err="1"/>
-              <a:t>see</a:t>
-            </a:r>
-            <a:r>
-              <a:rPr lang="nb-NO" sz="2000" dirty="0"/>
-              <a:t> </a:t>
-            </a:r>
-            <a:r>
-              <a:rPr lang="nb-NO" sz="2000" dirty="0" err="1"/>
-              <a:t>if</a:t>
-            </a:r>
-            <a:r>
-              <a:rPr lang="nb-NO" sz="2000" dirty="0"/>
-              <a:t> </a:t>
+              <a:t>In </a:t>
             </a:r>
             <a:r>
               <a:rPr lang="nb-NO" sz="2000" dirty="0" err="1"/>
@@ -9266,481 +9312,423 @@
             </a:r>
             <a:r>
               <a:rPr lang="nb-NO" sz="2000" dirty="0" err="1"/>
+              <a:t>control</a:t>
+            </a:r>
+            <a:r>
+              <a:rPr lang="nb-NO" sz="2000" dirty="0"/>
+              <a:t> file </a:t>
+            </a:r>
+            <a:r>
+              <a:rPr lang="nb-NO" sz="2000" dirty="0" err="1"/>
+              <a:t>will</a:t>
+            </a:r>
+            <a:r>
+              <a:rPr lang="nb-NO" sz="2000" dirty="0"/>
+              <a:t> be:</a:t>
+            </a:r>
+          </a:p>
+          <a:p>
+            <a:pPr lvl="1"/>
+            <a:r>
+              <a:rPr lang="nb-NO" sz="1600" dirty="0"/>
+              <a:t>‘settings’ : </a:t>
+            </a:r>
+            <a:r>
+              <a:rPr lang="nb-NO" sz="1600" i="1" dirty="0" err="1"/>
+              <a:t>dict</a:t>
+            </a:r>
+            <a:endParaRPr lang="nb-NO" sz="1600" i="1" dirty="0"/>
+          </a:p>
+          <a:p>
+            <a:pPr lvl="2"/>
+            <a:r>
+              <a:rPr lang="nb-NO" sz="1200" dirty="0" err="1"/>
+              <a:t>Contains</a:t>
+            </a:r>
+            <a:r>
+              <a:rPr lang="nb-NO" sz="1200" dirty="0"/>
+              <a:t> </a:t>
+            </a:r>
+            <a:r>
+              <a:rPr lang="nb-NO" sz="1200" dirty="0" err="1"/>
+              <a:t>the</a:t>
+            </a:r>
+            <a:r>
+              <a:rPr lang="nb-NO" sz="1200" dirty="0"/>
+              <a:t> settings used for </a:t>
+            </a:r>
+            <a:r>
+              <a:rPr lang="nb-NO" sz="1200" dirty="0" err="1"/>
+              <a:t>that</a:t>
+            </a:r>
+            <a:r>
+              <a:rPr lang="nb-NO" sz="1200" dirty="0"/>
+              <a:t> </a:t>
+            </a:r>
+            <a:r>
+              <a:rPr lang="nb-NO" sz="1200" dirty="0" err="1"/>
+              <a:t>particular</a:t>
+            </a:r>
+            <a:r>
+              <a:rPr lang="nb-NO" sz="1200" dirty="0"/>
+              <a:t> </a:t>
+            </a:r>
+            <a:r>
+              <a:rPr lang="nb-NO" sz="1200" dirty="0" err="1"/>
               <a:t>model</a:t>
             </a:r>
-            <a:r>
-              <a:rPr lang="nb-NO" sz="2000" dirty="0"/>
-              <a:t> </a:t>
-            </a:r>
-            <a:r>
-              <a:rPr lang="nb-NO" sz="2000" dirty="0" err="1"/>
+            <a:endParaRPr lang="nb-NO" sz="1200" dirty="0"/>
+          </a:p>
+          <a:p>
+            <a:pPr lvl="1"/>
+            <a:r>
+              <a:rPr lang="nb-NO" sz="1600" dirty="0"/>
+              <a:t>‘</a:t>
+            </a:r>
+            <a:r>
+              <a:rPr lang="nb-NO" sz="1600" dirty="0" err="1"/>
+              <a:t>summary_stats</a:t>
+            </a:r>
+            <a:r>
+              <a:rPr lang="nb-NO" sz="1600" dirty="0"/>
+              <a:t>’ : </a:t>
+            </a:r>
+            <a:r>
+              <a:rPr lang="nb-NO" sz="1600" i="1" dirty="0" err="1"/>
+              <a:t>dict</a:t>
+            </a:r>
+            <a:endParaRPr lang="nb-NO" sz="1600" i="1" dirty="0"/>
+          </a:p>
+          <a:p>
+            <a:pPr lvl="2"/>
+            <a:r>
+              <a:rPr lang="nb-NO" sz="1200" dirty="0" err="1"/>
+              <a:t>Contains</a:t>
+            </a:r>
+            <a:r>
+              <a:rPr lang="nb-NO" sz="1200" dirty="0"/>
+              <a:t> </a:t>
+            </a:r>
+            <a:r>
+              <a:rPr lang="nb-NO" sz="1200" dirty="0" err="1"/>
+              <a:t>the</a:t>
+            </a:r>
+            <a:r>
+              <a:rPr lang="nb-NO" sz="1200" dirty="0"/>
+              <a:t> </a:t>
+            </a:r>
+            <a:r>
+              <a:rPr lang="nb-NO" sz="1200" dirty="0" err="1"/>
+              <a:t>summary</a:t>
+            </a:r>
+            <a:r>
+              <a:rPr lang="nb-NO" sz="1200" dirty="0"/>
+              <a:t> </a:t>
+            </a:r>
+            <a:r>
+              <a:rPr lang="nb-NO" sz="1200" dirty="0" err="1"/>
+              <a:t>statistics</a:t>
+            </a:r>
+            <a:r>
+              <a:rPr lang="nb-NO" sz="1200" dirty="0"/>
+              <a:t> for </a:t>
+            </a:r>
+            <a:r>
+              <a:rPr lang="nb-NO" sz="1200" dirty="0" err="1"/>
+              <a:t>the</a:t>
+            </a:r>
+            <a:r>
+              <a:rPr lang="nb-NO" sz="1200" dirty="0"/>
+              <a:t> </a:t>
+            </a:r>
+            <a:r>
+              <a:rPr lang="nb-NO" sz="1200" dirty="0" err="1"/>
+              <a:t>model</a:t>
+            </a:r>
+            <a:r>
+              <a:rPr lang="nb-NO" sz="1200" dirty="0"/>
+              <a:t> and </a:t>
+            </a:r>
+            <a:r>
+              <a:rPr lang="nb-NO" sz="1200" dirty="0" err="1"/>
+              <a:t>performance</a:t>
+            </a:r>
+            <a:r>
+              <a:rPr lang="nb-NO" sz="1200" dirty="0"/>
+              <a:t> </a:t>
+            </a:r>
+            <a:r>
+              <a:rPr lang="nb-NO" sz="1200" dirty="0" err="1"/>
+              <a:t>evaluation</a:t>
+            </a:r>
+            <a:endParaRPr lang="nb-NO" sz="1200" dirty="0"/>
+          </a:p>
+          <a:p>
+            <a:pPr lvl="1"/>
+            <a:r>
+              <a:rPr lang="nb-NO" sz="1600" dirty="0"/>
+              <a:t>‘data’ : </a:t>
+            </a:r>
+            <a:r>
+              <a:rPr lang="nb-NO" sz="1600" i="1" dirty="0"/>
+              <a:t>list</a:t>
+            </a:r>
+          </a:p>
+          <a:p>
+            <a:pPr lvl="2"/>
+            <a:r>
+              <a:rPr lang="nb-NO" sz="1200" dirty="0" err="1"/>
+              <a:t>Contains</a:t>
+            </a:r>
+            <a:r>
+              <a:rPr lang="nb-NO" sz="1200" dirty="0"/>
+              <a:t> file </a:t>
+            </a:r>
+            <a:r>
+              <a:rPr lang="nb-NO" sz="1200" dirty="0" err="1"/>
+              <a:t>paths</a:t>
+            </a:r>
+            <a:r>
+              <a:rPr lang="nb-NO" sz="1200" dirty="0"/>
+              <a:t> to </a:t>
+            </a:r>
+            <a:r>
+              <a:rPr lang="nb-NO" sz="1200" dirty="0" err="1"/>
+              <a:t>the</a:t>
+            </a:r>
+            <a:r>
+              <a:rPr lang="nb-NO" sz="1200" dirty="0"/>
+              <a:t> data used for training (</a:t>
+            </a:r>
+            <a:r>
+              <a:rPr lang="nb-NO" sz="1200" dirty="0" err="1"/>
+              <a:t>maybe</a:t>
+            </a:r>
+            <a:r>
+              <a:rPr lang="nb-NO" sz="1200" dirty="0"/>
+              <a:t> </a:t>
+            </a:r>
+            <a:r>
+              <a:rPr lang="nb-NO" sz="1200" dirty="0" err="1"/>
+              <a:t>also</a:t>
+            </a:r>
+            <a:r>
+              <a:rPr lang="nb-NO" sz="1200" dirty="0"/>
+              <a:t> testing) </a:t>
+            </a:r>
+            <a:r>
+              <a:rPr lang="nb-NO" sz="1200" dirty="0" err="1"/>
+              <a:t>the</a:t>
+            </a:r>
+            <a:r>
+              <a:rPr lang="nb-NO" sz="1200" dirty="0"/>
+              <a:t> </a:t>
+            </a:r>
+            <a:r>
+              <a:rPr lang="nb-NO" sz="1200" dirty="0" err="1"/>
+              <a:t>model</a:t>
+            </a:r>
+            <a:endParaRPr lang="nb-NO" sz="1200" dirty="0"/>
+          </a:p>
+          <a:p>
+            <a:pPr lvl="2"/>
+            <a:r>
+              <a:rPr lang="nb-NO" sz="1200" dirty="0"/>
+              <a:t>In </a:t>
+            </a:r>
+            <a:r>
+              <a:rPr lang="nb-NO" sz="1200" dirty="0" err="1"/>
+              <a:t>this</a:t>
+            </a:r>
+            <a:r>
+              <a:rPr lang="nb-NO" sz="1200" dirty="0"/>
+              <a:t> </a:t>
+            </a:r>
+            <a:r>
+              <a:rPr lang="nb-NO" sz="1200" dirty="0" err="1"/>
+              <a:t>way</a:t>
+            </a:r>
+            <a:r>
+              <a:rPr lang="nb-NO" sz="1200" dirty="0"/>
+              <a:t>, </a:t>
+            </a:r>
+            <a:r>
+              <a:rPr lang="nb-NO" sz="1200" dirty="0" err="1"/>
+              <a:t>augmented</a:t>
+            </a:r>
+            <a:r>
+              <a:rPr lang="nb-NO" sz="1200" dirty="0"/>
+              <a:t> data </a:t>
+            </a:r>
+            <a:r>
+              <a:rPr lang="nb-NO" sz="1200" dirty="0" err="1"/>
+              <a:t>sets</a:t>
+            </a:r>
+            <a:r>
+              <a:rPr lang="nb-NO" sz="1200" dirty="0"/>
+              <a:t> </a:t>
+            </a:r>
+            <a:r>
+              <a:rPr lang="nb-NO" sz="1200" dirty="0" err="1"/>
               <a:t>can</a:t>
             </a:r>
             <a:r>
-              <a:rPr lang="nb-NO" sz="2000" dirty="0"/>
-              <a:t> </a:t>
-            </a:r>
-            <a:r>
-              <a:rPr lang="nb-NO" sz="2000" dirty="0" err="1"/>
-              <a:t>capture</a:t>
-            </a:r>
-            <a:r>
-              <a:rPr lang="nb-NO" sz="2000" dirty="0"/>
-              <a:t> </a:t>
-            </a:r>
-            <a:r>
-              <a:rPr lang="nb-NO" sz="2000" dirty="0" err="1"/>
+              <a:rPr lang="nb-NO" sz="1200" dirty="0"/>
+              <a:t> be </a:t>
+            </a:r>
+            <a:r>
+              <a:rPr lang="nb-NO" sz="1200" dirty="0" err="1"/>
+              <a:t>created</a:t>
+            </a:r>
+            <a:r>
+              <a:rPr lang="nb-NO" sz="1200" dirty="0"/>
+              <a:t> </a:t>
+            </a:r>
+            <a:r>
+              <a:rPr lang="nb-NO" sz="1200" dirty="0" err="1"/>
+              <a:t>without</a:t>
+            </a:r>
+            <a:r>
+              <a:rPr lang="nb-NO" sz="1200" dirty="0"/>
+              <a:t> </a:t>
+            </a:r>
+            <a:r>
+              <a:rPr lang="nb-NO" sz="1200" dirty="0" err="1"/>
+              <a:t>getting</a:t>
+            </a:r>
+            <a:r>
+              <a:rPr lang="nb-NO" sz="1200" dirty="0"/>
+              <a:t> </a:t>
+            </a:r>
+            <a:r>
+              <a:rPr lang="nb-NO" sz="1200" dirty="0" err="1"/>
+              <a:t>tied</a:t>
+            </a:r>
+            <a:r>
+              <a:rPr lang="nb-NO" sz="1200" dirty="0"/>
+              <a:t> to a </a:t>
+            </a:r>
+            <a:r>
+              <a:rPr lang="nb-NO" sz="1200" dirty="0" err="1"/>
+              <a:t>particular</a:t>
+            </a:r>
+            <a:r>
+              <a:rPr lang="nb-NO" sz="1200" dirty="0"/>
+              <a:t> </a:t>
+            </a:r>
+            <a:r>
+              <a:rPr lang="nb-NO" sz="1200" dirty="0" err="1"/>
+              <a:t>model</a:t>
+            </a:r>
+            <a:r>
+              <a:rPr lang="nb-NO" sz="1200" dirty="0"/>
+              <a:t> </a:t>
+            </a:r>
+            <a:r>
+              <a:rPr lang="nb-NO" sz="1200" dirty="0" err="1"/>
+              <a:t>instance</a:t>
+            </a:r>
+            <a:endParaRPr lang="nb-NO" sz="1200" dirty="0"/>
+          </a:p>
+          <a:p>
+            <a:endParaRPr lang="nb-NO" sz="1800" dirty="0"/>
+          </a:p>
+          <a:p>
+            <a:r>
+              <a:rPr lang="nb-NO" sz="1800" dirty="0"/>
+              <a:t>I </a:t>
+            </a:r>
+            <a:r>
+              <a:rPr lang="nb-NO" sz="1800" dirty="0" err="1"/>
+              <a:t>may</a:t>
+            </a:r>
+            <a:r>
+              <a:rPr lang="nb-NO" sz="1800" dirty="0"/>
+              <a:t> </a:t>
+            </a:r>
+            <a:r>
+              <a:rPr lang="nb-NO" sz="1800" dirty="0" err="1"/>
+              <a:t>decide</a:t>
+            </a:r>
+            <a:r>
+              <a:rPr lang="nb-NO" sz="1800" dirty="0"/>
+              <a:t> </a:t>
+            </a:r>
+            <a:r>
+              <a:rPr lang="nb-NO" sz="1800" dirty="0" err="1"/>
+              <a:t>on</a:t>
+            </a:r>
+            <a:r>
+              <a:rPr lang="nb-NO" sz="1800" dirty="0"/>
+              <a:t> a </a:t>
+            </a:r>
+            <a:r>
+              <a:rPr lang="nb-NO" sz="1800" dirty="0" err="1"/>
+              <a:t>better</a:t>
+            </a:r>
+            <a:r>
+              <a:rPr lang="nb-NO" sz="1800" dirty="0"/>
+              <a:t> </a:t>
+            </a:r>
+            <a:r>
+              <a:rPr lang="nb-NO" sz="1800" dirty="0" err="1"/>
+              <a:t>name</a:t>
+            </a:r>
+            <a:r>
+              <a:rPr lang="nb-NO" sz="1800" dirty="0"/>
+              <a:t> for </a:t>
+            </a:r>
+            <a:r>
+              <a:rPr lang="nb-NO" sz="1800" dirty="0" err="1"/>
+              <a:t>this</a:t>
+            </a:r>
+            <a:r>
+              <a:rPr lang="nb-NO" sz="1800" dirty="0"/>
+              <a:t> file </a:t>
+            </a:r>
+            <a:r>
+              <a:rPr lang="nb-NO" sz="1800" dirty="0" err="1"/>
+              <a:t>before</a:t>
+            </a:r>
+            <a:r>
+              <a:rPr lang="nb-NO" sz="1800" dirty="0"/>
+              <a:t> I start to </a:t>
+            </a:r>
+            <a:r>
+              <a:rPr lang="nb-NO" sz="1800" dirty="0" err="1"/>
+              <a:t>train</a:t>
+            </a:r>
+            <a:r>
+              <a:rPr lang="nb-NO" sz="1800" dirty="0"/>
+              <a:t> </a:t>
+            </a:r>
+            <a:r>
+              <a:rPr lang="nb-NO" sz="1800" dirty="0" err="1"/>
               <a:t>the</a:t>
             </a:r>
             <a:r>
-              <a:rPr lang="nb-NO" sz="2000" dirty="0"/>
-              <a:t> </a:t>
-            </a:r>
-            <a:r>
-              <a:rPr lang="nb-NO" sz="2000" dirty="0" err="1"/>
-              <a:t>features</a:t>
-            </a:r>
-            <a:r>
-              <a:rPr lang="nb-NO" sz="2000" dirty="0"/>
-              <a:t> </a:t>
-            </a:r>
-            <a:r>
-              <a:rPr lang="nb-NO" sz="2000" dirty="0" err="1"/>
-              <a:t>properly</a:t>
-            </a:r>
-            <a:r>
-              <a:rPr lang="nb-NO" sz="2000" dirty="0"/>
-              <a:t>, </a:t>
-            </a:r>
-            <a:r>
-              <a:rPr lang="nb-NO" sz="2000" dirty="0" err="1"/>
-              <a:t>there</a:t>
-            </a:r>
-            <a:r>
-              <a:rPr lang="nb-NO" sz="2000" dirty="0"/>
-              <a:t> </a:t>
-            </a:r>
-            <a:r>
-              <a:rPr lang="nb-NO" sz="2000" dirty="0" err="1"/>
-              <a:t>should</a:t>
-            </a:r>
-            <a:r>
-              <a:rPr lang="nb-NO" sz="2000" dirty="0"/>
-              <a:t> be </a:t>
-            </a:r>
-            <a:r>
-              <a:rPr lang="nb-NO" sz="2000" dirty="0" err="1"/>
-              <a:t>written</a:t>
-            </a:r>
-            <a:r>
-              <a:rPr lang="nb-NO" sz="2000" dirty="0"/>
-              <a:t> a script </a:t>
-            </a:r>
-            <a:r>
-              <a:rPr lang="nb-NO" sz="2000" dirty="0" err="1"/>
-              <a:t>that</a:t>
-            </a:r>
-            <a:r>
-              <a:rPr lang="nb-NO" sz="2000" dirty="0"/>
-              <a:t> </a:t>
-            </a:r>
-            <a:r>
-              <a:rPr lang="nb-NO" sz="2000" dirty="0" err="1"/>
-              <a:t>creates</a:t>
-            </a:r>
-            <a:r>
-              <a:rPr lang="nb-NO" sz="2000" dirty="0"/>
-              <a:t> an image </a:t>
-            </a:r>
-            <a:r>
-              <a:rPr lang="nb-NO" sz="2000" dirty="0" err="1"/>
-              <a:t>containing</a:t>
-            </a:r>
-            <a:r>
-              <a:rPr lang="nb-NO" sz="2000" dirty="0"/>
-              <a:t> </a:t>
-            </a:r>
-            <a:r>
-              <a:rPr lang="nb-NO" sz="2000" dirty="0" err="1"/>
-              <a:t>the</a:t>
-            </a:r>
-            <a:r>
-              <a:rPr lang="nb-NO" sz="2000" dirty="0"/>
-              <a:t> input </a:t>
-            </a:r>
-            <a:r>
-              <a:rPr lang="nb-NO" sz="2000" dirty="0" err="1"/>
-              <a:t>seismic</a:t>
-            </a:r>
-            <a:r>
-              <a:rPr lang="nb-NO" sz="2000" dirty="0"/>
-              <a:t> </a:t>
-            </a:r>
-            <a:r>
-              <a:rPr lang="nb-NO" sz="2000" dirty="0" err="1"/>
-              <a:t>features</a:t>
-            </a:r>
-            <a:r>
-              <a:rPr lang="nb-NO" sz="2000" dirty="0"/>
-              <a:t>, and </a:t>
-            </a:r>
-            <a:r>
-              <a:rPr lang="nb-NO" sz="2000" dirty="0" err="1"/>
-              <a:t>reconstructed</a:t>
-            </a:r>
-            <a:r>
-              <a:rPr lang="nb-NO" sz="2000" dirty="0"/>
-              <a:t> </a:t>
-            </a:r>
-            <a:r>
-              <a:rPr lang="nb-NO" sz="2000" dirty="0" err="1"/>
-              <a:t>features</a:t>
-            </a:r>
-            <a:endParaRPr lang="nb-NO" sz="2000" dirty="0"/>
-          </a:p>
-          <a:p>
-            <a:pPr lvl="1"/>
-            <a:r>
-              <a:rPr lang="nb-NO" sz="1600" dirty="0"/>
-              <a:t>Python </a:t>
-            </a:r>
-            <a:r>
-              <a:rPr lang="nb-NO" sz="1600" dirty="0" err="1"/>
-              <a:t>implementation</a:t>
-            </a:r>
-            <a:r>
-              <a:rPr lang="nb-NO" sz="1600" dirty="0"/>
-              <a:t> for </a:t>
-            </a:r>
-            <a:r>
-              <a:rPr lang="nb-NO" sz="1600" dirty="0" err="1"/>
-              <a:t>this</a:t>
-            </a:r>
-            <a:r>
-              <a:rPr lang="nb-NO" sz="1600" dirty="0"/>
-              <a:t>;</a:t>
-            </a:r>
-            <a:r>
-              <a:rPr lang="nb-NO" sz="1600" i="1" dirty="0"/>
-              <a:t> </a:t>
-            </a:r>
-            <a:r>
-              <a:rPr lang="nb-NO" sz="1600" i="1" dirty="0" err="1"/>
-              <a:t>else</a:t>
-            </a:r>
-            <a:r>
-              <a:rPr lang="nb-NO" sz="1600" i="1" dirty="0"/>
-              <a:t> </a:t>
-            </a:r>
-            <a:r>
-              <a:rPr lang="nb-NO" sz="1600" dirty="0"/>
-              <a:t>-&gt; </a:t>
-            </a:r>
-            <a:r>
-              <a:rPr lang="nb-NO" sz="1600" dirty="0" err="1"/>
-              <a:t>Postscript</a:t>
-            </a:r>
-            <a:endParaRPr lang="nb-NO" sz="1600" dirty="0"/>
-          </a:p>
-          <a:p>
-            <a:r>
-              <a:rPr lang="nb-NO" sz="2000" dirty="0" err="1"/>
-              <a:t>Also</a:t>
-            </a:r>
-            <a:r>
-              <a:rPr lang="nb-NO" sz="2000" dirty="0"/>
-              <a:t> </a:t>
-            </a:r>
-            <a:r>
-              <a:rPr lang="nb-NO" sz="2000" dirty="0" err="1"/>
-              <a:t>the</a:t>
-            </a:r>
-            <a:r>
-              <a:rPr lang="nb-NO" sz="2000" dirty="0"/>
-              <a:t> </a:t>
-            </a:r>
-            <a:r>
-              <a:rPr lang="nb-NO" sz="2000" dirty="0" err="1"/>
-              <a:t>predicted</a:t>
-            </a:r>
-            <a:r>
-              <a:rPr lang="nb-NO" sz="2000" dirty="0"/>
-              <a:t> </a:t>
-            </a:r>
-            <a:r>
-              <a:rPr lang="nb-NO" sz="2000" dirty="0" err="1"/>
-              <a:t>values</a:t>
-            </a:r>
-            <a:r>
-              <a:rPr lang="nb-NO" sz="2000" dirty="0"/>
-              <a:t> </a:t>
-            </a:r>
-            <a:r>
-              <a:rPr lang="nb-NO" sz="2000" dirty="0" err="1"/>
-              <a:t>vs</a:t>
-            </a:r>
-            <a:r>
-              <a:rPr lang="nb-NO" sz="2000" dirty="0"/>
-              <a:t> </a:t>
-            </a:r>
-            <a:r>
-              <a:rPr lang="nb-NO" sz="2000" dirty="0" err="1"/>
-              <a:t>the</a:t>
-            </a:r>
-            <a:r>
-              <a:rPr lang="nb-NO" sz="2000" dirty="0"/>
-              <a:t> true </a:t>
-            </a:r>
-            <a:r>
-              <a:rPr lang="nb-NO" sz="2000" dirty="0" err="1"/>
-              <a:t>values</a:t>
-            </a:r>
-            <a:r>
-              <a:rPr lang="nb-NO" sz="2000" dirty="0"/>
-              <a:t>, </a:t>
-            </a:r>
-            <a:r>
-              <a:rPr lang="nb-NO" sz="2000" dirty="0" err="1"/>
-              <a:t>maybe</a:t>
-            </a:r>
-            <a:r>
-              <a:rPr lang="nb-NO" sz="2000" dirty="0"/>
-              <a:t> </a:t>
-            </a:r>
-            <a:r>
-              <a:rPr lang="nb-NO" sz="2000" dirty="0" err="1"/>
-              <a:t>displaying</a:t>
-            </a:r>
-            <a:r>
-              <a:rPr lang="nb-NO" sz="2000" dirty="0"/>
-              <a:t> </a:t>
-            </a:r>
-            <a:r>
-              <a:rPr lang="nb-NO" sz="2000" dirty="0" err="1"/>
-              <a:t>the</a:t>
-            </a:r>
-            <a:r>
-              <a:rPr lang="nb-NO" sz="2000" dirty="0"/>
-              <a:t> </a:t>
-            </a:r>
-            <a:r>
-              <a:rPr lang="nb-NO" sz="2000" dirty="0" err="1"/>
-              <a:t>prediction</a:t>
-            </a:r>
-            <a:r>
-              <a:rPr lang="nb-NO" sz="2000" dirty="0"/>
-              <a:t> </a:t>
-            </a:r>
-            <a:r>
-              <a:rPr lang="nb-NO" sz="2000" dirty="0" err="1"/>
-              <a:t>error</a:t>
-            </a:r>
-            <a:endParaRPr lang="nb-NO" sz="2000" dirty="0"/>
-          </a:p>
-          <a:p>
-            <a:r>
-              <a:rPr lang="nb-NO" sz="2000" dirty="0"/>
-              <a:t>Using </a:t>
-            </a:r>
-            <a:r>
-              <a:rPr lang="nb-NO" sz="2000" dirty="0" err="1"/>
-              <a:t>the</a:t>
-            </a:r>
-            <a:r>
-              <a:rPr lang="nb-NO" sz="2000" dirty="0"/>
-              <a:t> </a:t>
-            </a:r>
-            <a:r>
-              <a:rPr lang="nb-NO" sz="2000" b="1" dirty="0" err="1"/>
-              <a:t>acoustic</a:t>
-            </a:r>
-            <a:r>
-              <a:rPr lang="nb-NO" sz="2000" b="1" dirty="0"/>
-              <a:t> </a:t>
-            </a:r>
-            <a:r>
-              <a:rPr lang="nb-NO" sz="2000" b="1" dirty="0" err="1"/>
-              <a:t>impedance</a:t>
-            </a:r>
-            <a:r>
-              <a:rPr lang="nb-NO" sz="2000" dirty="0"/>
-              <a:t>, it is </a:t>
-            </a:r>
-            <a:r>
-              <a:rPr lang="nb-NO" sz="2000" dirty="0" err="1"/>
-              <a:t>possible</a:t>
-            </a:r>
-            <a:r>
-              <a:rPr lang="nb-NO" sz="2000" dirty="0"/>
-              <a:t> to </a:t>
-            </a:r>
-            <a:r>
-              <a:rPr lang="nb-NO" sz="2000" dirty="0" err="1"/>
-              <a:t>get</a:t>
-            </a:r>
-            <a:r>
-              <a:rPr lang="nb-NO" sz="2000" dirty="0"/>
-              <a:t> a </a:t>
-            </a:r>
-            <a:r>
-              <a:rPr lang="nb-NO" sz="2000" dirty="0" err="1"/>
-              <a:t>overlay</a:t>
-            </a:r>
-            <a:r>
-              <a:rPr lang="nb-NO" sz="2000" dirty="0"/>
-              <a:t> heat </a:t>
-            </a:r>
-            <a:r>
-              <a:rPr lang="nb-NO" sz="2000" dirty="0" err="1"/>
-              <a:t>map</a:t>
-            </a:r>
-            <a:r>
-              <a:rPr lang="nb-NO" sz="2000" dirty="0"/>
-              <a:t>, </a:t>
-            </a:r>
-            <a:r>
-              <a:rPr lang="nb-NO" sz="2000" dirty="0" err="1"/>
-              <a:t>which</a:t>
-            </a:r>
-            <a:r>
-              <a:rPr lang="nb-NO" sz="2000" dirty="0"/>
-              <a:t> displays </a:t>
-            </a:r>
-            <a:r>
-              <a:rPr lang="nb-NO" sz="2000" dirty="0" err="1"/>
-              <a:t>what</a:t>
-            </a:r>
-            <a:r>
-              <a:rPr lang="nb-NO" sz="2000" dirty="0"/>
-              <a:t> areas </a:t>
-            </a:r>
-            <a:r>
-              <a:rPr lang="nb-NO" sz="2000" dirty="0" err="1"/>
-              <a:t>the</a:t>
-            </a:r>
-            <a:r>
-              <a:rPr lang="nb-NO" sz="2000" dirty="0"/>
-              <a:t> </a:t>
-            </a:r>
-            <a:r>
-              <a:rPr lang="nb-NO" sz="2000" dirty="0" err="1"/>
-              <a:t>model</a:t>
-            </a:r>
-            <a:r>
-              <a:rPr lang="nb-NO" sz="2000" dirty="0"/>
-              <a:t> </a:t>
-            </a:r>
-            <a:r>
-              <a:rPr lang="nb-NO" sz="2000" dirty="0" err="1"/>
-              <a:t>encounters</a:t>
-            </a:r>
-            <a:r>
-              <a:rPr lang="nb-NO" sz="2000" dirty="0"/>
-              <a:t> </a:t>
-            </a:r>
-            <a:r>
-              <a:rPr lang="nb-NO" sz="2000" dirty="0" err="1"/>
-              <a:t>issues</a:t>
-            </a:r>
-            <a:r>
-              <a:rPr lang="nb-NO" sz="2000" dirty="0"/>
-              <a:t> in </a:t>
-            </a:r>
-            <a:r>
-              <a:rPr lang="nb-NO" sz="2000" dirty="0" err="1"/>
-              <a:t>the</a:t>
-            </a:r>
-            <a:r>
-              <a:rPr lang="nb-NO" sz="2000" dirty="0"/>
-              <a:t> most</a:t>
-            </a:r>
-          </a:p>
-          <a:p>
-            <a:pPr lvl="1"/>
-            <a:r>
-              <a:rPr lang="nb-NO" sz="1600" dirty="0" err="1"/>
-              <a:t>Can</a:t>
-            </a:r>
-            <a:r>
-              <a:rPr lang="nb-NO" sz="1600" dirty="0"/>
-              <a:t> </a:t>
-            </a:r>
-            <a:r>
-              <a:rPr lang="nb-NO" sz="1600" dirty="0" err="1"/>
-              <a:t>see</a:t>
-            </a:r>
-            <a:r>
-              <a:rPr lang="nb-NO" sz="1600" dirty="0"/>
-              <a:t> </a:t>
-            </a:r>
-            <a:r>
-              <a:rPr lang="nb-NO" sz="1600" dirty="0" err="1"/>
-              <a:t>if</a:t>
-            </a:r>
-            <a:r>
-              <a:rPr lang="nb-NO" sz="1600" dirty="0"/>
-              <a:t> </a:t>
-            </a:r>
-            <a:r>
-              <a:rPr lang="nb-NO" sz="1600" dirty="0" err="1"/>
-              <a:t>the</a:t>
-            </a:r>
-            <a:r>
-              <a:rPr lang="nb-NO" sz="1600" dirty="0"/>
-              <a:t> same </a:t>
-            </a:r>
-            <a:r>
-              <a:rPr lang="nb-NO" sz="1600" dirty="0" err="1"/>
-              <a:t>thing</a:t>
-            </a:r>
-            <a:r>
-              <a:rPr lang="nb-NO" sz="1600" dirty="0"/>
-              <a:t> </a:t>
-            </a:r>
-            <a:r>
-              <a:rPr lang="nb-NO" sz="1600" dirty="0" err="1"/>
-              <a:t>appear</a:t>
-            </a:r>
-            <a:r>
-              <a:rPr lang="nb-NO" sz="1600" dirty="0"/>
-              <a:t> </a:t>
-            </a:r>
-            <a:r>
-              <a:rPr lang="nb-NO" sz="1600" dirty="0" err="1"/>
-              <a:t>with</a:t>
-            </a:r>
-            <a:r>
-              <a:rPr lang="nb-NO" sz="1600" dirty="0"/>
-              <a:t> a different </a:t>
-            </a:r>
-            <a:r>
-              <a:rPr lang="nb-NO" sz="1600" dirty="0" err="1"/>
-              <a:t>noise</a:t>
-            </a:r>
-            <a:r>
-              <a:rPr lang="nb-NO" sz="1600" dirty="0"/>
-              <a:t> </a:t>
-            </a:r>
-            <a:r>
-              <a:rPr lang="nb-NO" sz="1600" dirty="0" err="1"/>
-              <a:t>profile</a:t>
-            </a:r>
-            <a:r>
-              <a:rPr lang="nb-NO" sz="1600" dirty="0"/>
-              <a:t> or </a:t>
-            </a:r>
-            <a:r>
-              <a:rPr lang="nb-NO" sz="1600" dirty="0" err="1"/>
-              <a:t>denoising</a:t>
-            </a:r>
-            <a:endParaRPr lang="en-GB" sz="1600" dirty="0"/>
+              <a:rPr lang="nb-NO" sz="1800" dirty="0"/>
+              <a:t> </a:t>
+            </a:r>
+            <a:r>
+              <a:rPr lang="nb-NO" sz="1800" dirty="0" err="1"/>
+              <a:t>models</a:t>
+            </a:r>
+            <a:r>
+              <a:rPr lang="nb-NO" sz="1800" dirty="0"/>
+              <a:t>…</a:t>
+            </a:r>
+          </a:p>
+          <a:p>
+            <a:pPr lvl="2"/>
+            <a:endParaRPr lang="en-GB" sz="1200" dirty="0"/>
           </a:p>
         </p:txBody>
       </p:sp>
     </p:spTree>
     <p:extLst>
       <p:ext uri="{BB962C8B-B14F-4D97-AF65-F5344CB8AC3E}">
-        <p14:creationId xmlns:p14="http://schemas.microsoft.com/office/powerpoint/2010/main" val="1499140138"/>
+        <p14:creationId xmlns:p14="http://schemas.microsoft.com/office/powerpoint/2010/main" val="3230011956"/>
       </p:ext>
     </p:extLst>
   </p:cSld>
@@ -9750,7 +9738,7 @@
 </p:sld>
 </file>
 
-<file path=ppt/slides/slide8.xml><?xml version="1.0" encoding="utf-8"?>
+<file path=ppt/slides/slide7.xml><?xml version="1.0" encoding="utf-8"?>
 <p:sld xmlns:a="http://schemas.openxmlformats.org/drawingml/2006/main" xmlns:r="http://schemas.openxmlformats.org/officeDocument/2006/relationships" xmlns:p="http://schemas.openxmlformats.org/presentationml/2006/main">
   <p:cSld>
     <p:bg>
@@ -10156,7 +10144,7 @@
           <p:cNvPr id="2" name="Title 1">
             <a:extLst>
               <a:ext uri="{FF2B5EF4-FFF2-40B4-BE49-F238E27FC236}">
-                <a16:creationId xmlns:a16="http://schemas.microsoft.com/office/drawing/2014/main" id="{0EB96845-0AED-4642-B528-3A26E06CDD5B}"/>
+                <a16:creationId xmlns:a16="http://schemas.microsoft.com/office/drawing/2014/main" id="{4DC10153-7CFE-49DA-9D15-258E7CE5EA64}"/>
               </a:ext>
             </a:extLst>
           </p:cNvPr>
@@ -10180,12 +10168,20 @@
           <a:lstStyle/>
           <a:p>
             <a:r>
+              <a:rPr lang="nb-NO" sz="4000" dirty="0" err="1">
+                <a:solidFill>
+                  <a:srgbClr val="FFFFFF"/>
+                </a:solidFill>
+              </a:rPr>
+              <a:t>Performance</a:t>
+            </a:r>
+            <a:r>
               <a:rPr lang="nb-NO" sz="4000" dirty="0">
                 <a:solidFill>
                   <a:srgbClr val="FFFFFF"/>
                 </a:solidFill>
               </a:rPr>
-              <a:t>Storing </a:t>
+              <a:t> </a:t>
             </a:r>
             <a:r>
               <a:rPr lang="nb-NO" sz="4000" dirty="0" err="1">
@@ -10193,23 +10189,7 @@
                   <a:srgbClr val="FFFFFF"/>
                 </a:solidFill>
               </a:rPr>
-              <a:t>the</a:t>
-            </a:r>
-            <a:r>
-              <a:rPr lang="nb-NO" sz="4000" dirty="0">
-                <a:solidFill>
-                  <a:srgbClr val="FFFFFF"/>
-                </a:solidFill>
-              </a:rPr>
-              <a:t> </a:t>
-            </a:r>
-            <a:r>
-              <a:rPr lang="nb-NO" sz="4000" dirty="0" err="1">
-                <a:solidFill>
-                  <a:srgbClr val="FFFFFF"/>
-                </a:solidFill>
-              </a:rPr>
-              <a:t>models</a:t>
+              <a:t>evaluation</a:t>
             </a:r>
             <a:endParaRPr lang="en-GB" sz="4000" dirty="0">
               <a:solidFill>
@@ -10224,7 +10204,7 @@
           <p:cNvPr id="3" name="Content Placeholder 2">
             <a:extLst>
               <a:ext uri="{FF2B5EF4-FFF2-40B4-BE49-F238E27FC236}">
-                <a16:creationId xmlns:a16="http://schemas.microsoft.com/office/drawing/2014/main" id="{5A97B76F-F51B-4F9E-BDE9-3E3C8D4AE33C}"/>
+                <a16:creationId xmlns:a16="http://schemas.microsoft.com/office/drawing/2014/main" id="{AE202909-E2A0-49AD-BA81-90606507E2F6}"/>
               </a:ext>
             </a:extLst>
           </p:cNvPr>
@@ -10247,228 +10227,14 @@
           </a:bodyPr>
           <a:lstStyle/>
           <a:p>
-            <a:r>
-              <a:rPr lang="nb-NO" sz="2000" dirty="0" err="1"/>
-              <a:t>Functions</a:t>
-            </a:r>
-            <a:r>
-              <a:rPr lang="nb-NO" sz="2000" dirty="0"/>
-              <a:t> for </a:t>
-            </a:r>
-            <a:r>
-              <a:rPr lang="nb-NO" sz="2000" dirty="0" err="1"/>
-              <a:t>this</a:t>
-            </a:r>
-            <a:r>
-              <a:rPr lang="nb-NO" sz="2000" dirty="0"/>
-              <a:t> is </a:t>
-            </a:r>
-            <a:r>
-              <a:rPr lang="nb-NO" sz="2000" dirty="0" err="1"/>
-              <a:t>located</a:t>
-            </a:r>
-            <a:r>
-              <a:rPr lang="nb-NO" sz="2000" dirty="0"/>
-              <a:t> in \Scripts\Log.py</a:t>
-            </a:r>
-          </a:p>
-          <a:p>
-            <a:r>
-              <a:rPr lang="nb-NO" sz="2000" dirty="0"/>
-              <a:t>Models </a:t>
-            </a:r>
-            <a:r>
-              <a:rPr lang="nb-NO" sz="2000" dirty="0" err="1"/>
-              <a:t>get</a:t>
-            </a:r>
-            <a:r>
-              <a:rPr lang="nb-NO" sz="2000" dirty="0"/>
-              <a:t> </a:t>
-            </a:r>
-            <a:r>
-              <a:rPr lang="nb-NO" sz="2000" dirty="0" err="1"/>
-              <a:t>stored</a:t>
-            </a:r>
-            <a:r>
-              <a:rPr lang="nb-NO" sz="2000" dirty="0"/>
-              <a:t> in </a:t>
-            </a:r>
-            <a:r>
-              <a:rPr lang="nb-NO" sz="2000" dirty="0" err="1"/>
-              <a:t>the</a:t>
-            </a:r>
-            <a:r>
-              <a:rPr lang="nb-NO" sz="2000" dirty="0"/>
-              <a:t> \Models folder</a:t>
-            </a:r>
-          </a:p>
-          <a:p>
-            <a:pPr lvl="1"/>
-            <a:r>
-              <a:rPr lang="nb-NO" sz="1600" dirty="0"/>
-              <a:t>New ran </a:t>
-            </a:r>
-            <a:r>
-              <a:rPr lang="nb-NO" sz="1600" dirty="0" err="1"/>
-              <a:t>models</a:t>
-            </a:r>
-            <a:r>
-              <a:rPr lang="nb-NO" sz="1600" dirty="0"/>
-              <a:t> </a:t>
-            </a:r>
-            <a:r>
-              <a:rPr lang="nb-NO" sz="1600" dirty="0" err="1"/>
-              <a:t>are</a:t>
-            </a:r>
-            <a:r>
-              <a:rPr lang="nb-NO" sz="1600" dirty="0"/>
-              <a:t> </a:t>
-            </a:r>
-            <a:r>
-              <a:rPr lang="nb-NO" sz="1600" dirty="0" err="1"/>
-              <a:t>categorized</a:t>
-            </a:r>
-            <a:r>
-              <a:rPr lang="nb-NO" sz="1600" dirty="0"/>
-              <a:t> in folders by </a:t>
-            </a:r>
-            <a:r>
-              <a:rPr lang="nb-NO" sz="1600" i="1" dirty="0" err="1"/>
-              <a:t>datetime</a:t>
-            </a:r>
-            <a:endParaRPr lang="nb-NO" sz="1600" i="1" dirty="0"/>
-          </a:p>
-          <a:p>
-            <a:pPr lvl="2"/>
-            <a:r>
-              <a:rPr lang="nb-NO" sz="1200" dirty="0" err="1"/>
-              <a:t>That</a:t>
-            </a:r>
-            <a:r>
-              <a:rPr lang="nb-NO" sz="1200" dirty="0"/>
-              <a:t> </a:t>
-            </a:r>
-            <a:r>
-              <a:rPr lang="nb-NO" sz="1200" dirty="0" err="1"/>
-              <a:t>way</a:t>
-            </a:r>
-            <a:r>
-              <a:rPr lang="nb-NO" sz="1200" dirty="0"/>
-              <a:t>, all </a:t>
-            </a:r>
-            <a:r>
-              <a:rPr lang="nb-NO" sz="1200" dirty="0" err="1"/>
-              <a:t>models</a:t>
-            </a:r>
-            <a:r>
-              <a:rPr lang="nb-NO" sz="1200" dirty="0"/>
-              <a:t> </a:t>
-            </a:r>
-            <a:r>
-              <a:rPr lang="nb-NO" sz="1200" dirty="0" err="1"/>
-              <a:t>will</a:t>
-            </a:r>
-            <a:r>
-              <a:rPr lang="nb-NO" sz="1200" dirty="0"/>
-              <a:t> have </a:t>
-            </a:r>
-            <a:r>
-              <a:rPr lang="nb-NO" sz="1200" dirty="0" err="1"/>
-              <a:t>unique</a:t>
-            </a:r>
-            <a:r>
-              <a:rPr lang="nb-NO" sz="1200" dirty="0"/>
-              <a:t> </a:t>
-            </a:r>
-            <a:r>
-              <a:rPr lang="nb-NO" sz="1200" dirty="0" err="1"/>
-              <a:t>names</a:t>
-            </a:r>
-            <a:r>
-              <a:rPr lang="nb-NO" sz="1200" dirty="0"/>
-              <a:t>; </a:t>
-            </a:r>
-            <a:r>
-              <a:rPr lang="nb-NO" sz="1200" b="1" dirty="0" err="1"/>
-              <a:t>Maybe</a:t>
-            </a:r>
-            <a:r>
-              <a:rPr lang="nb-NO" sz="1200" b="1" dirty="0"/>
-              <a:t> I </a:t>
-            </a:r>
-            <a:r>
-              <a:rPr lang="nb-NO" sz="1200" b="1" dirty="0" err="1"/>
-              <a:t>should</a:t>
-            </a:r>
-            <a:r>
-              <a:rPr lang="nb-NO" sz="1200" b="1" dirty="0"/>
-              <a:t> </a:t>
-            </a:r>
-            <a:r>
-              <a:rPr lang="nb-NO" sz="1200" b="1" dirty="0" err="1"/>
-              <a:t>create</a:t>
-            </a:r>
-            <a:r>
-              <a:rPr lang="nb-NO" sz="1200" b="1" dirty="0"/>
-              <a:t> a UID</a:t>
-            </a:r>
-          </a:p>
-          <a:p>
-            <a:pPr lvl="1"/>
-            <a:r>
-              <a:rPr lang="en-GB" sz="1600" dirty="0"/>
-              <a:t>In the folder will be a JSON file containing the parameters used for the model</a:t>
-            </a:r>
-          </a:p>
-          <a:p>
-            <a:pPr lvl="2"/>
-            <a:r>
-              <a:rPr lang="en-GB" sz="1200" dirty="0"/>
-              <a:t>The JSON file should also contain </a:t>
-            </a:r>
-            <a:r>
-              <a:rPr lang="en-GB" sz="1200" b="1" dirty="0"/>
-              <a:t>summary statistics</a:t>
-            </a:r>
-            <a:r>
-              <a:rPr lang="en-GB" sz="1200" dirty="0"/>
-              <a:t>, and potentially which synthetic data were used</a:t>
-            </a:r>
-          </a:p>
-          <a:p>
-            <a:pPr lvl="1"/>
-            <a:r>
-              <a:rPr lang="en-GB" sz="1600" dirty="0"/>
-              <a:t>In the folder will also be a folder containing the weights</a:t>
-            </a:r>
-          </a:p>
-          <a:p>
-            <a:pPr lvl="1"/>
-            <a:r>
-              <a:rPr lang="en-GB" sz="1600" dirty="0"/>
-              <a:t>There should also be a folder for visual comparisons</a:t>
-            </a:r>
-          </a:p>
-          <a:p>
-            <a:r>
-              <a:rPr lang="en-GB" sz="2000" dirty="0"/>
-              <a:t>I’ll write a function which makes it easy to load the </a:t>
-            </a:r>
-            <a:r>
-              <a:rPr lang="en-GB" sz="2000" dirty="0" err="1"/>
-              <a:t>keras</a:t>
-            </a:r>
-            <a:r>
-              <a:rPr lang="en-GB" sz="2000" dirty="0"/>
-              <a:t> object for further prediction</a:t>
-            </a:r>
+            <a:endParaRPr lang="en-GB" sz="2000" dirty="0"/>
           </a:p>
         </p:txBody>
       </p:sp>
     </p:spTree>
     <p:extLst>
       <p:ext uri="{BB962C8B-B14F-4D97-AF65-F5344CB8AC3E}">
-        <p14:creationId xmlns:p14="http://schemas.microsoft.com/office/powerpoint/2010/main" val="2200119477"/>
+        <p14:creationId xmlns:p14="http://schemas.microsoft.com/office/powerpoint/2010/main" val="3426608757"/>
       </p:ext>
     </p:extLst>
   </p:cSld>
@@ -10478,7 +10244,7 @@
 </p:sld>
 </file>
 
-<file path=ppt/slides/slide9.xml><?xml version="1.0" encoding="utf-8"?>
+<file path=ppt/slides/slide8.xml><?xml version="1.0" encoding="utf-8"?>
 <p:sld xmlns:a="http://schemas.openxmlformats.org/drawingml/2006/main" xmlns:r="http://schemas.openxmlformats.org/officeDocument/2006/relationships" xmlns:p="http://schemas.openxmlformats.org/presentationml/2006/main">
   <p:cSld>
     <p:bg>
@@ -10884,7 +10650,7 @@
           <p:cNvPr id="2" name="Title 1">
             <a:extLst>
               <a:ext uri="{FF2B5EF4-FFF2-40B4-BE49-F238E27FC236}">
-                <a16:creationId xmlns:a16="http://schemas.microsoft.com/office/drawing/2014/main" id="{98CD3415-4D6C-4BC5-9378-D7A5A3941644}"/>
+                <a16:creationId xmlns:a16="http://schemas.microsoft.com/office/drawing/2014/main" id="{C854D3B8-276F-46FA-9392-8B71BA7BB724}"/>
               </a:ext>
             </a:extLst>
           </p:cNvPr>
@@ -10913,7 +10679,7 @@
                   <a:srgbClr val="FFFFFF"/>
                 </a:solidFill>
               </a:rPr>
-              <a:t>Transfer </a:t>
+              <a:t>Visual </a:t>
             </a:r>
             <a:r>
               <a:rPr lang="nb-NO" sz="4000" dirty="0" err="1">
@@ -10921,7 +10687,7 @@
                   <a:srgbClr val="FFFFFF"/>
                 </a:solidFill>
               </a:rPr>
-              <a:t>learning</a:t>
+              <a:t>comparisons</a:t>
             </a:r>
             <a:endParaRPr lang="en-GB" sz="4000" dirty="0">
               <a:solidFill>
@@ -10936,7 +10702,7 @@
           <p:cNvPr id="3" name="Content Placeholder 2">
             <a:extLst>
               <a:ext uri="{FF2B5EF4-FFF2-40B4-BE49-F238E27FC236}">
-                <a16:creationId xmlns:a16="http://schemas.microsoft.com/office/drawing/2014/main" id="{88186C86-7E96-4CF0-AE2B-A2B248D85282}"/>
+                <a16:creationId xmlns:a16="http://schemas.microsoft.com/office/drawing/2014/main" id="{039163CE-F701-4A16-91A0-95347A92ADD0}"/>
               </a:ext>
             </a:extLst>
           </p:cNvPr>
@@ -10961,27 +10727,35 @@
           <a:p>
             <a:r>
               <a:rPr lang="nb-NO" sz="2000" dirty="0"/>
-              <a:t>The </a:t>
-            </a:r>
-            <a:r>
-              <a:rPr lang="nb-NO" sz="2000" dirty="0" err="1"/>
-              <a:t>three</a:t>
-            </a:r>
-            <a:r>
-              <a:rPr lang="nb-NO" sz="2000" dirty="0"/>
-              <a:t> best </a:t>
-            </a:r>
-            <a:r>
-              <a:rPr lang="nb-NO" sz="2000" dirty="0" err="1"/>
-              <a:t>predicting</a:t>
-            </a:r>
-            <a:r>
-              <a:rPr lang="nb-NO" sz="2000" dirty="0"/>
-              <a:t> </a:t>
-            </a:r>
-            <a:r>
-              <a:rPr lang="nb-NO" sz="2000" dirty="0" err="1"/>
-              <a:t>models</a:t>
+              <a:t>To </a:t>
+            </a:r>
+            <a:r>
+              <a:rPr lang="nb-NO" sz="2000" dirty="0" err="1"/>
+              <a:t>see</a:t>
+            </a:r>
+            <a:r>
+              <a:rPr lang="nb-NO" sz="2000" dirty="0"/>
+              <a:t> </a:t>
+            </a:r>
+            <a:r>
+              <a:rPr lang="nb-NO" sz="2000" dirty="0" err="1"/>
+              <a:t>if</a:t>
+            </a:r>
+            <a:r>
+              <a:rPr lang="nb-NO" sz="2000" dirty="0"/>
+              <a:t> </a:t>
+            </a:r>
+            <a:r>
+              <a:rPr lang="nb-NO" sz="2000" dirty="0" err="1"/>
+              <a:t>the</a:t>
+            </a:r>
+            <a:r>
+              <a:rPr lang="nb-NO" sz="2000" dirty="0"/>
+              <a:t> </a:t>
+            </a:r>
+            <a:r>
+              <a:rPr lang="nb-NO" sz="2000" dirty="0" err="1"/>
+              <a:t>model</a:t>
             </a:r>
             <a:r>
               <a:rPr lang="nb-NO" sz="2000" dirty="0"/>
@@ -10993,27 +10767,107 @@
             </a:r>
             <a:r>
               <a:rPr lang="nb-NO" sz="2000" dirty="0"/>
+              <a:t> </a:t>
+            </a:r>
+            <a:r>
+              <a:rPr lang="nb-NO" sz="2000" dirty="0" err="1"/>
+              <a:t>capture</a:t>
+            </a:r>
+            <a:r>
+              <a:rPr lang="nb-NO" sz="2000" dirty="0"/>
+              <a:t> </a:t>
+            </a:r>
+            <a:r>
+              <a:rPr lang="nb-NO" sz="2000" dirty="0" err="1"/>
+              <a:t>the</a:t>
+            </a:r>
+            <a:r>
+              <a:rPr lang="nb-NO" sz="2000" dirty="0"/>
+              <a:t> </a:t>
+            </a:r>
+            <a:r>
+              <a:rPr lang="nb-NO" sz="2000" dirty="0" err="1"/>
+              <a:t>features</a:t>
+            </a:r>
+            <a:r>
+              <a:rPr lang="nb-NO" sz="2000" dirty="0"/>
+              <a:t> </a:t>
+            </a:r>
+            <a:r>
+              <a:rPr lang="nb-NO" sz="2000" dirty="0" err="1"/>
+              <a:t>properly</a:t>
+            </a:r>
+            <a:r>
+              <a:rPr lang="nb-NO" sz="2000" dirty="0"/>
+              <a:t>, </a:t>
+            </a:r>
+            <a:r>
+              <a:rPr lang="nb-NO" sz="2000" dirty="0" err="1"/>
+              <a:t>there</a:t>
+            </a:r>
+            <a:r>
+              <a:rPr lang="nb-NO" sz="2000" dirty="0"/>
+              <a:t> </a:t>
+            </a:r>
+            <a:r>
+              <a:rPr lang="nb-NO" sz="2000" dirty="0" err="1"/>
+              <a:t>should</a:t>
+            </a:r>
+            <a:r>
+              <a:rPr lang="nb-NO" sz="2000" dirty="0"/>
               <a:t> be </a:t>
             </a:r>
             <a:r>
               <a:rPr lang="nb-NO" sz="2000" dirty="0" err="1"/>
-              <a:t>kept</a:t>
-            </a:r>
-            <a:r>
-              <a:rPr lang="nb-NO" sz="2000" dirty="0"/>
-              <a:t> </a:t>
-            </a:r>
-            <a:r>
-              <a:rPr lang="nb-NO" sz="2000" dirty="0" err="1"/>
-              <a:t>track</a:t>
-            </a:r>
-            <a:r>
-              <a:rPr lang="nb-NO" sz="2000" dirty="0"/>
-              <a:t> </a:t>
-            </a:r>
-            <a:r>
-              <a:rPr lang="nb-NO" sz="2000" dirty="0" err="1"/>
-              <a:t>of</a:t>
+              <a:t>written</a:t>
+            </a:r>
+            <a:r>
+              <a:rPr lang="nb-NO" sz="2000" dirty="0"/>
+              <a:t> a script </a:t>
+            </a:r>
+            <a:r>
+              <a:rPr lang="nb-NO" sz="2000" dirty="0" err="1"/>
+              <a:t>that</a:t>
+            </a:r>
+            <a:r>
+              <a:rPr lang="nb-NO" sz="2000" dirty="0"/>
+              <a:t> </a:t>
+            </a:r>
+            <a:r>
+              <a:rPr lang="nb-NO" sz="2000" dirty="0" err="1"/>
+              <a:t>creates</a:t>
+            </a:r>
+            <a:r>
+              <a:rPr lang="nb-NO" sz="2000" dirty="0"/>
+              <a:t> an image </a:t>
+            </a:r>
+            <a:r>
+              <a:rPr lang="nb-NO" sz="2000" dirty="0" err="1"/>
+              <a:t>containing</a:t>
+            </a:r>
+            <a:r>
+              <a:rPr lang="nb-NO" sz="2000" dirty="0"/>
+              <a:t> </a:t>
+            </a:r>
+            <a:r>
+              <a:rPr lang="nb-NO" sz="2000" dirty="0" err="1"/>
+              <a:t>the</a:t>
+            </a:r>
+            <a:r>
+              <a:rPr lang="nb-NO" sz="2000" dirty="0"/>
+              <a:t> input </a:t>
+            </a:r>
+            <a:r>
+              <a:rPr lang="nb-NO" sz="2000" dirty="0" err="1"/>
+              <a:t>seismic</a:t>
+            </a:r>
+            <a:r>
+              <a:rPr lang="nb-NO" sz="2000" dirty="0"/>
+              <a:t> </a:t>
+            </a:r>
+            <a:r>
+              <a:rPr lang="nb-NO" sz="2000" dirty="0" err="1"/>
+              <a:t>features</a:t>
             </a:r>
             <a:r>
               <a:rPr lang="nb-NO" sz="2000" dirty="0"/>
@@ -11021,23 +10875,66 @@
             </a:r>
             <a:r>
               <a:rPr lang="nb-NO" sz="2000" dirty="0" err="1"/>
-              <a:t>when</a:t>
-            </a:r>
-            <a:r>
-              <a:rPr lang="nb-NO" sz="2000" dirty="0"/>
-              <a:t> training </a:t>
-            </a:r>
-            <a:r>
-              <a:rPr lang="nb-NO" sz="2000" dirty="0" err="1"/>
-              <a:t>new</a:t>
-            </a:r>
-            <a:r>
-              <a:rPr lang="nb-NO" sz="2000" dirty="0"/>
-              <a:t> </a:t>
-            </a:r>
-            <a:r>
-              <a:rPr lang="nb-NO" sz="2000" dirty="0" err="1"/>
-              <a:t>models</a:t>
+              <a:t>reconstructed</a:t>
+            </a:r>
+            <a:r>
+              <a:rPr lang="nb-NO" sz="2000" dirty="0"/>
+              <a:t> </a:t>
+            </a:r>
+            <a:r>
+              <a:rPr lang="nb-NO" sz="2000" dirty="0" err="1"/>
+              <a:t>features</a:t>
+            </a:r>
+            <a:endParaRPr lang="nb-NO" sz="2000" dirty="0"/>
+          </a:p>
+          <a:p>
+            <a:pPr lvl="1"/>
+            <a:r>
+              <a:rPr lang="nb-NO" sz="1600" dirty="0"/>
+              <a:t>Python </a:t>
+            </a:r>
+            <a:r>
+              <a:rPr lang="nb-NO" sz="1600" dirty="0" err="1"/>
+              <a:t>implementation</a:t>
+            </a:r>
+            <a:r>
+              <a:rPr lang="nb-NO" sz="1600" dirty="0"/>
+              <a:t> for </a:t>
+            </a:r>
+            <a:r>
+              <a:rPr lang="nb-NO" sz="1600" dirty="0" err="1"/>
+              <a:t>this</a:t>
+            </a:r>
+            <a:r>
+              <a:rPr lang="nb-NO" sz="1600" dirty="0"/>
+              <a:t>;</a:t>
+            </a:r>
+            <a:r>
+              <a:rPr lang="nb-NO" sz="1600" i="1" dirty="0"/>
+              <a:t> </a:t>
+            </a:r>
+            <a:r>
+              <a:rPr lang="nb-NO" sz="1600" i="1" dirty="0" err="1"/>
+              <a:t>else</a:t>
+            </a:r>
+            <a:r>
+              <a:rPr lang="nb-NO" sz="1600" i="1" dirty="0"/>
+              <a:t> </a:t>
+            </a:r>
+            <a:r>
+              <a:rPr lang="nb-NO" sz="1600" dirty="0"/>
+              <a:t>-&gt; </a:t>
+            </a:r>
+            <a:r>
+              <a:rPr lang="nb-NO" sz="1600" dirty="0" err="1"/>
+              <a:t>Postscript</a:t>
+            </a:r>
+            <a:endParaRPr lang="nb-NO" sz="1600" dirty="0"/>
+          </a:p>
+          <a:p>
+            <a:r>
+              <a:rPr lang="nb-NO" sz="2000" dirty="0" err="1"/>
+              <a:t>Also</a:t>
             </a:r>
             <a:r>
               <a:rPr lang="nb-NO" sz="2000" dirty="0"/>
@@ -11053,59 +10950,27 @@
             </a:r>
             <a:r>
               <a:rPr lang="nb-NO" sz="2000" dirty="0" err="1"/>
-              <a:t>weights</a:t>
-            </a:r>
-            <a:r>
-              <a:rPr lang="nb-NO" sz="2000" dirty="0"/>
-              <a:t> </a:t>
-            </a:r>
-            <a:r>
-              <a:rPr lang="nb-NO" sz="2000" dirty="0" err="1"/>
-              <a:t>may</a:t>
-            </a:r>
-            <a:r>
-              <a:rPr lang="nb-NO" sz="2000" dirty="0"/>
-              <a:t> be </a:t>
-            </a:r>
-            <a:r>
-              <a:rPr lang="nb-NO" sz="2000" dirty="0" err="1"/>
-              <a:t>initiated</a:t>
-            </a:r>
-            <a:r>
-              <a:rPr lang="nb-NO" sz="2000" dirty="0"/>
-              <a:t> 1. </a:t>
-            </a:r>
-            <a:r>
-              <a:rPr lang="nb-NO" sz="2000" dirty="0" err="1"/>
-              <a:t>Randomly</a:t>
-            </a:r>
-            <a:r>
-              <a:rPr lang="nb-NO" sz="2000" dirty="0"/>
-              <a:t>, 2. Using </a:t>
-            </a:r>
-            <a:r>
-              <a:rPr lang="nb-NO" sz="2000" dirty="0" err="1"/>
-              <a:t>feature</a:t>
-            </a:r>
-            <a:r>
-              <a:rPr lang="nb-NO" sz="2000" dirty="0"/>
-              <a:t> </a:t>
-            </a:r>
-            <a:r>
-              <a:rPr lang="nb-NO" sz="2000" dirty="0" err="1"/>
-              <a:t>extraction</a:t>
-            </a:r>
-            <a:r>
-              <a:rPr lang="nb-NO" sz="2000" dirty="0"/>
-              <a:t> </a:t>
-            </a:r>
-            <a:r>
-              <a:rPr lang="nb-NO" sz="2000" dirty="0" err="1"/>
-              <a:t>module</a:t>
-            </a:r>
-            <a:r>
-              <a:rPr lang="nb-NO" sz="2000" dirty="0"/>
-              <a:t> from </a:t>
+              <a:t>predicted</a:t>
+            </a:r>
+            <a:r>
+              <a:rPr lang="nb-NO" sz="2000" dirty="0"/>
+              <a:t> </a:t>
+            </a:r>
+            <a:r>
+              <a:rPr lang="nb-NO" sz="2000" dirty="0" err="1"/>
+              <a:t>values</a:t>
+            </a:r>
+            <a:r>
+              <a:rPr lang="nb-NO" sz="2000" dirty="0"/>
+              <a:t> </a:t>
+            </a:r>
+            <a:r>
+              <a:rPr lang="nb-NO" sz="2000" dirty="0" err="1"/>
+              <a:t>vs</a:t>
+            </a:r>
+            <a:r>
+              <a:rPr lang="nb-NO" sz="2000" dirty="0"/>
+              <a:t> </a:t>
             </a:r>
             <a:r>
               <a:rPr lang="nb-NO" sz="2000" dirty="0" err="1"/>
@@ -11113,37 +10978,31 @@
             </a:r>
             <a:r>
               <a:rPr lang="nb-NO" sz="2000" dirty="0"/>
-              <a:t> </a:t>
-            </a:r>
-            <a:r>
-              <a:rPr lang="nb-NO" sz="2000" dirty="0" err="1"/>
-              <a:t>other</a:t>
-            </a:r>
-            <a:r>
-              <a:rPr lang="nb-NO" sz="2000" dirty="0"/>
-              <a:t> best </a:t>
-            </a:r>
-            <a:r>
-              <a:rPr lang="nb-NO" sz="2000" dirty="0" err="1"/>
-              <a:t>performing</a:t>
-            </a:r>
-            <a:r>
-              <a:rPr lang="nb-NO" sz="2000" dirty="0"/>
-              <a:t> </a:t>
-            </a:r>
-            <a:r>
-              <a:rPr lang="nb-NO" sz="2000" dirty="0" err="1"/>
-              <a:t>models</a:t>
-            </a:r>
-            <a:r>
-              <a:rPr lang="nb-NO" sz="2000" dirty="0"/>
-              <a:t>. </a:t>
-            </a:r>
-          </a:p>
-          <a:p>
-            <a:r>
-              <a:rPr lang="nb-NO" sz="2000" dirty="0"/>
-              <a:t>If </a:t>
+              <a:t> true </a:t>
+            </a:r>
+            <a:r>
+              <a:rPr lang="nb-NO" sz="2000" dirty="0" err="1"/>
+              <a:t>values</a:t>
+            </a:r>
+            <a:r>
+              <a:rPr lang="nb-NO" sz="2000" dirty="0"/>
+              <a:t>, </a:t>
+            </a:r>
+            <a:r>
+              <a:rPr lang="nb-NO" sz="2000" dirty="0" err="1"/>
+              <a:t>maybe</a:t>
+            </a:r>
+            <a:r>
+              <a:rPr lang="nb-NO" sz="2000" dirty="0"/>
+              <a:t> </a:t>
+            </a:r>
+            <a:r>
+              <a:rPr lang="nb-NO" sz="2000" dirty="0" err="1"/>
+              <a:t>displaying</a:t>
+            </a:r>
+            <a:r>
+              <a:rPr lang="nb-NO" sz="2000" dirty="0"/>
+              <a:t> </a:t>
             </a:r>
             <a:r>
               <a:rPr lang="nb-NO" sz="2000" dirty="0" err="1"/>
@@ -11155,6 +11014,105 @@
             </a:r>
             <a:r>
               <a:rPr lang="nb-NO" sz="2000" dirty="0" err="1"/>
+              <a:t>prediction</a:t>
+            </a:r>
+            <a:r>
+              <a:rPr lang="nb-NO" sz="2000" dirty="0"/>
+              <a:t> </a:t>
+            </a:r>
+            <a:r>
+              <a:rPr lang="nb-NO" sz="2000" dirty="0" err="1"/>
+              <a:t>error</a:t>
+            </a:r>
+            <a:endParaRPr lang="nb-NO" sz="2000" dirty="0"/>
+          </a:p>
+          <a:p>
+            <a:r>
+              <a:rPr lang="nb-NO" sz="2000" dirty="0"/>
+              <a:t>Using </a:t>
+            </a:r>
+            <a:r>
+              <a:rPr lang="nb-NO" sz="2000" dirty="0" err="1"/>
+              <a:t>the</a:t>
+            </a:r>
+            <a:r>
+              <a:rPr lang="nb-NO" sz="2000" dirty="0"/>
+              <a:t> </a:t>
+            </a:r>
+            <a:r>
+              <a:rPr lang="nb-NO" sz="2000" b="1" dirty="0" err="1"/>
+              <a:t>acoustic</a:t>
+            </a:r>
+            <a:r>
+              <a:rPr lang="nb-NO" sz="2000" b="1" dirty="0"/>
+              <a:t> </a:t>
+            </a:r>
+            <a:r>
+              <a:rPr lang="nb-NO" sz="2000" b="1" dirty="0" err="1"/>
+              <a:t>impedance</a:t>
+            </a:r>
+            <a:r>
+              <a:rPr lang="nb-NO" sz="2000" dirty="0"/>
+              <a:t>, it is </a:t>
+            </a:r>
+            <a:r>
+              <a:rPr lang="nb-NO" sz="2000" dirty="0" err="1"/>
+              <a:t>possible</a:t>
+            </a:r>
+            <a:r>
+              <a:rPr lang="nb-NO" sz="2000" dirty="0"/>
+              <a:t> to </a:t>
+            </a:r>
+            <a:r>
+              <a:rPr lang="nb-NO" sz="2000" dirty="0" err="1"/>
+              <a:t>get</a:t>
+            </a:r>
+            <a:r>
+              <a:rPr lang="nb-NO" sz="2000" dirty="0"/>
+              <a:t> a </a:t>
+            </a:r>
+            <a:r>
+              <a:rPr lang="nb-NO" sz="2000" dirty="0" err="1"/>
+              <a:t>overlay</a:t>
+            </a:r>
+            <a:r>
+              <a:rPr lang="nb-NO" sz="2000" dirty="0"/>
+              <a:t> heat </a:t>
+            </a:r>
+            <a:r>
+              <a:rPr lang="nb-NO" sz="2000" dirty="0" err="1"/>
+              <a:t>map</a:t>
+            </a:r>
+            <a:r>
+              <a:rPr lang="nb-NO" sz="2000" dirty="0"/>
+              <a:t>, </a:t>
+            </a:r>
+            <a:r>
+              <a:rPr lang="nb-NO" sz="2000" dirty="0" err="1"/>
+              <a:t>which</a:t>
+            </a:r>
+            <a:r>
+              <a:rPr lang="nb-NO" sz="2000" dirty="0"/>
+              <a:t> displays </a:t>
+            </a:r>
+            <a:r>
+              <a:rPr lang="nb-NO" sz="2000" dirty="0" err="1"/>
+              <a:t>what</a:t>
+            </a:r>
+            <a:r>
+              <a:rPr lang="nb-NO" sz="2000" dirty="0"/>
+              <a:t> areas </a:t>
+            </a:r>
+            <a:r>
+              <a:rPr lang="nb-NO" sz="2000" dirty="0" err="1"/>
+              <a:t>the</a:t>
+            </a:r>
+            <a:r>
+              <a:rPr lang="nb-NO" sz="2000" dirty="0"/>
+              <a:t> </a:t>
+            </a:r>
+            <a:r>
+              <a:rPr lang="nb-NO" sz="2000" dirty="0" err="1"/>
               <a:t>model</a:t>
             </a:r>
             <a:r>
@@ -11163,67 +11121,19 @@
             </a:r>
             <a:r>
               <a:rPr lang="nb-NO" sz="2000" dirty="0" err="1"/>
-              <a:t>then</a:t>
-            </a:r>
-            <a:r>
-              <a:rPr lang="nb-NO" sz="2000" dirty="0"/>
-              <a:t> </a:t>
-            </a:r>
-            <a:r>
-              <a:rPr lang="nb-NO" sz="2000" dirty="0" err="1"/>
-              <a:t>performs</a:t>
-            </a:r>
-            <a:r>
-              <a:rPr lang="nb-NO" sz="2000" dirty="0"/>
-              <a:t> </a:t>
-            </a:r>
-            <a:r>
-              <a:rPr lang="nb-NO" sz="2000" dirty="0" err="1"/>
-              <a:t>even</a:t>
-            </a:r>
-            <a:r>
-              <a:rPr lang="nb-NO" sz="2000" dirty="0"/>
-              <a:t> </a:t>
-            </a:r>
-            <a:r>
-              <a:rPr lang="nb-NO" sz="2000" dirty="0" err="1"/>
-              <a:t>better</a:t>
-            </a:r>
-            <a:r>
-              <a:rPr lang="nb-NO" sz="2000" dirty="0"/>
-              <a:t>, It </a:t>
-            </a:r>
-            <a:r>
-              <a:rPr lang="nb-NO" sz="2000" dirty="0" err="1"/>
-              <a:t>will</a:t>
-            </a:r>
-            <a:r>
-              <a:rPr lang="nb-NO" sz="2000" dirty="0"/>
-              <a:t> </a:t>
-            </a:r>
-            <a:r>
-              <a:rPr lang="nb-NO" sz="2000" dirty="0" err="1"/>
-              <a:t>replace</a:t>
-            </a:r>
-            <a:r>
-              <a:rPr lang="nb-NO" sz="2000" dirty="0"/>
-              <a:t> </a:t>
-            </a:r>
-            <a:r>
-              <a:rPr lang="nb-NO" sz="2000" dirty="0" err="1"/>
-              <a:t>one</a:t>
-            </a:r>
-            <a:r>
-              <a:rPr lang="nb-NO" sz="2000" dirty="0"/>
-              <a:t> </a:t>
-            </a:r>
-            <a:r>
-              <a:rPr lang="nb-NO" sz="2000" dirty="0" err="1"/>
-              <a:t>of</a:t>
-            </a:r>
-            <a:r>
-              <a:rPr lang="nb-NO" sz="2000" dirty="0"/>
-              <a:t> </a:t>
+              <a:t>encounters</a:t>
+            </a:r>
+            <a:r>
+              <a:rPr lang="nb-NO" sz="2000" dirty="0"/>
+              <a:t> </a:t>
+            </a:r>
+            <a:r>
+              <a:rPr lang="nb-NO" sz="2000" dirty="0" err="1"/>
+              <a:t>issues</a:t>
+            </a:r>
+            <a:r>
+              <a:rPr lang="nb-NO" sz="2000" dirty="0"/>
+              <a:t> in </a:t>
             </a:r>
             <a:r>
               <a:rPr lang="nb-NO" sz="2000" dirty="0" err="1"/>
@@ -11231,54 +11141,46 @@
             </a:r>
             <a:r>
               <a:rPr lang="nb-NO" sz="2000" dirty="0"/>
-              <a:t> </a:t>
-            </a:r>
-            <a:r>
-              <a:rPr lang="nb-NO" sz="2000" dirty="0" err="1"/>
-              <a:t>others</a:t>
-            </a:r>
-            <a:r>
-              <a:rPr lang="nb-NO" sz="2000" dirty="0"/>
-              <a:t> </a:t>
-            </a:r>
-            <a:r>
-              <a:rPr lang="nb-NO" sz="2000" dirty="0" err="1"/>
-              <a:t>on</a:t>
-            </a:r>
-            <a:r>
-              <a:rPr lang="nb-NO" sz="2000" dirty="0"/>
-              <a:t> </a:t>
-            </a:r>
-            <a:r>
-              <a:rPr lang="nb-NO" sz="2000" dirty="0" err="1"/>
+              <a:t> most</a:t>
+            </a:r>
+          </a:p>
+          <a:p>
+            <a:pPr lvl="1"/>
+            <a:r>
+              <a:rPr lang="nb-NO" sz="1600" dirty="0" err="1"/>
+              <a:t>Can</a:t>
+            </a:r>
+            <a:r>
+              <a:rPr lang="nb-NO" sz="1600" dirty="0"/>
+              <a:t> </a:t>
+            </a:r>
+            <a:r>
+              <a:rPr lang="nb-NO" sz="1600" dirty="0" err="1"/>
+              <a:t>see</a:t>
+            </a:r>
+            <a:r>
+              <a:rPr lang="nb-NO" sz="1600" dirty="0"/>
+              <a:t> </a:t>
+            </a:r>
+            <a:r>
+              <a:rPr lang="nb-NO" sz="1600" dirty="0" err="1"/>
+              <a:t>if</a:t>
+            </a:r>
+            <a:r>
+              <a:rPr lang="nb-NO" sz="1600" dirty="0"/>
+              <a:t> </a:t>
+            </a:r>
+            <a:r>
+              <a:rPr lang="nb-NO" sz="1600" dirty="0" err="1"/>
               <a:t>the</a:t>
             </a:r>
             <a:r>
-              <a:rPr lang="nb-NO" sz="2000" dirty="0"/>
-              <a:t> </a:t>
-            </a:r>
-            <a:r>
-              <a:rPr lang="nb-NO" sz="2000" dirty="0" err="1"/>
-              <a:t>top</a:t>
-            </a:r>
-            <a:r>
-              <a:rPr lang="nb-NO" sz="2000" dirty="0"/>
-              <a:t> </a:t>
-            </a:r>
-            <a:r>
-              <a:rPr lang="nb-NO" sz="2000" dirty="0" err="1"/>
-              <a:t>three</a:t>
-            </a:r>
-            <a:r>
-              <a:rPr lang="nb-NO" sz="2000" dirty="0"/>
-              <a:t> list</a:t>
-            </a:r>
-          </a:p>
-          <a:p>
-            <a:pPr lvl="1"/>
+              <a:rPr lang="nb-NO" sz="1600" dirty="0"/>
+              <a:t> same </a:t>
+            </a:r>
             <a:r>
               <a:rPr lang="nb-NO" sz="1600" dirty="0" err="1"/>
-              <a:t>Overfitting</a:t>
+              <a:t>thing</a:t>
             </a:r>
             <a:r>
               <a:rPr lang="nb-NO" sz="1600" dirty="0"/>
@@ -11286,15 +11188,7 @@
             </a:r>
             <a:r>
               <a:rPr lang="nb-NO" sz="1600" dirty="0" err="1"/>
-              <a:t>may</a:t>
-            </a:r>
-            <a:r>
-              <a:rPr lang="nb-NO" sz="1600" dirty="0"/>
-              <a:t> be an </a:t>
-            </a:r>
-            <a:r>
-              <a:rPr lang="nb-NO" sz="1600" dirty="0" err="1"/>
-              <a:t>issue</a:t>
+              <a:t>appear</a:t>
             </a:r>
             <a:r>
               <a:rPr lang="nb-NO" sz="1600" dirty="0"/>
@@ -11306,99 +11200,764 @@
             </a:r>
             <a:r>
               <a:rPr lang="nb-NO" sz="1600" dirty="0"/>
-              <a:t> </a:t>
+              <a:t> a different </a:t>
             </a:r>
             <a:r>
               <a:rPr lang="nb-NO" sz="1600" dirty="0" err="1"/>
-              <a:t>this</a:t>
-            </a:r>
-            <a:endParaRPr lang="nb-NO" sz="1600" dirty="0"/>
-          </a:p>
-          <a:p>
-            <a:r>
-              <a:rPr lang="nb-NO" sz="2000" dirty="0" err="1"/>
-              <a:t>Another</a:t>
-            </a:r>
-            <a:r>
-              <a:rPr lang="nb-NO" sz="2000" dirty="0"/>
-              <a:t> </a:t>
-            </a:r>
-            <a:r>
-              <a:rPr lang="nb-NO" sz="2000" dirty="0" err="1"/>
-              <a:t>option</a:t>
-            </a:r>
-            <a:r>
-              <a:rPr lang="nb-NO" sz="2000" dirty="0"/>
-              <a:t>: Using </a:t>
-            </a:r>
-            <a:r>
-              <a:rPr lang="nb-NO" sz="2000" dirty="0" err="1"/>
-              <a:t>monte</a:t>
-            </a:r>
-            <a:r>
-              <a:rPr lang="nb-NO" sz="2000" dirty="0"/>
-              <a:t> </a:t>
-            </a:r>
-            <a:r>
-              <a:rPr lang="nb-NO" sz="2000" dirty="0" err="1"/>
-              <a:t>carlo</a:t>
-            </a:r>
-            <a:r>
-              <a:rPr lang="nb-NO" sz="2000" dirty="0"/>
-              <a:t> </a:t>
-            </a:r>
-            <a:r>
-              <a:rPr lang="nb-NO" sz="2000" dirty="0" err="1"/>
-              <a:t>tree</a:t>
-            </a:r>
-            <a:r>
-              <a:rPr lang="nb-NO" sz="2000" dirty="0"/>
-              <a:t> </a:t>
-            </a:r>
-            <a:r>
-              <a:rPr lang="nb-NO" sz="2000" dirty="0" err="1"/>
-              <a:t>search</a:t>
-            </a:r>
-            <a:r>
-              <a:rPr lang="nb-NO" sz="2000" dirty="0"/>
-              <a:t> </a:t>
-            </a:r>
-            <a:r>
-              <a:rPr lang="nb-NO" sz="2000" dirty="0" err="1"/>
-              <a:t>based</a:t>
-            </a:r>
-            <a:r>
-              <a:rPr lang="nb-NO" sz="2000" dirty="0"/>
-              <a:t> </a:t>
-            </a:r>
-            <a:r>
-              <a:rPr lang="nb-NO" sz="2000" dirty="0" err="1"/>
-              <a:t>on</a:t>
-            </a:r>
-            <a:r>
-              <a:rPr lang="nb-NO" sz="2000" dirty="0"/>
-              <a:t> all </a:t>
-            </a:r>
-            <a:r>
-              <a:rPr lang="nb-NO" sz="2000" dirty="0" err="1"/>
-              <a:t>other</a:t>
-            </a:r>
-            <a:r>
-              <a:rPr lang="nb-NO" sz="2000" dirty="0"/>
-              <a:t> </a:t>
-            </a:r>
-            <a:r>
-              <a:rPr lang="nb-NO" sz="2000" dirty="0" err="1"/>
-              <a:t>models</a:t>
-            </a:r>
-            <a:endParaRPr lang="en-GB" sz="2000" dirty="0"/>
+              <a:t>noise</a:t>
+            </a:r>
+            <a:r>
+              <a:rPr lang="nb-NO" sz="1600" dirty="0"/>
+              <a:t> </a:t>
+            </a:r>
+            <a:r>
+              <a:rPr lang="nb-NO" sz="1600" dirty="0" err="1"/>
+              <a:t>profile</a:t>
+            </a:r>
+            <a:r>
+              <a:rPr lang="nb-NO" sz="1600" dirty="0"/>
+              <a:t> or </a:t>
+            </a:r>
+            <a:r>
+              <a:rPr lang="nb-NO" sz="1600" dirty="0" err="1"/>
+              <a:t>denoising</a:t>
+            </a:r>
+            <a:endParaRPr lang="en-GB" sz="1600" dirty="0"/>
           </a:p>
         </p:txBody>
       </p:sp>
     </p:spTree>
     <p:extLst>
       <p:ext uri="{BB962C8B-B14F-4D97-AF65-F5344CB8AC3E}">
-        <p14:creationId xmlns:p14="http://schemas.microsoft.com/office/powerpoint/2010/main" val="2547130915"/>
+        <p14:creationId xmlns:p14="http://schemas.microsoft.com/office/powerpoint/2010/main" val="1499140138"/>
+      </p:ext>
+    </p:extLst>
+  </p:cSld>
+  <p:clrMapOvr>
+    <a:masterClrMapping/>
+  </p:clrMapOvr>
+</p:sld>
+</file>
+
+<file path=ppt/slides/slide9.xml><?xml version="1.0" encoding="utf-8"?>
+<p:sld xmlns:a="http://schemas.openxmlformats.org/drawingml/2006/main" xmlns:r="http://schemas.openxmlformats.org/officeDocument/2006/relationships" xmlns:p="http://schemas.openxmlformats.org/presentationml/2006/main">
+  <p:cSld>
+    <p:bg>
+      <p:bgPr>
+        <a:solidFill>
+          <a:schemeClr val="bg1"/>
+        </a:solidFill>
+        <a:effectLst/>
+      </p:bgPr>
+    </p:bg>
+    <p:spTree>
+      <p:nvGrpSpPr>
+        <p:cNvPr id="1" name=""/>
+        <p:cNvGrpSpPr/>
+        <p:nvPr/>
+      </p:nvGrpSpPr>
+      <p:grpSpPr>
+        <a:xfrm>
+          <a:off x="0" y="0"/>
+          <a:ext cx="0" cy="0"/>
+          <a:chOff x="0" y="0"/>
+          <a:chExt cx="0" cy="0"/>
+        </a:xfrm>
+      </p:grpSpPr>
+      <p:sp useBgFill="1">
+        <p:nvSpPr>
+          <p:cNvPr id="8" name="Rectangle 7">
+            <a:extLst>
+              <a:ext uri="{FF2B5EF4-FFF2-40B4-BE49-F238E27FC236}">
+                <a16:creationId xmlns:a16="http://schemas.microsoft.com/office/drawing/2014/main" id="{1B15ED52-F352-441B-82BF-E0EA34836D08}"/>
+              </a:ext>
+              <a:ext uri="{C183D7F6-B498-43B3-948B-1728B52AA6E4}">
+                <adec:decorative xmlns:adec="http://schemas.microsoft.com/office/drawing/2017/decorative" val="1"/>
+              </a:ext>
+            </a:extLst>
+          </p:cNvPr>
+          <p:cNvSpPr>
+            <a:spLocks noGrp="1" noRot="1" noChangeAspect="1" noMove="1" noResize="1" noEditPoints="1" noAdjustHandles="1" noChangeArrowheads="1" noChangeShapeType="1" noTextEdit="1"/>
+          </p:cNvSpPr>
+          <p:nvPr>
+            <p:extLst>
+              <p:ext uri="{386F3935-93C4-4BCD-93E2-E3B085C9AB24}">
+                <p16:designElem xmlns:p16="http://schemas.microsoft.com/office/powerpoint/2015/main" val="1"/>
+              </p:ext>
+            </p:extLst>
+          </p:nvPr>
+        </p:nvSpPr>
+        <p:spPr>
+          <a:xfrm>
+            <a:off x="0" y="0"/>
+            <a:ext cx="12192000" cy="6858000"/>
+          </a:xfrm>
+          <a:prstGeom prst="rect">
+            <a:avLst/>
+          </a:prstGeom>
+          <a:ln w="12700" cap="flat" cmpd="sng" algn="ctr">
+            <a:noFill/>
+            <a:prstDash val="solid"/>
+            <a:miter lim="800000"/>
+          </a:ln>
+          <a:effectLst/>
+          <a:extLst>
+            <a:ext uri="{91240B29-F687-4F45-9708-019B960494DF}">
+              <a14:hiddenLine xmlns:a14="http://schemas.microsoft.com/office/drawing/2010/main" w="12700" cap="flat" cmpd="sng" algn="ctr">
+                <a:solidFill>
+                  <a:schemeClr val="accent1">
+                    <a:shade val="50000"/>
+                  </a:schemeClr>
+                </a:solidFill>
+                <a:prstDash val="solid"/>
+                <a:miter lim="800000"/>
+              </a14:hiddenLine>
+            </a:ext>
+          </a:extLst>
+        </p:spPr>
+        <p:style>
+          <a:lnRef idx="2">
+            <a:schemeClr val="accent1">
+              <a:shade val="50000"/>
+            </a:schemeClr>
+          </a:lnRef>
+          <a:fillRef idx="1">
+            <a:schemeClr val="accent1"/>
+          </a:fillRef>
+          <a:effectRef idx="0">
+            <a:schemeClr val="accent1"/>
+          </a:effectRef>
+          <a:fontRef idx="minor">
+            <a:schemeClr val="lt1"/>
+          </a:fontRef>
+        </p:style>
+        <p:txBody>
+          <a:bodyPr rtlCol="0" anchor="ctr"/>
+          <a:lstStyle/>
+          <a:p>
+            <a:pPr algn="ctr"/>
+            <a:endParaRPr lang="en-US"/>
+          </a:p>
+        </p:txBody>
+      </p:sp>
+      <p:sp>
+        <p:nvSpPr>
+          <p:cNvPr id="10" name="Rectangle 9">
+            <a:extLst>
+              <a:ext uri="{FF2B5EF4-FFF2-40B4-BE49-F238E27FC236}">
+                <a16:creationId xmlns:a16="http://schemas.microsoft.com/office/drawing/2014/main" id="{3B2E3793-BFE6-45A2-9B7B-E18844431C99}"/>
+              </a:ext>
+              <a:ext uri="{C183D7F6-B498-43B3-948B-1728B52AA6E4}">
+                <adec:decorative xmlns:adec="http://schemas.microsoft.com/office/drawing/2017/decorative" val="1"/>
+              </a:ext>
+            </a:extLst>
+          </p:cNvPr>
+          <p:cNvSpPr>
+            <a:spLocks noGrp="1" noRot="1" noChangeAspect="1" noMove="1" noResize="1" noEditPoints="1" noAdjustHandles="1" noChangeArrowheads="1" noChangeShapeType="1" noTextEdit="1"/>
+          </p:cNvSpPr>
+          <p:nvPr>
+            <p:extLst>
+              <p:ext uri="{386F3935-93C4-4BCD-93E2-E3B085C9AB24}">
+                <p16:designElem xmlns:p16="http://schemas.microsoft.com/office/powerpoint/2015/main" val="1"/>
+              </p:ext>
+            </p:extLst>
+          </p:nvPr>
+        </p:nvSpPr>
+        <p:spPr>
+          <a:xfrm flipH="1">
+            <a:off x="-1" y="-1"/>
+            <a:ext cx="12191998" cy="1590742"/>
+          </a:xfrm>
+          <a:prstGeom prst="rect">
+            <a:avLst/>
+          </a:prstGeom>
+          <a:gradFill>
+            <a:gsLst>
+              <a:gs pos="0">
+                <a:srgbClr val="000000"/>
+              </a:gs>
+              <a:gs pos="100000">
+                <a:schemeClr val="accent1">
+                  <a:lumMod val="75000"/>
+                </a:schemeClr>
+              </a:gs>
+            </a:gsLst>
+            <a:lin ang="8400000" scaled="0"/>
+          </a:gradFill>
+          <a:ln>
+            <a:noFill/>
+          </a:ln>
+        </p:spPr>
+        <p:style>
+          <a:lnRef idx="2">
+            <a:schemeClr val="accent1">
+              <a:shade val="50000"/>
+            </a:schemeClr>
+          </a:lnRef>
+          <a:fillRef idx="1">
+            <a:schemeClr val="accent1"/>
+          </a:fillRef>
+          <a:effectRef idx="0">
+            <a:schemeClr val="accent1"/>
+          </a:effectRef>
+          <a:fontRef idx="minor">
+            <a:schemeClr val="lt1"/>
+          </a:fontRef>
+        </p:style>
+        <p:txBody>
+          <a:bodyPr rtlCol="0" anchor="ctr"/>
+          <a:lstStyle/>
+          <a:p>
+            <a:pPr algn="ctr"/>
+            <a:endParaRPr lang="en-US"/>
+          </a:p>
+        </p:txBody>
+      </p:sp>
+      <p:sp>
+        <p:nvSpPr>
+          <p:cNvPr id="12" name="Rectangle 11">
+            <a:extLst>
+              <a:ext uri="{FF2B5EF4-FFF2-40B4-BE49-F238E27FC236}">
+                <a16:creationId xmlns:a16="http://schemas.microsoft.com/office/drawing/2014/main" id="{BC4C4868-CB8F-4AF9-9CDB-8108F2C19B67}"/>
+              </a:ext>
+              <a:ext uri="{C183D7F6-B498-43B3-948B-1728B52AA6E4}">
+                <adec:decorative xmlns:adec="http://schemas.microsoft.com/office/drawing/2017/decorative" val="1"/>
+              </a:ext>
+            </a:extLst>
+          </p:cNvPr>
+          <p:cNvSpPr>
+            <a:spLocks noGrp="1" noRot="1" noChangeAspect="1" noMove="1" noResize="1" noEditPoints="1" noAdjustHandles="1" noChangeArrowheads="1" noChangeShapeType="1" noTextEdit="1"/>
+          </p:cNvSpPr>
+          <p:nvPr>
+            <p:extLst>
+              <p:ext uri="{386F3935-93C4-4BCD-93E2-E3B085C9AB24}">
+                <p16:designElem xmlns:p16="http://schemas.microsoft.com/office/powerpoint/2015/main" val="1"/>
+              </p:ext>
+            </p:extLst>
+          </p:nvPr>
+        </p:nvSpPr>
+        <p:spPr>
+          <a:xfrm rot="10800000" flipH="1">
+            <a:off x="-3" y="0"/>
+            <a:ext cx="8115306" cy="1590742"/>
+          </a:xfrm>
+          <a:prstGeom prst="rect">
+            <a:avLst/>
+          </a:prstGeom>
+          <a:gradFill>
+            <a:gsLst>
+              <a:gs pos="20000">
+                <a:schemeClr val="accent1">
+                  <a:alpha val="0"/>
+                </a:schemeClr>
+              </a:gs>
+              <a:gs pos="100000">
+                <a:schemeClr val="accent1">
+                  <a:lumMod val="50000"/>
+                  <a:alpha val="55000"/>
+                </a:schemeClr>
+              </a:gs>
+            </a:gsLst>
+            <a:lin ang="13800000" scaled="0"/>
+          </a:gradFill>
+          <a:ln>
+            <a:noFill/>
+          </a:ln>
+        </p:spPr>
+        <p:style>
+          <a:lnRef idx="2">
+            <a:schemeClr val="accent1">
+              <a:shade val="50000"/>
+            </a:schemeClr>
+          </a:lnRef>
+          <a:fillRef idx="1">
+            <a:schemeClr val="accent1"/>
+          </a:fillRef>
+          <a:effectRef idx="0">
+            <a:schemeClr val="accent1"/>
+          </a:effectRef>
+          <a:fontRef idx="minor">
+            <a:schemeClr val="lt1"/>
+          </a:fontRef>
+        </p:style>
+        <p:txBody>
+          <a:bodyPr rtlCol="0" anchor="ctr"/>
+          <a:lstStyle/>
+          <a:p>
+            <a:pPr algn="ctr"/>
+            <a:endParaRPr lang="en-US"/>
+          </a:p>
+        </p:txBody>
+      </p:sp>
+      <p:sp>
+        <p:nvSpPr>
+          <p:cNvPr id="14" name="Rectangle 13">
+            <a:extLst>
+              <a:ext uri="{FF2B5EF4-FFF2-40B4-BE49-F238E27FC236}">
+                <a16:creationId xmlns:a16="http://schemas.microsoft.com/office/drawing/2014/main" id="{375E0459-6403-40CD-989D-56A4407CA12E}"/>
+              </a:ext>
+              <a:ext uri="{C183D7F6-B498-43B3-948B-1728B52AA6E4}">
+                <adec:decorative xmlns:adec="http://schemas.microsoft.com/office/drawing/2017/decorative" val="1"/>
+              </a:ext>
+            </a:extLst>
+          </p:cNvPr>
+          <p:cNvSpPr>
+            <a:spLocks noGrp="1" noRot="1" noChangeAspect="1" noMove="1" noResize="1" noEditPoints="1" noAdjustHandles="1" noChangeArrowheads="1" noChangeShapeType="1" noTextEdit="1"/>
+          </p:cNvSpPr>
+          <p:nvPr>
+            <p:extLst>
+              <p:ext uri="{386F3935-93C4-4BCD-93E2-E3B085C9AB24}">
+                <p16:designElem xmlns:p16="http://schemas.microsoft.com/office/powerpoint/2015/main" val="1"/>
+              </p:ext>
+            </p:extLst>
+          </p:nvPr>
+        </p:nvSpPr>
+        <p:spPr>
+          <a:xfrm flipH="1">
+            <a:off x="8115299" y="-1"/>
+            <a:ext cx="4076698" cy="1590742"/>
+          </a:xfrm>
+          <a:prstGeom prst="rect">
+            <a:avLst/>
+          </a:prstGeom>
+          <a:gradFill>
+            <a:gsLst>
+              <a:gs pos="0">
+                <a:schemeClr val="accent1">
+                  <a:alpha val="66000"/>
+                </a:schemeClr>
+              </a:gs>
+              <a:gs pos="100000">
+                <a:srgbClr val="000000">
+                  <a:alpha val="30000"/>
+                </a:srgbClr>
+              </a:gs>
+            </a:gsLst>
+            <a:lin ang="13200000" scaled="0"/>
+          </a:gradFill>
+          <a:ln>
+            <a:noFill/>
+          </a:ln>
+        </p:spPr>
+        <p:style>
+          <a:lnRef idx="2">
+            <a:schemeClr val="accent1">
+              <a:shade val="50000"/>
+            </a:schemeClr>
+          </a:lnRef>
+          <a:fillRef idx="1">
+            <a:schemeClr val="accent1"/>
+          </a:fillRef>
+          <a:effectRef idx="0">
+            <a:schemeClr val="accent1"/>
+          </a:effectRef>
+          <a:fontRef idx="minor">
+            <a:schemeClr val="lt1"/>
+          </a:fontRef>
+        </p:style>
+        <p:txBody>
+          <a:bodyPr rtlCol="0" anchor="ctr"/>
+          <a:lstStyle/>
+          <a:p>
+            <a:pPr algn="ctr"/>
+            <a:endParaRPr lang="en-US"/>
+          </a:p>
+        </p:txBody>
+      </p:sp>
+      <p:sp>
+        <p:nvSpPr>
+          <p:cNvPr id="16" name="Rectangle 15">
+            <a:extLst>
+              <a:ext uri="{FF2B5EF4-FFF2-40B4-BE49-F238E27FC236}">
+                <a16:creationId xmlns:a16="http://schemas.microsoft.com/office/drawing/2014/main" id="{53E5B1A8-3AC9-4BD1-9BBC-78CA94F2D1BA}"/>
+              </a:ext>
+              <a:ext uri="{C183D7F6-B498-43B3-948B-1728B52AA6E4}">
+                <adec:decorative xmlns:adec="http://schemas.microsoft.com/office/drawing/2017/decorative" val="1"/>
+              </a:ext>
+            </a:extLst>
+          </p:cNvPr>
+          <p:cNvSpPr>
+            <a:spLocks noGrp="1" noRot="1" noChangeAspect="1" noMove="1" noResize="1" noEditPoints="1" noAdjustHandles="1" noChangeArrowheads="1" noChangeShapeType="1" noTextEdit="1"/>
+          </p:cNvSpPr>
+          <p:nvPr>
+            <p:extLst>
+              <p:ext uri="{386F3935-93C4-4BCD-93E2-E3B085C9AB24}">
+                <p16:designElem xmlns:p16="http://schemas.microsoft.com/office/powerpoint/2015/main" val="1"/>
+              </p:ext>
+            </p:extLst>
+          </p:nvPr>
+        </p:nvSpPr>
+        <p:spPr>
+          <a:xfrm>
+            <a:off x="459350" y="-1"/>
+            <a:ext cx="11732646" cy="1597433"/>
+          </a:xfrm>
+          <a:prstGeom prst="rect">
+            <a:avLst/>
+          </a:prstGeom>
+          <a:gradFill>
+            <a:gsLst>
+              <a:gs pos="50000">
+                <a:srgbClr val="000000">
+                  <a:alpha val="0"/>
+                </a:srgbClr>
+              </a:gs>
+              <a:gs pos="99000">
+                <a:schemeClr val="accent1">
+                  <a:lumMod val="50000"/>
+                  <a:alpha val="52000"/>
+                </a:schemeClr>
+              </a:gs>
+            </a:gsLst>
+            <a:lin ang="16800000" scaled="0"/>
+          </a:gradFill>
+          <a:ln>
+            <a:noFill/>
+          </a:ln>
+        </p:spPr>
+        <p:style>
+          <a:lnRef idx="2">
+            <a:schemeClr val="accent1">
+              <a:shade val="50000"/>
+            </a:schemeClr>
+          </a:lnRef>
+          <a:fillRef idx="1">
+            <a:schemeClr val="accent1"/>
+          </a:fillRef>
+          <a:effectRef idx="0">
+            <a:schemeClr val="accent1"/>
+          </a:effectRef>
+          <a:fontRef idx="minor">
+            <a:schemeClr val="lt1"/>
+          </a:fontRef>
+        </p:style>
+        <p:txBody>
+          <a:bodyPr rtlCol="0" anchor="ctr"/>
+          <a:lstStyle/>
+          <a:p>
+            <a:pPr algn="ctr"/>
+            <a:endParaRPr lang="en-US"/>
+          </a:p>
+        </p:txBody>
+      </p:sp>
+      <p:sp>
+        <p:nvSpPr>
+          <p:cNvPr id="2" name="Title 1">
+            <a:extLst>
+              <a:ext uri="{FF2B5EF4-FFF2-40B4-BE49-F238E27FC236}">
+                <a16:creationId xmlns:a16="http://schemas.microsoft.com/office/drawing/2014/main" id="{0EB96845-0AED-4642-B528-3A26E06CDD5B}"/>
+              </a:ext>
+            </a:extLst>
+          </p:cNvPr>
+          <p:cNvSpPr>
+            <a:spLocks noGrp="1"/>
+          </p:cNvSpPr>
+          <p:nvPr>
+            <p:ph type="title"/>
+          </p:nvPr>
+        </p:nvSpPr>
+        <p:spPr>
+          <a:xfrm>
+            <a:off x="1371599" y="294538"/>
+            <a:ext cx="9895951" cy="1033669"/>
+          </a:xfrm>
+        </p:spPr>
+        <p:txBody>
+          <a:bodyPr>
+            <a:normAutofit/>
+          </a:bodyPr>
+          <a:lstStyle/>
+          <a:p>
+            <a:r>
+              <a:rPr lang="nb-NO" sz="4000" dirty="0">
+                <a:solidFill>
+                  <a:srgbClr val="FFFFFF"/>
+                </a:solidFill>
+              </a:rPr>
+              <a:t>Storing </a:t>
+            </a:r>
+            <a:r>
+              <a:rPr lang="nb-NO" sz="4000" dirty="0" err="1">
+                <a:solidFill>
+                  <a:srgbClr val="FFFFFF"/>
+                </a:solidFill>
+              </a:rPr>
+              <a:t>the</a:t>
+            </a:r>
+            <a:r>
+              <a:rPr lang="nb-NO" sz="4000" dirty="0">
+                <a:solidFill>
+                  <a:srgbClr val="FFFFFF"/>
+                </a:solidFill>
+              </a:rPr>
+              <a:t> </a:t>
+            </a:r>
+            <a:r>
+              <a:rPr lang="nb-NO" sz="4000" dirty="0" err="1">
+                <a:solidFill>
+                  <a:srgbClr val="FFFFFF"/>
+                </a:solidFill>
+              </a:rPr>
+              <a:t>models</a:t>
+            </a:r>
+            <a:endParaRPr lang="en-GB" sz="4000" dirty="0">
+              <a:solidFill>
+                <a:srgbClr val="FFFFFF"/>
+              </a:solidFill>
+            </a:endParaRPr>
+          </a:p>
+        </p:txBody>
+      </p:sp>
+      <p:sp>
+        <p:nvSpPr>
+          <p:cNvPr id="3" name="Content Placeholder 2">
+            <a:extLst>
+              <a:ext uri="{FF2B5EF4-FFF2-40B4-BE49-F238E27FC236}">
+                <a16:creationId xmlns:a16="http://schemas.microsoft.com/office/drawing/2014/main" id="{5A97B76F-F51B-4F9E-BDE9-3E3C8D4AE33C}"/>
+              </a:ext>
+            </a:extLst>
+          </p:cNvPr>
+          <p:cNvSpPr>
+            <a:spLocks noGrp="1"/>
+          </p:cNvSpPr>
+          <p:nvPr>
+            <p:ph idx="1"/>
+          </p:nvPr>
+        </p:nvSpPr>
+        <p:spPr>
+          <a:xfrm>
+            <a:off x="1371599" y="2318197"/>
+            <a:ext cx="9724031" cy="3683358"/>
+          </a:xfrm>
+        </p:spPr>
+        <p:txBody>
+          <a:bodyPr anchor="ctr">
+            <a:normAutofit/>
+          </a:bodyPr>
+          <a:lstStyle/>
+          <a:p>
+            <a:r>
+              <a:rPr lang="nb-NO" sz="2000" dirty="0" err="1"/>
+              <a:t>Functions</a:t>
+            </a:r>
+            <a:r>
+              <a:rPr lang="nb-NO" sz="2000" dirty="0"/>
+              <a:t> for </a:t>
+            </a:r>
+            <a:r>
+              <a:rPr lang="nb-NO" sz="2000" dirty="0" err="1"/>
+              <a:t>this</a:t>
+            </a:r>
+            <a:r>
+              <a:rPr lang="nb-NO" sz="2000" dirty="0"/>
+              <a:t> is </a:t>
+            </a:r>
+            <a:r>
+              <a:rPr lang="nb-NO" sz="2000" dirty="0" err="1"/>
+              <a:t>located</a:t>
+            </a:r>
+            <a:r>
+              <a:rPr lang="nb-NO" sz="2000" dirty="0"/>
+              <a:t> in \Scripts\Log.py</a:t>
+            </a:r>
+          </a:p>
+          <a:p>
+            <a:r>
+              <a:rPr lang="nb-NO" sz="2000" dirty="0"/>
+              <a:t>Models </a:t>
+            </a:r>
+            <a:r>
+              <a:rPr lang="nb-NO" sz="2000" dirty="0" err="1"/>
+              <a:t>get</a:t>
+            </a:r>
+            <a:r>
+              <a:rPr lang="nb-NO" sz="2000" dirty="0"/>
+              <a:t> </a:t>
+            </a:r>
+            <a:r>
+              <a:rPr lang="nb-NO" sz="2000" dirty="0" err="1"/>
+              <a:t>stored</a:t>
+            </a:r>
+            <a:r>
+              <a:rPr lang="nb-NO" sz="2000" dirty="0"/>
+              <a:t> in </a:t>
+            </a:r>
+            <a:r>
+              <a:rPr lang="nb-NO" sz="2000" dirty="0" err="1"/>
+              <a:t>the</a:t>
+            </a:r>
+            <a:r>
+              <a:rPr lang="nb-NO" sz="2000" dirty="0"/>
+              <a:t> \Models folder</a:t>
+            </a:r>
+          </a:p>
+          <a:p>
+            <a:pPr lvl="1"/>
+            <a:r>
+              <a:rPr lang="nb-NO" sz="1600" dirty="0"/>
+              <a:t>New ran </a:t>
+            </a:r>
+            <a:r>
+              <a:rPr lang="nb-NO" sz="1600" dirty="0" err="1"/>
+              <a:t>models</a:t>
+            </a:r>
+            <a:r>
+              <a:rPr lang="nb-NO" sz="1600" dirty="0"/>
+              <a:t> </a:t>
+            </a:r>
+            <a:r>
+              <a:rPr lang="nb-NO" sz="1600" dirty="0" err="1"/>
+              <a:t>are</a:t>
+            </a:r>
+            <a:r>
+              <a:rPr lang="nb-NO" sz="1600" dirty="0"/>
+              <a:t> </a:t>
+            </a:r>
+            <a:r>
+              <a:rPr lang="nb-NO" sz="1600" dirty="0" err="1"/>
+              <a:t>categorized</a:t>
+            </a:r>
+            <a:r>
+              <a:rPr lang="nb-NO" sz="1600" dirty="0"/>
+              <a:t> in folders by </a:t>
+            </a:r>
+            <a:r>
+              <a:rPr lang="nb-NO" sz="1600" i="1" dirty="0" err="1"/>
+              <a:t>datetime</a:t>
+            </a:r>
+            <a:endParaRPr lang="nb-NO" sz="1600" i="1" dirty="0"/>
+          </a:p>
+          <a:p>
+            <a:pPr lvl="2"/>
+            <a:r>
+              <a:rPr lang="nb-NO" sz="1200" dirty="0" err="1"/>
+              <a:t>That</a:t>
+            </a:r>
+            <a:r>
+              <a:rPr lang="nb-NO" sz="1200" dirty="0"/>
+              <a:t> </a:t>
+            </a:r>
+            <a:r>
+              <a:rPr lang="nb-NO" sz="1200" dirty="0" err="1"/>
+              <a:t>way</a:t>
+            </a:r>
+            <a:r>
+              <a:rPr lang="nb-NO" sz="1200" dirty="0"/>
+              <a:t>, all </a:t>
+            </a:r>
+            <a:r>
+              <a:rPr lang="nb-NO" sz="1200" dirty="0" err="1"/>
+              <a:t>models</a:t>
+            </a:r>
+            <a:r>
+              <a:rPr lang="nb-NO" sz="1200" dirty="0"/>
+              <a:t> </a:t>
+            </a:r>
+            <a:r>
+              <a:rPr lang="nb-NO" sz="1200" dirty="0" err="1"/>
+              <a:t>will</a:t>
+            </a:r>
+            <a:r>
+              <a:rPr lang="nb-NO" sz="1200" dirty="0"/>
+              <a:t> have </a:t>
+            </a:r>
+            <a:r>
+              <a:rPr lang="nb-NO" sz="1200" dirty="0" err="1"/>
+              <a:t>unique</a:t>
+            </a:r>
+            <a:r>
+              <a:rPr lang="nb-NO" sz="1200" dirty="0"/>
+              <a:t> </a:t>
+            </a:r>
+            <a:r>
+              <a:rPr lang="nb-NO" sz="1200" dirty="0" err="1"/>
+              <a:t>names</a:t>
+            </a:r>
+            <a:r>
+              <a:rPr lang="nb-NO" sz="1200" dirty="0"/>
+              <a:t>; </a:t>
+            </a:r>
+            <a:r>
+              <a:rPr lang="nb-NO" sz="1200" b="1" dirty="0" err="1"/>
+              <a:t>Maybe</a:t>
+            </a:r>
+            <a:r>
+              <a:rPr lang="nb-NO" sz="1200" b="1" dirty="0"/>
+              <a:t> I </a:t>
+            </a:r>
+            <a:r>
+              <a:rPr lang="nb-NO" sz="1200" b="1" dirty="0" err="1"/>
+              <a:t>should</a:t>
+            </a:r>
+            <a:r>
+              <a:rPr lang="nb-NO" sz="1200" b="1" dirty="0"/>
+              <a:t> </a:t>
+            </a:r>
+            <a:r>
+              <a:rPr lang="nb-NO" sz="1200" b="1" dirty="0" err="1"/>
+              <a:t>create</a:t>
+            </a:r>
+            <a:r>
+              <a:rPr lang="nb-NO" sz="1200" b="1" dirty="0"/>
+              <a:t> a UID</a:t>
+            </a:r>
+          </a:p>
+          <a:p>
+            <a:pPr lvl="1"/>
+            <a:r>
+              <a:rPr lang="en-GB" sz="1600" dirty="0"/>
+              <a:t>In the folder will be a JSON file containing the parameters used for the model</a:t>
+            </a:r>
+          </a:p>
+          <a:p>
+            <a:pPr lvl="2"/>
+            <a:r>
+              <a:rPr lang="en-GB" sz="1200" dirty="0"/>
+              <a:t>The JSON file should also contain </a:t>
+            </a:r>
+            <a:r>
+              <a:rPr lang="en-GB" sz="1200" b="1" dirty="0"/>
+              <a:t>summary statistics</a:t>
+            </a:r>
+            <a:r>
+              <a:rPr lang="en-GB" sz="1200" dirty="0"/>
+              <a:t>, and potentially which synthetic data were used</a:t>
+            </a:r>
+          </a:p>
+          <a:p>
+            <a:pPr lvl="1"/>
+            <a:r>
+              <a:rPr lang="en-GB" sz="1600" dirty="0"/>
+              <a:t>In the folder will also be a folder containing the weights</a:t>
+            </a:r>
+          </a:p>
+          <a:p>
+            <a:pPr lvl="1"/>
+            <a:r>
+              <a:rPr lang="en-GB" sz="1600" dirty="0"/>
+              <a:t>There should also be a folder for visual comparisons</a:t>
+            </a:r>
+          </a:p>
+          <a:p>
+            <a:r>
+              <a:rPr lang="en-GB" sz="2000" dirty="0"/>
+              <a:t>I’ll write a function which makes it easy to load the </a:t>
+            </a:r>
+            <a:r>
+              <a:rPr lang="en-GB" sz="2000" dirty="0" err="1"/>
+              <a:t>keras</a:t>
+            </a:r>
+            <a:r>
+              <a:rPr lang="en-GB" sz="2000" dirty="0"/>
+              <a:t> object for further prediction</a:t>
+            </a:r>
+          </a:p>
+        </p:txBody>
+      </p:sp>
+    </p:spTree>
+    <p:extLst>
+      <p:ext uri="{BB962C8B-B14F-4D97-AF65-F5344CB8AC3E}">
+        <p14:creationId xmlns:p14="http://schemas.microsoft.com/office/powerpoint/2010/main" val="2200119477"/>
       </p:ext>
     </p:extLst>
   </p:cSld>

--- a/Meeting Presentations/15.09.2022_ML Meeting.pptx
+++ b/Meeting Presentations/15.09.2022_ML Meeting.pptx
@@ -9,14 +9,16 @@
     <p:sldId id="257" r:id="rId3"/>
     <p:sldId id="265" r:id="rId4"/>
     <p:sldId id="267" r:id="rId5"/>
-    <p:sldId id="263" r:id="rId6"/>
-    <p:sldId id="264" r:id="rId7"/>
-    <p:sldId id="261" r:id="rId8"/>
-    <p:sldId id="259" r:id="rId9"/>
-    <p:sldId id="258" r:id="rId10"/>
-    <p:sldId id="262" r:id="rId11"/>
-    <p:sldId id="266" r:id="rId12"/>
-    <p:sldId id="260" r:id="rId13"/>
+    <p:sldId id="268" r:id="rId6"/>
+    <p:sldId id="263" r:id="rId7"/>
+    <p:sldId id="264" r:id="rId8"/>
+    <p:sldId id="269" r:id="rId9"/>
+    <p:sldId id="261" r:id="rId10"/>
+    <p:sldId id="259" r:id="rId11"/>
+    <p:sldId id="258" r:id="rId12"/>
+    <p:sldId id="262" r:id="rId13"/>
+    <p:sldId id="266" r:id="rId14"/>
+    <p:sldId id="260" r:id="rId15"/>
   </p:sldIdLst>
   <p:sldSz cx="12192000" cy="6858000"/>
   <p:notesSz cx="6858000" cy="9144000"/>
@@ -4387,7 +4389,7 @@
           <p:cNvPr id="2" name="Title 1">
             <a:extLst>
               <a:ext uri="{FF2B5EF4-FFF2-40B4-BE49-F238E27FC236}">
-                <a16:creationId xmlns:a16="http://schemas.microsoft.com/office/drawing/2014/main" id="{98CD3415-4D6C-4BC5-9378-D7A5A3941644}"/>
+                <a16:creationId xmlns:a16="http://schemas.microsoft.com/office/drawing/2014/main" id="{C854D3B8-276F-46FA-9392-8B71BA7BB724}"/>
               </a:ext>
             </a:extLst>
           </p:cNvPr>
@@ -4416,7 +4418,7 @@
                   <a:srgbClr val="FFFFFF"/>
                 </a:solidFill>
               </a:rPr>
-              <a:t>Transfer </a:t>
+              <a:t>Visual </a:t>
             </a:r>
             <a:r>
               <a:rPr lang="nb-NO" sz="4000" dirty="0" err="1">
@@ -4424,7 +4426,7 @@
                   <a:srgbClr val="FFFFFF"/>
                 </a:solidFill>
               </a:rPr>
-              <a:t>learning</a:t>
+              <a:t>comparisons</a:t>
             </a:r>
             <a:endParaRPr lang="en-GB" sz="4000" dirty="0">
               <a:solidFill>
@@ -4439,7 +4441,7 @@
           <p:cNvPr id="3" name="Content Placeholder 2">
             <a:extLst>
               <a:ext uri="{FF2B5EF4-FFF2-40B4-BE49-F238E27FC236}">
-                <a16:creationId xmlns:a16="http://schemas.microsoft.com/office/drawing/2014/main" id="{88186C86-7E96-4CF0-AE2B-A2B248D85282}"/>
+                <a16:creationId xmlns:a16="http://schemas.microsoft.com/office/drawing/2014/main" id="{039163CE-F701-4A16-91A0-95347A92ADD0}"/>
               </a:ext>
             </a:extLst>
           </p:cNvPr>
@@ -4464,27 +4466,35 @@
           <a:p>
             <a:r>
               <a:rPr lang="nb-NO" sz="2000" dirty="0"/>
-              <a:t>The </a:t>
-            </a:r>
-            <a:r>
-              <a:rPr lang="nb-NO" sz="2000" dirty="0" err="1"/>
-              <a:t>three</a:t>
-            </a:r>
-            <a:r>
-              <a:rPr lang="nb-NO" sz="2000" dirty="0"/>
-              <a:t> best </a:t>
-            </a:r>
-            <a:r>
-              <a:rPr lang="nb-NO" sz="2000" dirty="0" err="1"/>
-              <a:t>predicting</a:t>
-            </a:r>
-            <a:r>
-              <a:rPr lang="nb-NO" sz="2000" dirty="0"/>
-              <a:t> </a:t>
-            </a:r>
-            <a:r>
-              <a:rPr lang="nb-NO" sz="2000" dirty="0" err="1"/>
-              <a:t>models</a:t>
+              <a:t>To </a:t>
+            </a:r>
+            <a:r>
+              <a:rPr lang="nb-NO" sz="2000" dirty="0" err="1"/>
+              <a:t>see</a:t>
+            </a:r>
+            <a:r>
+              <a:rPr lang="nb-NO" sz="2000" dirty="0"/>
+              <a:t> </a:t>
+            </a:r>
+            <a:r>
+              <a:rPr lang="nb-NO" sz="2000" dirty="0" err="1"/>
+              <a:t>if</a:t>
+            </a:r>
+            <a:r>
+              <a:rPr lang="nb-NO" sz="2000" dirty="0"/>
+              <a:t> </a:t>
+            </a:r>
+            <a:r>
+              <a:rPr lang="nb-NO" sz="2000" dirty="0" err="1"/>
+              <a:t>the</a:t>
+            </a:r>
+            <a:r>
+              <a:rPr lang="nb-NO" sz="2000" dirty="0"/>
+              <a:t> </a:t>
+            </a:r>
+            <a:r>
+              <a:rPr lang="nb-NO" sz="2000" dirty="0" err="1"/>
+              <a:t>model</a:t>
             </a:r>
             <a:r>
               <a:rPr lang="nb-NO" sz="2000" dirty="0"/>
@@ -4496,27 +4506,107 @@
             </a:r>
             <a:r>
               <a:rPr lang="nb-NO" sz="2000" dirty="0"/>
+              <a:t> </a:t>
+            </a:r>
+            <a:r>
+              <a:rPr lang="nb-NO" sz="2000" dirty="0" err="1"/>
+              <a:t>capture</a:t>
+            </a:r>
+            <a:r>
+              <a:rPr lang="nb-NO" sz="2000" dirty="0"/>
+              <a:t> </a:t>
+            </a:r>
+            <a:r>
+              <a:rPr lang="nb-NO" sz="2000" dirty="0" err="1"/>
+              <a:t>the</a:t>
+            </a:r>
+            <a:r>
+              <a:rPr lang="nb-NO" sz="2000" dirty="0"/>
+              <a:t> </a:t>
+            </a:r>
+            <a:r>
+              <a:rPr lang="nb-NO" sz="2000" dirty="0" err="1"/>
+              <a:t>features</a:t>
+            </a:r>
+            <a:r>
+              <a:rPr lang="nb-NO" sz="2000" dirty="0"/>
+              <a:t> </a:t>
+            </a:r>
+            <a:r>
+              <a:rPr lang="nb-NO" sz="2000" dirty="0" err="1"/>
+              <a:t>properly</a:t>
+            </a:r>
+            <a:r>
+              <a:rPr lang="nb-NO" sz="2000" dirty="0"/>
+              <a:t>, </a:t>
+            </a:r>
+            <a:r>
+              <a:rPr lang="nb-NO" sz="2000" dirty="0" err="1"/>
+              <a:t>there</a:t>
+            </a:r>
+            <a:r>
+              <a:rPr lang="nb-NO" sz="2000" dirty="0"/>
+              <a:t> </a:t>
+            </a:r>
+            <a:r>
+              <a:rPr lang="nb-NO" sz="2000" dirty="0" err="1"/>
+              <a:t>should</a:t>
+            </a:r>
+            <a:r>
+              <a:rPr lang="nb-NO" sz="2000" dirty="0"/>
               <a:t> be </a:t>
             </a:r>
             <a:r>
               <a:rPr lang="nb-NO" sz="2000" dirty="0" err="1"/>
-              <a:t>kept</a:t>
-            </a:r>
-            <a:r>
-              <a:rPr lang="nb-NO" sz="2000" dirty="0"/>
-              <a:t> </a:t>
-            </a:r>
-            <a:r>
-              <a:rPr lang="nb-NO" sz="2000" dirty="0" err="1"/>
-              <a:t>track</a:t>
-            </a:r>
-            <a:r>
-              <a:rPr lang="nb-NO" sz="2000" dirty="0"/>
-              <a:t> </a:t>
-            </a:r>
-            <a:r>
-              <a:rPr lang="nb-NO" sz="2000" dirty="0" err="1"/>
-              <a:t>of</a:t>
+              <a:t>written</a:t>
+            </a:r>
+            <a:r>
+              <a:rPr lang="nb-NO" sz="2000" dirty="0"/>
+              <a:t> a script </a:t>
+            </a:r>
+            <a:r>
+              <a:rPr lang="nb-NO" sz="2000" dirty="0" err="1"/>
+              <a:t>that</a:t>
+            </a:r>
+            <a:r>
+              <a:rPr lang="nb-NO" sz="2000" dirty="0"/>
+              <a:t> </a:t>
+            </a:r>
+            <a:r>
+              <a:rPr lang="nb-NO" sz="2000" dirty="0" err="1"/>
+              <a:t>creates</a:t>
+            </a:r>
+            <a:r>
+              <a:rPr lang="nb-NO" sz="2000" dirty="0"/>
+              <a:t> an image </a:t>
+            </a:r>
+            <a:r>
+              <a:rPr lang="nb-NO" sz="2000" dirty="0" err="1"/>
+              <a:t>containing</a:t>
+            </a:r>
+            <a:r>
+              <a:rPr lang="nb-NO" sz="2000" dirty="0"/>
+              <a:t> </a:t>
+            </a:r>
+            <a:r>
+              <a:rPr lang="nb-NO" sz="2000" dirty="0" err="1"/>
+              <a:t>the</a:t>
+            </a:r>
+            <a:r>
+              <a:rPr lang="nb-NO" sz="2000" dirty="0"/>
+              <a:t> input </a:t>
+            </a:r>
+            <a:r>
+              <a:rPr lang="nb-NO" sz="2000" dirty="0" err="1"/>
+              <a:t>seismic</a:t>
+            </a:r>
+            <a:r>
+              <a:rPr lang="nb-NO" sz="2000" dirty="0"/>
+              <a:t> </a:t>
+            </a:r>
+            <a:r>
+              <a:rPr lang="nb-NO" sz="2000" dirty="0" err="1"/>
+              <a:t>features</a:t>
             </a:r>
             <a:r>
               <a:rPr lang="nb-NO" sz="2000" dirty="0"/>
@@ -4524,23 +4614,66 @@
             </a:r>
             <a:r>
               <a:rPr lang="nb-NO" sz="2000" dirty="0" err="1"/>
-              <a:t>when</a:t>
-            </a:r>
-            <a:r>
-              <a:rPr lang="nb-NO" sz="2000" dirty="0"/>
-              <a:t> training </a:t>
-            </a:r>
-            <a:r>
-              <a:rPr lang="nb-NO" sz="2000" dirty="0" err="1"/>
-              <a:t>new</a:t>
-            </a:r>
-            <a:r>
-              <a:rPr lang="nb-NO" sz="2000" dirty="0"/>
-              <a:t> </a:t>
-            </a:r>
-            <a:r>
-              <a:rPr lang="nb-NO" sz="2000" dirty="0" err="1"/>
-              <a:t>models</a:t>
+              <a:t>reconstructed</a:t>
+            </a:r>
+            <a:r>
+              <a:rPr lang="nb-NO" sz="2000" dirty="0"/>
+              <a:t> </a:t>
+            </a:r>
+            <a:r>
+              <a:rPr lang="nb-NO" sz="2000" dirty="0" err="1"/>
+              <a:t>features</a:t>
+            </a:r>
+            <a:endParaRPr lang="nb-NO" sz="2000" dirty="0"/>
+          </a:p>
+          <a:p>
+            <a:pPr lvl="1"/>
+            <a:r>
+              <a:rPr lang="nb-NO" sz="1600" dirty="0"/>
+              <a:t>Python </a:t>
+            </a:r>
+            <a:r>
+              <a:rPr lang="nb-NO" sz="1600" dirty="0" err="1"/>
+              <a:t>implementation</a:t>
+            </a:r>
+            <a:r>
+              <a:rPr lang="nb-NO" sz="1600" dirty="0"/>
+              <a:t> for </a:t>
+            </a:r>
+            <a:r>
+              <a:rPr lang="nb-NO" sz="1600" dirty="0" err="1"/>
+              <a:t>this</a:t>
+            </a:r>
+            <a:r>
+              <a:rPr lang="nb-NO" sz="1600" dirty="0"/>
+              <a:t>;</a:t>
+            </a:r>
+            <a:r>
+              <a:rPr lang="nb-NO" sz="1600" i="1" dirty="0"/>
+              <a:t> </a:t>
+            </a:r>
+            <a:r>
+              <a:rPr lang="nb-NO" sz="1600" i="1" dirty="0" err="1"/>
+              <a:t>else</a:t>
+            </a:r>
+            <a:r>
+              <a:rPr lang="nb-NO" sz="1600" i="1" dirty="0"/>
+              <a:t> </a:t>
+            </a:r>
+            <a:r>
+              <a:rPr lang="nb-NO" sz="1600" dirty="0"/>
+              <a:t>-&gt; </a:t>
+            </a:r>
+            <a:r>
+              <a:rPr lang="nb-NO" sz="1600" dirty="0" err="1"/>
+              <a:t>Postscript</a:t>
+            </a:r>
+            <a:endParaRPr lang="nb-NO" sz="1600" dirty="0"/>
+          </a:p>
+          <a:p>
+            <a:r>
+              <a:rPr lang="nb-NO" sz="2000" dirty="0" err="1"/>
+              <a:t>Also</a:t>
             </a:r>
             <a:r>
               <a:rPr lang="nb-NO" sz="2000" dirty="0"/>
@@ -4556,59 +4689,27 @@
             </a:r>
             <a:r>
               <a:rPr lang="nb-NO" sz="2000" dirty="0" err="1"/>
-              <a:t>weights</a:t>
-            </a:r>
-            <a:r>
-              <a:rPr lang="nb-NO" sz="2000" dirty="0"/>
-              <a:t> </a:t>
-            </a:r>
-            <a:r>
-              <a:rPr lang="nb-NO" sz="2000" dirty="0" err="1"/>
-              <a:t>may</a:t>
-            </a:r>
-            <a:r>
-              <a:rPr lang="nb-NO" sz="2000" dirty="0"/>
-              <a:t> be </a:t>
-            </a:r>
-            <a:r>
-              <a:rPr lang="nb-NO" sz="2000" dirty="0" err="1"/>
-              <a:t>initiated</a:t>
-            </a:r>
-            <a:r>
-              <a:rPr lang="nb-NO" sz="2000" dirty="0"/>
-              <a:t> 1. </a:t>
-            </a:r>
-            <a:r>
-              <a:rPr lang="nb-NO" sz="2000" dirty="0" err="1"/>
-              <a:t>Randomly</a:t>
-            </a:r>
-            <a:r>
-              <a:rPr lang="nb-NO" sz="2000" dirty="0"/>
-              <a:t>, 2. Using </a:t>
-            </a:r>
-            <a:r>
-              <a:rPr lang="nb-NO" sz="2000" dirty="0" err="1"/>
-              <a:t>feature</a:t>
-            </a:r>
-            <a:r>
-              <a:rPr lang="nb-NO" sz="2000" dirty="0"/>
-              <a:t> </a:t>
-            </a:r>
-            <a:r>
-              <a:rPr lang="nb-NO" sz="2000" dirty="0" err="1"/>
-              <a:t>extraction</a:t>
-            </a:r>
-            <a:r>
-              <a:rPr lang="nb-NO" sz="2000" dirty="0"/>
-              <a:t> </a:t>
-            </a:r>
-            <a:r>
-              <a:rPr lang="nb-NO" sz="2000" dirty="0" err="1"/>
-              <a:t>module</a:t>
-            </a:r>
-            <a:r>
-              <a:rPr lang="nb-NO" sz="2000" dirty="0"/>
-              <a:t> from </a:t>
+              <a:t>predicted</a:t>
+            </a:r>
+            <a:r>
+              <a:rPr lang="nb-NO" sz="2000" dirty="0"/>
+              <a:t> </a:t>
+            </a:r>
+            <a:r>
+              <a:rPr lang="nb-NO" sz="2000" dirty="0" err="1"/>
+              <a:t>values</a:t>
+            </a:r>
+            <a:r>
+              <a:rPr lang="nb-NO" sz="2000" dirty="0"/>
+              <a:t> </a:t>
+            </a:r>
+            <a:r>
+              <a:rPr lang="nb-NO" sz="2000" dirty="0" err="1"/>
+              <a:t>vs</a:t>
+            </a:r>
+            <a:r>
+              <a:rPr lang="nb-NO" sz="2000" dirty="0"/>
+              <a:t> </a:t>
             </a:r>
             <a:r>
               <a:rPr lang="nb-NO" sz="2000" dirty="0" err="1"/>
@@ -4616,37 +4717,31 @@
             </a:r>
             <a:r>
               <a:rPr lang="nb-NO" sz="2000" dirty="0"/>
-              <a:t> </a:t>
-            </a:r>
-            <a:r>
-              <a:rPr lang="nb-NO" sz="2000" dirty="0" err="1"/>
-              <a:t>other</a:t>
-            </a:r>
-            <a:r>
-              <a:rPr lang="nb-NO" sz="2000" dirty="0"/>
-              <a:t> best </a:t>
-            </a:r>
-            <a:r>
-              <a:rPr lang="nb-NO" sz="2000" dirty="0" err="1"/>
-              <a:t>performing</a:t>
-            </a:r>
-            <a:r>
-              <a:rPr lang="nb-NO" sz="2000" dirty="0"/>
-              <a:t> </a:t>
-            </a:r>
-            <a:r>
-              <a:rPr lang="nb-NO" sz="2000" dirty="0" err="1"/>
-              <a:t>models</a:t>
-            </a:r>
-            <a:r>
-              <a:rPr lang="nb-NO" sz="2000" dirty="0"/>
-              <a:t>. </a:t>
-            </a:r>
-          </a:p>
-          <a:p>
-            <a:r>
-              <a:rPr lang="nb-NO" sz="2000" dirty="0"/>
-              <a:t>If </a:t>
+              <a:t> true </a:t>
+            </a:r>
+            <a:r>
+              <a:rPr lang="nb-NO" sz="2000" dirty="0" err="1"/>
+              <a:t>values</a:t>
+            </a:r>
+            <a:r>
+              <a:rPr lang="nb-NO" sz="2000" dirty="0"/>
+              <a:t>, </a:t>
+            </a:r>
+            <a:r>
+              <a:rPr lang="nb-NO" sz="2000" dirty="0" err="1"/>
+              <a:t>maybe</a:t>
+            </a:r>
+            <a:r>
+              <a:rPr lang="nb-NO" sz="2000" dirty="0"/>
+              <a:t> </a:t>
+            </a:r>
+            <a:r>
+              <a:rPr lang="nb-NO" sz="2000" dirty="0" err="1"/>
+              <a:t>displaying</a:t>
+            </a:r>
+            <a:r>
+              <a:rPr lang="nb-NO" sz="2000" dirty="0"/>
+              <a:t> </a:t>
             </a:r>
             <a:r>
               <a:rPr lang="nb-NO" sz="2000" dirty="0" err="1"/>
@@ -4658,6 +4753,105 @@
             </a:r>
             <a:r>
               <a:rPr lang="nb-NO" sz="2000" dirty="0" err="1"/>
+              <a:t>prediction</a:t>
+            </a:r>
+            <a:r>
+              <a:rPr lang="nb-NO" sz="2000" dirty="0"/>
+              <a:t> </a:t>
+            </a:r>
+            <a:r>
+              <a:rPr lang="nb-NO" sz="2000" dirty="0" err="1"/>
+              <a:t>error</a:t>
+            </a:r>
+            <a:endParaRPr lang="nb-NO" sz="2000" dirty="0"/>
+          </a:p>
+          <a:p>
+            <a:r>
+              <a:rPr lang="nb-NO" sz="2000" dirty="0"/>
+              <a:t>Using </a:t>
+            </a:r>
+            <a:r>
+              <a:rPr lang="nb-NO" sz="2000" dirty="0" err="1"/>
+              <a:t>the</a:t>
+            </a:r>
+            <a:r>
+              <a:rPr lang="nb-NO" sz="2000" dirty="0"/>
+              <a:t> </a:t>
+            </a:r>
+            <a:r>
+              <a:rPr lang="nb-NO" sz="2000" b="1" dirty="0" err="1"/>
+              <a:t>acoustic</a:t>
+            </a:r>
+            <a:r>
+              <a:rPr lang="nb-NO" sz="2000" b="1" dirty="0"/>
+              <a:t> </a:t>
+            </a:r>
+            <a:r>
+              <a:rPr lang="nb-NO" sz="2000" b="1" dirty="0" err="1"/>
+              <a:t>impedance</a:t>
+            </a:r>
+            <a:r>
+              <a:rPr lang="nb-NO" sz="2000" dirty="0"/>
+              <a:t>, it is </a:t>
+            </a:r>
+            <a:r>
+              <a:rPr lang="nb-NO" sz="2000" dirty="0" err="1"/>
+              <a:t>possible</a:t>
+            </a:r>
+            <a:r>
+              <a:rPr lang="nb-NO" sz="2000" dirty="0"/>
+              <a:t> to </a:t>
+            </a:r>
+            <a:r>
+              <a:rPr lang="nb-NO" sz="2000" dirty="0" err="1"/>
+              <a:t>get</a:t>
+            </a:r>
+            <a:r>
+              <a:rPr lang="nb-NO" sz="2000" dirty="0"/>
+              <a:t> a </a:t>
+            </a:r>
+            <a:r>
+              <a:rPr lang="nb-NO" sz="2000" dirty="0" err="1"/>
+              <a:t>overlay</a:t>
+            </a:r>
+            <a:r>
+              <a:rPr lang="nb-NO" sz="2000" dirty="0"/>
+              <a:t> heat </a:t>
+            </a:r>
+            <a:r>
+              <a:rPr lang="nb-NO" sz="2000" dirty="0" err="1"/>
+              <a:t>map</a:t>
+            </a:r>
+            <a:r>
+              <a:rPr lang="nb-NO" sz="2000" dirty="0"/>
+              <a:t>, </a:t>
+            </a:r>
+            <a:r>
+              <a:rPr lang="nb-NO" sz="2000" dirty="0" err="1"/>
+              <a:t>which</a:t>
+            </a:r>
+            <a:r>
+              <a:rPr lang="nb-NO" sz="2000" dirty="0"/>
+              <a:t> displays </a:t>
+            </a:r>
+            <a:r>
+              <a:rPr lang="nb-NO" sz="2000" dirty="0" err="1"/>
+              <a:t>what</a:t>
+            </a:r>
+            <a:r>
+              <a:rPr lang="nb-NO" sz="2000" dirty="0"/>
+              <a:t> areas </a:t>
+            </a:r>
+            <a:r>
+              <a:rPr lang="nb-NO" sz="2000" dirty="0" err="1"/>
+              <a:t>the</a:t>
+            </a:r>
+            <a:r>
+              <a:rPr lang="nb-NO" sz="2000" dirty="0"/>
+              <a:t> </a:t>
+            </a:r>
+            <a:r>
+              <a:rPr lang="nb-NO" sz="2000" dirty="0" err="1"/>
               <a:t>model</a:t>
             </a:r>
             <a:r>
@@ -4666,67 +4860,19 @@
             </a:r>
             <a:r>
               <a:rPr lang="nb-NO" sz="2000" dirty="0" err="1"/>
-              <a:t>then</a:t>
-            </a:r>
-            <a:r>
-              <a:rPr lang="nb-NO" sz="2000" dirty="0"/>
-              <a:t> </a:t>
-            </a:r>
-            <a:r>
-              <a:rPr lang="nb-NO" sz="2000" dirty="0" err="1"/>
-              <a:t>performs</a:t>
-            </a:r>
-            <a:r>
-              <a:rPr lang="nb-NO" sz="2000" dirty="0"/>
-              <a:t> </a:t>
-            </a:r>
-            <a:r>
-              <a:rPr lang="nb-NO" sz="2000" dirty="0" err="1"/>
-              <a:t>even</a:t>
-            </a:r>
-            <a:r>
-              <a:rPr lang="nb-NO" sz="2000" dirty="0"/>
-              <a:t> </a:t>
-            </a:r>
-            <a:r>
-              <a:rPr lang="nb-NO" sz="2000" dirty="0" err="1"/>
-              <a:t>better</a:t>
-            </a:r>
-            <a:r>
-              <a:rPr lang="nb-NO" sz="2000" dirty="0"/>
-              <a:t>, It </a:t>
-            </a:r>
-            <a:r>
-              <a:rPr lang="nb-NO" sz="2000" dirty="0" err="1"/>
-              <a:t>will</a:t>
-            </a:r>
-            <a:r>
-              <a:rPr lang="nb-NO" sz="2000" dirty="0"/>
-              <a:t> </a:t>
-            </a:r>
-            <a:r>
-              <a:rPr lang="nb-NO" sz="2000" dirty="0" err="1"/>
-              <a:t>replace</a:t>
-            </a:r>
-            <a:r>
-              <a:rPr lang="nb-NO" sz="2000" dirty="0"/>
-              <a:t> </a:t>
-            </a:r>
-            <a:r>
-              <a:rPr lang="nb-NO" sz="2000" dirty="0" err="1"/>
-              <a:t>one</a:t>
-            </a:r>
-            <a:r>
-              <a:rPr lang="nb-NO" sz="2000" dirty="0"/>
-              <a:t> </a:t>
-            </a:r>
-            <a:r>
-              <a:rPr lang="nb-NO" sz="2000" dirty="0" err="1"/>
-              <a:t>of</a:t>
-            </a:r>
-            <a:r>
-              <a:rPr lang="nb-NO" sz="2000" dirty="0"/>
-              <a:t> </a:t>
+              <a:t>encounters</a:t>
+            </a:r>
+            <a:r>
+              <a:rPr lang="nb-NO" sz="2000" dirty="0"/>
+              <a:t> </a:t>
+            </a:r>
+            <a:r>
+              <a:rPr lang="nb-NO" sz="2000" dirty="0" err="1"/>
+              <a:t>issues</a:t>
+            </a:r>
+            <a:r>
+              <a:rPr lang="nb-NO" sz="2000" dirty="0"/>
+              <a:t> in </a:t>
             </a:r>
             <a:r>
               <a:rPr lang="nb-NO" sz="2000" dirty="0" err="1"/>
@@ -4734,54 +4880,46 @@
             </a:r>
             <a:r>
               <a:rPr lang="nb-NO" sz="2000" dirty="0"/>
-              <a:t> </a:t>
-            </a:r>
-            <a:r>
-              <a:rPr lang="nb-NO" sz="2000" dirty="0" err="1"/>
-              <a:t>others</a:t>
-            </a:r>
-            <a:r>
-              <a:rPr lang="nb-NO" sz="2000" dirty="0"/>
-              <a:t> </a:t>
-            </a:r>
-            <a:r>
-              <a:rPr lang="nb-NO" sz="2000" dirty="0" err="1"/>
-              <a:t>on</a:t>
-            </a:r>
-            <a:r>
-              <a:rPr lang="nb-NO" sz="2000" dirty="0"/>
-              <a:t> </a:t>
-            </a:r>
-            <a:r>
-              <a:rPr lang="nb-NO" sz="2000" dirty="0" err="1"/>
+              <a:t> most</a:t>
+            </a:r>
+          </a:p>
+          <a:p>
+            <a:pPr lvl="1"/>
+            <a:r>
+              <a:rPr lang="nb-NO" sz="1600" dirty="0" err="1"/>
+              <a:t>Can</a:t>
+            </a:r>
+            <a:r>
+              <a:rPr lang="nb-NO" sz="1600" dirty="0"/>
+              <a:t> </a:t>
+            </a:r>
+            <a:r>
+              <a:rPr lang="nb-NO" sz="1600" dirty="0" err="1"/>
+              <a:t>see</a:t>
+            </a:r>
+            <a:r>
+              <a:rPr lang="nb-NO" sz="1600" dirty="0"/>
+              <a:t> </a:t>
+            </a:r>
+            <a:r>
+              <a:rPr lang="nb-NO" sz="1600" dirty="0" err="1"/>
+              <a:t>if</a:t>
+            </a:r>
+            <a:r>
+              <a:rPr lang="nb-NO" sz="1600" dirty="0"/>
+              <a:t> </a:t>
+            </a:r>
+            <a:r>
+              <a:rPr lang="nb-NO" sz="1600" dirty="0" err="1"/>
               <a:t>the</a:t>
             </a:r>
             <a:r>
-              <a:rPr lang="nb-NO" sz="2000" dirty="0"/>
-              <a:t> </a:t>
-            </a:r>
-            <a:r>
-              <a:rPr lang="nb-NO" sz="2000" dirty="0" err="1"/>
-              <a:t>top</a:t>
-            </a:r>
-            <a:r>
-              <a:rPr lang="nb-NO" sz="2000" dirty="0"/>
-              <a:t> </a:t>
-            </a:r>
-            <a:r>
-              <a:rPr lang="nb-NO" sz="2000" dirty="0" err="1"/>
-              <a:t>three</a:t>
-            </a:r>
-            <a:r>
-              <a:rPr lang="nb-NO" sz="2000" dirty="0"/>
-              <a:t> list</a:t>
-            </a:r>
-          </a:p>
-          <a:p>
-            <a:pPr lvl="1"/>
+              <a:rPr lang="nb-NO" sz="1600" dirty="0"/>
+              <a:t> same </a:t>
+            </a:r>
             <a:r>
               <a:rPr lang="nb-NO" sz="1600" dirty="0" err="1"/>
-              <a:t>Overfitting</a:t>
+              <a:t>thing</a:t>
             </a:r>
             <a:r>
               <a:rPr lang="nb-NO" sz="1600" dirty="0"/>
@@ -4789,15 +4927,7 @@
             </a:r>
             <a:r>
               <a:rPr lang="nb-NO" sz="1600" dirty="0" err="1"/>
-              <a:t>may</a:t>
-            </a:r>
-            <a:r>
-              <a:rPr lang="nb-NO" sz="1600" dirty="0"/>
-              <a:t> be an </a:t>
-            </a:r>
-            <a:r>
-              <a:rPr lang="nb-NO" sz="1600" dirty="0" err="1"/>
-              <a:t>issue</a:t>
+              <a:t>appear</a:t>
             </a:r>
             <a:r>
               <a:rPr lang="nb-NO" sz="1600" dirty="0"/>
@@ -4809,99 +4939,36 @@
             </a:r>
             <a:r>
               <a:rPr lang="nb-NO" sz="1600" dirty="0"/>
-              <a:t> </a:t>
+              <a:t> a different </a:t>
             </a:r>
             <a:r>
               <a:rPr lang="nb-NO" sz="1600" dirty="0" err="1"/>
-              <a:t>this</a:t>
-            </a:r>
-            <a:endParaRPr lang="nb-NO" sz="1600" dirty="0"/>
-          </a:p>
-          <a:p>
-            <a:r>
-              <a:rPr lang="nb-NO" sz="2000" dirty="0" err="1"/>
-              <a:t>Another</a:t>
-            </a:r>
-            <a:r>
-              <a:rPr lang="nb-NO" sz="2000" dirty="0"/>
-              <a:t> </a:t>
-            </a:r>
-            <a:r>
-              <a:rPr lang="nb-NO" sz="2000" dirty="0" err="1"/>
-              <a:t>option</a:t>
-            </a:r>
-            <a:r>
-              <a:rPr lang="nb-NO" sz="2000" dirty="0"/>
-              <a:t>: Using </a:t>
-            </a:r>
-            <a:r>
-              <a:rPr lang="nb-NO" sz="2000" dirty="0" err="1"/>
-              <a:t>monte</a:t>
-            </a:r>
-            <a:r>
-              <a:rPr lang="nb-NO" sz="2000" dirty="0"/>
-              <a:t> </a:t>
-            </a:r>
-            <a:r>
-              <a:rPr lang="nb-NO" sz="2000" dirty="0" err="1"/>
-              <a:t>carlo</a:t>
-            </a:r>
-            <a:r>
-              <a:rPr lang="nb-NO" sz="2000" dirty="0"/>
-              <a:t> </a:t>
-            </a:r>
-            <a:r>
-              <a:rPr lang="nb-NO" sz="2000" dirty="0" err="1"/>
-              <a:t>tree</a:t>
-            </a:r>
-            <a:r>
-              <a:rPr lang="nb-NO" sz="2000" dirty="0"/>
-              <a:t> </a:t>
-            </a:r>
-            <a:r>
-              <a:rPr lang="nb-NO" sz="2000" dirty="0" err="1"/>
-              <a:t>search</a:t>
-            </a:r>
-            <a:r>
-              <a:rPr lang="nb-NO" sz="2000" dirty="0"/>
-              <a:t> </a:t>
-            </a:r>
-            <a:r>
-              <a:rPr lang="nb-NO" sz="2000" dirty="0" err="1"/>
-              <a:t>based</a:t>
-            </a:r>
-            <a:r>
-              <a:rPr lang="nb-NO" sz="2000" dirty="0"/>
-              <a:t> </a:t>
-            </a:r>
-            <a:r>
-              <a:rPr lang="nb-NO" sz="2000" dirty="0" err="1"/>
-              <a:t>on</a:t>
-            </a:r>
-            <a:r>
-              <a:rPr lang="nb-NO" sz="2000" dirty="0"/>
-              <a:t> all </a:t>
-            </a:r>
-            <a:r>
-              <a:rPr lang="nb-NO" sz="2000" dirty="0" err="1"/>
-              <a:t>other</a:t>
-            </a:r>
-            <a:r>
-              <a:rPr lang="nb-NO" sz="2000" dirty="0"/>
-              <a:t> </a:t>
-            </a:r>
-            <a:r>
-              <a:rPr lang="nb-NO" sz="2000" dirty="0" err="1"/>
-              <a:t>models</a:t>
-            </a:r>
-            <a:endParaRPr lang="en-GB" sz="2000" dirty="0"/>
+              <a:t>noise</a:t>
+            </a:r>
+            <a:r>
+              <a:rPr lang="nb-NO" sz="1600" dirty="0"/>
+              <a:t> </a:t>
+            </a:r>
+            <a:r>
+              <a:rPr lang="nb-NO" sz="1600" dirty="0" err="1"/>
+              <a:t>profile</a:t>
+            </a:r>
+            <a:r>
+              <a:rPr lang="nb-NO" sz="1600" dirty="0"/>
+              <a:t> or </a:t>
+            </a:r>
+            <a:r>
+              <a:rPr lang="nb-NO" sz="1600" dirty="0" err="1"/>
+              <a:t>denoising</a:t>
+            </a:r>
+            <a:endParaRPr lang="en-GB" sz="1600" dirty="0"/>
           </a:p>
         </p:txBody>
       </p:sp>
     </p:spTree>
     <p:extLst>
       <p:ext uri="{BB962C8B-B14F-4D97-AF65-F5344CB8AC3E}">
-        <p14:creationId xmlns:p14="http://schemas.microsoft.com/office/powerpoint/2010/main" val="2547130915"/>
+        <p14:creationId xmlns:p14="http://schemas.microsoft.com/office/powerpoint/2010/main" val="1499140138"/>
       </p:ext>
     </p:extLst>
   </p:cSld>
@@ -5317,6 +5384,1664 @@
           <p:cNvPr id="2" name="Title 1">
             <a:extLst>
               <a:ext uri="{FF2B5EF4-FFF2-40B4-BE49-F238E27FC236}">
+                <a16:creationId xmlns:a16="http://schemas.microsoft.com/office/drawing/2014/main" id="{0EB96845-0AED-4642-B528-3A26E06CDD5B}"/>
+              </a:ext>
+            </a:extLst>
+          </p:cNvPr>
+          <p:cNvSpPr>
+            <a:spLocks noGrp="1"/>
+          </p:cNvSpPr>
+          <p:nvPr>
+            <p:ph type="title"/>
+          </p:nvPr>
+        </p:nvSpPr>
+        <p:spPr>
+          <a:xfrm>
+            <a:off x="1371599" y="294538"/>
+            <a:ext cx="9895951" cy="1033669"/>
+          </a:xfrm>
+        </p:spPr>
+        <p:txBody>
+          <a:bodyPr>
+            <a:normAutofit/>
+          </a:bodyPr>
+          <a:lstStyle/>
+          <a:p>
+            <a:r>
+              <a:rPr lang="nb-NO" sz="4000" dirty="0">
+                <a:solidFill>
+                  <a:srgbClr val="FFFFFF"/>
+                </a:solidFill>
+              </a:rPr>
+              <a:t>Storing </a:t>
+            </a:r>
+            <a:r>
+              <a:rPr lang="nb-NO" sz="4000" dirty="0" err="1">
+                <a:solidFill>
+                  <a:srgbClr val="FFFFFF"/>
+                </a:solidFill>
+              </a:rPr>
+              <a:t>the</a:t>
+            </a:r>
+            <a:r>
+              <a:rPr lang="nb-NO" sz="4000" dirty="0">
+                <a:solidFill>
+                  <a:srgbClr val="FFFFFF"/>
+                </a:solidFill>
+              </a:rPr>
+              <a:t> </a:t>
+            </a:r>
+            <a:r>
+              <a:rPr lang="nb-NO" sz="4000" dirty="0" err="1">
+                <a:solidFill>
+                  <a:srgbClr val="FFFFFF"/>
+                </a:solidFill>
+              </a:rPr>
+              <a:t>models</a:t>
+            </a:r>
+            <a:endParaRPr lang="en-GB" sz="4000" dirty="0">
+              <a:solidFill>
+                <a:srgbClr val="FFFFFF"/>
+              </a:solidFill>
+            </a:endParaRPr>
+          </a:p>
+        </p:txBody>
+      </p:sp>
+      <p:sp>
+        <p:nvSpPr>
+          <p:cNvPr id="3" name="Content Placeholder 2">
+            <a:extLst>
+              <a:ext uri="{FF2B5EF4-FFF2-40B4-BE49-F238E27FC236}">
+                <a16:creationId xmlns:a16="http://schemas.microsoft.com/office/drawing/2014/main" id="{5A97B76F-F51B-4F9E-BDE9-3E3C8D4AE33C}"/>
+              </a:ext>
+            </a:extLst>
+          </p:cNvPr>
+          <p:cNvSpPr>
+            <a:spLocks noGrp="1"/>
+          </p:cNvSpPr>
+          <p:nvPr>
+            <p:ph idx="1"/>
+          </p:nvPr>
+        </p:nvSpPr>
+        <p:spPr>
+          <a:xfrm>
+            <a:off x="1371599" y="2318197"/>
+            <a:ext cx="9724031" cy="3683358"/>
+          </a:xfrm>
+        </p:spPr>
+        <p:txBody>
+          <a:bodyPr anchor="ctr">
+            <a:normAutofit/>
+          </a:bodyPr>
+          <a:lstStyle/>
+          <a:p>
+            <a:r>
+              <a:rPr lang="nb-NO" sz="2000" dirty="0" err="1"/>
+              <a:t>Functions</a:t>
+            </a:r>
+            <a:r>
+              <a:rPr lang="nb-NO" sz="2000" dirty="0"/>
+              <a:t> for </a:t>
+            </a:r>
+            <a:r>
+              <a:rPr lang="nb-NO" sz="2000" dirty="0" err="1"/>
+              <a:t>this</a:t>
+            </a:r>
+            <a:r>
+              <a:rPr lang="nb-NO" sz="2000" dirty="0"/>
+              <a:t> is </a:t>
+            </a:r>
+            <a:r>
+              <a:rPr lang="nb-NO" sz="2000" dirty="0" err="1"/>
+              <a:t>located</a:t>
+            </a:r>
+            <a:r>
+              <a:rPr lang="nb-NO" sz="2000" dirty="0"/>
+              <a:t> in \Scripts\Log.py</a:t>
+            </a:r>
+          </a:p>
+          <a:p>
+            <a:r>
+              <a:rPr lang="nb-NO" sz="2000" dirty="0"/>
+              <a:t>Models </a:t>
+            </a:r>
+            <a:r>
+              <a:rPr lang="nb-NO" sz="2000" dirty="0" err="1"/>
+              <a:t>get</a:t>
+            </a:r>
+            <a:r>
+              <a:rPr lang="nb-NO" sz="2000" dirty="0"/>
+              <a:t> </a:t>
+            </a:r>
+            <a:r>
+              <a:rPr lang="nb-NO" sz="2000" dirty="0" err="1"/>
+              <a:t>stored</a:t>
+            </a:r>
+            <a:r>
+              <a:rPr lang="nb-NO" sz="2000" dirty="0"/>
+              <a:t> in </a:t>
+            </a:r>
+            <a:r>
+              <a:rPr lang="nb-NO" sz="2000" dirty="0" err="1"/>
+              <a:t>the</a:t>
+            </a:r>
+            <a:r>
+              <a:rPr lang="nb-NO" sz="2000" dirty="0"/>
+              <a:t> \Models folder</a:t>
+            </a:r>
+          </a:p>
+          <a:p>
+            <a:pPr lvl="1"/>
+            <a:r>
+              <a:rPr lang="nb-NO" sz="1600" dirty="0"/>
+              <a:t>New ran </a:t>
+            </a:r>
+            <a:r>
+              <a:rPr lang="nb-NO" sz="1600" dirty="0" err="1"/>
+              <a:t>models</a:t>
+            </a:r>
+            <a:r>
+              <a:rPr lang="nb-NO" sz="1600" dirty="0"/>
+              <a:t> </a:t>
+            </a:r>
+            <a:r>
+              <a:rPr lang="nb-NO" sz="1600" dirty="0" err="1"/>
+              <a:t>are</a:t>
+            </a:r>
+            <a:r>
+              <a:rPr lang="nb-NO" sz="1600" dirty="0"/>
+              <a:t> </a:t>
+            </a:r>
+            <a:r>
+              <a:rPr lang="nb-NO" sz="1600" dirty="0" err="1"/>
+              <a:t>categorized</a:t>
+            </a:r>
+            <a:r>
+              <a:rPr lang="nb-NO" sz="1600" dirty="0"/>
+              <a:t> in folders by </a:t>
+            </a:r>
+            <a:r>
+              <a:rPr lang="nb-NO" sz="1600" i="1" dirty="0" err="1"/>
+              <a:t>datetime</a:t>
+            </a:r>
+            <a:endParaRPr lang="nb-NO" sz="1600" i="1" dirty="0"/>
+          </a:p>
+          <a:p>
+            <a:pPr lvl="2"/>
+            <a:r>
+              <a:rPr lang="nb-NO" sz="1200" dirty="0" err="1"/>
+              <a:t>That</a:t>
+            </a:r>
+            <a:r>
+              <a:rPr lang="nb-NO" sz="1200" dirty="0"/>
+              <a:t> </a:t>
+            </a:r>
+            <a:r>
+              <a:rPr lang="nb-NO" sz="1200" dirty="0" err="1"/>
+              <a:t>way</a:t>
+            </a:r>
+            <a:r>
+              <a:rPr lang="nb-NO" sz="1200" dirty="0"/>
+              <a:t>, all </a:t>
+            </a:r>
+            <a:r>
+              <a:rPr lang="nb-NO" sz="1200" dirty="0" err="1"/>
+              <a:t>models</a:t>
+            </a:r>
+            <a:r>
+              <a:rPr lang="nb-NO" sz="1200" dirty="0"/>
+              <a:t> </a:t>
+            </a:r>
+            <a:r>
+              <a:rPr lang="nb-NO" sz="1200" dirty="0" err="1"/>
+              <a:t>will</a:t>
+            </a:r>
+            <a:r>
+              <a:rPr lang="nb-NO" sz="1200" dirty="0"/>
+              <a:t> have </a:t>
+            </a:r>
+            <a:r>
+              <a:rPr lang="nb-NO" sz="1200" dirty="0" err="1"/>
+              <a:t>unique</a:t>
+            </a:r>
+            <a:r>
+              <a:rPr lang="nb-NO" sz="1200" dirty="0"/>
+              <a:t> </a:t>
+            </a:r>
+            <a:r>
+              <a:rPr lang="nb-NO" sz="1200" dirty="0" err="1"/>
+              <a:t>names</a:t>
+            </a:r>
+            <a:r>
+              <a:rPr lang="nb-NO" sz="1200" dirty="0"/>
+              <a:t>; </a:t>
+            </a:r>
+            <a:r>
+              <a:rPr lang="nb-NO" sz="1200" b="1" dirty="0" err="1"/>
+              <a:t>Maybe</a:t>
+            </a:r>
+            <a:r>
+              <a:rPr lang="nb-NO" sz="1200" b="1" dirty="0"/>
+              <a:t> I </a:t>
+            </a:r>
+            <a:r>
+              <a:rPr lang="nb-NO" sz="1200" b="1" dirty="0" err="1"/>
+              <a:t>should</a:t>
+            </a:r>
+            <a:r>
+              <a:rPr lang="nb-NO" sz="1200" b="1" dirty="0"/>
+              <a:t> </a:t>
+            </a:r>
+            <a:r>
+              <a:rPr lang="nb-NO" sz="1200" b="1" dirty="0" err="1"/>
+              <a:t>create</a:t>
+            </a:r>
+            <a:r>
+              <a:rPr lang="nb-NO" sz="1200" b="1" dirty="0"/>
+              <a:t> a UID</a:t>
+            </a:r>
+          </a:p>
+          <a:p>
+            <a:pPr lvl="1"/>
+            <a:r>
+              <a:rPr lang="en-GB" sz="1600" dirty="0"/>
+              <a:t>In the folder will be a JSON file containing the parameters used for the model</a:t>
+            </a:r>
+          </a:p>
+          <a:p>
+            <a:pPr lvl="2"/>
+            <a:r>
+              <a:rPr lang="en-GB" sz="1200" dirty="0"/>
+              <a:t>The JSON file should also contain </a:t>
+            </a:r>
+            <a:r>
+              <a:rPr lang="en-GB" sz="1200" b="1" dirty="0"/>
+              <a:t>summary statistics</a:t>
+            </a:r>
+            <a:r>
+              <a:rPr lang="en-GB" sz="1200" dirty="0"/>
+              <a:t>, and potentially which synthetic data were used</a:t>
+            </a:r>
+          </a:p>
+          <a:p>
+            <a:pPr lvl="1"/>
+            <a:r>
+              <a:rPr lang="en-GB" sz="1600" dirty="0"/>
+              <a:t>In the folder will also be a folder containing the weights</a:t>
+            </a:r>
+          </a:p>
+          <a:p>
+            <a:pPr lvl="1"/>
+            <a:r>
+              <a:rPr lang="en-GB" sz="1600" dirty="0"/>
+              <a:t>There should also be a folder for visual comparisons</a:t>
+            </a:r>
+          </a:p>
+          <a:p>
+            <a:r>
+              <a:rPr lang="en-GB" sz="2000" dirty="0"/>
+              <a:t>I’ll write a function which makes it easy to load the </a:t>
+            </a:r>
+            <a:r>
+              <a:rPr lang="en-GB" sz="2000" dirty="0" err="1"/>
+              <a:t>keras</a:t>
+            </a:r>
+            <a:r>
+              <a:rPr lang="en-GB" sz="2000" dirty="0"/>
+              <a:t> object for further prediction</a:t>
+            </a:r>
+          </a:p>
+        </p:txBody>
+      </p:sp>
+    </p:spTree>
+    <p:extLst>
+      <p:ext uri="{BB962C8B-B14F-4D97-AF65-F5344CB8AC3E}">
+        <p14:creationId xmlns:p14="http://schemas.microsoft.com/office/powerpoint/2010/main" val="2200119477"/>
+      </p:ext>
+    </p:extLst>
+  </p:cSld>
+  <p:clrMapOvr>
+    <a:masterClrMapping/>
+  </p:clrMapOvr>
+</p:sld>
+</file>
+
+<file path=ppt/slides/slide12.xml><?xml version="1.0" encoding="utf-8"?>
+<p:sld xmlns:a="http://schemas.openxmlformats.org/drawingml/2006/main" xmlns:r="http://schemas.openxmlformats.org/officeDocument/2006/relationships" xmlns:p="http://schemas.openxmlformats.org/presentationml/2006/main">
+  <p:cSld>
+    <p:bg>
+      <p:bgPr>
+        <a:solidFill>
+          <a:schemeClr val="bg1"/>
+        </a:solidFill>
+        <a:effectLst/>
+      </p:bgPr>
+    </p:bg>
+    <p:spTree>
+      <p:nvGrpSpPr>
+        <p:cNvPr id="1" name=""/>
+        <p:cNvGrpSpPr/>
+        <p:nvPr/>
+      </p:nvGrpSpPr>
+      <p:grpSpPr>
+        <a:xfrm>
+          <a:off x="0" y="0"/>
+          <a:ext cx="0" cy="0"/>
+          <a:chOff x="0" y="0"/>
+          <a:chExt cx="0" cy="0"/>
+        </a:xfrm>
+      </p:grpSpPr>
+      <p:sp useBgFill="1">
+        <p:nvSpPr>
+          <p:cNvPr id="8" name="Rectangle 7">
+            <a:extLst>
+              <a:ext uri="{FF2B5EF4-FFF2-40B4-BE49-F238E27FC236}">
+                <a16:creationId xmlns:a16="http://schemas.microsoft.com/office/drawing/2014/main" id="{1B15ED52-F352-441B-82BF-E0EA34836D08}"/>
+              </a:ext>
+              <a:ext uri="{C183D7F6-B498-43B3-948B-1728B52AA6E4}">
+                <adec:decorative xmlns:adec="http://schemas.microsoft.com/office/drawing/2017/decorative" val="1"/>
+              </a:ext>
+            </a:extLst>
+          </p:cNvPr>
+          <p:cNvSpPr>
+            <a:spLocks noGrp="1" noRot="1" noChangeAspect="1" noMove="1" noResize="1" noEditPoints="1" noAdjustHandles="1" noChangeArrowheads="1" noChangeShapeType="1" noTextEdit="1"/>
+          </p:cNvSpPr>
+          <p:nvPr>
+            <p:extLst>
+              <p:ext uri="{386F3935-93C4-4BCD-93E2-E3B085C9AB24}">
+                <p16:designElem xmlns:p16="http://schemas.microsoft.com/office/powerpoint/2015/main" val="1"/>
+              </p:ext>
+            </p:extLst>
+          </p:nvPr>
+        </p:nvSpPr>
+        <p:spPr>
+          <a:xfrm>
+            <a:off x="0" y="0"/>
+            <a:ext cx="12192000" cy="6858000"/>
+          </a:xfrm>
+          <a:prstGeom prst="rect">
+            <a:avLst/>
+          </a:prstGeom>
+          <a:ln w="12700" cap="flat" cmpd="sng" algn="ctr">
+            <a:noFill/>
+            <a:prstDash val="solid"/>
+            <a:miter lim="800000"/>
+          </a:ln>
+          <a:effectLst/>
+          <a:extLst>
+            <a:ext uri="{91240B29-F687-4F45-9708-019B960494DF}">
+              <a14:hiddenLine xmlns:a14="http://schemas.microsoft.com/office/drawing/2010/main" w="12700" cap="flat" cmpd="sng" algn="ctr">
+                <a:solidFill>
+                  <a:schemeClr val="accent1">
+                    <a:shade val="50000"/>
+                  </a:schemeClr>
+                </a:solidFill>
+                <a:prstDash val="solid"/>
+                <a:miter lim="800000"/>
+              </a14:hiddenLine>
+            </a:ext>
+          </a:extLst>
+        </p:spPr>
+        <p:style>
+          <a:lnRef idx="2">
+            <a:schemeClr val="accent1">
+              <a:shade val="50000"/>
+            </a:schemeClr>
+          </a:lnRef>
+          <a:fillRef idx="1">
+            <a:schemeClr val="accent1"/>
+          </a:fillRef>
+          <a:effectRef idx="0">
+            <a:schemeClr val="accent1"/>
+          </a:effectRef>
+          <a:fontRef idx="minor">
+            <a:schemeClr val="lt1"/>
+          </a:fontRef>
+        </p:style>
+        <p:txBody>
+          <a:bodyPr rtlCol="0" anchor="ctr"/>
+          <a:lstStyle/>
+          <a:p>
+            <a:pPr algn="ctr"/>
+            <a:endParaRPr lang="en-US"/>
+          </a:p>
+        </p:txBody>
+      </p:sp>
+      <p:sp>
+        <p:nvSpPr>
+          <p:cNvPr id="10" name="Rectangle 9">
+            <a:extLst>
+              <a:ext uri="{FF2B5EF4-FFF2-40B4-BE49-F238E27FC236}">
+                <a16:creationId xmlns:a16="http://schemas.microsoft.com/office/drawing/2014/main" id="{3B2E3793-BFE6-45A2-9B7B-E18844431C99}"/>
+              </a:ext>
+              <a:ext uri="{C183D7F6-B498-43B3-948B-1728B52AA6E4}">
+                <adec:decorative xmlns:adec="http://schemas.microsoft.com/office/drawing/2017/decorative" val="1"/>
+              </a:ext>
+            </a:extLst>
+          </p:cNvPr>
+          <p:cNvSpPr>
+            <a:spLocks noGrp="1" noRot="1" noChangeAspect="1" noMove="1" noResize="1" noEditPoints="1" noAdjustHandles="1" noChangeArrowheads="1" noChangeShapeType="1" noTextEdit="1"/>
+          </p:cNvSpPr>
+          <p:nvPr>
+            <p:extLst>
+              <p:ext uri="{386F3935-93C4-4BCD-93E2-E3B085C9AB24}">
+                <p16:designElem xmlns:p16="http://schemas.microsoft.com/office/powerpoint/2015/main" val="1"/>
+              </p:ext>
+            </p:extLst>
+          </p:nvPr>
+        </p:nvSpPr>
+        <p:spPr>
+          <a:xfrm flipH="1">
+            <a:off x="-1" y="-1"/>
+            <a:ext cx="12191998" cy="1590742"/>
+          </a:xfrm>
+          <a:prstGeom prst="rect">
+            <a:avLst/>
+          </a:prstGeom>
+          <a:gradFill>
+            <a:gsLst>
+              <a:gs pos="0">
+                <a:srgbClr val="000000"/>
+              </a:gs>
+              <a:gs pos="100000">
+                <a:schemeClr val="accent1">
+                  <a:lumMod val="75000"/>
+                </a:schemeClr>
+              </a:gs>
+            </a:gsLst>
+            <a:lin ang="8400000" scaled="0"/>
+          </a:gradFill>
+          <a:ln>
+            <a:noFill/>
+          </a:ln>
+        </p:spPr>
+        <p:style>
+          <a:lnRef idx="2">
+            <a:schemeClr val="accent1">
+              <a:shade val="50000"/>
+            </a:schemeClr>
+          </a:lnRef>
+          <a:fillRef idx="1">
+            <a:schemeClr val="accent1"/>
+          </a:fillRef>
+          <a:effectRef idx="0">
+            <a:schemeClr val="accent1"/>
+          </a:effectRef>
+          <a:fontRef idx="minor">
+            <a:schemeClr val="lt1"/>
+          </a:fontRef>
+        </p:style>
+        <p:txBody>
+          <a:bodyPr rtlCol="0" anchor="ctr"/>
+          <a:lstStyle/>
+          <a:p>
+            <a:pPr algn="ctr"/>
+            <a:endParaRPr lang="en-US"/>
+          </a:p>
+        </p:txBody>
+      </p:sp>
+      <p:sp>
+        <p:nvSpPr>
+          <p:cNvPr id="12" name="Rectangle 11">
+            <a:extLst>
+              <a:ext uri="{FF2B5EF4-FFF2-40B4-BE49-F238E27FC236}">
+                <a16:creationId xmlns:a16="http://schemas.microsoft.com/office/drawing/2014/main" id="{BC4C4868-CB8F-4AF9-9CDB-8108F2C19B67}"/>
+              </a:ext>
+              <a:ext uri="{C183D7F6-B498-43B3-948B-1728B52AA6E4}">
+                <adec:decorative xmlns:adec="http://schemas.microsoft.com/office/drawing/2017/decorative" val="1"/>
+              </a:ext>
+            </a:extLst>
+          </p:cNvPr>
+          <p:cNvSpPr>
+            <a:spLocks noGrp="1" noRot="1" noChangeAspect="1" noMove="1" noResize="1" noEditPoints="1" noAdjustHandles="1" noChangeArrowheads="1" noChangeShapeType="1" noTextEdit="1"/>
+          </p:cNvSpPr>
+          <p:nvPr>
+            <p:extLst>
+              <p:ext uri="{386F3935-93C4-4BCD-93E2-E3B085C9AB24}">
+                <p16:designElem xmlns:p16="http://schemas.microsoft.com/office/powerpoint/2015/main" val="1"/>
+              </p:ext>
+            </p:extLst>
+          </p:nvPr>
+        </p:nvSpPr>
+        <p:spPr>
+          <a:xfrm rot="10800000" flipH="1">
+            <a:off x="-3" y="0"/>
+            <a:ext cx="8115306" cy="1590742"/>
+          </a:xfrm>
+          <a:prstGeom prst="rect">
+            <a:avLst/>
+          </a:prstGeom>
+          <a:gradFill>
+            <a:gsLst>
+              <a:gs pos="20000">
+                <a:schemeClr val="accent1">
+                  <a:alpha val="0"/>
+                </a:schemeClr>
+              </a:gs>
+              <a:gs pos="100000">
+                <a:schemeClr val="accent1">
+                  <a:lumMod val="50000"/>
+                  <a:alpha val="55000"/>
+                </a:schemeClr>
+              </a:gs>
+            </a:gsLst>
+            <a:lin ang="13800000" scaled="0"/>
+          </a:gradFill>
+          <a:ln>
+            <a:noFill/>
+          </a:ln>
+        </p:spPr>
+        <p:style>
+          <a:lnRef idx="2">
+            <a:schemeClr val="accent1">
+              <a:shade val="50000"/>
+            </a:schemeClr>
+          </a:lnRef>
+          <a:fillRef idx="1">
+            <a:schemeClr val="accent1"/>
+          </a:fillRef>
+          <a:effectRef idx="0">
+            <a:schemeClr val="accent1"/>
+          </a:effectRef>
+          <a:fontRef idx="minor">
+            <a:schemeClr val="lt1"/>
+          </a:fontRef>
+        </p:style>
+        <p:txBody>
+          <a:bodyPr rtlCol="0" anchor="ctr"/>
+          <a:lstStyle/>
+          <a:p>
+            <a:pPr algn="ctr"/>
+            <a:endParaRPr lang="en-US"/>
+          </a:p>
+        </p:txBody>
+      </p:sp>
+      <p:sp>
+        <p:nvSpPr>
+          <p:cNvPr id="14" name="Rectangle 13">
+            <a:extLst>
+              <a:ext uri="{FF2B5EF4-FFF2-40B4-BE49-F238E27FC236}">
+                <a16:creationId xmlns:a16="http://schemas.microsoft.com/office/drawing/2014/main" id="{375E0459-6403-40CD-989D-56A4407CA12E}"/>
+              </a:ext>
+              <a:ext uri="{C183D7F6-B498-43B3-948B-1728B52AA6E4}">
+                <adec:decorative xmlns:adec="http://schemas.microsoft.com/office/drawing/2017/decorative" val="1"/>
+              </a:ext>
+            </a:extLst>
+          </p:cNvPr>
+          <p:cNvSpPr>
+            <a:spLocks noGrp="1" noRot="1" noChangeAspect="1" noMove="1" noResize="1" noEditPoints="1" noAdjustHandles="1" noChangeArrowheads="1" noChangeShapeType="1" noTextEdit="1"/>
+          </p:cNvSpPr>
+          <p:nvPr>
+            <p:extLst>
+              <p:ext uri="{386F3935-93C4-4BCD-93E2-E3B085C9AB24}">
+                <p16:designElem xmlns:p16="http://schemas.microsoft.com/office/powerpoint/2015/main" val="1"/>
+              </p:ext>
+            </p:extLst>
+          </p:nvPr>
+        </p:nvSpPr>
+        <p:spPr>
+          <a:xfrm flipH="1">
+            <a:off x="8115299" y="-1"/>
+            <a:ext cx="4076698" cy="1590742"/>
+          </a:xfrm>
+          <a:prstGeom prst="rect">
+            <a:avLst/>
+          </a:prstGeom>
+          <a:gradFill>
+            <a:gsLst>
+              <a:gs pos="0">
+                <a:schemeClr val="accent1">
+                  <a:alpha val="66000"/>
+                </a:schemeClr>
+              </a:gs>
+              <a:gs pos="100000">
+                <a:srgbClr val="000000">
+                  <a:alpha val="30000"/>
+                </a:srgbClr>
+              </a:gs>
+            </a:gsLst>
+            <a:lin ang="13200000" scaled="0"/>
+          </a:gradFill>
+          <a:ln>
+            <a:noFill/>
+          </a:ln>
+        </p:spPr>
+        <p:style>
+          <a:lnRef idx="2">
+            <a:schemeClr val="accent1">
+              <a:shade val="50000"/>
+            </a:schemeClr>
+          </a:lnRef>
+          <a:fillRef idx="1">
+            <a:schemeClr val="accent1"/>
+          </a:fillRef>
+          <a:effectRef idx="0">
+            <a:schemeClr val="accent1"/>
+          </a:effectRef>
+          <a:fontRef idx="minor">
+            <a:schemeClr val="lt1"/>
+          </a:fontRef>
+        </p:style>
+        <p:txBody>
+          <a:bodyPr rtlCol="0" anchor="ctr"/>
+          <a:lstStyle/>
+          <a:p>
+            <a:pPr algn="ctr"/>
+            <a:endParaRPr lang="en-US"/>
+          </a:p>
+        </p:txBody>
+      </p:sp>
+      <p:sp>
+        <p:nvSpPr>
+          <p:cNvPr id="16" name="Rectangle 15">
+            <a:extLst>
+              <a:ext uri="{FF2B5EF4-FFF2-40B4-BE49-F238E27FC236}">
+                <a16:creationId xmlns:a16="http://schemas.microsoft.com/office/drawing/2014/main" id="{53E5B1A8-3AC9-4BD1-9BBC-78CA94F2D1BA}"/>
+              </a:ext>
+              <a:ext uri="{C183D7F6-B498-43B3-948B-1728B52AA6E4}">
+                <adec:decorative xmlns:adec="http://schemas.microsoft.com/office/drawing/2017/decorative" val="1"/>
+              </a:ext>
+            </a:extLst>
+          </p:cNvPr>
+          <p:cNvSpPr>
+            <a:spLocks noGrp="1" noRot="1" noChangeAspect="1" noMove="1" noResize="1" noEditPoints="1" noAdjustHandles="1" noChangeArrowheads="1" noChangeShapeType="1" noTextEdit="1"/>
+          </p:cNvSpPr>
+          <p:nvPr>
+            <p:extLst>
+              <p:ext uri="{386F3935-93C4-4BCD-93E2-E3B085C9AB24}">
+                <p16:designElem xmlns:p16="http://schemas.microsoft.com/office/powerpoint/2015/main" val="1"/>
+              </p:ext>
+            </p:extLst>
+          </p:nvPr>
+        </p:nvSpPr>
+        <p:spPr>
+          <a:xfrm>
+            <a:off x="459350" y="-1"/>
+            <a:ext cx="11732646" cy="1597433"/>
+          </a:xfrm>
+          <a:prstGeom prst="rect">
+            <a:avLst/>
+          </a:prstGeom>
+          <a:gradFill>
+            <a:gsLst>
+              <a:gs pos="50000">
+                <a:srgbClr val="000000">
+                  <a:alpha val="0"/>
+                </a:srgbClr>
+              </a:gs>
+              <a:gs pos="99000">
+                <a:schemeClr val="accent1">
+                  <a:lumMod val="50000"/>
+                  <a:alpha val="52000"/>
+                </a:schemeClr>
+              </a:gs>
+            </a:gsLst>
+            <a:lin ang="16800000" scaled="0"/>
+          </a:gradFill>
+          <a:ln>
+            <a:noFill/>
+          </a:ln>
+        </p:spPr>
+        <p:style>
+          <a:lnRef idx="2">
+            <a:schemeClr val="accent1">
+              <a:shade val="50000"/>
+            </a:schemeClr>
+          </a:lnRef>
+          <a:fillRef idx="1">
+            <a:schemeClr val="accent1"/>
+          </a:fillRef>
+          <a:effectRef idx="0">
+            <a:schemeClr val="accent1"/>
+          </a:effectRef>
+          <a:fontRef idx="minor">
+            <a:schemeClr val="lt1"/>
+          </a:fontRef>
+        </p:style>
+        <p:txBody>
+          <a:bodyPr rtlCol="0" anchor="ctr"/>
+          <a:lstStyle/>
+          <a:p>
+            <a:pPr algn="ctr"/>
+            <a:endParaRPr lang="en-US"/>
+          </a:p>
+        </p:txBody>
+      </p:sp>
+      <p:sp>
+        <p:nvSpPr>
+          <p:cNvPr id="2" name="Title 1">
+            <a:extLst>
+              <a:ext uri="{FF2B5EF4-FFF2-40B4-BE49-F238E27FC236}">
+                <a16:creationId xmlns:a16="http://schemas.microsoft.com/office/drawing/2014/main" id="{98CD3415-4D6C-4BC5-9378-D7A5A3941644}"/>
+              </a:ext>
+            </a:extLst>
+          </p:cNvPr>
+          <p:cNvSpPr>
+            <a:spLocks noGrp="1"/>
+          </p:cNvSpPr>
+          <p:nvPr>
+            <p:ph type="title"/>
+          </p:nvPr>
+        </p:nvSpPr>
+        <p:spPr>
+          <a:xfrm>
+            <a:off x="1371599" y="294538"/>
+            <a:ext cx="9895951" cy="1033669"/>
+          </a:xfrm>
+        </p:spPr>
+        <p:txBody>
+          <a:bodyPr>
+            <a:normAutofit/>
+          </a:bodyPr>
+          <a:lstStyle/>
+          <a:p>
+            <a:r>
+              <a:rPr lang="nb-NO" sz="4000" dirty="0">
+                <a:solidFill>
+                  <a:srgbClr val="FFFFFF"/>
+                </a:solidFill>
+              </a:rPr>
+              <a:t>Transfer </a:t>
+            </a:r>
+            <a:r>
+              <a:rPr lang="nb-NO" sz="4000" dirty="0" err="1">
+                <a:solidFill>
+                  <a:srgbClr val="FFFFFF"/>
+                </a:solidFill>
+              </a:rPr>
+              <a:t>learning</a:t>
+            </a:r>
+            <a:endParaRPr lang="en-GB" sz="4000" dirty="0">
+              <a:solidFill>
+                <a:srgbClr val="FFFFFF"/>
+              </a:solidFill>
+            </a:endParaRPr>
+          </a:p>
+        </p:txBody>
+      </p:sp>
+      <p:sp>
+        <p:nvSpPr>
+          <p:cNvPr id="3" name="Content Placeholder 2">
+            <a:extLst>
+              <a:ext uri="{FF2B5EF4-FFF2-40B4-BE49-F238E27FC236}">
+                <a16:creationId xmlns:a16="http://schemas.microsoft.com/office/drawing/2014/main" id="{88186C86-7E96-4CF0-AE2B-A2B248D85282}"/>
+              </a:ext>
+            </a:extLst>
+          </p:cNvPr>
+          <p:cNvSpPr>
+            <a:spLocks noGrp="1"/>
+          </p:cNvSpPr>
+          <p:nvPr>
+            <p:ph idx="1"/>
+          </p:nvPr>
+        </p:nvSpPr>
+        <p:spPr>
+          <a:xfrm>
+            <a:off x="1371599" y="2318197"/>
+            <a:ext cx="9724031" cy="3683358"/>
+          </a:xfrm>
+        </p:spPr>
+        <p:txBody>
+          <a:bodyPr anchor="ctr">
+            <a:normAutofit/>
+          </a:bodyPr>
+          <a:lstStyle/>
+          <a:p>
+            <a:r>
+              <a:rPr lang="nb-NO" sz="2000" dirty="0"/>
+              <a:t>The </a:t>
+            </a:r>
+            <a:r>
+              <a:rPr lang="nb-NO" sz="2000" dirty="0" err="1"/>
+              <a:t>three</a:t>
+            </a:r>
+            <a:r>
+              <a:rPr lang="nb-NO" sz="2000" dirty="0"/>
+              <a:t> best </a:t>
+            </a:r>
+            <a:r>
+              <a:rPr lang="nb-NO" sz="2000" dirty="0" err="1"/>
+              <a:t>predicting</a:t>
+            </a:r>
+            <a:r>
+              <a:rPr lang="nb-NO" sz="2000" dirty="0"/>
+              <a:t> </a:t>
+            </a:r>
+            <a:r>
+              <a:rPr lang="nb-NO" sz="2000" dirty="0" err="1"/>
+              <a:t>models</a:t>
+            </a:r>
+            <a:r>
+              <a:rPr lang="nb-NO" sz="2000" dirty="0"/>
+              <a:t> </a:t>
+            </a:r>
+            <a:r>
+              <a:rPr lang="nb-NO" sz="2000" dirty="0" err="1"/>
+              <a:t>can</a:t>
+            </a:r>
+            <a:r>
+              <a:rPr lang="nb-NO" sz="2000" dirty="0"/>
+              <a:t> be </a:t>
+            </a:r>
+            <a:r>
+              <a:rPr lang="nb-NO" sz="2000" dirty="0" err="1"/>
+              <a:t>kept</a:t>
+            </a:r>
+            <a:r>
+              <a:rPr lang="nb-NO" sz="2000" dirty="0"/>
+              <a:t> </a:t>
+            </a:r>
+            <a:r>
+              <a:rPr lang="nb-NO" sz="2000" dirty="0" err="1"/>
+              <a:t>track</a:t>
+            </a:r>
+            <a:r>
+              <a:rPr lang="nb-NO" sz="2000" dirty="0"/>
+              <a:t> </a:t>
+            </a:r>
+            <a:r>
+              <a:rPr lang="nb-NO" sz="2000" dirty="0" err="1"/>
+              <a:t>of</a:t>
+            </a:r>
+            <a:r>
+              <a:rPr lang="nb-NO" sz="2000" dirty="0"/>
+              <a:t>, and </a:t>
+            </a:r>
+            <a:r>
+              <a:rPr lang="nb-NO" sz="2000" dirty="0" err="1"/>
+              <a:t>when</a:t>
+            </a:r>
+            <a:r>
+              <a:rPr lang="nb-NO" sz="2000" dirty="0"/>
+              <a:t> training </a:t>
+            </a:r>
+            <a:r>
+              <a:rPr lang="nb-NO" sz="2000" dirty="0" err="1"/>
+              <a:t>new</a:t>
+            </a:r>
+            <a:r>
+              <a:rPr lang="nb-NO" sz="2000" dirty="0"/>
+              <a:t> </a:t>
+            </a:r>
+            <a:r>
+              <a:rPr lang="nb-NO" sz="2000" dirty="0" err="1"/>
+              <a:t>models</a:t>
+            </a:r>
+            <a:r>
+              <a:rPr lang="nb-NO" sz="2000" dirty="0"/>
+              <a:t> </a:t>
+            </a:r>
+            <a:r>
+              <a:rPr lang="nb-NO" sz="2000" dirty="0" err="1"/>
+              <a:t>the</a:t>
+            </a:r>
+            <a:r>
+              <a:rPr lang="nb-NO" sz="2000" dirty="0"/>
+              <a:t> </a:t>
+            </a:r>
+            <a:r>
+              <a:rPr lang="nb-NO" sz="2000" dirty="0" err="1"/>
+              <a:t>weights</a:t>
+            </a:r>
+            <a:r>
+              <a:rPr lang="nb-NO" sz="2000" dirty="0"/>
+              <a:t> </a:t>
+            </a:r>
+            <a:r>
+              <a:rPr lang="nb-NO" sz="2000" dirty="0" err="1"/>
+              <a:t>may</a:t>
+            </a:r>
+            <a:r>
+              <a:rPr lang="nb-NO" sz="2000" dirty="0"/>
+              <a:t> be </a:t>
+            </a:r>
+            <a:r>
+              <a:rPr lang="nb-NO" sz="2000" dirty="0" err="1"/>
+              <a:t>initiated</a:t>
+            </a:r>
+            <a:r>
+              <a:rPr lang="nb-NO" sz="2000" dirty="0"/>
+              <a:t> 1. </a:t>
+            </a:r>
+            <a:r>
+              <a:rPr lang="nb-NO" sz="2000" dirty="0" err="1"/>
+              <a:t>Randomly</a:t>
+            </a:r>
+            <a:r>
+              <a:rPr lang="nb-NO" sz="2000" dirty="0"/>
+              <a:t>, 2. Using </a:t>
+            </a:r>
+            <a:r>
+              <a:rPr lang="nb-NO" sz="2000" dirty="0" err="1"/>
+              <a:t>feature</a:t>
+            </a:r>
+            <a:r>
+              <a:rPr lang="nb-NO" sz="2000" dirty="0"/>
+              <a:t> </a:t>
+            </a:r>
+            <a:r>
+              <a:rPr lang="nb-NO" sz="2000" dirty="0" err="1"/>
+              <a:t>extraction</a:t>
+            </a:r>
+            <a:r>
+              <a:rPr lang="nb-NO" sz="2000" dirty="0"/>
+              <a:t> </a:t>
+            </a:r>
+            <a:r>
+              <a:rPr lang="nb-NO" sz="2000" dirty="0" err="1"/>
+              <a:t>module</a:t>
+            </a:r>
+            <a:r>
+              <a:rPr lang="nb-NO" sz="2000" dirty="0"/>
+              <a:t> from </a:t>
+            </a:r>
+            <a:r>
+              <a:rPr lang="nb-NO" sz="2000" dirty="0" err="1"/>
+              <a:t>the</a:t>
+            </a:r>
+            <a:r>
+              <a:rPr lang="nb-NO" sz="2000" dirty="0"/>
+              <a:t> </a:t>
+            </a:r>
+            <a:r>
+              <a:rPr lang="nb-NO" sz="2000" dirty="0" err="1"/>
+              <a:t>other</a:t>
+            </a:r>
+            <a:r>
+              <a:rPr lang="nb-NO" sz="2000" dirty="0"/>
+              <a:t> best </a:t>
+            </a:r>
+            <a:r>
+              <a:rPr lang="nb-NO" sz="2000" dirty="0" err="1"/>
+              <a:t>performing</a:t>
+            </a:r>
+            <a:r>
+              <a:rPr lang="nb-NO" sz="2000" dirty="0"/>
+              <a:t> </a:t>
+            </a:r>
+            <a:r>
+              <a:rPr lang="nb-NO" sz="2000" dirty="0" err="1"/>
+              <a:t>models</a:t>
+            </a:r>
+            <a:r>
+              <a:rPr lang="nb-NO" sz="2000" dirty="0"/>
+              <a:t>. </a:t>
+            </a:r>
+          </a:p>
+          <a:p>
+            <a:r>
+              <a:rPr lang="nb-NO" sz="2000" dirty="0"/>
+              <a:t>If </a:t>
+            </a:r>
+            <a:r>
+              <a:rPr lang="nb-NO" sz="2000" dirty="0" err="1"/>
+              <a:t>the</a:t>
+            </a:r>
+            <a:r>
+              <a:rPr lang="nb-NO" sz="2000" dirty="0"/>
+              <a:t> </a:t>
+            </a:r>
+            <a:r>
+              <a:rPr lang="nb-NO" sz="2000" dirty="0" err="1"/>
+              <a:t>model</a:t>
+            </a:r>
+            <a:r>
+              <a:rPr lang="nb-NO" sz="2000" dirty="0"/>
+              <a:t> </a:t>
+            </a:r>
+            <a:r>
+              <a:rPr lang="nb-NO" sz="2000" dirty="0" err="1"/>
+              <a:t>then</a:t>
+            </a:r>
+            <a:r>
+              <a:rPr lang="nb-NO" sz="2000" dirty="0"/>
+              <a:t> </a:t>
+            </a:r>
+            <a:r>
+              <a:rPr lang="nb-NO" sz="2000" dirty="0" err="1"/>
+              <a:t>performs</a:t>
+            </a:r>
+            <a:r>
+              <a:rPr lang="nb-NO" sz="2000" dirty="0"/>
+              <a:t> </a:t>
+            </a:r>
+            <a:r>
+              <a:rPr lang="nb-NO" sz="2000" dirty="0" err="1"/>
+              <a:t>even</a:t>
+            </a:r>
+            <a:r>
+              <a:rPr lang="nb-NO" sz="2000" dirty="0"/>
+              <a:t> </a:t>
+            </a:r>
+            <a:r>
+              <a:rPr lang="nb-NO" sz="2000" dirty="0" err="1"/>
+              <a:t>better</a:t>
+            </a:r>
+            <a:r>
+              <a:rPr lang="nb-NO" sz="2000" dirty="0"/>
+              <a:t>, It </a:t>
+            </a:r>
+            <a:r>
+              <a:rPr lang="nb-NO" sz="2000" dirty="0" err="1"/>
+              <a:t>will</a:t>
+            </a:r>
+            <a:r>
+              <a:rPr lang="nb-NO" sz="2000" dirty="0"/>
+              <a:t> </a:t>
+            </a:r>
+            <a:r>
+              <a:rPr lang="nb-NO" sz="2000" dirty="0" err="1"/>
+              <a:t>replace</a:t>
+            </a:r>
+            <a:r>
+              <a:rPr lang="nb-NO" sz="2000" dirty="0"/>
+              <a:t> </a:t>
+            </a:r>
+            <a:r>
+              <a:rPr lang="nb-NO" sz="2000" dirty="0" err="1"/>
+              <a:t>one</a:t>
+            </a:r>
+            <a:r>
+              <a:rPr lang="nb-NO" sz="2000" dirty="0"/>
+              <a:t> </a:t>
+            </a:r>
+            <a:r>
+              <a:rPr lang="nb-NO" sz="2000" dirty="0" err="1"/>
+              <a:t>of</a:t>
+            </a:r>
+            <a:r>
+              <a:rPr lang="nb-NO" sz="2000" dirty="0"/>
+              <a:t> </a:t>
+            </a:r>
+            <a:r>
+              <a:rPr lang="nb-NO" sz="2000" dirty="0" err="1"/>
+              <a:t>the</a:t>
+            </a:r>
+            <a:r>
+              <a:rPr lang="nb-NO" sz="2000" dirty="0"/>
+              <a:t> </a:t>
+            </a:r>
+            <a:r>
+              <a:rPr lang="nb-NO" sz="2000" dirty="0" err="1"/>
+              <a:t>others</a:t>
+            </a:r>
+            <a:r>
+              <a:rPr lang="nb-NO" sz="2000" dirty="0"/>
+              <a:t> </a:t>
+            </a:r>
+            <a:r>
+              <a:rPr lang="nb-NO" sz="2000" dirty="0" err="1"/>
+              <a:t>on</a:t>
+            </a:r>
+            <a:r>
+              <a:rPr lang="nb-NO" sz="2000" dirty="0"/>
+              <a:t> </a:t>
+            </a:r>
+            <a:r>
+              <a:rPr lang="nb-NO" sz="2000" dirty="0" err="1"/>
+              <a:t>the</a:t>
+            </a:r>
+            <a:r>
+              <a:rPr lang="nb-NO" sz="2000" dirty="0"/>
+              <a:t> </a:t>
+            </a:r>
+            <a:r>
+              <a:rPr lang="nb-NO" sz="2000" dirty="0" err="1"/>
+              <a:t>top</a:t>
+            </a:r>
+            <a:r>
+              <a:rPr lang="nb-NO" sz="2000" dirty="0"/>
+              <a:t> </a:t>
+            </a:r>
+            <a:r>
+              <a:rPr lang="nb-NO" sz="2000" dirty="0" err="1"/>
+              <a:t>three</a:t>
+            </a:r>
+            <a:r>
+              <a:rPr lang="nb-NO" sz="2000" dirty="0"/>
+              <a:t> list</a:t>
+            </a:r>
+          </a:p>
+          <a:p>
+            <a:pPr lvl="1"/>
+            <a:r>
+              <a:rPr lang="nb-NO" sz="1600" dirty="0" err="1"/>
+              <a:t>Overfitting</a:t>
+            </a:r>
+            <a:r>
+              <a:rPr lang="nb-NO" sz="1600" dirty="0"/>
+              <a:t> </a:t>
+            </a:r>
+            <a:r>
+              <a:rPr lang="nb-NO" sz="1600" dirty="0" err="1"/>
+              <a:t>may</a:t>
+            </a:r>
+            <a:r>
+              <a:rPr lang="nb-NO" sz="1600" dirty="0"/>
+              <a:t> be an </a:t>
+            </a:r>
+            <a:r>
+              <a:rPr lang="nb-NO" sz="1600" dirty="0" err="1"/>
+              <a:t>issue</a:t>
+            </a:r>
+            <a:r>
+              <a:rPr lang="nb-NO" sz="1600" dirty="0"/>
+              <a:t> </a:t>
+            </a:r>
+            <a:r>
+              <a:rPr lang="nb-NO" sz="1600" dirty="0" err="1"/>
+              <a:t>with</a:t>
+            </a:r>
+            <a:r>
+              <a:rPr lang="nb-NO" sz="1600" dirty="0"/>
+              <a:t> </a:t>
+            </a:r>
+            <a:r>
+              <a:rPr lang="nb-NO" sz="1600" dirty="0" err="1"/>
+              <a:t>this</a:t>
+            </a:r>
+            <a:endParaRPr lang="nb-NO" sz="1600" dirty="0"/>
+          </a:p>
+          <a:p>
+            <a:r>
+              <a:rPr lang="nb-NO" sz="2000" dirty="0" err="1"/>
+              <a:t>Another</a:t>
+            </a:r>
+            <a:r>
+              <a:rPr lang="nb-NO" sz="2000" dirty="0"/>
+              <a:t> </a:t>
+            </a:r>
+            <a:r>
+              <a:rPr lang="nb-NO" sz="2000" dirty="0" err="1"/>
+              <a:t>option</a:t>
+            </a:r>
+            <a:r>
+              <a:rPr lang="nb-NO" sz="2000" dirty="0"/>
+              <a:t>: Using </a:t>
+            </a:r>
+            <a:r>
+              <a:rPr lang="nb-NO" sz="2000" dirty="0" err="1"/>
+              <a:t>monte</a:t>
+            </a:r>
+            <a:r>
+              <a:rPr lang="nb-NO" sz="2000" dirty="0"/>
+              <a:t> </a:t>
+            </a:r>
+            <a:r>
+              <a:rPr lang="nb-NO" sz="2000" dirty="0" err="1"/>
+              <a:t>carlo</a:t>
+            </a:r>
+            <a:r>
+              <a:rPr lang="nb-NO" sz="2000" dirty="0"/>
+              <a:t> </a:t>
+            </a:r>
+            <a:r>
+              <a:rPr lang="nb-NO" sz="2000" dirty="0" err="1"/>
+              <a:t>tree</a:t>
+            </a:r>
+            <a:r>
+              <a:rPr lang="nb-NO" sz="2000" dirty="0"/>
+              <a:t> </a:t>
+            </a:r>
+            <a:r>
+              <a:rPr lang="nb-NO" sz="2000" dirty="0" err="1"/>
+              <a:t>search</a:t>
+            </a:r>
+            <a:r>
+              <a:rPr lang="nb-NO" sz="2000" dirty="0"/>
+              <a:t> </a:t>
+            </a:r>
+            <a:r>
+              <a:rPr lang="nb-NO" sz="2000" dirty="0" err="1"/>
+              <a:t>based</a:t>
+            </a:r>
+            <a:r>
+              <a:rPr lang="nb-NO" sz="2000" dirty="0"/>
+              <a:t> </a:t>
+            </a:r>
+            <a:r>
+              <a:rPr lang="nb-NO" sz="2000" dirty="0" err="1"/>
+              <a:t>on</a:t>
+            </a:r>
+            <a:r>
+              <a:rPr lang="nb-NO" sz="2000" dirty="0"/>
+              <a:t> all </a:t>
+            </a:r>
+            <a:r>
+              <a:rPr lang="nb-NO" sz="2000" dirty="0" err="1"/>
+              <a:t>other</a:t>
+            </a:r>
+            <a:r>
+              <a:rPr lang="nb-NO" sz="2000" dirty="0"/>
+              <a:t> </a:t>
+            </a:r>
+            <a:r>
+              <a:rPr lang="nb-NO" sz="2000" dirty="0" err="1"/>
+              <a:t>models</a:t>
+            </a:r>
+            <a:endParaRPr lang="en-GB" sz="2000" dirty="0"/>
+          </a:p>
+        </p:txBody>
+      </p:sp>
+    </p:spTree>
+    <p:extLst>
+      <p:ext uri="{BB962C8B-B14F-4D97-AF65-F5344CB8AC3E}">
+        <p14:creationId xmlns:p14="http://schemas.microsoft.com/office/powerpoint/2010/main" val="2547130915"/>
+      </p:ext>
+    </p:extLst>
+  </p:cSld>
+  <p:clrMapOvr>
+    <a:masterClrMapping/>
+  </p:clrMapOvr>
+</p:sld>
+</file>
+
+<file path=ppt/slides/slide13.xml><?xml version="1.0" encoding="utf-8"?>
+<p:sld xmlns:a="http://schemas.openxmlformats.org/drawingml/2006/main" xmlns:r="http://schemas.openxmlformats.org/officeDocument/2006/relationships" xmlns:p="http://schemas.openxmlformats.org/presentationml/2006/main">
+  <p:cSld>
+    <p:bg>
+      <p:bgPr>
+        <a:solidFill>
+          <a:schemeClr val="bg1"/>
+        </a:solidFill>
+        <a:effectLst/>
+      </p:bgPr>
+    </p:bg>
+    <p:spTree>
+      <p:nvGrpSpPr>
+        <p:cNvPr id="1" name=""/>
+        <p:cNvGrpSpPr/>
+        <p:nvPr/>
+      </p:nvGrpSpPr>
+      <p:grpSpPr>
+        <a:xfrm>
+          <a:off x="0" y="0"/>
+          <a:ext cx="0" cy="0"/>
+          <a:chOff x="0" y="0"/>
+          <a:chExt cx="0" cy="0"/>
+        </a:xfrm>
+      </p:grpSpPr>
+      <p:sp useBgFill="1">
+        <p:nvSpPr>
+          <p:cNvPr id="8" name="Rectangle 7">
+            <a:extLst>
+              <a:ext uri="{FF2B5EF4-FFF2-40B4-BE49-F238E27FC236}">
+                <a16:creationId xmlns:a16="http://schemas.microsoft.com/office/drawing/2014/main" id="{1B15ED52-F352-441B-82BF-E0EA34836D08}"/>
+              </a:ext>
+              <a:ext uri="{C183D7F6-B498-43B3-948B-1728B52AA6E4}">
+                <adec:decorative xmlns:adec="http://schemas.microsoft.com/office/drawing/2017/decorative" val="1"/>
+              </a:ext>
+            </a:extLst>
+          </p:cNvPr>
+          <p:cNvSpPr>
+            <a:spLocks noGrp="1" noRot="1" noChangeAspect="1" noMove="1" noResize="1" noEditPoints="1" noAdjustHandles="1" noChangeArrowheads="1" noChangeShapeType="1" noTextEdit="1"/>
+          </p:cNvSpPr>
+          <p:nvPr>
+            <p:extLst>
+              <p:ext uri="{386F3935-93C4-4BCD-93E2-E3B085C9AB24}">
+                <p16:designElem xmlns:p16="http://schemas.microsoft.com/office/powerpoint/2015/main" val="1"/>
+              </p:ext>
+            </p:extLst>
+          </p:nvPr>
+        </p:nvSpPr>
+        <p:spPr>
+          <a:xfrm>
+            <a:off x="0" y="0"/>
+            <a:ext cx="12192000" cy="6858000"/>
+          </a:xfrm>
+          <a:prstGeom prst="rect">
+            <a:avLst/>
+          </a:prstGeom>
+          <a:ln w="12700" cap="flat" cmpd="sng" algn="ctr">
+            <a:noFill/>
+            <a:prstDash val="solid"/>
+            <a:miter lim="800000"/>
+          </a:ln>
+          <a:effectLst/>
+          <a:extLst>
+            <a:ext uri="{91240B29-F687-4F45-9708-019B960494DF}">
+              <a14:hiddenLine xmlns:a14="http://schemas.microsoft.com/office/drawing/2010/main" w="12700" cap="flat" cmpd="sng" algn="ctr">
+                <a:solidFill>
+                  <a:schemeClr val="accent1">
+                    <a:shade val="50000"/>
+                  </a:schemeClr>
+                </a:solidFill>
+                <a:prstDash val="solid"/>
+                <a:miter lim="800000"/>
+              </a14:hiddenLine>
+            </a:ext>
+          </a:extLst>
+        </p:spPr>
+        <p:style>
+          <a:lnRef idx="2">
+            <a:schemeClr val="accent1">
+              <a:shade val="50000"/>
+            </a:schemeClr>
+          </a:lnRef>
+          <a:fillRef idx="1">
+            <a:schemeClr val="accent1"/>
+          </a:fillRef>
+          <a:effectRef idx="0">
+            <a:schemeClr val="accent1"/>
+          </a:effectRef>
+          <a:fontRef idx="minor">
+            <a:schemeClr val="lt1"/>
+          </a:fontRef>
+        </p:style>
+        <p:txBody>
+          <a:bodyPr rtlCol="0" anchor="ctr"/>
+          <a:lstStyle/>
+          <a:p>
+            <a:pPr algn="ctr"/>
+            <a:endParaRPr lang="en-US"/>
+          </a:p>
+        </p:txBody>
+      </p:sp>
+      <p:sp>
+        <p:nvSpPr>
+          <p:cNvPr id="10" name="Rectangle 9">
+            <a:extLst>
+              <a:ext uri="{FF2B5EF4-FFF2-40B4-BE49-F238E27FC236}">
+                <a16:creationId xmlns:a16="http://schemas.microsoft.com/office/drawing/2014/main" id="{3B2E3793-BFE6-45A2-9B7B-E18844431C99}"/>
+              </a:ext>
+              <a:ext uri="{C183D7F6-B498-43B3-948B-1728B52AA6E4}">
+                <adec:decorative xmlns:adec="http://schemas.microsoft.com/office/drawing/2017/decorative" val="1"/>
+              </a:ext>
+            </a:extLst>
+          </p:cNvPr>
+          <p:cNvSpPr>
+            <a:spLocks noGrp="1" noRot="1" noChangeAspect="1" noMove="1" noResize="1" noEditPoints="1" noAdjustHandles="1" noChangeArrowheads="1" noChangeShapeType="1" noTextEdit="1"/>
+          </p:cNvSpPr>
+          <p:nvPr>
+            <p:extLst>
+              <p:ext uri="{386F3935-93C4-4BCD-93E2-E3B085C9AB24}">
+                <p16:designElem xmlns:p16="http://schemas.microsoft.com/office/powerpoint/2015/main" val="1"/>
+              </p:ext>
+            </p:extLst>
+          </p:nvPr>
+        </p:nvSpPr>
+        <p:spPr>
+          <a:xfrm flipH="1">
+            <a:off x="-1" y="-1"/>
+            <a:ext cx="12191998" cy="1590742"/>
+          </a:xfrm>
+          <a:prstGeom prst="rect">
+            <a:avLst/>
+          </a:prstGeom>
+          <a:gradFill>
+            <a:gsLst>
+              <a:gs pos="0">
+                <a:srgbClr val="000000"/>
+              </a:gs>
+              <a:gs pos="100000">
+                <a:schemeClr val="accent1">
+                  <a:lumMod val="75000"/>
+                </a:schemeClr>
+              </a:gs>
+            </a:gsLst>
+            <a:lin ang="8400000" scaled="0"/>
+          </a:gradFill>
+          <a:ln>
+            <a:noFill/>
+          </a:ln>
+        </p:spPr>
+        <p:style>
+          <a:lnRef idx="2">
+            <a:schemeClr val="accent1">
+              <a:shade val="50000"/>
+            </a:schemeClr>
+          </a:lnRef>
+          <a:fillRef idx="1">
+            <a:schemeClr val="accent1"/>
+          </a:fillRef>
+          <a:effectRef idx="0">
+            <a:schemeClr val="accent1"/>
+          </a:effectRef>
+          <a:fontRef idx="minor">
+            <a:schemeClr val="lt1"/>
+          </a:fontRef>
+        </p:style>
+        <p:txBody>
+          <a:bodyPr rtlCol="0" anchor="ctr"/>
+          <a:lstStyle/>
+          <a:p>
+            <a:pPr algn="ctr"/>
+            <a:endParaRPr lang="en-US"/>
+          </a:p>
+        </p:txBody>
+      </p:sp>
+      <p:sp>
+        <p:nvSpPr>
+          <p:cNvPr id="12" name="Rectangle 11">
+            <a:extLst>
+              <a:ext uri="{FF2B5EF4-FFF2-40B4-BE49-F238E27FC236}">
+                <a16:creationId xmlns:a16="http://schemas.microsoft.com/office/drawing/2014/main" id="{BC4C4868-CB8F-4AF9-9CDB-8108F2C19B67}"/>
+              </a:ext>
+              <a:ext uri="{C183D7F6-B498-43B3-948B-1728B52AA6E4}">
+                <adec:decorative xmlns:adec="http://schemas.microsoft.com/office/drawing/2017/decorative" val="1"/>
+              </a:ext>
+            </a:extLst>
+          </p:cNvPr>
+          <p:cNvSpPr>
+            <a:spLocks noGrp="1" noRot="1" noChangeAspect="1" noMove="1" noResize="1" noEditPoints="1" noAdjustHandles="1" noChangeArrowheads="1" noChangeShapeType="1" noTextEdit="1"/>
+          </p:cNvSpPr>
+          <p:nvPr>
+            <p:extLst>
+              <p:ext uri="{386F3935-93C4-4BCD-93E2-E3B085C9AB24}">
+                <p16:designElem xmlns:p16="http://schemas.microsoft.com/office/powerpoint/2015/main" val="1"/>
+              </p:ext>
+            </p:extLst>
+          </p:nvPr>
+        </p:nvSpPr>
+        <p:spPr>
+          <a:xfrm rot="10800000" flipH="1">
+            <a:off x="-3" y="0"/>
+            <a:ext cx="8115306" cy="1590742"/>
+          </a:xfrm>
+          <a:prstGeom prst="rect">
+            <a:avLst/>
+          </a:prstGeom>
+          <a:gradFill>
+            <a:gsLst>
+              <a:gs pos="20000">
+                <a:schemeClr val="accent1">
+                  <a:alpha val="0"/>
+                </a:schemeClr>
+              </a:gs>
+              <a:gs pos="100000">
+                <a:schemeClr val="accent1">
+                  <a:lumMod val="50000"/>
+                  <a:alpha val="55000"/>
+                </a:schemeClr>
+              </a:gs>
+            </a:gsLst>
+            <a:lin ang="13800000" scaled="0"/>
+          </a:gradFill>
+          <a:ln>
+            <a:noFill/>
+          </a:ln>
+        </p:spPr>
+        <p:style>
+          <a:lnRef idx="2">
+            <a:schemeClr val="accent1">
+              <a:shade val="50000"/>
+            </a:schemeClr>
+          </a:lnRef>
+          <a:fillRef idx="1">
+            <a:schemeClr val="accent1"/>
+          </a:fillRef>
+          <a:effectRef idx="0">
+            <a:schemeClr val="accent1"/>
+          </a:effectRef>
+          <a:fontRef idx="minor">
+            <a:schemeClr val="lt1"/>
+          </a:fontRef>
+        </p:style>
+        <p:txBody>
+          <a:bodyPr rtlCol="0" anchor="ctr"/>
+          <a:lstStyle/>
+          <a:p>
+            <a:pPr algn="ctr"/>
+            <a:endParaRPr lang="en-US"/>
+          </a:p>
+        </p:txBody>
+      </p:sp>
+      <p:sp>
+        <p:nvSpPr>
+          <p:cNvPr id="14" name="Rectangle 13">
+            <a:extLst>
+              <a:ext uri="{FF2B5EF4-FFF2-40B4-BE49-F238E27FC236}">
+                <a16:creationId xmlns:a16="http://schemas.microsoft.com/office/drawing/2014/main" id="{375E0459-6403-40CD-989D-56A4407CA12E}"/>
+              </a:ext>
+              <a:ext uri="{C183D7F6-B498-43B3-948B-1728B52AA6E4}">
+                <adec:decorative xmlns:adec="http://schemas.microsoft.com/office/drawing/2017/decorative" val="1"/>
+              </a:ext>
+            </a:extLst>
+          </p:cNvPr>
+          <p:cNvSpPr>
+            <a:spLocks noGrp="1" noRot="1" noChangeAspect="1" noMove="1" noResize="1" noEditPoints="1" noAdjustHandles="1" noChangeArrowheads="1" noChangeShapeType="1" noTextEdit="1"/>
+          </p:cNvSpPr>
+          <p:nvPr>
+            <p:extLst>
+              <p:ext uri="{386F3935-93C4-4BCD-93E2-E3B085C9AB24}">
+                <p16:designElem xmlns:p16="http://schemas.microsoft.com/office/powerpoint/2015/main" val="1"/>
+              </p:ext>
+            </p:extLst>
+          </p:nvPr>
+        </p:nvSpPr>
+        <p:spPr>
+          <a:xfrm flipH="1">
+            <a:off x="8115299" y="-1"/>
+            <a:ext cx="4076698" cy="1590742"/>
+          </a:xfrm>
+          <a:prstGeom prst="rect">
+            <a:avLst/>
+          </a:prstGeom>
+          <a:gradFill>
+            <a:gsLst>
+              <a:gs pos="0">
+                <a:schemeClr val="accent1">
+                  <a:alpha val="66000"/>
+                </a:schemeClr>
+              </a:gs>
+              <a:gs pos="100000">
+                <a:srgbClr val="000000">
+                  <a:alpha val="30000"/>
+                </a:srgbClr>
+              </a:gs>
+            </a:gsLst>
+            <a:lin ang="13200000" scaled="0"/>
+          </a:gradFill>
+          <a:ln>
+            <a:noFill/>
+          </a:ln>
+        </p:spPr>
+        <p:style>
+          <a:lnRef idx="2">
+            <a:schemeClr val="accent1">
+              <a:shade val="50000"/>
+            </a:schemeClr>
+          </a:lnRef>
+          <a:fillRef idx="1">
+            <a:schemeClr val="accent1"/>
+          </a:fillRef>
+          <a:effectRef idx="0">
+            <a:schemeClr val="accent1"/>
+          </a:effectRef>
+          <a:fontRef idx="minor">
+            <a:schemeClr val="lt1"/>
+          </a:fontRef>
+        </p:style>
+        <p:txBody>
+          <a:bodyPr rtlCol="0" anchor="ctr"/>
+          <a:lstStyle/>
+          <a:p>
+            <a:pPr algn="ctr"/>
+            <a:endParaRPr lang="en-US"/>
+          </a:p>
+        </p:txBody>
+      </p:sp>
+      <p:sp>
+        <p:nvSpPr>
+          <p:cNvPr id="16" name="Rectangle 15">
+            <a:extLst>
+              <a:ext uri="{FF2B5EF4-FFF2-40B4-BE49-F238E27FC236}">
+                <a16:creationId xmlns:a16="http://schemas.microsoft.com/office/drawing/2014/main" id="{53E5B1A8-3AC9-4BD1-9BBC-78CA94F2D1BA}"/>
+              </a:ext>
+              <a:ext uri="{C183D7F6-B498-43B3-948B-1728B52AA6E4}">
+                <adec:decorative xmlns:adec="http://schemas.microsoft.com/office/drawing/2017/decorative" val="1"/>
+              </a:ext>
+            </a:extLst>
+          </p:cNvPr>
+          <p:cNvSpPr>
+            <a:spLocks noGrp="1" noRot="1" noChangeAspect="1" noMove="1" noResize="1" noEditPoints="1" noAdjustHandles="1" noChangeArrowheads="1" noChangeShapeType="1" noTextEdit="1"/>
+          </p:cNvSpPr>
+          <p:nvPr>
+            <p:extLst>
+              <p:ext uri="{386F3935-93C4-4BCD-93E2-E3B085C9AB24}">
+                <p16:designElem xmlns:p16="http://schemas.microsoft.com/office/powerpoint/2015/main" val="1"/>
+              </p:ext>
+            </p:extLst>
+          </p:nvPr>
+        </p:nvSpPr>
+        <p:spPr>
+          <a:xfrm>
+            <a:off x="459350" y="-1"/>
+            <a:ext cx="11732646" cy="1597433"/>
+          </a:xfrm>
+          <a:prstGeom prst="rect">
+            <a:avLst/>
+          </a:prstGeom>
+          <a:gradFill>
+            <a:gsLst>
+              <a:gs pos="50000">
+                <a:srgbClr val="000000">
+                  <a:alpha val="0"/>
+                </a:srgbClr>
+              </a:gs>
+              <a:gs pos="99000">
+                <a:schemeClr val="accent1">
+                  <a:lumMod val="50000"/>
+                  <a:alpha val="52000"/>
+                </a:schemeClr>
+              </a:gs>
+            </a:gsLst>
+            <a:lin ang="16800000" scaled="0"/>
+          </a:gradFill>
+          <a:ln>
+            <a:noFill/>
+          </a:ln>
+        </p:spPr>
+        <p:style>
+          <a:lnRef idx="2">
+            <a:schemeClr val="accent1">
+              <a:shade val="50000"/>
+            </a:schemeClr>
+          </a:lnRef>
+          <a:fillRef idx="1">
+            <a:schemeClr val="accent1"/>
+          </a:fillRef>
+          <a:effectRef idx="0">
+            <a:schemeClr val="accent1"/>
+          </a:effectRef>
+          <a:fontRef idx="minor">
+            <a:schemeClr val="lt1"/>
+          </a:fontRef>
+        </p:style>
+        <p:txBody>
+          <a:bodyPr rtlCol="0" anchor="ctr"/>
+          <a:lstStyle/>
+          <a:p>
+            <a:pPr algn="ctr"/>
+            <a:endParaRPr lang="en-US"/>
+          </a:p>
+        </p:txBody>
+      </p:sp>
+      <p:sp>
+        <p:nvSpPr>
+          <p:cNvPr id="2" name="Title 1">
+            <a:extLst>
+              <a:ext uri="{FF2B5EF4-FFF2-40B4-BE49-F238E27FC236}">
                 <a16:creationId xmlns:a16="http://schemas.microsoft.com/office/drawing/2014/main" id="{CCCCF8C1-483F-4BE5-A4A1-B6A450E79F41}"/>
               </a:ext>
             </a:extLst>
@@ -5713,7 +7438,7 @@
 </p:sld>
 </file>
 
-<file path=ppt/slides/slide12.xml><?xml version="1.0" encoding="utf-8"?>
+<file path=ppt/slides/slide14.xml><?xml version="1.0" encoding="utf-8"?>
 <p:sld xmlns:a="http://schemas.openxmlformats.org/drawingml/2006/main" xmlns:r="http://schemas.openxmlformats.org/officeDocument/2006/relationships" xmlns:p="http://schemas.openxmlformats.org/presentationml/2006/main">
   <p:cSld>
     <p:bg>
@@ -8411,7 +10136,7 @@
           <p:cNvPr id="2" name="Title 1">
             <a:extLst>
               <a:ext uri="{FF2B5EF4-FFF2-40B4-BE49-F238E27FC236}">
-                <a16:creationId xmlns:a16="http://schemas.microsoft.com/office/drawing/2014/main" id="{8D9D9894-4DCD-4892-B6B1-96DA1FBB07CD}"/>
+                <a16:creationId xmlns:a16="http://schemas.microsoft.com/office/drawing/2014/main" id="{D659016D-13DF-4CA3-86C8-5AA7B0307366}"/>
               </a:ext>
             </a:extLst>
           </p:cNvPr>
@@ -8440,7 +10165,23 @@
                   <a:srgbClr val="FFFFFF"/>
                 </a:solidFill>
               </a:rPr>
-              <a:t>Infrastructure</a:t>
+              <a:t>Permutation</a:t>
+            </a:r>
+            <a:r>
+              <a:rPr lang="nb-NO" sz="4000" dirty="0">
+                <a:solidFill>
+                  <a:srgbClr val="FFFFFF"/>
+                </a:solidFill>
+              </a:rPr>
+              <a:t> </a:t>
+            </a:r>
+            <a:r>
+              <a:rPr lang="nb-NO" sz="4000" dirty="0" err="1">
+                <a:solidFill>
+                  <a:srgbClr val="FFFFFF"/>
+                </a:solidFill>
+              </a:rPr>
+              <a:t>ideas</a:t>
             </a:r>
             <a:endParaRPr lang="en-GB" sz="4000" dirty="0">
               <a:solidFill>
@@ -8450,378 +10191,416 @@
           </a:p>
         </p:txBody>
       </p:sp>
-      <p:sp>
-        <p:nvSpPr>
-          <p:cNvPr id="3" name="Content Placeholder 2">
-            <a:extLst>
-              <a:ext uri="{FF2B5EF4-FFF2-40B4-BE49-F238E27FC236}">
-                <a16:creationId xmlns:a16="http://schemas.microsoft.com/office/drawing/2014/main" id="{B0BC876B-DDF8-4314-B987-4526731FFFCD}"/>
-              </a:ext>
-            </a:extLst>
-          </p:cNvPr>
-          <p:cNvSpPr>
-            <a:spLocks noGrp="1"/>
-          </p:cNvSpPr>
-          <p:nvPr>
-            <p:ph idx="1"/>
-          </p:nvPr>
-        </p:nvSpPr>
+      <p:pic>
+        <p:nvPicPr>
+          <p:cNvPr id="5" name="Picture 4">
+            <a:extLst>
+              <a:ext uri="{FF2B5EF4-FFF2-40B4-BE49-F238E27FC236}">
+                <a16:creationId xmlns:a16="http://schemas.microsoft.com/office/drawing/2014/main" id="{4D349B85-5CCC-4A74-804E-E0386C4B889B}"/>
+              </a:ext>
+            </a:extLst>
+          </p:cNvPr>
+          <p:cNvPicPr>
+            <a:picLocks noChangeAspect="1"/>
+          </p:cNvPicPr>
+          <p:nvPr/>
+        </p:nvPicPr>
+        <p:blipFill>
+          <a:blip r:embed="rId2"/>
+          <a:stretch>
+            <a:fillRect/>
+          </a:stretch>
+        </p:blipFill>
         <p:spPr>
           <a:xfrm>
-            <a:off x="1371599" y="2318197"/>
-            <a:ext cx="9724031" cy="3683358"/>
+            <a:off x="7829768" y="1718127"/>
+            <a:ext cx="3550470" cy="4883498"/>
           </a:xfrm>
+          <a:prstGeom prst="rect">
+            <a:avLst/>
+          </a:prstGeom>
         </p:spPr>
-        <p:txBody>
-          <a:bodyPr anchor="ctr">
-            <a:normAutofit/>
+      </p:pic>
+      <p:sp>
+        <p:nvSpPr>
+          <p:cNvPr id="6" name="Rectangle 5">
+            <a:extLst>
+              <a:ext uri="{FF2B5EF4-FFF2-40B4-BE49-F238E27FC236}">
+                <a16:creationId xmlns:a16="http://schemas.microsoft.com/office/drawing/2014/main" id="{9389E19E-8EC1-45FF-8B9D-3C7DAE95EE75}"/>
+              </a:ext>
+            </a:extLst>
+          </p:cNvPr>
+          <p:cNvSpPr/>
+          <p:nvPr/>
+        </p:nvSpPr>
+        <p:spPr>
+          <a:xfrm>
+            <a:off x="8640147" y="5271796"/>
+            <a:ext cx="1147665" cy="335902"/>
+          </a:xfrm>
+          <a:prstGeom prst="rect">
+            <a:avLst/>
+          </a:prstGeom>
+          <a:solidFill>
+            <a:schemeClr val="accent4">
+              <a:lumMod val="60000"/>
+              <a:lumOff val="40000"/>
+            </a:schemeClr>
+          </a:solidFill>
+          <a:ln>
+            <a:noFill/>
+          </a:ln>
+        </p:spPr>
+        <p:style>
+          <a:lnRef idx="2">
+            <a:schemeClr val="accent1">
+              <a:shade val="50000"/>
+            </a:schemeClr>
+          </a:lnRef>
+          <a:fillRef idx="1">
+            <a:schemeClr val="accent1"/>
+          </a:fillRef>
+          <a:effectRef idx="0">
+            <a:schemeClr val="accent1"/>
+          </a:effectRef>
+          <a:fontRef idx="minor">
+            <a:schemeClr val="lt1"/>
+          </a:fontRef>
+        </p:style>
+        <p:txBody>
+          <a:bodyPr rtlCol="0" anchor="ctr"/>
+          <a:lstStyle/>
+          <a:p>
+            <a:pPr algn="ctr"/>
+            <a:r>
+              <a:rPr lang="nb-NO" sz="1400" dirty="0" err="1">
+                <a:solidFill>
+                  <a:schemeClr val="tx1"/>
+                </a:solidFill>
+              </a:rPr>
+              <a:t>Layer</a:t>
+            </a:r>
+            <a:r>
+              <a:rPr lang="nb-NO" sz="1400" dirty="0">
+                <a:solidFill>
+                  <a:schemeClr val="tx1"/>
+                </a:solidFill>
+              </a:rPr>
+              <a:t> norm</a:t>
+            </a:r>
+            <a:endParaRPr lang="en-GB" sz="1400" dirty="0">
+              <a:solidFill>
+                <a:schemeClr val="tx1"/>
+              </a:solidFill>
+            </a:endParaRPr>
+          </a:p>
+        </p:txBody>
+      </p:sp>
+      <p:sp>
+        <p:nvSpPr>
+          <p:cNvPr id="13" name="Rectangle 12">
+            <a:extLst>
+              <a:ext uri="{FF2B5EF4-FFF2-40B4-BE49-F238E27FC236}">
+                <a16:creationId xmlns:a16="http://schemas.microsoft.com/office/drawing/2014/main" id="{462FA229-453F-452F-8520-304F62E2FFD6}"/>
+              </a:ext>
+            </a:extLst>
+          </p:cNvPr>
+          <p:cNvSpPr/>
+          <p:nvPr/>
+        </p:nvSpPr>
+        <p:spPr>
+          <a:xfrm>
+            <a:off x="8640146" y="3261049"/>
+            <a:ext cx="1147665" cy="335902"/>
+          </a:xfrm>
+          <a:prstGeom prst="rect">
+            <a:avLst/>
+          </a:prstGeom>
+          <a:solidFill>
+            <a:schemeClr val="accent4">
+              <a:lumMod val="60000"/>
+              <a:lumOff val="40000"/>
+            </a:schemeClr>
+          </a:solidFill>
+          <a:ln>
+            <a:noFill/>
+          </a:ln>
+        </p:spPr>
+        <p:style>
+          <a:lnRef idx="2">
+            <a:schemeClr val="accent1">
+              <a:shade val="50000"/>
+            </a:schemeClr>
+          </a:lnRef>
+          <a:fillRef idx="1">
+            <a:schemeClr val="accent1"/>
+          </a:fillRef>
+          <a:effectRef idx="0">
+            <a:schemeClr val="accent1"/>
+          </a:effectRef>
+          <a:fontRef idx="minor">
+            <a:schemeClr val="lt1"/>
+          </a:fontRef>
+        </p:style>
+        <p:txBody>
+          <a:bodyPr rtlCol="0" anchor="ctr"/>
+          <a:lstStyle/>
+          <a:p>
+            <a:pPr algn="ctr"/>
+            <a:r>
+              <a:rPr lang="nb-NO" sz="1400" dirty="0" err="1">
+                <a:solidFill>
+                  <a:schemeClr val="tx1"/>
+                </a:solidFill>
+              </a:rPr>
+              <a:t>Layer</a:t>
+            </a:r>
+            <a:r>
+              <a:rPr lang="nb-NO" sz="1400" dirty="0">
+                <a:solidFill>
+                  <a:schemeClr val="tx1"/>
+                </a:solidFill>
+              </a:rPr>
+              <a:t> norm</a:t>
+            </a:r>
+            <a:endParaRPr lang="en-GB" sz="1400" dirty="0">
+              <a:solidFill>
+                <a:schemeClr val="tx1"/>
+              </a:solidFill>
+            </a:endParaRPr>
+          </a:p>
+        </p:txBody>
+      </p:sp>
+      <p:pic>
+        <p:nvPicPr>
+          <p:cNvPr id="9" name="Picture 8">
+            <a:extLst>
+              <a:ext uri="{FF2B5EF4-FFF2-40B4-BE49-F238E27FC236}">
+                <a16:creationId xmlns:a16="http://schemas.microsoft.com/office/drawing/2014/main" id="{D3BEC485-B73A-47C7-AD79-19E8000A93CC}"/>
+              </a:ext>
+            </a:extLst>
+          </p:cNvPr>
+          <p:cNvPicPr>
+            <a:picLocks noChangeAspect="1"/>
+          </p:cNvPicPr>
+          <p:nvPr/>
+        </p:nvPicPr>
+        <p:blipFill>
+          <a:blip r:embed="rId3"/>
+          <a:stretch>
+            <a:fillRect/>
+          </a:stretch>
+        </p:blipFill>
+        <p:spPr>
+          <a:xfrm>
+            <a:off x="47398" y="1987984"/>
+            <a:ext cx="7782370" cy="868860"/>
+          </a:xfrm>
+          <a:prstGeom prst="rect">
+            <a:avLst/>
+          </a:prstGeom>
+        </p:spPr>
+      </p:pic>
+      <p:sp>
+        <p:nvSpPr>
+          <p:cNvPr id="11" name="TextBox 10">
+            <a:extLst>
+              <a:ext uri="{FF2B5EF4-FFF2-40B4-BE49-F238E27FC236}">
+                <a16:creationId xmlns:a16="http://schemas.microsoft.com/office/drawing/2014/main" id="{10989B74-66F2-4C84-B014-4ACCD6529E1D}"/>
+              </a:ext>
+            </a:extLst>
+          </p:cNvPr>
+          <p:cNvSpPr txBox="1"/>
+          <p:nvPr/>
+        </p:nvSpPr>
+        <p:spPr>
+          <a:xfrm>
+            <a:off x="459349" y="3261049"/>
+            <a:ext cx="5777991" cy="646331"/>
+          </a:xfrm>
+          <a:prstGeom prst="rect">
+            <a:avLst/>
+          </a:prstGeom>
+          <a:noFill/>
+        </p:spPr>
+        <p:txBody>
+          <a:bodyPr wrap="square" rtlCol="0">
+            <a:spAutoFit/>
           </a:bodyPr>
           <a:lstStyle/>
           <a:p>
             <a:r>
-              <a:rPr lang="nb-NO" sz="2000" dirty="0"/>
-              <a:t>Goal: Make it </a:t>
-            </a:r>
-            <a:r>
-              <a:rPr lang="nb-NO" sz="2000"/>
-              <a:t>as forwards-compatible</a:t>
-            </a:r>
-            <a:r>
-              <a:rPr lang="nb-NO" sz="2000" dirty="0"/>
-              <a:t> and robust as </a:t>
-            </a:r>
-            <a:r>
-              <a:rPr lang="nb-NO" sz="2000" dirty="0" err="1"/>
-              <a:t>possible</a:t>
-            </a:r>
-            <a:endParaRPr lang="nb-NO" sz="2000" dirty="0"/>
-          </a:p>
-          <a:p>
-            <a:pPr lvl="1"/>
-            <a:r>
-              <a:rPr lang="nb-NO" sz="1600" dirty="0"/>
-              <a:t>I </a:t>
-            </a:r>
-            <a:r>
-              <a:rPr lang="nb-NO" sz="1600" dirty="0" err="1"/>
-              <a:t>want</a:t>
-            </a:r>
-            <a:r>
-              <a:rPr lang="nb-NO" sz="1600" dirty="0"/>
-              <a:t> to have a </a:t>
-            </a:r>
-            <a:r>
-              <a:rPr lang="nb-NO" sz="1600" dirty="0" err="1"/>
+              <a:rPr lang="nb-NO" dirty="0"/>
+              <a:t>Testing </a:t>
+            </a:r>
+            <a:r>
+              <a:rPr lang="nb-NO" dirty="0" err="1"/>
+              <a:t>out</a:t>
+            </a:r>
+            <a:r>
+              <a:rPr lang="nb-NO" dirty="0"/>
+              <a:t> </a:t>
+            </a:r>
+            <a:r>
+              <a:rPr lang="nb-NO" dirty="0" err="1"/>
+              <a:t>the</a:t>
+            </a:r>
+            <a:r>
+              <a:rPr lang="nb-NO" dirty="0"/>
+              <a:t> different </a:t>
+            </a:r>
+            <a:r>
+              <a:rPr lang="nb-NO" dirty="0" err="1"/>
+              <a:t>normalizations</a:t>
+            </a:r>
+            <a:r>
+              <a:rPr lang="nb-NO" dirty="0"/>
+              <a:t> </a:t>
+            </a:r>
+            <a:r>
+              <a:rPr lang="nb-NO" dirty="0" err="1"/>
+              <a:t>might</a:t>
+            </a:r>
+            <a:r>
+              <a:rPr lang="nb-NO" dirty="0"/>
+              <a:t> be a </a:t>
+            </a:r>
+            <a:r>
+              <a:rPr lang="nb-NO" dirty="0" err="1"/>
               <a:t>good</a:t>
             </a:r>
             <a:r>
-              <a:rPr lang="nb-NO" sz="1600" dirty="0"/>
-              <a:t> </a:t>
-            </a:r>
-            <a:r>
-              <a:rPr lang="nb-NO" sz="1600" dirty="0" err="1"/>
-              <a:t>enough</a:t>
-            </a:r>
-            <a:r>
-              <a:rPr lang="nb-NO" sz="1600" dirty="0"/>
-              <a:t> </a:t>
-            </a:r>
-            <a:r>
-              <a:rPr lang="nb-NO" sz="1600" dirty="0" err="1"/>
-              <a:t>infrastructure</a:t>
-            </a:r>
-            <a:r>
-              <a:rPr lang="nb-NO" sz="1600" dirty="0"/>
-              <a:t>, so </a:t>
-            </a:r>
-            <a:r>
-              <a:rPr lang="nb-NO" sz="1600" dirty="0" err="1"/>
-              <a:t>that</a:t>
-            </a:r>
-            <a:r>
-              <a:rPr lang="nb-NO" sz="1600" dirty="0"/>
-              <a:t> I </a:t>
-            </a:r>
-            <a:r>
-              <a:rPr lang="nb-NO" sz="1600" dirty="0" err="1"/>
-              <a:t>will</a:t>
-            </a:r>
-            <a:r>
-              <a:rPr lang="nb-NO" sz="1600" dirty="0"/>
-              <a:t> not have to make grand </a:t>
-            </a:r>
-            <a:r>
-              <a:rPr lang="nb-NO" sz="1600" dirty="0" err="1"/>
-              <a:t>changes</a:t>
-            </a:r>
-            <a:r>
-              <a:rPr lang="nb-NO" sz="1600" dirty="0"/>
-              <a:t> in </a:t>
-            </a:r>
-            <a:r>
-              <a:rPr lang="nb-NO" sz="1600" dirty="0" err="1"/>
-              <a:t>the</a:t>
-            </a:r>
-            <a:r>
-              <a:rPr lang="nb-NO" sz="1600" dirty="0"/>
-              <a:t> </a:t>
-            </a:r>
-            <a:r>
-              <a:rPr lang="nb-NO" sz="1600" dirty="0" err="1"/>
-              <a:t>future</a:t>
-            </a:r>
-            <a:r>
-              <a:rPr lang="nb-NO" sz="1600" dirty="0"/>
-              <a:t>, </a:t>
-            </a:r>
-            <a:r>
-              <a:rPr lang="nb-NO" sz="1600" dirty="0" err="1"/>
-              <a:t>which</a:t>
-            </a:r>
-            <a:r>
-              <a:rPr lang="nb-NO" sz="1600" dirty="0"/>
-              <a:t> </a:t>
-            </a:r>
-            <a:r>
-              <a:rPr lang="nb-NO" sz="1600" dirty="0" err="1"/>
-              <a:t>will</a:t>
-            </a:r>
-            <a:r>
-              <a:rPr lang="nb-NO" sz="1600" dirty="0"/>
-              <a:t> </a:t>
-            </a:r>
-            <a:r>
-              <a:rPr lang="nb-NO" sz="1600" dirty="0" err="1"/>
-              <a:t>leave</a:t>
-            </a:r>
-            <a:r>
-              <a:rPr lang="nb-NO" sz="1600" dirty="0"/>
-              <a:t> older </a:t>
-            </a:r>
-            <a:r>
-              <a:rPr lang="nb-NO" sz="1600" dirty="0" err="1"/>
-              <a:t>models</a:t>
-            </a:r>
-            <a:r>
-              <a:rPr lang="nb-NO" sz="1600" dirty="0"/>
-              <a:t> non </a:t>
-            </a:r>
-            <a:r>
-              <a:rPr lang="nb-NO" sz="1600" dirty="0" err="1"/>
-              <a:t>compatible</a:t>
-            </a:r>
-            <a:r>
-              <a:rPr lang="nb-NO" sz="1600" dirty="0"/>
-              <a:t> </a:t>
-            </a:r>
-            <a:r>
-              <a:rPr lang="nb-NO" sz="1600" dirty="0" err="1"/>
-              <a:t>with</a:t>
-            </a:r>
-            <a:r>
-              <a:rPr lang="nb-NO" sz="1600" dirty="0"/>
-              <a:t> </a:t>
-            </a:r>
-            <a:r>
-              <a:rPr lang="nb-NO" sz="1600" dirty="0" err="1"/>
-              <a:t>newer</a:t>
-            </a:r>
-            <a:r>
-              <a:rPr lang="nb-NO" sz="1600" dirty="0"/>
-              <a:t> </a:t>
-            </a:r>
-            <a:r>
-              <a:rPr lang="nb-NO" sz="1600" dirty="0" err="1"/>
-              <a:t>ones</a:t>
-            </a:r>
-            <a:endParaRPr lang="nb-NO" sz="1600" dirty="0"/>
-          </a:p>
-          <a:p>
-            <a:r>
-              <a:rPr lang="nb-NO" sz="2000" dirty="0"/>
-              <a:t>This </a:t>
-            </a:r>
-            <a:r>
-              <a:rPr lang="nb-NO" sz="2000" dirty="0" err="1"/>
-              <a:t>affects</a:t>
-            </a:r>
-            <a:r>
-              <a:rPr lang="nb-NO" sz="2000" dirty="0"/>
-              <a:t>:</a:t>
-            </a:r>
-          </a:p>
-          <a:p>
-            <a:pPr lvl="1"/>
-            <a:r>
-              <a:rPr lang="nb-NO" sz="1600" dirty="0"/>
-              <a:t>How </a:t>
-            </a:r>
-            <a:r>
-              <a:rPr lang="nb-NO" sz="1600" dirty="0" err="1"/>
-              <a:t>the</a:t>
-            </a:r>
-            <a:r>
-              <a:rPr lang="nb-NO" sz="1600" dirty="0"/>
-              <a:t> </a:t>
-            </a:r>
-            <a:r>
-              <a:rPr lang="nb-NO" sz="1600" dirty="0" err="1"/>
-              <a:t>architectures</a:t>
-            </a:r>
-            <a:r>
-              <a:rPr lang="nb-NO" sz="1600" dirty="0"/>
-              <a:t> </a:t>
-            </a:r>
-            <a:r>
-              <a:rPr lang="nb-NO" sz="1600" dirty="0" err="1"/>
-              <a:t>are</a:t>
-            </a:r>
-            <a:r>
-              <a:rPr lang="nb-NO" sz="1600" dirty="0"/>
-              <a:t> </a:t>
-            </a:r>
-            <a:r>
-              <a:rPr lang="nb-NO" sz="1600" dirty="0" err="1"/>
-              <a:t>set</a:t>
-            </a:r>
-            <a:r>
-              <a:rPr lang="nb-NO" sz="1600" dirty="0"/>
-              <a:t> up</a:t>
-            </a:r>
-            <a:endParaRPr lang="en-GB" sz="1200" dirty="0"/>
-          </a:p>
-          <a:p>
-            <a:pPr lvl="2"/>
-            <a:r>
-              <a:rPr lang="en-GB" sz="1200" dirty="0"/>
-              <a:t>Implementing new architectures should not be harder than just writing </a:t>
-            </a:r>
-            <a:r>
-              <a:rPr lang="en-GB" sz="1200" b="1" dirty="0"/>
-              <a:t>one</a:t>
-            </a:r>
-            <a:r>
-              <a:rPr lang="en-GB" sz="1200" dirty="0"/>
-              <a:t> new function</a:t>
-            </a:r>
-          </a:p>
-          <a:p>
-            <a:pPr lvl="2"/>
-            <a:r>
-              <a:rPr lang="en-GB" sz="1200" dirty="0"/>
-              <a:t>Running different set ups, data sets, dilation rates etc. should not need coding specific to the training instance</a:t>
-            </a:r>
-          </a:p>
-          <a:p>
-            <a:pPr lvl="3"/>
-            <a:r>
-              <a:rPr lang="en-GB" sz="1000" dirty="0"/>
-              <a:t>2DTCN should handle to be passed 1DTCN parameters and vice versa. Random forest should know to ignore TCN params</a:t>
-            </a:r>
-          </a:p>
-          <a:p>
-            <a:pPr lvl="2"/>
-            <a:r>
-              <a:rPr lang="nb-NO" sz="1200" dirty="0" err="1"/>
-              <a:t>Writing</a:t>
-            </a:r>
-            <a:r>
-              <a:rPr lang="nb-NO" sz="1200" dirty="0"/>
-              <a:t> </a:t>
-            </a:r>
-            <a:r>
-              <a:rPr lang="nb-NO" sz="1200" dirty="0" err="1"/>
-              <a:t>the</a:t>
-            </a:r>
-            <a:r>
-              <a:rPr lang="nb-NO" sz="1200" dirty="0"/>
-              <a:t> </a:t>
-            </a:r>
-            <a:r>
-              <a:rPr lang="nb-NO" sz="1200" dirty="0" err="1"/>
-              <a:t>instructions</a:t>
-            </a:r>
-            <a:r>
-              <a:rPr lang="nb-NO" sz="1200" dirty="0"/>
-              <a:t> for </a:t>
-            </a:r>
-            <a:r>
-              <a:rPr lang="nb-NO" sz="1200" dirty="0" err="1"/>
-              <a:t>trying</a:t>
-            </a:r>
-            <a:r>
-              <a:rPr lang="nb-NO" sz="1200" dirty="0"/>
-              <a:t> </a:t>
-            </a:r>
-            <a:r>
-              <a:rPr lang="nb-NO" sz="1200" dirty="0" err="1"/>
-              <a:t>out</a:t>
-            </a:r>
-            <a:r>
-              <a:rPr lang="nb-NO" sz="1200" dirty="0"/>
-              <a:t> different </a:t>
-            </a:r>
-            <a:r>
-              <a:rPr lang="nb-NO" sz="1200" dirty="0" err="1"/>
-              <a:t>permutations</a:t>
-            </a:r>
-            <a:r>
-              <a:rPr lang="nb-NO" sz="1200" dirty="0"/>
-              <a:t> </a:t>
-            </a:r>
-            <a:r>
-              <a:rPr lang="nb-NO" sz="1200" dirty="0" err="1"/>
-              <a:t>of</a:t>
-            </a:r>
-            <a:r>
-              <a:rPr lang="nb-NO" sz="1200" dirty="0"/>
-              <a:t> </a:t>
-            </a:r>
-            <a:r>
-              <a:rPr lang="nb-NO" sz="1200" dirty="0" err="1"/>
-              <a:t>model</a:t>
-            </a:r>
-            <a:r>
-              <a:rPr lang="nb-NO" sz="1200" dirty="0"/>
-              <a:t> parameters </a:t>
-            </a:r>
-            <a:r>
-              <a:rPr lang="nb-NO" sz="1200" dirty="0" err="1"/>
-              <a:t>should</a:t>
-            </a:r>
-            <a:r>
-              <a:rPr lang="nb-NO" sz="1200" dirty="0"/>
-              <a:t> be </a:t>
-            </a:r>
-            <a:r>
-              <a:rPr lang="nb-NO" sz="1200" dirty="0" err="1"/>
-              <a:t>very</a:t>
-            </a:r>
-            <a:r>
-              <a:rPr lang="nb-NO" sz="1200" dirty="0"/>
-              <a:t> </a:t>
-            </a:r>
-            <a:r>
-              <a:rPr lang="nb-NO" sz="1200" dirty="0" err="1"/>
-              <a:t>easy</a:t>
-            </a:r>
-            <a:r>
-              <a:rPr lang="nb-NO" sz="1200" dirty="0"/>
-              <a:t> to do</a:t>
-            </a:r>
+              <a:rPr lang="nb-NO" dirty="0"/>
+              <a:t> </a:t>
+            </a:r>
+            <a:r>
+              <a:rPr lang="nb-NO" dirty="0" err="1"/>
+              <a:t>idea</a:t>
+            </a:r>
+            <a:r>
+              <a:rPr lang="nb-NO" dirty="0"/>
+              <a:t>.</a:t>
+            </a:r>
+            <a:endParaRPr lang="en-GB" dirty="0"/>
           </a:p>
         </p:txBody>
       </p:sp>
     </p:spTree>
     <p:extLst>
       <p:ext uri="{BB962C8B-B14F-4D97-AF65-F5344CB8AC3E}">
-        <p14:creationId xmlns:p14="http://schemas.microsoft.com/office/powerpoint/2010/main" val="2544512538"/>
+        <p14:creationId xmlns:p14="http://schemas.microsoft.com/office/powerpoint/2010/main" val="3059559443"/>
       </p:ext>
     </p:extLst>
   </p:cSld>
   <p:clrMapOvr>
     <a:masterClrMapping/>
   </p:clrMapOvr>
+  <p:timing>
+    <p:tnLst>
+      <p:par>
+        <p:cTn id="1" dur="indefinite" restart="never" nodeType="tmRoot">
+          <p:childTnLst>
+            <p:seq concurrent="1" nextAc="seek">
+              <p:cTn id="2" dur="indefinite" nodeType="mainSeq">
+                <p:childTnLst>
+                  <p:par>
+                    <p:cTn id="3" fill="hold">
+                      <p:stCondLst>
+                        <p:cond delay="indefinite"/>
+                      </p:stCondLst>
+                      <p:childTnLst>
+                        <p:par>
+                          <p:cTn id="4" fill="hold">
+                            <p:stCondLst>
+                              <p:cond delay="0"/>
+                            </p:stCondLst>
+                            <p:childTnLst>
+                              <p:par>
+                                <p:cTn id="5" presetID="1" presetClass="entr" presetSubtype="0" fill="hold" grpId="0" nodeType="clickEffect">
+                                  <p:stCondLst>
+                                    <p:cond delay="0"/>
+                                  </p:stCondLst>
+                                  <p:childTnLst>
+                                    <p:set>
+                                      <p:cBhvr>
+                                        <p:cTn id="6" dur="1" fill="hold">
+                                          <p:stCondLst>
+                                            <p:cond delay="0"/>
+                                          </p:stCondLst>
+                                        </p:cTn>
+                                        <p:tgtEl>
+                                          <p:spTgt spid="13"/>
+                                        </p:tgtEl>
+                                        <p:attrNameLst>
+                                          <p:attrName>style.visibility</p:attrName>
+                                        </p:attrNameLst>
+                                      </p:cBhvr>
+                                      <p:to>
+                                        <p:strVal val="visible"/>
+                                      </p:to>
+                                    </p:set>
+                                  </p:childTnLst>
+                                </p:cTn>
+                              </p:par>
+                              <p:par>
+                                <p:cTn id="7" presetID="1" presetClass="entr" presetSubtype="0" fill="hold" grpId="0" nodeType="withEffect">
+                                  <p:stCondLst>
+                                    <p:cond delay="0"/>
+                                  </p:stCondLst>
+                                  <p:childTnLst>
+                                    <p:set>
+                                      <p:cBhvr>
+                                        <p:cTn id="8" dur="1" fill="hold">
+                                          <p:stCondLst>
+                                            <p:cond delay="0"/>
+                                          </p:stCondLst>
+                                        </p:cTn>
+                                        <p:tgtEl>
+                                          <p:spTgt spid="6"/>
+                                        </p:tgtEl>
+                                        <p:attrNameLst>
+                                          <p:attrName>style.visibility</p:attrName>
+                                        </p:attrNameLst>
+                                      </p:cBhvr>
+                                      <p:to>
+                                        <p:strVal val="visible"/>
+                                      </p:to>
+                                    </p:set>
+                                  </p:childTnLst>
+                                </p:cTn>
+                              </p:par>
+                            </p:childTnLst>
+                          </p:cTn>
+                        </p:par>
+                      </p:childTnLst>
+                    </p:cTn>
+                  </p:par>
+                </p:childTnLst>
+              </p:cTn>
+              <p:prevCondLst>
+                <p:cond evt="onPrev" delay="0">
+                  <p:tgtEl>
+                    <p:sldTgt/>
+                  </p:tgtEl>
+                </p:cond>
+              </p:prevCondLst>
+              <p:nextCondLst>
+                <p:cond evt="onNext" delay="0">
+                  <p:tgtEl>
+                    <p:sldTgt/>
+                  </p:tgtEl>
+                </p:cond>
+              </p:nextCondLst>
+            </p:seq>
+          </p:childTnLst>
+        </p:cTn>
+      </p:par>
+    </p:tnLst>
+    <p:bldLst>
+      <p:bldP spid="6" grpId="0" animBg="1"/>
+      <p:bldP spid="13" grpId="0" animBg="1"/>
+    </p:bldLst>
+  </p:timing>
 </p:sld>
 </file>
 
@@ -9231,7 +11010,7 @@
           <p:cNvPr id="2" name="Title 1">
             <a:extLst>
               <a:ext uri="{FF2B5EF4-FFF2-40B4-BE49-F238E27FC236}">
-                <a16:creationId xmlns:a16="http://schemas.microsoft.com/office/drawing/2014/main" id="{FCDF147E-F845-49FC-A029-8023E8E09F5D}"/>
+                <a16:creationId xmlns:a16="http://schemas.microsoft.com/office/drawing/2014/main" id="{8D9D9894-4DCD-4892-B6B1-96DA1FBB07CD}"/>
               </a:ext>
             </a:extLst>
           </p:cNvPr>
@@ -9255,12 +11034,12 @@
           <a:lstStyle/>
           <a:p>
             <a:r>
-              <a:rPr lang="nb-NO" sz="4000" dirty="0">
+              <a:rPr lang="nb-NO" sz="4000" dirty="0" err="1">
                 <a:solidFill>
                   <a:srgbClr val="FFFFFF"/>
                 </a:solidFill>
               </a:rPr>
-              <a:t>Control JSON</a:t>
+              <a:t>Infrastructure</a:t>
             </a:r>
             <a:endParaRPr lang="en-GB" sz="4000" dirty="0">
               <a:solidFill>
@@ -9275,7 +11054,7 @@
           <p:cNvPr id="3" name="Content Placeholder 2">
             <a:extLst>
               <a:ext uri="{FF2B5EF4-FFF2-40B4-BE49-F238E27FC236}">
-                <a16:creationId xmlns:a16="http://schemas.microsoft.com/office/drawing/2014/main" id="{B415AB60-5772-4497-8421-F796D9D0CCC4}"/>
+                <a16:creationId xmlns:a16="http://schemas.microsoft.com/office/drawing/2014/main" id="{B0BC876B-DDF8-4314-B987-4526731FFFCD}"/>
               </a:ext>
             </a:extLst>
           </p:cNvPr>
@@ -9300,50 +11079,250 @@
           <a:p>
             <a:r>
               <a:rPr lang="nb-NO" sz="2000" dirty="0"/>
-              <a:t>In </a:t>
-            </a:r>
-            <a:r>
-              <a:rPr lang="nb-NO" sz="2000" dirty="0" err="1"/>
+              <a:t>Goal: Make it </a:t>
+            </a:r>
+            <a:r>
+              <a:rPr lang="nb-NO" sz="2000"/>
+              <a:t>as forwards-compatible</a:t>
+            </a:r>
+            <a:r>
+              <a:rPr lang="nb-NO" sz="2000" dirty="0"/>
+              <a:t> and robust as </a:t>
+            </a:r>
+            <a:r>
+              <a:rPr lang="nb-NO" sz="2000" dirty="0" err="1"/>
+              <a:t>possible</a:t>
+            </a:r>
+            <a:endParaRPr lang="nb-NO" sz="2000" dirty="0"/>
+          </a:p>
+          <a:p>
+            <a:pPr lvl="1"/>
+            <a:r>
+              <a:rPr lang="nb-NO" sz="1600" dirty="0"/>
+              <a:t>I </a:t>
+            </a:r>
+            <a:r>
+              <a:rPr lang="nb-NO" sz="1600" dirty="0" err="1"/>
+              <a:t>want</a:t>
+            </a:r>
+            <a:r>
+              <a:rPr lang="nb-NO" sz="1600" dirty="0"/>
+              <a:t> to have a </a:t>
+            </a:r>
+            <a:r>
+              <a:rPr lang="nb-NO" sz="1600" dirty="0" err="1"/>
+              <a:t>good</a:t>
+            </a:r>
+            <a:r>
+              <a:rPr lang="nb-NO" sz="1600" dirty="0"/>
+              <a:t> </a:t>
+            </a:r>
+            <a:r>
+              <a:rPr lang="nb-NO" sz="1600" dirty="0" err="1"/>
+              <a:t>enough</a:t>
+            </a:r>
+            <a:r>
+              <a:rPr lang="nb-NO" sz="1600" dirty="0"/>
+              <a:t> </a:t>
+            </a:r>
+            <a:r>
+              <a:rPr lang="nb-NO" sz="1600" dirty="0" err="1"/>
+              <a:t>infrastructure</a:t>
+            </a:r>
+            <a:r>
+              <a:rPr lang="nb-NO" sz="1600" dirty="0"/>
+              <a:t>, so </a:t>
+            </a:r>
+            <a:r>
+              <a:rPr lang="nb-NO" sz="1600" dirty="0" err="1"/>
+              <a:t>that</a:t>
+            </a:r>
+            <a:r>
+              <a:rPr lang="nb-NO" sz="1600" dirty="0"/>
+              <a:t> I </a:t>
+            </a:r>
+            <a:r>
+              <a:rPr lang="nb-NO" sz="1600" dirty="0" err="1"/>
+              <a:t>will</a:t>
+            </a:r>
+            <a:r>
+              <a:rPr lang="nb-NO" sz="1600" dirty="0"/>
+              <a:t> not have to make grand </a:t>
+            </a:r>
+            <a:r>
+              <a:rPr lang="nb-NO" sz="1600" dirty="0" err="1"/>
+              <a:t>changes</a:t>
+            </a:r>
+            <a:r>
+              <a:rPr lang="nb-NO" sz="1600" dirty="0"/>
+              <a:t> in </a:t>
+            </a:r>
+            <a:r>
+              <a:rPr lang="nb-NO" sz="1600" dirty="0" err="1"/>
               <a:t>the</a:t>
             </a:r>
             <a:r>
-              <a:rPr lang="nb-NO" sz="2000" dirty="0"/>
-              <a:t> </a:t>
-            </a:r>
-            <a:r>
-              <a:rPr lang="nb-NO" sz="2000" dirty="0" err="1"/>
-              <a:t>control</a:t>
-            </a:r>
-            <a:r>
-              <a:rPr lang="nb-NO" sz="2000" dirty="0"/>
-              <a:t> file </a:t>
-            </a:r>
-            <a:r>
-              <a:rPr lang="nb-NO" sz="2000" dirty="0" err="1"/>
+              <a:rPr lang="nb-NO" sz="1600" dirty="0"/>
+              <a:t> </a:t>
+            </a:r>
+            <a:r>
+              <a:rPr lang="nb-NO" sz="1600" dirty="0" err="1"/>
+              <a:t>future</a:t>
+            </a:r>
+            <a:r>
+              <a:rPr lang="nb-NO" sz="1600" dirty="0"/>
+              <a:t>, </a:t>
+            </a:r>
+            <a:r>
+              <a:rPr lang="nb-NO" sz="1600" dirty="0" err="1"/>
+              <a:t>which</a:t>
+            </a:r>
+            <a:r>
+              <a:rPr lang="nb-NO" sz="1600" dirty="0"/>
+              <a:t> </a:t>
+            </a:r>
+            <a:r>
+              <a:rPr lang="nb-NO" sz="1600" dirty="0" err="1"/>
               <a:t>will</a:t>
             </a:r>
             <a:r>
-              <a:rPr lang="nb-NO" sz="2000" dirty="0"/>
-              <a:t> be:</a:t>
+              <a:rPr lang="nb-NO" sz="1600" dirty="0"/>
+              <a:t> </a:t>
+            </a:r>
+            <a:r>
+              <a:rPr lang="nb-NO" sz="1600" dirty="0" err="1"/>
+              <a:t>leave</a:t>
+            </a:r>
+            <a:r>
+              <a:rPr lang="nb-NO" sz="1600" dirty="0"/>
+              <a:t> older </a:t>
+            </a:r>
+            <a:r>
+              <a:rPr lang="nb-NO" sz="1600" dirty="0" err="1"/>
+              <a:t>models</a:t>
+            </a:r>
+            <a:r>
+              <a:rPr lang="nb-NO" sz="1600" dirty="0"/>
+              <a:t> non </a:t>
+            </a:r>
+            <a:r>
+              <a:rPr lang="nb-NO" sz="1600" dirty="0" err="1"/>
+              <a:t>compatible</a:t>
+            </a:r>
+            <a:r>
+              <a:rPr lang="nb-NO" sz="1600" dirty="0"/>
+              <a:t> </a:t>
+            </a:r>
+            <a:r>
+              <a:rPr lang="nb-NO" sz="1600" dirty="0" err="1"/>
+              <a:t>with</a:t>
+            </a:r>
+            <a:r>
+              <a:rPr lang="nb-NO" sz="1600" dirty="0"/>
+              <a:t> </a:t>
+            </a:r>
+            <a:r>
+              <a:rPr lang="nb-NO" sz="1600" dirty="0" err="1"/>
+              <a:t>newer</a:t>
+            </a:r>
+            <a:r>
+              <a:rPr lang="nb-NO" sz="1600" dirty="0"/>
+              <a:t> </a:t>
+            </a:r>
+            <a:r>
+              <a:rPr lang="nb-NO" sz="1600" dirty="0" err="1"/>
+              <a:t>ones</a:t>
+            </a:r>
+            <a:endParaRPr lang="nb-NO" sz="1600" dirty="0"/>
+          </a:p>
+          <a:p>
+            <a:r>
+              <a:rPr lang="nb-NO" sz="2000" dirty="0"/>
+              <a:t>This </a:t>
+            </a:r>
+            <a:r>
+              <a:rPr lang="nb-NO" sz="2000" dirty="0" err="1"/>
+              <a:t>affects</a:t>
+            </a:r>
+            <a:r>
+              <a:rPr lang="nb-NO" sz="2000" dirty="0"/>
+              <a:t>:</a:t>
             </a:r>
           </a:p>
           <a:p>
             <a:pPr lvl="1"/>
             <a:r>
               <a:rPr lang="nb-NO" sz="1600" dirty="0"/>
-              <a:t>‘settings’ : </a:t>
-            </a:r>
-            <a:r>
-              <a:rPr lang="nb-NO" sz="1600" i="1" dirty="0" err="1"/>
-              <a:t>dict</a:t>
-            </a:r>
-            <a:endParaRPr lang="nb-NO" sz="1600" i="1" dirty="0"/>
+              <a:t>How </a:t>
+            </a:r>
+            <a:r>
+              <a:rPr lang="nb-NO" sz="1600" dirty="0" err="1"/>
+              <a:t>the</a:t>
+            </a:r>
+            <a:r>
+              <a:rPr lang="nb-NO" sz="1600" dirty="0"/>
+              <a:t> </a:t>
+            </a:r>
+            <a:r>
+              <a:rPr lang="nb-NO" sz="1600" dirty="0" err="1"/>
+              <a:t>architectures</a:t>
+            </a:r>
+            <a:r>
+              <a:rPr lang="nb-NO" sz="1600" dirty="0"/>
+              <a:t> </a:t>
+            </a:r>
+            <a:r>
+              <a:rPr lang="nb-NO" sz="1600" dirty="0" err="1"/>
+              <a:t>are</a:t>
+            </a:r>
+            <a:r>
+              <a:rPr lang="nb-NO" sz="1600" dirty="0"/>
+              <a:t> </a:t>
+            </a:r>
+            <a:r>
+              <a:rPr lang="nb-NO" sz="1600" dirty="0" err="1"/>
+              <a:t>set</a:t>
+            </a:r>
+            <a:r>
+              <a:rPr lang="nb-NO" sz="1600" dirty="0"/>
+              <a:t> up</a:t>
+            </a:r>
+            <a:endParaRPr lang="en-GB" sz="1200" dirty="0"/>
           </a:p>
           <a:p>
             <a:pPr lvl="2"/>
             <a:r>
+              <a:rPr lang="en-GB" sz="1200" dirty="0"/>
+              <a:t>Implementing new architectures should not be harder than just writing </a:t>
+            </a:r>
+            <a:r>
+              <a:rPr lang="en-GB" sz="1200" b="1" dirty="0"/>
+              <a:t>one</a:t>
+            </a:r>
+            <a:r>
+              <a:rPr lang="en-GB" sz="1200" dirty="0"/>
+              <a:t> new function</a:t>
+            </a:r>
+          </a:p>
+          <a:p>
+            <a:pPr lvl="2"/>
+            <a:r>
+              <a:rPr lang="en-GB" sz="1200" dirty="0"/>
+              <a:t>Running different set ups, data sets, dilation rates etc. should not need coding specific to the training instance</a:t>
+            </a:r>
+          </a:p>
+          <a:p>
+            <a:pPr lvl="3"/>
+            <a:r>
+              <a:rPr lang="en-GB" sz="1000" dirty="0"/>
+              <a:t>2DTCN should handle to be passed 1DTCN parameters and vice versa. Random forest should know to ignore TCN params</a:t>
+            </a:r>
+          </a:p>
+          <a:p>
+            <a:pPr lvl="2"/>
+            <a:r>
               <a:rPr lang="nb-NO" sz="1200" dirty="0" err="1"/>
-              <a:t>Contains</a:t>
+              <a:t>Writing</a:t>
             </a:r>
             <a:r>
               <a:rPr lang="nb-NO" sz="1200" dirty="0"/>
@@ -9355,19 +11334,43 @@
             </a:r>
             <a:r>
               <a:rPr lang="nb-NO" sz="1200" dirty="0"/>
-              <a:t> settings used for </a:t>
+              <a:t> </a:t>
             </a:r>
             <a:r>
               <a:rPr lang="nb-NO" sz="1200" dirty="0" err="1"/>
-              <a:t>that</a:t>
+              <a:t>instructions</a:t>
             </a:r>
             <a:r>
               <a:rPr lang="nb-NO" sz="1200" dirty="0"/>
-              <a:t> </a:t>
+              <a:t> for </a:t>
             </a:r>
             <a:r>
               <a:rPr lang="nb-NO" sz="1200" dirty="0" err="1"/>
-              <a:t>particular</a:t>
+              <a:t>trying</a:t>
+            </a:r>
+            <a:r>
+              <a:rPr lang="nb-NO" sz="1200" dirty="0"/>
+              <a:t> </a:t>
+            </a:r>
+            <a:r>
+              <a:rPr lang="nb-NO" sz="1200" dirty="0" err="1"/>
+              <a:t>out</a:t>
+            </a:r>
+            <a:r>
+              <a:rPr lang="nb-NO" sz="1200" dirty="0"/>
+              <a:t> different </a:t>
+            </a:r>
+            <a:r>
+              <a:rPr lang="nb-NO" sz="1200" dirty="0" err="1"/>
+              <a:t>permutations</a:t>
+            </a:r>
+            <a:r>
+              <a:rPr lang="nb-NO" sz="1200" dirty="0"/>
+              <a:t> </a:t>
+            </a:r>
+            <a:r>
+              <a:rPr lang="nb-NO" sz="1200" dirty="0" err="1"/>
+              <a:t>of</a:t>
             </a:r>
             <a:r>
               <a:rPr lang="nb-NO" sz="1200" dirty="0"/>
@@ -9377,200 +11380,13 @@
               <a:rPr lang="nb-NO" sz="1200" dirty="0" err="1"/>
               <a:t>model</a:t>
             </a:r>
-            <a:endParaRPr lang="nb-NO" sz="1200" dirty="0"/>
-          </a:p>
-          <a:p>
-            <a:pPr lvl="1"/>
-            <a:r>
-              <a:rPr lang="nb-NO" sz="1600" dirty="0"/>
-              <a:t>‘</a:t>
-            </a:r>
-            <a:r>
-              <a:rPr lang="nb-NO" sz="1600" dirty="0" err="1"/>
-              <a:t>summary_stats</a:t>
-            </a:r>
-            <a:r>
-              <a:rPr lang="nb-NO" sz="1600" dirty="0"/>
-              <a:t>’ : </a:t>
-            </a:r>
-            <a:r>
-              <a:rPr lang="nb-NO" sz="1600" i="1" dirty="0" err="1"/>
-              <a:t>dict</a:t>
-            </a:r>
-            <a:endParaRPr lang="nb-NO" sz="1600" i="1" dirty="0"/>
-          </a:p>
-          <a:p>
-            <a:pPr lvl="2"/>
+            <a:r>
+              <a:rPr lang="nb-NO" sz="1200" dirty="0"/>
+              <a:t> parameters </a:t>
+            </a:r>
             <a:r>
               <a:rPr lang="nb-NO" sz="1200" dirty="0" err="1"/>
-              <a:t>Contains</a:t>
-            </a:r>
-            <a:r>
-              <a:rPr lang="nb-NO" sz="1200" dirty="0"/>
-              <a:t> </a:t>
-            </a:r>
-            <a:r>
-              <a:rPr lang="nb-NO" sz="1200" dirty="0" err="1"/>
-              <a:t>the</a:t>
-            </a:r>
-            <a:r>
-              <a:rPr lang="nb-NO" sz="1200" dirty="0"/>
-              <a:t> </a:t>
-            </a:r>
-            <a:r>
-              <a:rPr lang="nb-NO" sz="1200" dirty="0" err="1"/>
-              <a:t>summary</a:t>
-            </a:r>
-            <a:r>
-              <a:rPr lang="nb-NO" sz="1200" dirty="0"/>
-              <a:t> </a:t>
-            </a:r>
-            <a:r>
-              <a:rPr lang="nb-NO" sz="1200" dirty="0" err="1"/>
-              <a:t>statistics</a:t>
-            </a:r>
-            <a:r>
-              <a:rPr lang="nb-NO" sz="1200" dirty="0"/>
-              <a:t> for </a:t>
-            </a:r>
-            <a:r>
-              <a:rPr lang="nb-NO" sz="1200" dirty="0" err="1"/>
-              <a:t>the</a:t>
-            </a:r>
-            <a:r>
-              <a:rPr lang="nb-NO" sz="1200" dirty="0"/>
-              <a:t> </a:t>
-            </a:r>
-            <a:r>
-              <a:rPr lang="nb-NO" sz="1200" dirty="0" err="1"/>
-              <a:t>model</a:t>
-            </a:r>
-            <a:r>
-              <a:rPr lang="nb-NO" sz="1200" dirty="0"/>
-              <a:t> and </a:t>
-            </a:r>
-            <a:r>
-              <a:rPr lang="nb-NO" sz="1200" dirty="0" err="1"/>
-              <a:t>performance</a:t>
-            </a:r>
-            <a:r>
-              <a:rPr lang="nb-NO" sz="1200" dirty="0"/>
-              <a:t> </a:t>
-            </a:r>
-            <a:r>
-              <a:rPr lang="nb-NO" sz="1200" dirty="0" err="1"/>
-              <a:t>evaluation</a:t>
-            </a:r>
-            <a:endParaRPr lang="nb-NO" sz="1200" dirty="0"/>
-          </a:p>
-          <a:p>
-            <a:pPr lvl="1"/>
-            <a:r>
-              <a:rPr lang="nb-NO" sz="1600" dirty="0"/>
-              <a:t>‘data’ : </a:t>
-            </a:r>
-            <a:r>
-              <a:rPr lang="nb-NO" sz="1600" i="1" dirty="0"/>
-              <a:t>list</a:t>
-            </a:r>
-          </a:p>
-          <a:p>
-            <a:pPr lvl="2"/>
-            <a:r>
-              <a:rPr lang="nb-NO" sz="1200" dirty="0" err="1"/>
-              <a:t>Contains</a:t>
-            </a:r>
-            <a:r>
-              <a:rPr lang="nb-NO" sz="1200" dirty="0"/>
-              <a:t> file </a:t>
-            </a:r>
-            <a:r>
-              <a:rPr lang="nb-NO" sz="1200" dirty="0" err="1"/>
-              <a:t>paths</a:t>
-            </a:r>
-            <a:r>
-              <a:rPr lang="nb-NO" sz="1200" dirty="0"/>
-              <a:t> to </a:t>
-            </a:r>
-            <a:r>
-              <a:rPr lang="nb-NO" sz="1200" dirty="0" err="1"/>
-              <a:t>the</a:t>
-            </a:r>
-            <a:r>
-              <a:rPr lang="nb-NO" sz="1200" dirty="0"/>
-              <a:t> data used for training (</a:t>
-            </a:r>
-            <a:r>
-              <a:rPr lang="nb-NO" sz="1200" dirty="0" err="1"/>
-              <a:t>maybe</a:t>
-            </a:r>
-            <a:r>
-              <a:rPr lang="nb-NO" sz="1200" dirty="0"/>
-              <a:t> </a:t>
-            </a:r>
-            <a:r>
-              <a:rPr lang="nb-NO" sz="1200" dirty="0" err="1"/>
-              <a:t>also</a:t>
-            </a:r>
-            <a:r>
-              <a:rPr lang="nb-NO" sz="1200" dirty="0"/>
-              <a:t> testing) </a:t>
-            </a:r>
-            <a:r>
-              <a:rPr lang="nb-NO" sz="1200" dirty="0" err="1"/>
-              <a:t>the</a:t>
-            </a:r>
-            <a:r>
-              <a:rPr lang="nb-NO" sz="1200" dirty="0"/>
-              <a:t> </a:t>
-            </a:r>
-            <a:r>
-              <a:rPr lang="nb-NO" sz="1200" dirty="0" err="1"/>
-              <a:t>model</a:t>
-            </a:r>
-            <a:endParaRPr lang="nb-NO" sz="1200" dirty="0"/>
-          </a:p>
-          <a:p>
-            <a:pPr lvl="2"/>
-            <a:r>
-              <a:rPr lang="nb-NO" sz="1200" dirty="0"/>
-              <a:t>In </a:t>
-            </a:r>
-            <a:r>
-              <a:rPr lang="nb-NO" sz="1200" dirty="0" err="1"/>
-              <a:t>this</a:t>
-            </a:r>
-            <a:r>
-              <a:rPr lang="nb-NO" sz="1200" dirty="0"/>
-              <a:t> </a:t>
-            </a:r>
-            <a:r>
-              <a:rPr lang="nb-NO" sz="1200" dirty="0" err="1"/>
-              <a:t>way</a:t>
-            </a:r>
-            <a:r>
-              <a:rPr lang="nb-NO" sz="1200" dirty="0"/>
-              <a:t>, </a:t>
-            </a:r>
-            <a:r>
-              <a:rPr lang="nb-NO" sz="1200" dirty="0" err="1"/>
-              <a:t>augmented</a:t>
-            </a:r>
-            <a:r>
-              <a:rPr lang="nb-NO" sz="1200" dirty="0"/>
-              <a:t> data </a:t>
-            </a:r>
-            <a:r>
-              <a:rPr lang="nb-NO" sz="1200" dirty="0" err="1"/>
-              <a:t>sets</a:t>
-            </a:r>
-            <a:r>
-              <a:rPr lang="nb-NO" sz="1200" dirty="0"/>
-              <a:t> </a:t>
-            </a:r>
-            <a:r>
-              <a:rPr lang="nb-NO" sz="1200" dirty="0" err="1"/>
-              <a:t>can</a:t>
+              <a:t>should</a:t>
             </a:r>
             <a:r>
               <a:rPr lang="nb-NO" sz="1200" dirty="0"/>
@@ -9578,7 +11394,7 @@
             </a:r>
             <a:r>
               <a:rPr lang="nb-NO" sz="1200" dirty="0" err="1"/>
-              <a:t>created</a:t>
+              <a:t>very</a:t>
             </a:r>
             <a:r>
               <a:rPr lang="nb-NO" sz="1200" dirty="0"/>
@@ -9586,149 +11402,19 @@
             </a:r>
             <a:r>
               <a:rPr lang="nb-NO" sz="1200" dirty="0" err="1"/>
-              <a:t>without</a:t>
+              <a:t>easy</a:t>
             </a:r>
             <a:r>
               <a:rPr lang="nb-NO" sz="1200" dirty="0"/>
-              <a:t> </a:t>
-            </a:r>
-            <a:r>
-              <a:rPr lang="nb-NO" sz="1200" dirty="0" err="1"/>
-              <a:t>getting</a:t>
-            </a:r>
-            <a:r>
-              <a:rPr lang="nb-NO" sz="1200" dirty="0"/>
-              <a:t> </a:t>
-            </a:r>
-            <a:r>
-              <a:rPr lang="nb-NO" sz="1200" dirty="0" err="1"/>
-              <a:t>tied</a:t>
-            </a:r>
-            <a:r>
-              <a:rPr lang="nb-NO" sz="1200" dirty="0"/>
-              <a:t> to a </a:t>
-            </a:r>
-            <a:r>
-              <a:rPr lang="nb-NO" sz="1200" dirty="0" err="1"/>
-              <a:t>particular</a:t>
-            </a:r>
-            <a:r>
-              <a:rPr lang="nb-NO" sz="1200" dirty="0"/>
-              <a:t> </a:t>
-            </a:r>
-            <a:r>
-              <a:rPr lang="nb-NO" sz="1200" dirty="0" err="1"/>
-              <a:t>model</a:t>
-            </a:r>
-            <a:r>
-              <a:rPr lang="nb-NO" sz="1200" dirty="0"/>
-              <a:t> </a:t>
-            </a:r>
-            <a:r>
-              <a:rPr lang="nb-NO" sz="1200" dirty="0" err="1"/>
-              <a:t>instance</a:t>
-            </a:r>
-            <a:endParaRPr lang="nb-NO" sz="1200" dirty="0"/>
-          </a:p>
-          <a:p>
-            <a:endParaRPr lang="nb-NO" sz="1800" dirty="0"/>
-          </a:p>
-          <a:p>
-            <a:r>
-              <a:rPr lang="nb-NO" sz="1800" dirty="0"/>
-              <a:t>I </a:t>
-            </a:r>
-            <a:r>
-              <a:rPr lang="nb-NO" sz="1800" dirty="0" err="1"/>
-              <a:t>may</a:t>
-            </a:r>
-            <a:r>
-              <a:rPr lang="nb-NO" sz="1800" dirty="0"/>
-              <a:t> </a:t>
-            </a:r>
-            <a:r>
-              <a:rPr lang="nb-NO" sz="1800" dirty="0" err="1"/>
-              <a:t>decide</a:t>
-            </a:r>
-            <a:r>
-              <a:rPr lang="nb-NO" sz="1800" dirty="0"/>
-              <a:t> </a:t>
-            </a:r>
-            <a:r>
-              <a:rPr lang="nb-NO" sz="1800" dirty="0" err="1"/>
-              <a:t>on</a:t>
-            </a:r>
-            <a:r>
-              <a:rPr lang="nb-NO" sz="1800" dirty="0"/>
-              <a:t> a </a:t>
-            </a:r>
-            <a:r>
-              <a:rPr lang="nb-NO" sz="1800" dirty="0" err="1"/>
-              <a:t>better</a:t>
-            </a:r>
-            <a:r>
-              <a:rPr lang="nb-NO" sz="1800" dirty="0"/>
-              <a:t> </a:t>
-            </a:r>
-            <a:r>
-              <a:rPr lang="nb-NO" sz="1800" dirty="0" err="1"/>
-              <a:t>name</a:t>
-            </a:r>
-            <a:r>
-              <a:rPr lang="nb-NO" sz="1800" dirty="0"/>
-              <a:t> for </a:t>
-            </a:r>
-            <a:r>
-              <a:rPr lang="nb-NO" sz="1800" dirty="0" err="1"/>
-              <a:t>this</a:t>
-            </a:r>
-            <a:r>
-              <a:rPr lang="nb-NO" sz="1800" dirty="0"/>
-              <a:t> file </a:t>
-            </a:r>
-            <a:r>
-              <a:rPr lang="nb-NO" sz="1800" dirty="0" err="1"/>
-              <a:t>before</a:t>
-            </a:r>
-            <a:r>
-              <a:rPr lang="nb-NO" sz="1800" dirty="0"/>
-              <a:t> I start to </a:t>
-            </a:r>
-            <a:r>
-              <a:rPr lang="nb-NO" sz="1800" dirty="0" err="1"/>
-              <a:t>train</a:t>
-            </a:r>
-            <a:r>
-              <a:rPr lang="nb-NO" sz="1800" dirty="0"/>
-              <a:t> </a:t>
-            </a:r>
-            <a:r>
-              <a:rPr lang="nb-NO" sz="1800" dirty="0" err="1"/>
-              <a:t>the</a:t>
-            </a:r>
-            <a:r>
-              <a:rPr lang="nb-NO" sz="1800" dirty="0"/>
-              <a:t> </a:t>
-            </a:r>
-            <a:r>
-              <a:rPr lang="nb-NO" sz="1800" dirty="0" err="1"/>
-              <a:t>models</a:t>
-            </a:r>
-            <a:r>
-              <a:rPr lang="nb-NO" sz="1800" dirty="0"/>
-              <a:t>…</a:t>
-            </a:r>
-          </a:p>
-          <a:p>
-            <a:pPr lvl="2"/>
-            <a:endParaRPr lang="en-GB" sz="1200" dirty="0"/>
+              <a:t> to do</a:t>
+            </a:r>
           </a:p>
         </p:txBody>
       </p:sp>
     </p:spTree>
     <p:extLst>
       <p:ext uri="{BB962C8B-B14F-4D97-AF65-F5344CB8AC3E}">
-        <p14:creationId xmlns:p14="http://schemas.microsoft.com/office/powerpoint/2010/main" val="3230011956"/>
+        <p14:creationId xmlns:p14="http://schemas.microsoft.com/office/powerpoint/2010/main" val="2544512538"/>
       </p:ext>
     </p:extLst>
   </p:cSld>
@@ -10144,7 +11830,7 @@
           <p:cNvPr id="2" name="Title 1">
             <a:extLst>
               <a:ext uri="{FF2B5EF4-FFF2-40B4-BE49-F238E27FC236}">
-                <a16:creationId xmlns:a16="http://schemas.microsoft.com/office/drawing/2014/main" id="{4DC10153-7CFE-49DA-9D15-258E7CE5EA64}"/>
+                <a16:creationId xmlns:a16="http://schemas.microsoft.com/office/drawing/2014/main" id="{FCDF147E-F845-49FC-A029-8023E8E09F5D}"/>
               </a:ext>
             </a:extLst>
           </p:cNvPr>
@@ -10168,28 +11854,12 @@
           <a:lstStyle/>
           <a:p>
             <a:r>
-              <a:rPr lang="nb-NO" sz="4000" dirty="0" err="1">
-                <a:solidFill>
-                  <a:srgbClr val="FFFFFF"/>
-                </a:solidFill>
-              </a:rPr>
-              <a:t>Performance</a:t>
-            </a:r>
-            <a:r>
               <a:rPr lang="nb-NO" sz="4000" dirty="0">
                 <a:solidFill>
                   <a:srgbClr val="FFFFFF"/>
                 </a:solidFill>
               </a:rPr>
-              <a:t> </a:t>
-            </a:r>
-            <a:r>
-              <a:rPr lang="nb-NO" sz="4000" dirty="0" err="1">
-                <a:solidFill>
-                  <a:srgbClr val="FFFFFF"/>
-                </a:solidFill>
-              </a:rPr>
-              <a:t>evaluation</a:t>
+              <a:t>Control JSON</a:t>
             </a:r>
             <a:endParaRPr lang="en-GB" sz="4000" dirty="0">
               <a:solidFill>
@@ -10204,7 +11874,7 @@
           <p:cNvPr id="3" name="Content Placeholder 2">
             <a:extLst>
               <a:ext uri="{FF2B5EF4-FFF2-40B4-BE49-F238E27FC236}">
-                <a16:creationId xmlns:a16="http://schemas.microsoft.com/office/drawing/2014/main" id="{AE202909-E2A0-49AD-BA81-90606507E2F6}"/>
+                <a16:creationId xmlns:a16="http://schemas.microsoft.com/office/drawing/2014/main" id="{B415AB60-5772-4497-8421-F796D9D0CCC4}"/>
               </a:ext>
             </a:extLst>
           </p:cNvPr>
@@ -10227,14 +11897,437 @@
           </a:bodyPr>
           <a:lstStyle/>
           <a:p>
-            <a:endParaRPr lang="en-GB" sz="2000" dirty="0"/>
+            <a:r>
+              <a:rPr lang="nb-NO" sz="2000" dirty="0"/>
+              <a:t>In </a:t>
+            </a:r>
+            <a:r>
+              <a:rPr lang="nb-NO" sz="2000" dirty="0" err="1"/>
+              <a:t>the</a:t>
+            </a:r>
+            <a:r>
+              <a:rPr lang="nb-NO" sz="2000" dirty="0"/>
+              <a:t> </a:t>
+            </a:r>
+            <a:r>
+              <a:rPr lang="nb-NO" sz="2000" dirty="0" err="1"/>
+              <a:t>control</a:t>
+            </a:r>
+            <a:r>
+              <a:rPr lang="nb-NO" sz="2000" dirty="0"/>
+              <a:t> file </a:t>
+            </a:r>
+            <a:r>
+              <a:rPr lang="nb-NO" sz="2000" dirty="0" err="1"/>
+              <a:t>will</a:t>
+            </a:r>
+            <a:r>
+              <a:rPr lang="nb-NO" sz="2000" dirty="0"/>
+              <a:t> be:</a:t>
+            </a:r>
+          </a:p>
+          <a:p>
+            <a:pPr lvl="1"/>
+            <a:r>
+              <a:rPr lang="nb-NO" sz="1600" dirty="0"/>
+              <a:t>‘settings’ : </a:t>
+            </a:r>
+            <a:r>
+              <a:rPr lang="nb-NO" sz="1600" i="1" dirty="0" err="1"/>
+              <a:t>dict</a:t>
+            </a:r>
+            <a:endParaRPr lang="nb-NO" sz="1600" i="1" dirty="0"/>
+          </a:p>
+          <a:p>
+            <a:pPr lvl="2"/>
+            <a:r>
+              <a:rPr lang="nb-NO" sz="1200" dirty="0" err="1"/>
+              <a:t>Contains</a:t>
+            </a:r>
+            <a:r>
+              <a:rPr lang="nb-NO" sz="1200" dirty="0"/>
+              <a:t> </a:t>
+            </a:r>
+            <a:r>
+              <a:rPr lang="nb-NO" sz="1200" dirty="0" err="1"/>
+              <a:t>the</a:t>
+            </a:r>
+            <a:r>
+              <a:rPr lang="nb-NO" sz="1200" dirty="0"/>
+              <a:t> settings used for </a:t>
+            </a:r>
+            <a:r>
+              <a:rPr lang="nb-NO" sz="1200" dirty="0" err="1"/>
+              <a:t>that</a:t>
+            </a:r>
+            <a:r>
+              <a:rPr lang="nb-NO" sz="1200" dirty="0"/>
+              <a:t> </a:t>
+            </a:r>
+            <a:r>
+              <a:rPr lang="nb-NO" sz="1200" dirty="0" err="1"/>
+              <a:t>particular</a:t>
+            </a:r>
+            <a:r>
+              <a:rPr lang="nb-NO" sz="1200" dirty="0"/>
+              <a:t> </a:t>
+            </a:r>
+            <a:r>
+              <a:rPr lang="nb-NO" sz="1200" dirty="0" err="1"/>
+              <a:t>model</a:t>
+            </a:r>
+            <a:endParaRPr lang="nb-NO" sz="1200" dirty="0"/>
+          </a:p>
+          <a:p>
+            <a:pPr lvl="1"/>
+            <a:r>
+              <a:rPr lang="nb-NO" sz="1600" dirty="0"/>
+              <a:t>‘</a:t>
+            </a:r>
+            <a:r>
+              <a:rPr lang="nb-NO" sz="1600" dirty="0" err="1"/>
+              <a:t>summary_stats</a:t>
+            </a:r>
+            <a:r>
+              <a:rPr lang="nb-NO" sz="1600" dirty="0"/>
+              <a:t>’ : </a:t>
+            </a:r>
+            <a:r>
+              <a:rPr lang="nb-NO" sz="1600" i="1" dirty="0" err="1"/>
+              <a:t>dict</a:t>
+            </a:r>
+            <a:endParaRPr lang="nb-NO" sz="1600" i="1" dirty="0"/>
+          </a:p>
+          <a:p>
+            <a:pPr lvl="2"/>
+            <a:r>
+              <a:rPr lang="nb-NO" sz="1200" dirty="0" err="1"/>
+              <a:t>Contains</a:t>
+            </a:r>
+            <a:r>
+              <a:rPr lang="nb-NO" sz="1200" dirty="0"/>
+              <a:t> </a:t>
+            </a:r>
+            <a:r>
+              <a:rPr lang="nb-NO" sz="1200" dirty="0" err="1"/>
+              <a:t>the</a:t>
+            </a:r>
+            <a:r>
+              <a:rPr lang="nb-NO" sz="1200" dirty="0"/>
+              <a:t> </a:t>
+            </a:r>
+            <a:r>
+              <a:rPr lang="nb-NO" sz="1200" dirty="0" err="1"/>
+              <a:t>summary</a:t>
+            </a:r>
+            <a:r>
+              <a:rPr lang="nb-NO" sz="1200" dirty="0"/>
+              <a:t> </a:t>
+            </a:r>
+            <a:r>
+              <a:rPr lang="nb-NO" sz="1200" dirty="0" err="1"/>
+              <a:t>statistics</a:t>
+            </a:r>
+            <a:r>
+              <a:rPr lang="nb-NO" sz="1200" dirty="0"/>
+              <a:t> for </a:t>
+            </a:r>
+            <a:r>
+              <a:rPr lang="nb-NO" sz="1200" dirty="0" err="1"/>
+              <a:t>the</a:t>
+            </a:r>
+            <a:r>
+              <a:rPr lang="nb-NO" sz="1200" dirty="0"/>
+              <a:t> </a:t>
+            </a:r>
+            <a:r>
+              <a:rPr lang="nb-NO" sz="1200" dirty="0" err="1"/>
+              <a:t>model</a:t>
+            </a:r>
+            <a:r>
+              <a:rPr lang="nb-NO" sz="1200" dirty="0"/>
+              <a:t> and </a:t>
+            </a:r>
+            <a:r>
+              <a:rPr lang="nb-NO" sz="1200" dirty="0" err="1"/>
+              <a:t>performance</a:t>
+            </a:r>
+            <a:r>
+              <a:rPr lang="nb-NO" sz="1200" dirty="0"/>
+              <a:t> </a:t>
+            </a:r>
+            <a:r>
+              <a:rPr lang="nb-NO" sz="1200" dirty="0" err="1"/>
+              <a:t>evaluation</a:t>
+            </a:r>
+            <a:endParaRPr lang="nb-NO" sz="1200" dirty="0"/>
+          </a:p>
+          <a:p>
+            <a:pPr lvl="1"/>
+            <a:r>
+              <a:rPr lang="nb-NO" sz="1600" dirty="0"/>
+              <a:t>‘data’ : </a:t>
+            </a:r>
+            <a:r>
+              <a:rPr lang="nb-NO" sz="1600" i="1" dirty="0"/>
+              <a:t>list</a:t>
+            </a:r>
+          </a:p>
+          <a:p>
+            <a:pPr lvl="2"/>
+            <a:r>
+              <a:rPr lang="nb-NO" sz="1200" dirty="0" err="1"/>
+              <a:t>Contains</a:t>
+            </a:r>
+            <a:r>
+              <a:rPr lang="nb-NO" sz="1200" dirty="0"/>
+              <a:t> file </a:t>
+            </a:r>
+            <a:r>
+              <a:rPr lang="nb-NO" sz="1200" dirty="0" err="1"/>
+              <a:t>paths</a:t>
+            </a:r>
+            <a:r>
+              <a:rPr lang="nb-NO" sz="1200" dirty="0"/>
+              <a:t> to </a:t>
+            </a:r>
+            <a:r>
+              <a:rPr lang="nb-NO" sz="1200" dirty="0" err="1"/>
+              <a:t>the</a:t>
+            </a:r>
+            <a:r>
+              <a:rPr lang="nb-NO" sz="1200" dirty="0"/>
+              <a:t> data used for training (</a:t>
+            </a:r>
+            <a:r>
+              <a:rPr lang="nb-NO" sz="1200" dirty="0" err="1"/>
+              <a:t>maybe</a:t>
+            </a:r>
+            <a:r>
+              <a:rPr lang="nb-NO" sz="1200" dirty="0"/>
+              <a:t> </a:t>
+            </a:r>
+            <a:r>
+              <a:rPr lang="nb-NO" sz="1200" dirty="0" err="1"/>
+              <a:t>also</a:t>
+            </a:r>
+            <a:r>
+              <a:rPr lang="nb-NO" sz="1200" dirty="0"/>
+              <a:t> testing) </a:t>
+            </a:r>
+            <a:r>
+              <a:rPr lang="nb-NO" sz="1200" dirty="0" err="1"/>
+              <a:t>the</a:t>
+            </a:r>
+            <a:r>
+              <a:rPr lang="nb-NO" sz="1200" dirty="0"/>
+              <a:t> </a:t>
+            </a:r>
+            <a:r>
+              <a:rPr lang="nb-NO" sz="1200" dirty="0" err="1"/>
+              <a:t>model</a:t>
+            </a:r>
+            <a:endParaRPr lang="nb-NO" sz="1200" dirty="0"/>
+          </a:p>
+          <a:p>
+            <a:pPr lvl="2"/>
+            <a:r>
+              <a:rPr lang="nb-NO" sz="1200" dirty="0"/>
+              <a:t>In </a:t>
+            </a:r>
+            <a:r>
+              <a:rPr lang="nb-NO" sz="1200" dirty="0" err="1"/>
+              <a:t>this</a:t>
+            </a:r>
+            <a:r>
+              <a:rPr lang="nb-NO" sz="1200" dirty="0"/>
+              <a:t> </a:t>
+            </a:r>
+            <a:r>
+              <a:rPr lang="nb-NO" sz="1200" dirty="0" err="1"/>
+              <a:t>way</a:t>
+            </a:r>
+            <a:r>
+              <a:rPr lang="nb-NO" sz="1200" dirty="0"/>
+              <a:t>, </a:t>
+            </a:r>
+            <a:r>
+              <a:rPr lang="nb-NO" sz="1200" dirty="0" err="1"/>
+              <a:t>augmented</a:t>
+            </a:r>
+            <a:r>
+              <a:rPr lang="nb-NO" sz="1200" dirty="0"/>
+              <a:t> data </a:t>
+            </a:r>
+            <a:r>
+              <a:rPr lang="nb-NO" sz="1200" dirty="0" err="1"/>
+              <a:t>sets</a:t>
+            </a:r>
+            <a:r>
+              <a:rPr lang="nb-NO" sz="1200" dirty="0"/>
+              <a:t> </a:t>
+            </a:r>
+            <a:r>
+              <a:rPr lang="nb-NO" sz="1200" dirty="0" err="1"/>
+              <a:t>can</a:t>
+            </a:r>
+            <a:r>
+              <a:rPr lang="nb-NO" sz="1200" dirty="0"/>
+              <a:t> be </a:t>
+            </a:r>
+            <a:r>
+              <a:rPr lang="nb-NO" sz="1200" dirty="0" err="1"/>
+              <a:t>created</a:t>
+            </a:r>
+            <a:r>
+              <a:rPr lang="nb-NO" sz="1200" dirty="0"/>
+              <a:t> </a:t>
+            </a:r>
+            <a:r>
+              <a:rPr lang="nb-NO" sz="1200" dirty="0" err="1"/>
+              <a:t>without</a:t>
+            </a:r>
+            <a:r>
+              <a:rPr lang="nb-NO" sz="1200" dirty="0"/>
+              <a:t> </a:t>
+            </a:r>
+            <a:r>
+              <a:rPr lang="nb-NO" sz="1200" dirty="0" err="1"/>
+              <a:t>getting</a:t>
+            </a:r>
+            <a:r>
+              <a:rPr lang="nb-NO" sz="1200" dirty="0"/>
+              <a:t> </a:t>
+            </a:r>
+            <a:r>
+              <a:rPr lang="nb-NO" sz="1200" dirty="0" err="1"/>
+              <a:t>tied</a:t>
+            </a:r>
+            <a:r>
+              <a:rPr lang="nb-NO" sz="1200" dirty="0"/>
+              <a:t> to a </a:t>
+            </a:r>
+            <a:r>
+              <a:rPr lang="nb-NO" sz="1200" dirty="0" err="1"/>
+              <a:t>particular</a:t>
+            </a:r>
+            <a:r>
+              <a:rPr lang="nb-NO" sz="1200" dirty="0"/>
+              <a:t> </a:t>
+            </a:r>
+            <a:r>
+              <a:rPr lang="nb-NO" sz="1200" dirty="0" err="1"/>
+              <a:t>model</a:t>
+            </a:r>
+            <a:r>
+              <a:rPr lang="nb-NO" sz="1200" dirty="0"/>
+              <a:t> </a:t>
+            </a:r>
+            <a:r>
+              <a:rPr lang="nb-NO" sz="1200" dirty="0" err="1"/>
+              <a:t>instance</a:t>
+            </a:r>
+            <a:endParaRPr lang="nb-NO" sz="1200" dirty="0"/>
+          </a:p>
+          <a:p>
+            <a:endParaRPr lang="nb-NO" sz="1800" dirty="0"/>
+          </a:p>
+          <a:p>
+            <a:r>
+              <a:rPr lang="nb-NO" sz="1800" dirty="0"/>
+              <a:t>I </a:t>
+            </a:r>
+            <a:r>
+              <a:rPr lang="nb-NO" sz="1800" dirty="0" err="1"/>
+              <a:t>may</a:t>
+            </a:r>
+            <a:r>
+              <a:rPr lang="nb-NO" sz="1800" dirty="0"/>
+              <a:t> </a:t>
+            </a:r>
+            <a:r>
+              <a:rPr lang="nb-NO" sz="1800" dirty="0" err="1"/>
+              <a:t>decide</a:t>
+            </a:r>
+            <a:r>
+              <a:rPr lang="nb-NO" sz="1800" dirty="0"/>
+              <a:t> </a:t>
+            </a:r>
+            <a:r>
+              <a:rPr lang="nb-NO" sz="1800" dirty="0" err="1"/>
+              <a:t>on</a:t>
+            </a:r>
+            <a:r>
+              <a:rPr lang="nb-NO" sz="1800" dirty="0"/>
+              <a:t> a </a:t>
+            </a:r>
+            <a:r>
+              <a:rPr lang="nb-NO" sz="1800" dirty="0" err="1"/>
+              <a:t>better</a:t>
+            </a:r>
+            <a:r>
+              <a:rPr lang="nb-NO" sz="1800" dirty="0"/>
+              <a:t> </a:t>
+            </a:r>
+            <a:r>
+              <a:rPr lang="nb-NO" sz="1800" dirty="0" err="1"/>
+              <a:t>name</a:t>
+            </a:r>
+            <a:r>
+              <a:rPr lang="nb-NO" sz="1800" dirty="0"/>
+              <a:t> for </a:t>
+            </a:r>
+            <a:r>
+              <a:rPr lang="nb-NO" sz="1800" dirty="0" err="1"/>
+              <a:t>this</a:t>
+            </a:r>
+            <a:r>
+              <a:rPr lang="nb-NO" sz="1800" dirty="0"/>
+              <a:t> file </a:t>
+            </a:r>
+            <a:r>
+              <a:rPr lang="nb-NO" sz="1800" dirty="0" err="1"/>
+              <a:t>before</a:t>
+            </a:r>
+            <a:r>
+              <a:rPr lang="nb-NO" sz="1800" dirty="0"/>
+              <a:t> I start to </a:t>
+            </a:r>
+            <a:r>
+              <a:rPr lang="nb-NO" sz="1800" dirty="0" err="1"/>
+              <a:t>train</a:t>
+            </a:r>
+            <a:r>
+              <a:rPr lang="nb-NO" sz="1800" dirty="0"/>
+              <a:t> </a:t>
+            </a:r>
+            <a:r>
+              <a:rPr lang="nb-NO" sz="1800" dirty="0" err="1"/>
+              <a:t>the</a:t>
+            </a:r>
+            <a:r>
+              <a:rPr lang="nb-NO" sz="1800" dirty="0"/>
+              <a:t> </a:t>
+            </a:r>
+            <a:r>
+              <a:rPr lang="nb-NO" sz="1800" dirty="0" err="1"/>
+              <a:t>models</a:t>
+            </a:r>
+            <a:r>
+              <a:rPr lang="nb-NO" sz="1800" dirty="0"/>
+              <a:t>…</a:t>
+            </a:r>
+          </a:p>
+          <a:p>
+            <a:pPr lvl="2"/>
+            <a:endParaRPr lang="en-GB" sz="1200" dirty="0"/>
           </a:p>
         </p:txBody>
       </p:sp>
     </p:spTree>
     <p:extLst>
       <p:ext uri="{BB962C8B-B14F-4D97-AF65-F5344CB8AC3E}">
-        <p14:creationId xmlns:p14="http://schemas.microsoft.com/office/powerpoint/2010/main" val="3426608757"/>
+        <p14:creationId xmlns:p14="http://schemas.microsoft.com/office/powerpoint/2010/main" val="3230011956"/>
       </p:ext>
     </p:extLst>
   </p:cSld>
@@ -10650,7 +12743,7 @@
           <p:cNvPr id="2" name="Title 1">
             <a:extLst>
               <a:ext uri="{FF2B5EF4-FFF2-40B4-BE49-F238E27FC236}">
-                <a16:creationId xmlns:a16="http://schemas.microsoft.com/office/drawing/2014/main" id="{C854D3B8-276F-46FA-9392-8B71BA7BB724}"/>
+                <a16:creationId xmlns:a16="http://schemas.microsoft.com/office/drawing/2014/main" id="{089F86C3-4D50-4999-91C3-D04B930CE95D}"/>
               </a:ext>
             </a:extLst>
           </p:cNvPr>
@@ -10674,20 +12767,20 @@
           <a:lstStyle/>
           <a:p>
             <a:r>
+              <a:rPr lang="nb-NO" sz="4000" dirty="0" err="1">
+                <a:solidFill>
+                  <a:srgbClr val="FFFFFF"/>
+                </a:solidFill>
+              </a:rPr>
+              <a:t>Permutation</a:t>
+            </a:r>
+            <a:r>
               <a:rPr lang="nb-NO" sz="4000" dirty="0">
                 <a:solidFill>
                   <a:srgbClr val="FFFFFF"/>
                 </a:solidFill>
               </a:rPr>
-              <a:t>Visual </a:t>
-            </a:r>
-            <a:r>
-              <a:rPr lang="nb-NO" sz="4000" dirty="0" err="1">
-                <a:solidFill>
-                  <a:srgbClr val="FFFFFF"/>
-                </a:solidFill>
-              </a:rPr>
-              <a:t>comparisons</a:t>
+              <a:t> script</a:t>
             </a:r>
             <a:endParaRPr lang="en-GB" sz="4000" dirty="0">
               <a:solidFill>
@@ -10702,7 +12795,7 @@
           <p:cNvPr id="3" name="Content Placeholder 2">
             <a:extLst>
               <a:ext uri="{FF2B5EF4-FFF2-40B4-BE49-F238E27FC236}">
-                <a16:creationId xmlns:a16="http://schemas.microsoft.com/office/drawing/2014/main" id="{039163CE-F701-4A16-91A0-95347A92ADD0}"/>
+                <a16:creationId xmlns:a16="http://schemas.microsoft.com/office/drawing/2014/main" id="{6A1DEDB5-5747-4BF8-94FD-285FA84244C7}"/>
               </a:ext>
             </a:extLst>
           </p:cNvPr>
@@ -10720,30 +12813,77 @@
           </a:xfrm>
         </p:spPr>
         <p:txBody>
-          <a:bodyPr anchor="ctr">
+          <a:bodyPr anchor="t">
             <a:normAutofit/>
           </a:bodyPr>
           <a:lstStyle/>
           <a:p>
             <a:r>
-              <a:rPr lang="nb-NO" sz="2000" dirty="0"/>
-              <a:t>To </a:t>
-            </a:r>
-            <a:r>
-              <a:rPr lang="nb-NO" sz="2000" dirty="0" err="1"/>
-              <a:t>see</a:t>
-            </a:r>
-            <a:r>
-              <a:rPr lang="nb-NO" sz="2000" dirty="0"/>
-              <a:t> </a:t>
-            </a:r>
-            <a:r>
-              <a:rPr lang="nb-NO" sz="2000" dirty="0" err="1"/>
-              <a:t>if</a:t>
-            </a:r>
-            <a:r>
-              <a:rPr lang="nb-NO" sz="2000" dirty="0"/>
-              <a:t> </a:t>
+              <a:rPr lang="nb-NO" sz="2000" dirty="0" err="1"/>
+              <a:t>Some</a:t>
+            </a:r>
+            <a:r>
+              <a:rPr lang="nb-NO" sz="2000" dirty="0"/>
+              <a:t> combinations </a:t>
+            </a:r>
+            <a:r>
+              <a:rPr lang="nb-NO" sz="2000" dirty="0" err="1"/>
+              <a:t>will</a:t>
+            </a:r>
+            <a:r>
+              <a:rPr lang="nb-NO" sz="2000" dirty="0"/>
+              <a:t> be more intersting </a:t>
+            </a:r>
+            <a:r>
+              <a:rPr lang="nb-NO" sz="2000" dirty="0" err="1"/>
+              <a:t>than</a:t>
+            </a:r>
+            <a:r>
+              <a:rPr lang="nb-NO" sz="2000" dirty="0"/>
+              <a:t> </a:t>
+            </a:r>
+            <a:r>
+              <a:rPr lang="nb-NO" sz="2000" dirty="0" err="1"/>
+              <a:t>others</a:t>
+            </a:r>
+            <a:endParaRPr lang="nb-NO" sz="2000" dirty="0"/>
+          </a:p>
+          <a:p>
+            <a:r>
+              <a:rPr lang="nb-NO" sz="2000" dirty="0"/>
+              <a:t>With a </a:t>
+            </a:r>
+            <a:r>
+              <a:rPr lang="nb-NO" sz="2000" dirty="0" err="1"/>
+              <a:t>control</a:t>
+            </a:r>
+            <a:r>
+              <a:rPr lang="nb-NO" sz="2000" dirty="0"/>
+              <a:t> JSON script </a:t>
+            </a:r>
+            <a:r>
+              <a:rPr lang="nb-NO" sz="2000" dirty="0" err="1"/>
+              <a:t>that</a:t>
+            </a:r>
+            <a:r>
+              <a:rPr lang="nb-NO" sz="2000" dirty="0"/>
+              <a:t> </a:t>
+            </a:r>
+            <a:r>
+              <a:rPr lang="nb-NO" sz="2000" dirty="0" err="1"/>
+              <a:t>can</a:t>
+            </a:r>
+            <a:r>
+              <a:rPr lang="nb-NO" sz="2000" dirty="0"/>
+              <a:t> be </a:t>
+            </a:r>
+            <a:r>
+              <a:rPr lang="nb-NO" sz="2000" dirty="0" err="1"/>
+              <a:t>edited</a:t>
+            </a:r>
+            <a:r>
+              <a:rPr lang="nb-NO" sz="2000" dirty="0"/>
+              <a:t> to alter </a:t>
             </a:r>
             <a:r>
               <a:rPr lang="nb-NO" sz="2000" dirty="0" err="1"/>
@@ -10759,19 +12899,82 @@
             </a:r>
             <a:r>
               <a:rPr lang="nb-NO" sz="2000" dirty="0"/>
-              <a:t> </a:t>
-            </a:r>
-            <a:r>
-              <a:rPr lang="nb-NO" sz="2000" dirty="0" err="1"/>
-              <a:t>can</a:t>
-            </a:r>
-            <a:r>
-              <a:rPr lang="nb-NO" sz="2000" dirty="0"/>
-              <a:t> </a:t>
-            </a:r>
-            <a:r>
-              <a:rPr lang="nb-NO" sz="2000" dirty="0" err="1"/>
-              <a:t>capture</a:t>
+              <a:t> parameters, </a:t>
+            </a:r>
+            <a:r>
+              <a:rPr lang="nb-NO" sz="2000" dirty="0" err="1"/>
+              <a:t>this</a:t>
+            </a:r>
+            <a:r>
+              <a:rPr lang="nb-NO" sz="2000" dirty="0"/>
+              <a:t> makes it </a:t>
+            </a:r>
+            <a:r>
+              <a:rPr lang="nb-NO" sz="2000" dirty="0" err="1"/>
+              <a:t>easier</a:t>
+            </a:r>
+            <a:r>
+              <a:rPr lang="nb-NO" sz="2000" dirty="0"/>
+              <a:t> to test </a:t>
+            </a:r>
+            <a:r>
+              <a:rPr lang="nb-NO" sz="2000" dirty="0" err="1"/>
+              <a:t>out</a:t>
+            </a:r>
+            <a:r>
+              <a:rPr lang="nb-NO" sz="2000" dirty="0"/>
+              <a:t> different </a:t>
+            </a:r>
+            <a:r>
+              <a:rPr lang="nb-NO" sz="2000" dirty="0" err="1"/>
+              <a:t>configuration</a:t>
+            </a:r>
+            <a:r>
+              <a:rPr lang="nb-NO" sz="2000" dirty="0"/>
+              <a:t> </a:t>
+            </a:r>
+            <a:r>
+              <a:rPr lang="nb-NO" sz="2000" dirty="0" err="1"/>
+              <a:t>permutations</a:t>
+            </a:r>
+            <a:endParaRPr lang="nb-NO" sz="2000" dirty="0"/>
+          </a:p>
+          <a:p>
+            <a:r>
+              <a:rPr lang="nb-NO" sz="2000" dirty="0" err="1"/>
+              <a:t>However</a:t>
+            </a:r>
+            <a:r>
+              <a:rPr lang="nb-NO" sz="2000" dirty="0"/>
+              <a:t>, </a:t>
+            </a:r>
+            <a:r>
+              <a:rPr lang="nb-NO" sz="2000" dirty="0" err="1"/>
+              <a:t>there</a:t>
+            </a:r>
+            <a:r>
+              <a:rPr lang="nb-NO" sz="2000" dirty="0"/>
+              <a:t> </a:t>
+            </a:r>
+            <a:r>
+              <a:rPr lang="nb-NO" sz="2000" dirty="0" err="1"/>
+              <a:t>needs</a:t>
+            </a:r>
+            <a:r>
+              <a:rPr lang="nb-NO" sz="2000" dirty="0"/>
+              <a:t> to be a script </a:t>
+            </a:r>
+            <a:r>
+              <a:rPr lang="nb-NO" sz="2000" dirty="0" err="1"/>
+              <a:t>that</a:t>
+            </a:r>
+            <a:r>
+              <a:rPr lang="nb-NO" sz="2000" dirty="0"/>
+              <a:t> </a:t>
+            </a:r>
+            <a:r>
+              <a:rPr lang="nb-NO" sz="2000" dirty="0" err="1"/>
+              <a:t>instructs</a:t>
             </a:r>
             <a:r>
               <a:rPr lang="nb-NO" sz="2000" dirty="0"/>
@@ -10783,453 +12986,56 @@
             </a:r>
             <a:r>
               <a:rPr lang="nb-NO" sz="2000" dirty="0"/>
-              <a:t> </a:t>
-            </a:r>
-            <a:r>
-              <a:rPr lang="nb-NO" sz="2000" dirty="0" err="1"/>
-              <a:t>features</a:t>
-            </a:r>
-            <a:r>
-              <a:rPr lang="nb-NO" sz="2000" dirty="0"/>
-              <a:t> </a:t>
-            </a:r>
-            <a:r>
-              <a:rPr lang="nb-NO" sz="2000" dirty="0" err="1"/>
-              <a:t>properly</a:t>
-            </a:r>
-            <a:r>
-              <a:rPr lang="nb-NO" sz="2000" dirty="0"/>
-              <a:t>, </a:t>
-            </a:r>
-            <a:r>
-              <a:rPr lang="nb-NO" sz="2000" dirty="0" err="1"/>
-              <a:t>there</a:t>
-            </a:r>
-            <a:r>
-              <a:rPr lang="nb-NO" sz="2000" dirty="0"/>
-              <a:t> </a:t>
-            </a:r>
-            <a:r>
-              <a:rPr lang="nb-NO" sz="2000" dirty="0" err="1"/>
-              <a:t>should</a:t>
-            </a:r>
-            <a:r>
-              <a:rPr lang="nb-NO" sz="2000" dirty="0"/>
-              <a:t> be </a:t>
-            </a:r>
-            <a:r>
-              <a:rPr lang="nb-NO" sz="2000" dirty="0" err="1"/>
-              <a:t>written</a:t>
-            </a:r>
-            <a:r>
-              <a:rPr lang="nb-NO" sz="2000" dirty="0"/>
-              <a:t> a script </a:t>
-            </a:r>
-            <a:r>
-              <a:rPr lang="nb-NO" sz="2000" dirty="0" err="1"/>
-              <a:t>that</a:t>
-            </a:r>
-            <a:r>
-              <a:rPr lang="nb-NO" sz="2000" dirty="0"/>
-              <a:t> </a:t>
-            </a:r>
-            <a:r>
-              <a:rPr lang="nb-NO" sz="2000" dirty="0" err="1"/>
-              <a:t>creates</a:t>
-            </a:r>
-            <a:r>
-              <a:rPr lang="nb-NO" sz="2000" dirty="0"/>
-              <a:t> an image </a:t>
-            </a:r>
-            <a:r>
-              <a:rPr lang="nb-NO" sz="2000" dirty="0" err="1"/>
-              <a:t>containing</a:t>
-            </a:r>
-            <a:r>
-              <a:rPr lang="nb-NO" sz="2000" dirty="0"/>
-              <a:t> </a:t>
-            </a:r>
-            <a:r>
-              <a:rPr lang="nb-NO" sz="2000" dirty="0" err="1"/>
-              <a:t>the</a:t>
-            </a:r>
-            <a:r>
-              <a:rPr lang="nb-NO" sz="2000" dirty="0"/>
-              <a:t> input </a:t>
-            </a:r>
-            <a:r>
-              <a:rPr lang="nb-NO" sz="2000" dirty="0" err="1"/>
-              <a:t>seismic</a:t>
-            </a:r>
-            <a:r>
-              <a:rPr lang="nb-NO" sz="2000" dirty="0"/>
-              <a:t> </a:t>
-            </a:r>
-            <a:r>
-              <a:rPr lang="nb-NO" sz="2000" dirty="0" err="1"/>
-              <a:t>features</a:t>
-            </a:r>
-            <a:r>
-              <a:rPr lang="nb-NO" sz="2000" dirty="0"/>
-              <a:t>, and </a:t>
-            </a:r>
-            <a:r>
-              <a:rPr lang="nb-NO" sz="2000" dirty="0" err="1"/>
-              <a:t>reconstructed</a:t>
-            </a:r>
-            <a:r>
-              <a:rPr lang="nb-NO" sz="2000" dirty="0"/>
-              <a:t> </a:t>
-            </a:r>
-            <a:r>
-              <a:rPr lang="nb-NO" sz="2000" dirty="0" err="1"/>
-              <a:t>features</a:t>
-            </a:r>
-            <a:endParaRPr lang="nb-NO" sz="2000" dirty="0"/>
-          </a:p>
-          <a:p>
-            <a:pPr lvl="1"/>
-            <a:r>
-              <a:rPr lang="nb-NO" sz="1600" dirty="0"/>
-              <a:t>Python </a:t>
-            </a:r>
-            <a:r>
-              <a:rPr lang="nb-NO" sz="1600" dirty="0" err="1"/>
-              <a:t>implementation</a:t>
-            </a:r>
-            <a:r>
-              <a:rPr lang="nb-NO" sz="1600" dirty="0"/>
-              <a:t> for </a:t>
-            </a:r>
-            <a:r>
-              <a:rPr lang="nb-NO" sz="1600" dirty="0" err="1"/>
-              <a:t>this</a:t>
-            </a:r>
-            <a:r>
-              <a:rPr lang="nb-NO" sz="1600" dirty="0"/>
-              <a:t>;</a:t>
-            </a:r>
-            <a:r>
-              <a:rPr lang="nb-NO" sz="1600" i="1" dirty="0"/>
-              <a:t> </a:t>
-            </a:r>
-            <a:r>
-              <a:rPr lang="nb-NO" sz="1600" i="1" dirty="0" err="1"/>
-              <a:t>else</a:t>
-            </a:r>
-            <a:r>
-              <a:rPr lang="nb-NO" sz="1600" i="1" dirty="0"/>
-              <a:t> </a:t>
-            </a:r>
-            <a:r>
-              <a:rPr lang="nb-NO" sz="1600" dirty="0"/>
-              <a:t>-&gt; </a:t>
-            </a:r>
-            <a:r>
-              <a:rPr lang="nb-NO" sz="1600" dirty="0" err="1"/>
-              <a:t>Postscript</a:t>
-            </a:r>
-            <a:endParaRPr lang="nb-NO" sz="1600" dirty="0"/>
-          </a:p>
-          <a:p>
-            <a:r>
-              <a:rPr lang="nb-NO" sz="2000" dirty="0" err="1"/>
-              <a:t>Also</a:t>
-            </a:r>
-            <a:r>
-              <a:rPr lang="nb-NO" sz="2000" dirty="0"/>
-              <a:t> </a:t>
-            </a:r>
-            <a:r>
-              <a:rPr lang="nb-NO" sz="2000" dirty="0" err="1"/>
-              <a:t>the</a:t>
-            </a:r>
-            <a:r>
-              <a:rPr lang="nb-NO" sz="2000" dirty="0"/>
-              <a:t> </a:t>
-            </a:r>
-            <a:r>
-              <a:rPr lang="nb-NO" sz="2000" dirty="0" err="1"/>
-              <a:t>predicted</a:t>
-            </a:r>
-            <a:r>
-              <a:rPr lang="nb-NO" sz="2000" dirty="0"/>
-              <a:t> </a:t>
-            </a:r>
-            <a:r>
-              <a:rPr lang="nb-NO" sz="2000" dirty="0" err="1"/>
-              <a:t>values</a:t>
-            </a:r>
-            <a:r>
-              <a:rPr lang="nb-NO" sz="2000" dirty="0"/>
-              <a:t> </a:t>
-            </a:r>
-            <a:r>
-              <a:rPr lang="nb-NO" sz="2000" dirty="0" err="1"/>
-              <a:t>vs</a:t>
-            </a:r>
-            <a:r>
-              <a:rPr lang="nb-NO" sz="2000" dirty="0"/>
-              <a:t> </a:t>
-            </a:r>
-            <a:r>
-              <a:rPr lang="nb-NO" sz="2000" dirty="0" err="1"/>
-              <a:t>the</a:t>
-            </a:r>
-            <a:r>
-              <a:rPr lang="nb-NO" sz="2000" dirty="0"/>
-              <a:t> true </a:t>
-            </a:r>
-            <a:r>
-              <a:rPr lang="nb-NO" sz="2000" dirty="0" err="1"/>
-              <a:t>values</a:t>
-            </a:r>
-            <a:r>
-              <a:rPr lang="nb-NO" sz="2000" dirty="0"/>
-              <a:t>, </a:t>
-            </a:r>
-            <a:r>
-              <a:rPr lang="nb-NO" sz="2000" dirty="0" err="1"/>
-              <a:t>maybe</a:t>
-            </a:r>
-            <a:r>
-              <a:rPr lang="nb-NO" sz="2000" dirty="0"/>
-              <a:t> </a:t>
-            </a:r>
-            <a:r>
-              <a:rPr lang="nb-NO" sz="2000" dirty="0" err="1"/>
-              <a:t>displaying</a:t>
-            </a:r>
-            <a:r>
-              <a:rPr lang="nb-NO" sz="2000" dirty="0"/>
-              <a:t> </a:t>
-            </a:r>
-            <a:r>
-              <a:rPr lang="nb-NO" sz="2000" dirty="0" err="1"/>
-              <a:t>the</a:t>
-            </a:r>
-            <a:r>
-              <a:rPr lang="nb-NO" sz="2000" dirty="0"/>
-              <a:t> </a:t>
-            </a:r>
-            <a:r>
-              <a:rPr lang="nb-NO" sz="2000" dirty="0" err="1"/>
-              <a:t>prediction</a:t>
-            </a:r>
-            <a:r>
-              <a:rPr lang="nb-NO" sz="2000" dirty="0"/>
-              <a:t> </a:t>
-            </a:r>
-            <a:r>
-              <a:rPr lang="nb-NO" sz="2000" dirty="0" err="1"/>
-              <a:t>error</a:t>
-            </a:r>
-            <a:endParaRPr lang="nb-NO" sz="2000" dirty="0"/>
-          </a:p>
-          <a:p>
-            <a:r>
-              <a:rPr lang="nb-NO" sz="2000" dirty="0"/>
-              <a:t>Using </a:t>
-            </a:r>
-            <a:r>
-              <a:rPr lang="nb-NO" sz="2000" dirty="0" err="1"/>
-              <a:t>the</a:t>
-            </a:r>
-            <a:r>
-              <a:rPr lang="nb-NO" sz="2000" dirty="0"/>
-              <a:t> </a:t>
-            </a:r>
-            <a:r>
-              <a:rPr lang="nb-NO" sz="2000" b="1" dirty="0" err="1"/>
-              <a:t>acoustic</a:t>
-            </a:r>
-            <a:r>
-              <a:rPr lang="nb-NO" sz="2000" b="1" dirty="0"/>
-              <a:t> </a:t>
-            </a:r>
-            <a:r>
-              <a:rPr lang="nb-NO" sz="2000" b="1" dirty="0" err="1"/>
-              <a:t>impedance</a:t>
-            </a:r>
-            <a:r>
-              <a:rPr lang="nb-NO" sz="2000" dirty="0"/>
-              <a:t>, it is </a:t>
-            </a:r>
-            <a:r>
-              <a:rPr lang="nb-NO" sz="2000" dirty="0" err="1"/>
-              <a:t>possible</a:t>
-            </a:r>
-            <a:r>
-              <a:rPr lang="nb-NO" sz="2000" dirty="0"/>
-              <a:t> to </a:t>
-            </a:r>
-            <a:r>
-              <a:rPr lang="nb-NO" sz="2000" dirty="0" err="1"/>
-              <a:t>get</a:t>
-            </a:r>
-            <a:r>
-              <a:rPr lang="nb-NO" sz="2000" dirty="0"/>
-              <a:t> a </a:t>
-            </a:r>
-            <a:r>
-              <a:rPr lang="nb-NO" sz="2000" dirty="0" err="1"/>
-              <a:t>overlay</a:t>
-            </a:r>
-            <a:r>
-              <a:rPr lang="nb-NO" sz="2000" dirty="0"/>
-              <a:t> heat </a:t>
-            </a:r>
-            <a:r>
-              <a:rPr lang="nb-NO" sz="2000" dirty="0" err="1"/>
-              <a:t>map</a:t>
-            </a:r>
-            <a:r>
-              <a:rPr lang="nb-NO" sz="2000" dirty="0"/>
-              <a:t>, </a:t>
-            </a:r>
-            <a:r>
-              <a:rPr lang="nb-NO" sz="2000" dirty="0" err="1"/>
-              <a:t>which</a:t>
-            </a:r>
-            <a:r>
-              <a:rPr lang="nb-NO" sz="2000" dirty="0"/>
-              <a:t> displays </a:t>
-            </a:r>
-            <a:r>
-              <a:rPr lang="nb-NO" sz="2000" dirty="0" err="1"/>
-              <a:t>what</a:t>
-            </a:r>
-            <a:r>
-              <a:rPr lang="nb-NO" sz="2000" dirty="0"/>
-              <a:t> areas </a:t>
-            </a:r>
-            <a:r>
-              <a:rPr lang="nb-NO" sz="2000" dirty="0" err="1"/>
-              <a:t>the</a:t>
-            </a:r>
-            <a:r>
-              <a:rPr lang="nb-NO" sz="2000" dirty="0"/>
-              <a:t> </a:t>
-            </a:r>
-            <a:r>
-              <a:rPr lang="nb-NO" sz="2000" dirty="0" err="1"/>
-              <a:t>model</a:t>
-            </a:r>
-            <a:r>
-              <a:rPr lang="nb-NO" sz="2000" dirty="0"/>
-              <a:t> </a:t>
-            </a:r>
-            <a:r>
-              <a:rPr lang="nb-NO" sz="2000" dirty="0" err="1"/>
-              <a:t>encounters</a:t>
-            </a:r>
-            <a:r>
-              <a:rPr lang="nb-NO" sz="2000" dirty="0"/>
-              <a:t> </a:t>
-            </a:r>
-            <a:r>
-              <a:rPr lang="nb-NO" sz="2000" dirty="0" err="1"/>
-              <a:t>issues</a:t>
-            </a:r>
-            <a:r>
-              <a:rPr lang="nb-NO" sz="2000" dirty="0"/>
-              <a:t> in </a:t>
-            </a:r>
-            <a:r>
-              <a:rPr lang="nb-NO" sz="2000" dirty="0" err="1"/>
-              <a:t>the</a:t>
-            </a:r>
-            <a:r>
-              <a:rPr lang="nb-NO" sz="2000" dirty="0"/>
-              <a:t> most</a:t>
-            </a:r>
-          </a:p>
-          <a:p>
-            <a:pPr lvl="1"/>
-            <a:r>
-              <a:rPr lang="nb-NO" sz="1600" dirty="0" err="1"/>
-              <a:t>Can</a:t>
-            </a:r>
-            <a:r>
-              <a:rPr lang="nb-NO" sz="1600" dirty="0"/>
-              <a:t> </a:t>
-            </a:r>
-            <a:r>
-              <a:rPr lang="nb-NO" sz="1600" dirty="0" err="1"/>
-              <a:t>see</a:t>
-            </a:r>
-            <a:r>
-              <a:rPr lang="nb-NO" sz="1600" dirty="0"/>
-              <a:t> </a:t>
-            </a:r>
-            <a:r>
-              <a:rPr lang="nb-NO" sz="1600" dirty="0" err="1"/>
-              <a:t>if</a:t>
-            </a:r>
-            <a:r>
-              <a:rPr lang="nb-NO" sz="1600" dirty="0"/>
-              <a:t> </a:t>
-            </a:r>
-            <a:r>
-              <a:rPr lang="nb-NO" sz="1600" dirty="0" err="1"/>
-              <a:t>the</a:t>
-            </a:r>
-            <a:r>
-              <a:rPr lang="nb-NO" sz="1600" dirty="0"/>
-              <a:t> same </a:t>
-            </a:r>
-            <a:r>
-              <a:rPr lang="nb-NO" sz="1600" dirty="0" err="1"/>
-              <a:t>thing</a:t>
-            </a:r>
-            <a:r>
-              <a:rPr lang="nb-NO" sz="1600" dirty="0"/>
-              <a:t> </a:t>
-            </a:r>
-            <a:r>
-              <a:rPr lang="nb-NO" sz="1600" dirty="0" err="1"/>
-              <a:t>appear</a:t>
-            </a:r>
-            <a:r>
-              <a:rPr lang="nb-NO" sz="1600" dirty="0"/>
-              <a:t> </a:t>
-            </a:r>
-            <a:r>
-              <a:rPr lang="nb-NO" sz="1600" dirty="0" err="1"/>
-              <a:t>with</a:t>
-            </a:r>
-            <a:r>
-              <a:rPr lang="nb-NO" sz="1600" dirty="0"/>
-              <a:t> a different </a:t>
-            </a:r>
-            <a:r>
-              <a:rPr lang="nb-NO" sz="1600" dirty="0" err="1"/>
-              <a:t>noise</a:t>
-            </a:r>
-            <a:r>
-              <a:rPr lang="nb-NO" sz="1600" dirty="0"/>
-              <a:t> </a:t>
-            </a:r>
-            <a:r>
-              <a:rPr lang="nb-NO" sz="1600" dirty="0" err="1"/>
-              <a:t>profile</a:t>
-            </a:r>
-            <a:r>
-              <a:rPr lang="nb-NO" sz="1600" dirty="0"/>
-              <a:t> or </a:t>
-            </a:r>
-            <a:r>
-              <a:rPr lang="nb-NO" sz="1600" dirty="0" err="1"/>
-              <a:t>denoising</a:t>
-            </a:r>
-            <a:endParaRPr lang="en-GB" sz="1600" dirty="0"/>
+              <a:t> testing </a:t>
+            </a:r>
+            <a:r>
+              <a:rPr lang="nb-NO" sz="2000" dirty="0" err="1"/>
+              <a:t>of</a:t>
+            </a:r>
+            <a:r>
+              <a:rPr lang="nb-NO" sz="2000" dirty="0"/>
+              <a:t> </a:t>
+            </a:r>
+            <a:r>
+              <a:rPr lang="nb-NO" sz="2000" dirty="0" err="1"/>
+              <a:t>these</a:t>
+            </a:r>
+            <a:r>
+              <a:rPr lang="nb-NO" sz="2000" dirty="0"/>
+              <a:t> </a:t>
+            </a:r>
+            <a:r>
+              <a:rPr lang="nb-NO" sz="2000" dirty="0" err="1"/>
+              <a:t>permutations</a:t>
+            </a:r>
+            <a:r>
+              <a:rPr lang="nb-NO" sz="2000" dirty="0"/>
+              <a:t> in a </a:t>
+            </a:r>
+            <a:r>
+              <a:rPr lang="nb-NO" sz="2000" dirty="0" err="1"/>
+              <a:t>good</a:t>
+            </a:r>
+            <a:r>
+              <a:rPr lang="nb-NO" sz="2000" dirty="0"/>
+              <a:t> </a:t>
+            </a:r>
+            <a:r>
+              <a:rPr lang="nb-NO" sz="2000" dirty="0" err="1"/>
+              <a:t>way</a:t>
+            </a:r>
+            <a:r>
+              <a:rPr lang="nb-NO" sz="2000" dirty="0"/>
+              <a:t>.</a:t>
+            </a:r>
+            <a:endParaRPr lang="en-GB" sz="2000" dirty="0"/>
           </a:p>
         </p:txBody>
       </p:sp>
     </p:spTree>
     <p:extLst>
       <p:ext uri="{BB962C8B-B14F-4D97-AF65-F5344CB8AC3E}">
-        <p14:creationId xmlns:p14="http://schemas.microsoft.com/office/powerpoint/2010/main" val="1499140138"/>
+        <p14:creationId xmlns:p14="http://schemas.microsoft.com/office/powerpoint/2010/main" val="2785114772"/>
       </p:ext>
     </p:extLst>
   </p:cSld>
@@ -11645,7 +13451,7 @@
           <p:cNvPr id="2" name="Title 1">
             <a:extLst>
               <a:ext uri="{FF2B5EF4-FFF2-40B4-BE49-F238E27FC236}">
-                <a16:creationId xmlns:a16="http://schemas.microsoft.com/office/drawing/2014/main" id="{0EB96845-0AED-4642-B528-3A26E06CDD5B}"/>
+                <a16:creationId xmlns:a16="http://schemas.microsoft.com/office/drawing/2014/main" id="{4DC10153-7CFE-49DA-9D15-258E7CE5EA64}"/>
               </a:ext>
             </a:extLst>
           </p:cNvPr>
@@ -11669,12 +13475,20 @@
           <a:lstStyle/>
           <a:p>
             <a:r>
+              <a:rPr lang="nb-NO" sz="4000" dirty="0" err="1">
+                <a:solidFill>
+                  <a:srgbClr val="FFFFFF"/>
+                </a:solidFill>
+              </a:rPr>
+              <a:t>Performance</a:t>
+            </a:r>
+            <a:r>
               <a:rPr lang="nb-NO" sz="4000" dirty="0">
                 <a:solidFill>
                   <a:srgbClr val="FFFFFF"/>
                 </a:solidFill>
               </a:rPr>
-              <a:t>Storing </a:t>
+              <a:t> </a:t>
             </a:r>
             <a:r>
               <a:rPr lang="nb-NO" sz="4000" dirty="0" err="1">
@@ -11682,23 +13496,7 @@
                   <a:srgbClr val="FFFFFF"/>
                 </a:solidFill>
               </a:rPr>
-              <a:t>the</a:t>
-            </a:r>
-            <a:r>
-              <a:rPr lang="nb-NO" sz="4000" dirty="0">
-                <a:solidFill>
-                  <a:srgbClr val="FFFFFF"/>
-                </a:solidFill>
-              </a:rPr>
-              <a:t> </a:t>
-            </a:r>
-            <a:r>
-              <a:rPr lang="nb-NO" sz="4000" dirty="0" err="1">
-                <a:solidFill>
-                  <a:srgbClr val="FFFFFF"/>
-                </a:solidFill>
-              </a:rPr>
-              <a:t>models</a:t>
+              <a:t>evaluation</a:t>
             </a:r>
             <a:endParaRPr lang="en-GB" sz="4000" dirty="0">
               <a:solidFill>
@@ -11713,7 +13511,7 @@
           <p:cNvPr id="3" name="Content Placeholder 2">
             <a:extLst>
               <a:ext uri="{FF2B5EF4-FFF2-40B4-BE49-F238E27FC236}">
-                <a16:creationId xmlns:a16="http://schemas.microsoft.com/office/drawing/2014/main" id="{5A97B76F-F51B-4F9E-BDE9-3E3C8D4AE33C}"/>
+                <a16:creationId xmlns:a16="http://schemas.microsoft.com/office/drawing/2014/main" id="{AE202909-E2A0-49AD-BA81-90606507E2F6}"/>
               </a:ext>
             </a:extLst>
           </p:cNvPr>
@@ -11736,228 +13534,14 @@
           </a:bodyPr>
           <a:lstStyle/>
           <a:p>
-            <a:r>
-              <a:rPr lang="nb-NO" sz="2000" dirty="0" err="1"/>
-              <a:t>Functions</a:t>
-            </a:r>
-            <a:r>
-              <a:rPr lang="nb-NO" sz="2000" dirty="0"/>
-              <a:t> for </a:t>
-            </a:r>
-            <a:r>
-              <a:rPr lang="nb-NO" sz="2000" dirty="0" err="1"/>
-              <a:t>this</a:t>
-            </a:r>
-            <a:r>
-              <a:rPr lang="nb-NO" sz="2000" dirty="0"/>
-              <a:t> is </a:t>
-            </a:r>
-            <a:r>
-              <a:rPr lang="nb-NO" sz="2000" dirty="0" err="1"/>
-              <a:t>located</a:t>
-            </a:r>
-            <a:r>
-              <a:rPr lang="nb-NO" sz="2000" dirty="0"/>
-              <a:t> in \Scripts\Log.py</a:t>
-            </a:r>
-          </a:p>
-          <a:p>
-            <a:r>
-              <a:rPr lang="nb-NO" sz="2000" dirty="0"/>
-              <a:t>Models </a:t>
-            </a:r>
-            <a:r>
-              <a:rPr lang="nb-NO" sz="2000" dirty="0" err="1"/>
-              <a:t>get</a:t>
-            </a:r>
-            <a:r>
-              <a:rPr lang="nb-NO" sz="2000" dirty="0"/>
-              <a:t> </a:t>
-            </a:r>
-            <a:r>
-              <a:rPr lang="nb-NO" sz="2000" dirty="0" err="1"/>
-              <a:t>stored</a:t>
-            </a:r>
-            <a:r>
-              <a:rPr lang="nb-NO" sz="2000" dirty="0"/>
-              <a:t> in </a:t>
-            </a:r>
-            <a:r>
-              <a:rPr lang="nb-NO" sz="2000" dirty="0" err="1"/>
-              <a:t>the</a:t>
-            </a:r>
-            <a:r>
-              <a:rPr lang="nb-NO" sz="2000" dirty="0"/>
-              <a:t> \Models folder</a:t>
-            </a:r>
-          </a:p>
-          <a:p>
-            <a:pPr lvl="1"/>
-            <a:r>
-              <a:rPr lang="nb-NO" sz="1600" dirty="0"/>
-              <a:t>New ran </a:t>
-            </a:r>
-            <a:r>
-              <a:rPr lang="nb-NO" sz="1600" dirty="0" err="1"/>
-              <a:t>models</a:t>
-            </a:r>
-            <a:r>
-              <a:rPr lang="nb-NO" sz="1600" dirty="0"/>
-              <a:t> </a:t>
-            </a:r>
-            <a:r>
-              <a:rPr lang="nb-NO" sz="1600" dirty="0" err="1"/>
-              <a:t>are</a:t>
-            </a:r>
-            <a:r>
-              <a:rPr lang="nb-NO" sz="1600" dirty="0"/>
-              <a:t> </a:t>
-            </a:r>
-            <a:r>
-              <a:rPr lang="nb-NO" sz="1600" dirty="0" err="1"/>
-              <a:t>categorized</a:t>
-            </a:r>
-            <a:r>
-              <a:rPr lang="nb-NO" sz="1600" dirty="0"/>
-              <a:t> in folders by </a:t>
-            </a:r>
-            <a:r>
-              <a:rPr lang="nb-NO" sz="1600" i="1" dirty="0" err="1"/>
-              <a:t>datetime</a:t>
-            </a:r>
-            <a:endParaRPr lang="nb-NO" sz="1600" i="1" dirty="0"/>
-          </a:p>
-          <a:p>
-            <a:pPr lvl="2"/>
-            <a:r>
-              <a:rPr lang="nb-NO" sz="1200" dirty="0" err="1"/>
-              <a:t>That</a:t>
-            </a:r>
-            <a:r>
-              <a:rPr lang="nb-NO" sz="1200" dirty="0"/>
-              <a:t> </a:t>
-            </a:r>
-            <a:r>
-              <a:rPr lang="nb-NO" sz="1200" dirty="0" err="1"/>
-              <a:t>way</a:t>
-            </a:r>
-            <a:r>
-              <a:rPr lang="nb-NO" sz="1200" dirty="0"/>
-              <a:t>, all </a:t>
-            </a:r>
-            <a:r>
-              <a:rPr lang="nb-NO" sz="1200" dirty="0" err="1"/>
-              <a:t>models</a:t>
-            </a:r>
-            <a:r>
-              <a:rPr lang="nb-NO" sz="1200" dirty="0"/>
-              <a:t> </a:t>
-            </a:r>
-            <a:r>
-              <a:rPr lang="nb-NO" sz="1200" dirty="0" err="1"/>
-              <a:t>will</a:t>
-            </a:r>
-            <a:r>
-              <a:rPr lang="nb-NO" sz="1200" dirty="0"/>
-              <a:t> have </a:t>
-            </a:r>
-            <a:r>
-              <a:rPr lang="nb-NO" sz="1200" dirty="0" err="1"/>
-              <a:t>unique</a:t>
-            </a:r>
-            <a:r>
-              <a:rPr lang="nb-NO" sz="1200" dirty="0"/>
-              <a:t> </a:t>
-            </a:r>
-            <a:r>
-              <a:rPr lang="nb-NO" sz="1200" dirty="0" err="1"/>
-              <a:t>names</a:t>
-            </a:r>
-            <a:r>
-              <a:rPr lang="nb-NO" sz="1200" dirty="0"/>
-              <a:t>; </a:t>
-            </a:r>
-            <a:r>
-              <a:rPr lang="nb-NO" sz="1200" b="1" dirty="0" err="1"/>
-              <a:t>Maybe</a:t>
-            </a:r>
-            <a:r>
-              <a:rPr lang="nb-NO" sz="1200" b="1" dirty="0"/>
-              <a:t> I </a:t>
-            </a:r>
-            <a:r>
-              <a:rPr lang="nb-NO" sz="1200" b="1" dirty="0" err="1"/>
-              <a:t>should</a:t>
-            </a:r>
-            <a:r>
-              <a:rPr lang="nb-NO" sz="1200" b="1" dirty="0"/>
-              <a:t> </a:t>
-            </a:r>
-            <a:r>
-              <a:rPr lang="nb-NO" sz="1200" b="1" dirty="0" err="1"/>
-              <a:t>create</a:t>
-            </a:r>
-            <a:r>
-              <a:rPr lang="nb-NO" sz="1200" b="1" dirty="0"/>
-              <a:t> a UID</a:t>
-            </a:r>
-          </a:p>
-          <a:p>
-            <a:pPr lvl="1"/>
-            <a:r>
-              <a:rPr lang="en-GB" sz="1600" dirty="0"/>
-              <a:t>In the folder will be a JSON file containing the parameters used for the model</a:t>
-            </a:r>
-          </a:p>
-          <a:p>
-            <a:pPr lvl="2"/>
-            <a:r>
-              <a:rPr lang="en-GB" sz="1200" dirty="0"/>
-              <a:t>The JSON file should also contain </a:t>
-            </a:r>
-            <a:r>
-              <a:rPr lang="en-GB" sz="1200" b="1" dirty="0"/>
-              <a:t>summary statistics</a:t>
-            </a:r>
-            <a:r>
-              <a:rPr lang="en-GB" sz="1200" dirty="0"/>
-              <a:t>, and potentially which synthetic data were used</a:t>
-            </a:r>
-          </a:p>
-          <a:p>
-            <a:pPr lvl="1"/>
-            <a:r>
-              <a:rPr lang="en-GB" sz="1600" dirty="0"/>
-              <a:t>In the folder will also be a folder containing the weights</a:t>
-            </a:r>
-          </a:p>
-          <a:p>
-            <a:pPr lvl="1"/>
-            <a:r>
-              <a:rPr lang="en-GB" sz="1600" dirty="0"/>
-              <a:t>There should also be a folder for visual comparisons</a:t>
-            </a:r>
-          </a:p>
-          <a:p>
-            <a:r>
-              <a:rPr lang="en-GB" sz="2000" dirty="0"/>
-              <a:t>I’ll write a function which makes it easy to load the </a:t>
-            </a:r>
-            <a:r>
-              <a:rPr lang="en-GB" sz="2000" dirty="0" err="1"/>
-              <a:t>keras</a:t>
-            </a:r>
-            <a:r>
-              <a:rPr lang="en-GB" sz="2000" dirty="0"/>
-              <a:t> object for further prediction</a:t>
-            </a:r>
+            <a:endParaRPr lang="en-GB" sz="2000" dirty="0"/>
           </a:p>
         </p:txBody>
       </p:sp>
     </p:spTree>
     <p:extLst>
       <p:ext uri="{BB962C8B-B14F-4D97-AF65-F5344CB8AC3E}">
-        <p14:creationId xmlns:p14="http://schemas.microsoft.com/office/powerpoint/2010/main" val="2200119477"/>
+        <p14:creationId xmlns:p14="http://schemas.microsoft.com/office/powerpoint/2010/main" val="3426608757"/>
       </p:ext>
     </p:extLst>
   </p:cSld>

--- a/Meeting Presentations/15.09.2022_ML Meeting.pptx
+++ b/Meeting Presentations/15.09.2022_ML Meeting.pptx
@@ -274,7 +274,7 @@
           <a:p>
             <a:fld id="{071A3C2B-3F22-4204-A663-520AACC933AB}" type="datetimeFigureOut">
               <a:rPr lang="en-GB" smtClean="0"/>
-              <a:t>09/09/2022</a:t>
+              <a:t>14/09/2022</a:t>
             </a:fld>
             <a:endParaRPr lang="en-GB"/>
           </a:p>
@@ -474,7 +474,7 @@
           <a:p>
             <a:fld id="{071A3C2B-3F22-4204-A663-520AACC933AB}" type="datetimeFigureOut">
               <a:rPr lang="en-GB" smtClean="0"/>
-              <a:t>09/09/2022</a:t>
+              <a:t>14/09/2022</a:t>
             </a:fld>
             <a:endParaRPr lang="en-GB"/>
           </a:p>
@@ -684,7 +684,7 @@
           <a:p>
             <a:fld id="{071A3C2B-3F22-4204-A663-520AACC933AB}" type="datetimeFigureOut">
               <a:rPr lang="en-GB" smtClean="0"/>
-              <a:t>09/09/2022</a:t>
+              <a:t>14/09/2022</a:t>
             </a:fld>
             <a:endParaRPr lang="en-GB"/>
           </a:p>
@@ -884,7 +884,7 @@
           <a:p>
             <a:fld id="{071A3C2B-3F22-4204-A663-520AACC933AB}" type="datetimeFigureOut">
               <a:rPr lang="en-GB" smtClean="0"/>
-              <a:t>09/09/2022</a:t>
+              <a:t>14/09/2022</a:t>
             </a:fld>
             <a:endParaRPr lang="en-GB"/>
           </a:p>
@@ -1160,7 +1160,7 @@
           <a:p>
             <a:fld id="{071A3C2B-3F22-4204-A663-520AACC933AB}" type="datetimeFigureOut">
               <a:rPr lang="en-GB" smtClean="0"/>
-              <a:t>09/09/2022</a:t>
+              <a:t>14/09/2022</a:t>
             </a:fld>
             <a:endParaRPr lang="en-GB"/>
           </a:p>
@@ -1428,7 +1428,7 @@
           <a:p>
             <a:fld id="{071A3C2B-3F22-4204-A663-520AACC933AB}" type="datetimeFigureOut">
               <a:rPr lang="en-GB" smtClean="0"/>
-              <a:t>09/09/2022</a:t>
+              <a:t>14/09/2022</a:t>
             </a:fld>
             <a:endParaRPr lang="en-GB"/>
           </a:p>
@@ -1843,7 +1843,7 @@
           <a:p>
             <a:fld id="{071A3C2B-3F22-4204-A663-520AACC933AB}" type="datetimeFigureOut">
               <a:rPr lang="en-GB" smtClean="0"/>
-              <a:t>09/09/2022</a:t>
+              <a:t>14/09/2022</a:t>
             </a:fld>
             <a:endParaRPr lang="en-GB"/>
           </a:p>
@@ -1985,7 +1985,7 @@
           <a:p>
             <a:fld id="{071A3C2B-3F22-4204-A663-520AACC933AB}" type="datetimeFigureOut">
               <a:rPr lang="en-GB" smtClean="0"/>
-              <a:t>09/09/2022</a:t>
+              <a:t>14/09/2022</a:t>
             </a:fld>
             <a:endParaRPr lang="en-GB"/>
           </a:p>
@@ -2098,7 +2098,7 @@
           <a:p>
             <a:fld id="{071A3C2B-3F22-4204-A663-520AACC933AB}" type="datetimeFigureOut">
               <a:rPr lang="en-GB" smtClean="0"/>
-              <a:t>09/09/2022</a:t>
+              <a:t>14/09/2022</a:t>
             </a:fld>
             <a:endParaRPr lang="en-GB"/>
           </a:p>
@@ -2411,7 +2411,7 @@
           <a:p>
             <a:fld id="{071A3C2B-3F22-4204-A663-520AACC933AB}" type="datetimeFigureOut">
               <a:rPr lang="en-GB" smtClean="0"/>
-              <a:t>09/09/2022</a:t>
+              <a:t>14/09/2022</a:t>
             </a:fld>
             <a:endParaRPr lang="en-GB"/>
           </a:p>
@@ -2700,7 +2700,7 @@
           <a:p>
             <a:fld id="{071A3C2B-3F22-4204-A663-520AACC933AB}" type="datetimeFigureOut">
               <a:rPr lang="en-GB" smtClean="0"/>
-              <a:t>09/09/2022</a:t>
+              <a:t>14/09/2022</a:t>
             </a:fld>
             <a:endParaRPr lang="en-GB"/>
           </a:p>
@@ -2943,7 +2943,7 @@
           <a:p>
             <a:fld id="{071A3C2B-3F22-4204-A663-520AACC933AB}" type="datetimeFigureOut">
               <a:rPr lang="en-GB" smtClean="0"/>
-              <a:t>09/09/2022</a:t>
+              <a:t>14/09/2022</a:t>
             </a:fld>
             <a:endParaRPr lang="en-GB"/>
           </a:p>
@@ -4428,6 +4428,14 @@
               </a:rPr>
               <a:t>comparisons</a:t>
             </a:r>
+            <a:r>
+              <a:rPr lang="nb-NO" sz="4000" dirty="0">
+                <a:solidFill>
+                  <a:srgbClr val="FFFFFF"/>
+                </a:solidFill>
+              </a:rPr>
+              <a:t> - Images</a:t>
+            </a:r>
             <a:endParaRPr lang="en-GB" sz="4000" dirty="0">
               <a:solidFill>
                 <a:srgbClr val="FFFFFF"/>
@@ -4613,7 +4621,7 @@
               <a:t>, and </a:t>
             </a:r>
             <a:r>
-              <a:rPr lang="nb-NO" sz="2000" dirty="0" err="1"/>
+              <a:rPr lang="nb-NO" sz="2000" i="1" dirty="0" err="1"/>
               <a:t>reconstructed</a:t>
             </a:r>
             <a:r>
@@ -5652,7 +5660,7 @@
             <a:pPr lvl="2"/>
             <a:r>
               <a:rPr lang="en-GB" sz="1200" dirty="0"/>
-              <a:t>The JSON file should also contain </a:t>
+              <a:t>There should be a JSON containing </a:t>
             </a:r>
             <a:r>
               <a:rPr lang="en-GB" sz="1200" b="1" dirty="0"/>
@@ -5667,14 +5675,14 @@
             <a:pPr lvl="1"/>
             <a:r>
               <a:rPr lang="en-GB" sz="1600" dirty="0"/>
-              <a:t>In the folder will also be a folder containing the weights</a:t>
+              <a:t>In the folder will also be a folder (or something else, pickle?) containing the weights</a:t>
             </a:r>
           </a:p>
           <a:p>
             <a:pPr lvl="1"/>
             <a:r>
               <a:rPr lang="en-GB" sz="1600" dirty="0"/>
-              <a:t>There should also be a folder for visual comparisons</a:t>
+              <a:t>There should also be a folder for visual comparison images (only of certain quantile performance error)</a:t>
             </a:r>
           </a:p>
           <a:p>
@@ -6518,11 +6526,19 @@
             </a:r>
             <a:r>
               <a:rPr lang="nb-NO" sz="1600" dirty="0"/>
-              <a:t> be an </a:t>
+              <a:t> </a:t>
             </a:r>
             <a:r>
               <a:rPr lang="nb-NO" sz="1600" dirty="0" err="1"/>
-              <a:t>issue</a:t>
+              <a:t>cause</a:t>
+            </a:r>
+            <a:r>
+              <a:rPr lang="nb-NO" sz="1600" dirty="0"/>
+              <a:t> </a:t>
+            </a:r>
+            <a:r>
+              <a:rPr lang="nb-NO" sz="1600" dirty="0" err="1"/>
+              <a:t>issues</a:t>
             </a:r>
             <a:r>
               <a:rPr lang="nb-NO" sz="1600" dirty="0"/>
@@ -6619,7 +6635,55 @@
               <a:rPr lang="nb-NO" sz="2000" dirty="0" err="1"/>
               <a:t>models</a:t>
             </a:r>
-            <a:endParaRPr lang="en-GB" sz="2000" dirty="0"/>
+            <a:endParaRPr lang="nb-NO" sz="2000" dirty="0"/>
+          </a:p>
+          <a:p>
+            <a:pPr lvl="1"/>
+            <a:r>
+              <a:rPr lang="nb-NO" sz="1600" dirty="0"/>
+              <a:t>May be </a:t>
+            </a:r>
+            <a:r>
+              <a:rPr lang="nb-NO" sz="1600" dirty="0" err="1"/>
+              <a:t>problematic</a:t>
+            </a:r>
+            <a:r>
+              <a:rPr lang="nb-NO" sz="1600" dirty="0"/>
+              <a:t> to </a:t>
+            </a:r>
+            <a:r>
+              <a:rPr lang="nb-NO" sz="1600" dirty="0" err="1"/>
+              <a:t>add</a:t>
+            </a:r>
+            <a:r>
+              <a:rPr lang="nb-NO" sz="1600" dirty="0"/>
+              <a:t> </a:t>
+            </a:r>
+            <a:r>
+              <a:rPr lang="nb-NO" sz="1600" dirty="0" err="1"/>
+              <a:t>new</a:t>
+            </a:r>
+            <a:r>
+              <a:rPr lang="nb-NO" sz="1600" dirty="0"/>
+              <a:t> </a:t>
+            </a:r>
+            <a:r>
+              <a:rPr lang="nb-NO" sz="1600" dirty="0" err="1"/>
+              <a:t>models</a:t>
+            </a:r>
+            <a:r>
+              <a:rPr lang="nb-NO" sz="1600" dirty="0"/>
+              <a:t> to </a:t>
+            </a:r>
+            <a:r>
+              <a:rPr lang="nb-NO" sz="1600" dirty="0" err="1"/>
+              <a:t>the</a:t>
+            </a:r>
+            <a:r>
+              <a:rPr lang="nb-NO" sz="1600" dirty="0"/>
+              <a:t> pool</a:t>
+            </a:r>
+            <a:endParaRPr lang="en-GB" sz="1600" dirty="0"/>
           </a:p>
         </p:txBody>
       </p:sp>
@@ -7421,7 +7485,18 @@
               <a:rPr lang="nb-NO" sz="1600" dirty="0" err="1"/>
               <a:t>augmentation</a:t>
             </a:r>
-            <a:endParaRPr lang="en-GB" sz="1600" dirty="0"/>
+            <a:endParaRPr lang="nb-NO" sz="1600" dirty="0"/>
+          </a:p>
+          <a:p>
+            <a:r>
+              <a:rPr lang="nb-NO" sz="2000" dirty="0" err="1"/>
+              <a:t>Optuna</a:t>
+            </a:r>
+            <a:r>
+              <a:rPr lang="nb-NO" sz="2000" dirty="0"/>
+              <a:t> hyperparameter tuning</a:t>
+            </a:r>
+            <a:endParaRPr lang="en-GB" sz="2000" dirty="0"/>
           </a:p>
         </p:txBody>
       </p:sp>
@@ -7981,7 +8056,103 @@
               <a:rPr lang="nb-NO" sz="2000" dirty="0" err="1"/>
               <a:t>well</a:t>
             </a:r>
-            <a:endParaRPr lang="en-GB" sz="2000" dirty="0"/>
+            <a:endParaRPr lang="nb-NO" sz="2000" dirty="0"/>
+          </a:p>
+          <a:p>
+            <a:endParaRPr lang="nb-NO" sz="2000" dirty="0"/>
+          </a:p>
+          <a:p>
+            <a:r>
+              <a:rPr lang="nb-NO" sz="2000" dirty="0" err="1"/>
+              <a:t>Until</a:t>
+            </a:r>
+            <a:r>
+              <a:rPr lang="nb-NO" sz="2000" dirty="0"/>
+              <a:t> </a:t>
+            </a:r>
+            <a:r>
+              <a:rPr lang="nb-NO" sz="2000" dirty="0" err="1"/>
+              <a:t>then</a:t>
+            </a:r>
+            <a:r>
+              <a:rPr lang="nb-NO" sz="2000" dirty="0"/>
+              <a:t>:</a:t>
+            </a:r>
+          </a:p>
+          <a:p>
+            <a:pPr lvl="1"/>
+            <a:r>
+              <a:rPr lang="nb-NO" sz="1600" dirty="0"/>
+              <a:t>(</a:t>
+            </a:r>
+            <a:r>
+              <a:rPr lang="nb-NO" sz="1600" dirty="0" err="1"/>
+              <a:t>Get</a:t>
+            </a:r>
+            <a:r>
+              <a:rPr lang="nb-NO" sz="1600" dirty="0"/>
+              <a:t> my head </a:t>
+            </a:r>
+            <a:r>
+              <a:rPr lang="nb-NO" sz="1600" dirty="0" err="1"/>
+              <a:t>around</a:t>
+            </a:r>
+            <a:r>
+              <a:rPr lang="nb-NO" sz="1600" dirty="0"/>
+              <a:t> </a:t>
+            </a:r>
+            <a:r>
+              <a:rPr lang="nb-NO" sz="1600" dirty="0" err="1"/>
+              <a:t>shapes</a:t>
+            </a:r>
+            <a:r>
+              <a:rPr lang="nb-NO" sz="1600" dirty="0"/>
+              <a:t>..)</a:t>
+            </a:r>
+          </a:p>
+          <a:p>
+            <a:pPr lvl="1"/>
+            <a:r>
+              <a:rPr lang="nb-NO" sz="1600" dirty="0"/>
+              <a:t>Start to </a:t>
+            </a:r>
+            <a:r>
+              <a:rPr lang="nb-NO" sz="1600" dirty="0" err="1"/>
+              <a:t>compare</a:t>
+            </a:r>
+            <a:r>
+              <a:rPr lang="nb-NO" sz="1600" dirty="0"/>
+              <a:t> </a:t>
+            </a:r>
+            <a:r>
+              <a:rPr lang="nb-NO" sz="1600" dirty="0" err="1"/>
+              <a:t>models</a:t>
+            </a:r>
+            <a:r>
+              <a:rPr lang="nb-NO" sz="1600" dirty="0"/>
+              <a:t>, and present </a:t>
+            </a:r>
+            <a:r>
+              <a:rPr lang="nb-NO" sz="1600" dirty="0" err="1"/>
+              <a:t>some</a:t>
+            </a:r>
+            <a:r>
+              <a:rPr lang="nb-NO" sz="1600" dirty="0"/>
+              <a:t> </a:t>
+            </a:r>
+            <a:r>
+              <a:rPr lang="nb-NO" sz="1600" dirty="0" err="1"/>
+              <a:t>preliminary</a:t>
+            </a:r>
+            <a:r>
+              <a:rPr lang="nb-NO" sz="1600" dirty="0"/>
+              <a:t> </a:t>
+            </a:r>
+            <a:r>
+              <a:rPr lang="nb-NO" sz="1600" dirty="0" err="1"/>
+              <a:t>results</a:t>
+            </a:r>
+            <a:endParaRPr lang="en-GB" sz="1600" dirty="0"/>
           </a:p>
         </p:txBody>
       </p:sp>
@@ -8511,6 +8682,14 @@
           <a:p>
             <a:pPr lvl="1"/>
             <a:r>
+              <a:rPr lang="nb-NO" sz="1600" dirty="0" err="1"/>
+              <a:t>Statistics</a:t>
+            </a:r>
+            <a:endParaRPr lang="nb-NO" sz="1600" dirty="0"/>
+          </a:p>
+          <a:p>
+            <a:pPr lvl="1"/>
+            <a:r>
               <a:rPr lang="nb-NO" sz="1600" dirty="0"/>
               <a:t>Visual </a:t>
             </a:r>
@@ -8540,6 +8719,14 @@
             <a:r>
               <a:rPr lang="nb-NO" sz="1600" dirty="0" err="1"/>
               <a:t>learning</a:t>
+            </a:r>
+            <a:r>
+              <a:rPr lang="nb-NO" sz="1600" dirty="0"/>
+              <a:t> </a:t>
+            </a:r>
+            <a:r>
+              <a:rPr lang="nb-NO" sz="1600" dirty="0" err="1"/>
+              <a:t>methodology</a:t>
             </a:r>
             <a:endParaRPr lang="nb-NO" sz="1600" dirty="0"/>
           </a:p>
@@ -9099,7 +9286,11 @@
           <a:p>
             <a:pPr lvl="2"/>
             <a:r>
-              <a:rPr lang="en-GB" sz="1200" dirty="0"/>
+              <a:rPr lang="en-GB" sz="1200" strike="sngStrike" dirty="0">
+                <a:solidFill>
+                  <a:srgbClr val="FF0000"/>
+                </a:solidFill>
+              </a:rPr>
               <a:t>Implemented transfer learning loss functions</a:t>
             </a:r>
           </a:p>
@@ -9117,22 +9308,44 @@
           <a:p>
             <a:pPr lvl="2"/>
             <a:r>
-              <a:rPr lang="en-GB" sz="1200" dirty="0"/>
+              <a:rPr lang="en-GB" sz="1200" b="1" dirty="0">
+                <a:solidFill>
+                  <a:schemeClr val="accent2">
+                    <a:lumMod val="75000"/>
+                  </a:schemeClr>
+                </a:solidFill>
+              </a:rPr>
               <a:t>Gotten familiar with loading the data from NGI’s TNW folder (</a:t>
             </a:r>
             <a:r>
-              <a:rPr lang="en-GB" sz="1200" dirty="0" err="1"/>
+              <a:rPr lang="en-GB" sz="1200" b="1" dirty="0" err="1">
+                <a:solidFill>
+                  <a:schemeClr val="accent2">
+                    <a:lumMod val="75000"/>
+                  </a:schemeClr>
+                </a:solidFill>
+              </a:rPr>
               <a:t>OpendTect</a:t>
             </a:r>
             <a:r>
-              <a:rPr lang="en-GB" sz="1200" dirty="0"/>
+              <a:rPr lang="en-GB" sz="1200" b="1" dirty="0">
+                <a:solidFill>
+                  <a:schemeClr val="accent2">
+                    <a:lumMod val="75000"/>
+                  </a:schemeClr>
+                </a:solidFill>
+              </a:rPr>
               <a:t> etc.)</a:t>
             </a:r>
           </a:p>
           <a:p>
             <a:pPr lvl="2"/>
             <a:r>
-              <a:rPr lang="en-GB" sz="1200" dirty="0"/>
+              <a:rPr lang="en-GB" sz="1200" strike="sngStrike" dirty="0">
+                <a:solidFill>
+                  <a:srgbClr val="FF0000"/>
+                </a:solidFill>
+              </a:rPr>
               <a:t>Ran at least one algorithm with summary statistics</a:t>
             </a:r>
           </a:p>
@@ -9157,8 +9370,59 @@
               <a:t> before first run, and keep it up to date</a:t>
             </a:r>
           </a:p>
-        </p:txBody>
-      </p:sp>
+          <a:p>
+            <a:pPr lvl="1"/>
+            <a:r>
+              <a:rPr lang="en-GB" sz="1600" dirty="0"/>
+              <a:t>Discussed ML approach with a friend who is experienced with ML</a:t>
+            </a:r>
+          </a:p>
+          <a:p>
+            <a:pPr lvl="1"/>
+            <a:r>
+              <a:rPr lang="en-GB" sz="1600" dirty="0"/>
+              <a:t>A bunch of reading; Added a lot of papers to my Zotero</a:t>
+            </a:r>
+          </a:p>
+          <a:p>
+            <a:pPr lvl="2"/>
+            <a:r>
+              <a:rPr lang="en-GB" sz="1200" dirty="0"/>
+              <a:t>Found something interesting for Guillaume on Seismic inversion</a:t>
+            </a:r>
+          </a:p>
+        </p:txBody>
+      </p:sp>
+      <p:pic>
+        <p:nvPicPr>
+          <p:cNvPr id="5" name="Picture 4">
+            <a:extLst>
+              <a:ext uri="{FF2B5EF4-FFF2-40B4-BE49-F238E27FC236}">
+                <a16:creationId xmlns:a16="http://schemas.microsoft.com/office/drawing/2014/main" id="{41A5FAA9-53E5-478D-9076-C2AB99F99924}"/>
+              </a:ext>
+            </a:extLst>
+          </p:cNvPr>
+          <p:cNvPicPr>
+            <a:picLocks noChangeAspect="1"/>
+          </p:cNvPicPr>
+          <p:nvPr/>
+        </p:nvPicPr>
+        <p:blipFill>
+          <a:blip r:embed="rId2"/>
+          <a:stretch>
+            <a:fillRect/>
+          </a:stretch>
+        </p:blipFill>
+        <p:spPr>
+          <a:xfrm>
+            <a:off x="9248250" y="3253652"/>
+            <a:ext cx="2019300" cy="695325"/>
+          </a:xfrm>
+          <a:prstGeom prst="rect">
+            <a:avLst/>
+          </a:prstGeom>
+        </p:spPr>
+      </p:pic>
     </p:spTree>
     <p:extLst>
       <p:ext uri="{BB962C8B-B14F-4D97-AF65-F5344CB8AC3E}">
@@ -9683,6 +9947,13 @@
             <a:r>
               <a:rPr lang="en-GB" sz="2000" dirty="0"/>
               <a:t>I still wanted to have had a hand in the implementation, because this network is not specialized for seismic.</a:t>
+            </a:r>
+          </a:p>
+          <a:p>
+            <a:pPr lvl="1"/>
+            <a:r>
+              <a:rPr lang="en-GB" sz="1600" dirty="0"/>
+              <a:t>Implemented line by line; added 2D compatibility</a:t>
             </a:r>
           </a:p>
         </p:txBody>
@@ -10416,7 +10687,7 @@
         <p:spPr>
           <a:xfrm>
             <a:off x="459349" y="3261049"/>
-            <a:ext cx="5777991" cy="646331"/>
+            <a:ext cx="5777991" cy="1754326"/>
           </a:xfrm>
           <a:prstGeom prst="rect">
             <a:avLst/>
@@ -10480,6 +10751,62 @@
             <a:r>
               <a:rPr lang="nb-NO" dirty="0"/>
               <a:t>.</a:t>
+            </a:r>
+          </a:p>
+          <a:p>
+            <a:endParaRPr lang="nb-NO" dirty="0"/>
+          </a:p>
+          <a:p>
+            <a:endParaRPr lang="nb-NO" dirty="0"/>
+          </a:p>
+          <a:p>
+            <a:r>
+              <a:rPr lang="nb-NO" dirty="0" err="1"/>
+              <a:t>Optuna</a:t>
+            </a:r>
+            <a:r>
+              <a:rPr lang="nb-NO" dirty="0"/>
+              <a:t> </a:t>
+            </a:r>
+            <a:r>
+              <a:rPr lang="nb-NO" dirty="0" err="1"/>
+              <a:t>might</a:t>
+            </a:r>
+            <a:r>
+              <a:rPr lang="nb-NO" dirty="0"/>
+              <a:t> be a </a:t>
+            </a:r>
+            <a:r>
+              <a:rPr lang="nb-NO" dirty="0" err="1"/>
+              <a:t>good</a:t>
+            </a:r>
+            <a:r>
+              <a:rPr lang="nb-NO" dirty="0"/>
+              <a:t> </a:t>
+            </a:r>
+            <a:r>
+              <a:rPr lang="nb-NO" dirty="0" err="1"/>
+              <a:t>option</a:t>
+            </a:r>
+            <a:r>
+              <a:rPr lang="nb-NO" dirty="0"/>
+              <a:t> to </a:t>
+            </a:r>
+            <a:r>
+              <a:rPr lang="nb-NO" dirty="0" err="1"/>
+              <a:t>tweak</a:t>
+            </a:r>
+            <a:r>
+              <a:rPr lang="nb-NO" dirty="0"/>
+              <a:t> </a:t>
+            </a:r>
+            <a:r>
+              <a:rPr lang="nb-NO" dirty="0" err="1"/>
+              <a:t>the</a:t>
+            </a:r>
+            <a:r>
+              <a:rPr lang="nb-NO" dirty="0"/>
+              <a:t> ML hyperparameters</a:t>
             </a:r>
             <a:endParaRPr lang="en-GB" dirty="0"/>
           </a:p>
@@ -11079,11 +11406,11 @@
           <a:p>
             <a:r>
               <a:rPr lang="nb-NO" sz="2000" dirty="0"/>
-              <a:t>Goal: Make it </a:t>
-            </a:r>
-            <a:r>
-              <a:rPr lang="nb-NO" sz="2000"/>
-              <a:t>as forwards-compatible</a:t>
+              <a:t>Goal: Make it as forwards-</a:t>
+            </a:r>
+            <a:r>
+              <a:rPr lang="nb-NO" sz="2000" dirty="0" err="1"/>
+              <a:t>compatible</a:t>
             </a:r>
             <a:r>
               <a:rPr lang="nb-NO" sz="2000" dirty="0"/>
@@ -11854,12 +12181,36 @@
           <a:lstStyle/>
           <a:p>
             <a:r>
+              <a:rPr lang="nb-NO" sz="4000" dirty="0" err="1">
+                <a:solidFill>
+                  <a:srgbClr val="FFFFFF"/>
+                </a:solidFill>
+              </a:rPr>
+              <a:t>config.JSON</a:t>
+            </a:r>
+            <a:r>
               <a:rPr lang="nb-NO" sz="4000" dirty="0">
                 <a:solidFill>
                   <a:srgbClr val="FFFFFF"/>
                 </a:solidFill>
               </a:rPr>
-              <a:t>Control JSON</a:t>
+              <a:t> and </a:t>
+            </a:r>
+            <a:r>
+              <a:rPr lang="nb-NO" sz="4000" dirty="0" err="1">
+                <a:solidFill>
+                  <a:srgbClr val="FFFFFF"/>
+                </a:solidFill>
+              </a:rPr>
+              <a:t>other</a:t>
+            </a:r>
+            <a:r>
+              <a:rPr lang="nb-NO" sz="4000" dirty="0">
+                <a:solidFill>
+                  <a:srgbClr val="FFFFFF"/>
+                </a:solidFill>
+              </a:rPr>
+              <a:t> files</a:t>
             </a:r>
             <a:endParaRPr lang="en-GB" sz="4000" dirty="0">
               <a:solidFill>
@@ -11899,44 +12250,80 @@
           <a:p>
             <a:r>
               <a:rPr lang="nb-NO" sz="2000" dirty="0"/>
-              <a:t>In </a:t>
-            </a:r>
-            <a:r>
-              <a:rPr lang="nb-NO" sz="2000" dirty="0" err="1"/>
+              <a:t>‘</a:t>
+            </a:r>
+            <a:r>
+              <a:rPr lang="nb-NO" sz="2000" dirty="0" err="1"/>
+              <a:t>config</a:t>
+            </a:r>
+            <a:r>
+              <a:rPr lang="nb-NO" sz="2000" dirty="0"/>
+              <a:t>’ : </a:t>
+            </a:r>
+            <a:r>
+              <a:rPr lang="nb-NO" sz="2000" i="1" dirty="0" err="1"/>
+              <a:t>dict</a:t>
+            </a:r>
+            <a:endParaRPr lang="nb-NO" sz="2000" i="1" dirty="0"/>
+          </a:p>
+          <a:p>
+            <a:pPr lvl="1"/>
+            <a:r>
+              <a:rPr lang="nb-NO" sz="1600" dirty="0" err="1"/>
+              <a:t>Contains</a:t>
+            </a:r>
+            <a:r>
+              <a:rPr lang="nb-NO" sz="1600" dirty="0"/>
+              <a:t> </a:t>
+            </a:r>
+            <a:r>
+              <a:rPr lang="nb-NO" sz="1600" dirty="0" err="1"/>
               <a:t>the</a:t>
             </a:r>
             <a:r>
-              <a:rPr lang="nb-NO" sz="2000" dirty="0"/>
-              <a:t> </a:t>
-            </a:r>
-            <a:r>
-              <a:rPr lang="nb-NO" sz="2000" dirty="0" err="1"/>
-              <a:t>control</a:t>
-            </a:r>
-            <a:r>
-              <a:rPr lang="nb-NO" sz="2000" dirty="0"/>
-              <a:t> file </a:t>
-            </a:r>
-            <a:r>
-              <a:rPr lang="nb-NO" sz="2000" dirty="0" err="1"/>
-              <a:t>will</a:t>
-            </a:r>
-            <a:r>
-              <a:rPr lang="nb-NO" sz="2000" dirty="0"/>
-              <a:t> be:</a:t>
-            </a:r>
-          </a:p>
-          <a:p>
-            <a:pPr lvl="1"/>
-            <a:r>
               <a:rPr lang="nb-NO" sz="1600" dirty="0"/>
-              <a:t>‘settings’ : </a:t>
-            </a:r>
-            <a:r>
-              <a:rPr lang="nb-NO" sz="1600" i="1" dirty="0" err="1"/>
+              <a:t> settings used for </a:t>
+            </a:r>
+            <a:r>
+              <a:rPr lang="nb-NO" sz="1600" dirty="0" err="1"/>
+              <a:t>that</a:t>
+            </a:r>
+            <a:r>
+              <a:rPr lang="nb-NO" sz="1600" dirty="0"/>
+              <a:t> </a:t>
+            </a:r>
+            <a:r>
+              <a:rPr lang="nb-NO" sz="1600" dirty="0" err="1"/>
+              <a:t>particular</a:t>
+            </a:r>
+            <a:r>
+              <a:rPr lang="nb-NO" sz="1600" dirty="0"/>
+              <a:t> </a:t>
+            </a:r>
+            <a:r>
+              <a:rPr lang="nb-NO" sz="1600" dirty="0" err="1"/>
+              <a:t>model</a:t>
+            </a:r>
+            <a:endParaRPr lang="nb-NO" sz="1600" dirty="0"/>
+          </a:p>
+          <a:p>
+            <a:r>
+              <a:rPr lang="nb-NO" sz="2000" dirty="0"/>
+              <a:t>‘</a:t>
+            </a:r>
+            <a:r>
+              <a:rPr lang="nb-NO" sz="2000" dirty="0" err="1"/>
+              <a:t>summary_stats</a:t>
+            </a:r>
+            <a:r>
+              <a:rPr lang="nb-NO" sz="2000" dirty="0"/>
+              <a:t>’ : </a:t>
+            </a:r>
+            <a:r>
+              <a:rPr lang="nb-NO" sz="2000" i="1" dirty="0" err="1"/>
               <a:t>dict</a:t>
             </a:r>
-            <a:endParaRPr lang="nb-NO" sz="1600" i="1" dirty="0"/>
+            <a:endParaRPr lang="nb-NO" sz="2000" i="1" dirty="0"/>
           </a:p>
           <a:p>
             <a:pPr lvl="2"/>
@@ -11954,11 +12341,11 @@
             </a:r>
             <a:r>
               <a:rPr lang="nb-NO" sz="1200" dirty="0"/>
-              <a:t> settings used for </a:t>
+              <a:t> </a:t>
             </a:r>
             <a:r>
               <a:rPr lang="nb-NO" sz="1200" dirty="0" err="1"/>
-              <a:t>that</a:t>
+              <a:t>summary</a:t>
             </a:r>
             <a:r>
               <a:rPr lang="nb-NO" sz="1200" dirty="0"/>
@@ -11966,7 +12353,15 @@
             </a:r>
             <a:r>
               <a:rPr lang="nb-NO" sz="1200" dirty="0" err="1"/>
-              <a:t>particular</a:t>
+              <a:t>statistics</a:t>
+            </a:r>
+            <a:r>
+              <a:rPr lang="nb-NO" sz="1200" dirty="0"/>
+              <a:t> for </a:t>
+            </a:r>
+            <a:r>
+              <a:rPr lang="nb-NO" sz="1200" dirty="0" err="1"/>
+              <a:t>the</a:t>
             </a:r>
             <a:r>
               <a:rPr lang="nb-NO" sz="1200" dirty="0"/>
@@ -11976,74 +12371,6 @@
               <a:rPr lang="nb-NO" sz="1200" dirty="0" err="1"/>
               <a:t>model</a:t>
             </a:r>
-            <a:endParaRPr lang="nb-NO" sz="1200" dirty="0"/>
-          </a:p>
-          <a:p>
-            <a:pPr lvl="1"/>
-            <a:r>
-              <a:rPr lang="nb-NO" sz="1600" dirty="0"/>
-              <a:t>‘</a:t>
-            </a:r>
-            <a:r>
-              <a:rPr lang="nb-NO" sz="1600" dirty="0" err="1"/>
-              <a:t>summary_stats</a:t>
-            </a:r>
-            <a:r>
-              <a:rPr lang="nb-NO" sz="1600" dirty="0"/>
-              <a:t>’ : </a:t>
-            </a:r>
-            <a:r>
-              <a:rPr lang="nb-NO" sz="1600" i="1" dirty="0" err="1"/>
-              <a:t>dict</a:t>
-            </a:r>
-            <a:endParaRPr lang="nb-NO" sz="1600" i="1" dirty="0"/>
-          </a:p>
-          <a:p>
-            <a:pPr lvl="2"/>
-            <a:r>
-              <a:rPr lang="nb-NO" sz="1200" dirty="0" err="1"/>
-              <a:t>Contains</a:t>
-            </a:r>
-            <a:r>
-              <a:rPr lang="nb-NO" sz="1200" dirty="0"/>
-              <a:t> </a:t>
-            </a:r>
-            <a:r>
-              <a:rPr lang="nb-NO" sz="1200" dirty="0" err="1"/>
-              <a:t>the</a:t>
-            </a:r>
-            <a:r>
-              <a:rPr lang="nb-NO" sz="1200" dirty="0"/>
-              <a:t> </a:t>
-            </a:r>
-            <a:r>
-              <a:rPr lang="nb-NO" sz="1200" dirty="0" err="1"/>
-              <a:t>summary</a:t>
-            </a:r>
-            <a:r>
-              <a:rPr lang="nb-NO" sz="1200" dirty="0"/>
-              <a:t> </a:t>
-            </a:r>
-            <a:r>
-              <a:rPr lang="nb-NO" sz="1200" dirty="0" err="1"/>
-              <a:t>statistics</a:t>
-            </a:r>
-            <a:r>
-              <a:rPr lang="nb-NO" sz="1200" dirty="0"/>
-              <a:t> for </a:t>
-            </a:r>
-            <a:r>
-              <a:rPr lang="nb-NO" sz="1200" dirty="0" err="1"/>
-              <a:t>the</a:t>
-            </a:r>
-            <a:r>
-              <a:rPr lang="nb-NO" sz="1200" dirty="0"/>
-              <a:t> </a:t>
-            </a:r>
-            <a:r>
-              <a:rPr lang="nb-NO" sz="1200" dirty="0" err="1"/>
-              <a:t>model</a:t>
-            </a:r>
             <a:r>
               <a:rPr lang="nb-NO" sz="1200" dirty="0"/>
               <a:t> and </a:t>
@@ -12063,264 +12390,244 @@
             <a:endParaRPr lang="nb-NO" sz="1200" dirty="0"/>
           </a:p>
           <a:p>
+            <a:r>
+              <a:rPr lang="nb-NO" sz="2000" dirty="0"/>
+              <a:t>‘data’ : </a:t>
+            </a:r>
+            <a:r>
+              <a:rPr lang="nb-NO" sz="2000" i="1" dirty="0"/>
+              <a:t>list</a:t>
+            </a:r>
+          </a:p>
+          <a:p>
             <a:pPr lvl="1"/>
             <a:r>
+              <a:rPr lang="nb-NO" sz="1600" dirty="0" err="1"/>
+              <a:t>Contains</a:t>
+            </a:r>
+            <a:r>
               <a:rPr lang="nb-NO" sz="1600" dirty="0"/>
-              <a:t>‘data’ : </a:t>
-            </a:r>
-            <a:r>
-              <a:rPr lang="nb-NO" sz="1600" i="1" dirty="0"/>
-              <a:t>list</a:t>
-            </a:r>
-          </a:p>
-          <a:p>
-            <a:pPr lvl="2"/>
-            <a:r>
-              <a:rPr lang="nb-NO" sz="1200" dirty="0" err="1"/>
-              <a:t>Contains</a:t>
-            </a:r>
-            <a:r>
-              <a:rPr lang="nb-NO" sz="1200" dirty="0"/>
               <a:t> file </a:t>
             </a:r>
             <a:r>
-              <a:rPr lang="nb-NO" sz="1200" dirty="0" err="1"/>
+              <a:rPr lang="nb-NO" sz="1600" dirty="0" err="1"/>
               <a:t>paths</a:t>
             </a:r>
             <a:r>
-              <a:rPr lang="nb-NO" sz="1200" dirty="0"/>
+              <a:rPr lang="nb-NO" sz="1600" dirty="0"/>
               <a:t> to </a:t>
             </a:r>
             <a:r>
-              <a:rPr lang="nb-NO" sz="1200" dirty="0" err="1"/>
+              <a:rPr lang="nb-NO" sz="1600" dirty="0" err="1"/>
               <a:t>the</a:t>
             </a:r>
             <a:r>
-              <a:rPr lang="nb-NO" sz="1200" dirty="0"/>
+              <a:rPr lang="nb-NO" sz="1600" dirty="0"/>
               <a:t> data used for training (</a:t>
             </a:r>
             <a:r>
-              <a:rPr lang="nb-NO" sz="1200" dirty="0" err="1"/>
+              <a:rPr lang="nb-NO" sz="1600" dirty="0" err="1"/>
               <a:t>maybe</a:t>
             </a:r>
             <a:r>
-              <a:rPr lang="nb-NO" sz="1200" dirty="0"/>
-              <a:t> </a:t>
-            </a:r>
-            <a:r>
-              <a:rPr lang="nb-NO" sz="1200" dirty="0" err="1"/>
+              <a:rPr lang="nb-NO" sz="1600" dirty="0"/>
+              <a:t> </a:t>
+            </a:r>
+            <a:r>
+              <a:rPr lang="nb-NO" sz="1600" dirty="0" err="1"/>
               <a:t>also</a:t>
             </a:r>
             <a:r>
-              <a:rPr lang="nb-NO" sz="1200" dirty="0"/>
+              <a:rPr lang="nb-NO" sz="1600" dirty="0"/>
               <a:t> testing) </a:t>
             </a:r>
             <a:r>
-              <a:rPr lang="nb-NO" sz="1200" dirty="0" err="1"/>
+              <a:rPr lang="nb-NO" sz="1600" dirty="0" err="1"/>
               <a:t>the</a:t>
             </a:r>
             <a:r>
-              <a:rPr lang="nb-NO" sz="1200" dirty="0"/>
-              <a:t> </a:t>
-            </a:r>
-            <a:r>
-              <a:rPr lang="nb-NO" sz="1200" dirty="0" err="1"/>
+              <a:rPr lang="nb-NO" sz="1600" dirty="0"/>
+              <a:t> </a:t>
+            </a:r>
+            <a:r>
+              <a:rPr lang="nb-NO" sz="1600" dirty="0" err="1"/>
               <a:t>model</a:t>
             </a:r>
-            <a:endParaRPr lang="nb-NO" sz="1200" dirty="0"/>
-          </a:p>
-          <a:p>
-            <a:pPr lvl="2"/>
-            <a:r>
-              <a:rPr lang="nb-NO" sz="1200" dirty="0"/>
+            <a:endParaRPr lang="nb-NO" sz="1600" dirty="0"/>
+          </a:p>
+          <a:p>
+            <a:pPr lvl="1"/>
+            <a:r>
+              <a:rPr lang="nb-NO" sz="1600" dirty="0"/>
               <a:t>In </a:t>
             </a:r>
             <a:r>
-              <a:rPr lang="nb-NO" sz="1200" dirty="0" err="1"/>
+              <a:rPr lang="nb-NO" sz="1600" dirty="0" err="1"/>
               <a:t>this</a:t>
             </a:r>
             <a:r>
-              <a:rPr lang="nb-NO" sz="1200" dirty="0"/>
-              <a:t> </a:t>
-            </a:r>
-            <a:r>
-              <a:rPr lang="nb-NO" sz="1200" dirty="0" err="1"/>
+              <a:rPr lang="nb-NO" sz="1600" dirty="0"/>
+              <a:t> </a:t>
+            </a:r>
+            <a:r>
+              <a:rPr lang="nb-NO" sz="1600" dirty="0" err="1"/>
               <a:t>way</a:t>
             </a:r>
             <a:r>
-              <a:rPr lang="nb-NO" sz="1200" dirty="0"/>
+              <a:rPr lang="nb-NO" sz="1600" dirty="0"/>
               <a:t>, </a:t>
             </a:r>
             <a:r>
-              <a:rPr lang="nb-NO" sz="1200" dirty="0" err="1"/>
+              <a:rPr lang="nb-NO" sz="1600" dirty="0" err="1"/>
               <a:t>augmented</a:t>
             </a:r>
             <a:r>
-              <a:rPr lang="nb-NO" sz="1200" dirty="0"/>
+              <a:rPr lang="nb-NO" sz="1600" dirty="0"/>
               <a:t> data </a:t>
             </a:r>
             <a:r>
-              <a:rPr lang="nb-NO" sz="1200" dirty="0" err="1"/>
+              <a:rPr lang="nb-NO" sz="1600" dirty="0" err="1"/>
               <a:t>sets</a:t>
             </a:r>
             <a:r>
-              <a:rPr lang="nb-NO" sz="1200" dirty="0"/>
-              <a:t> </a:t>
-            </a:r>
-            <a:r>
-              <a:rPr lang="nb-NO" sz="1200" dirty="0" err="1"/>
+              <a:rPr lang="nb-NO" sz="1600" dirty="0"/>
+              <a:t> </a:t>
+            </a:r>
+            <a:r>
+              <a:rPr lang="nb-NO" sz="1600" dirty="0" err="1"/>
               <a:t>can</a:t>
             </a:r>
             <a:r>
-              <a:rPr lang="nb-NO" sz="1200" dirty="0"/>
+              <a:rPr lang="nb-NO" sz="1600" dirty="0"/>
               <a:t> be </a:t>
             </a:r>
             <a:r>
-              <a:rPr lang="nb-NO" sz="1200" dirty="0" err="1"/>
+              <a:rPr lang="nb-NO" sz="1600" dirty="0" err="1"/>
               <a:t>created</a:t>
             </a:r>
             <a:r>
-              <a:rPr lang="nb-NO" sz="1200" dirty="0"/>
-              <a:t> </a:t>
-            </a:r>
-            <a:r>
-              <a:rPr lang="nb-NO" sz="1200" dirty="0" err="1"/>
+              <a:rPr lang="nb-NO" sz="1600" dirty="0"/>
+              <a:t> </a:t>
+            </a:r>
+            <a:r>
+              <a:rPr lang="nb-NO" sz="1600" dirty="0" err="1"/>
               <a:t>without</a:t>
             </a:r>
             <a:r>
-              <a:rPr lang="nb-NO" sz="1200" dirty="0"/>
-              <a:t> </a:t>
-            </a:r>
-            <a:r>
-              <a:rPr lang="nb-NO" sz="1200" dirty="0" err="1"/>
+              <a:rPr lang="nb-NO" sz="1600" dirty="0"/>
+              <a:t> </a:t>
+            </a:r>
+            <a:r>
+              <a:rPr lang="nb-NO" sz="1600" dirty="0" err="1"/>
               <a:t>getting</a:t>
             </a:r>
             <a:r>
-              <a:rPr lang="nb-NO" sz="1200" dirty="0"/>
-              <a:t> </a:t>
-            </a:r>
-            <a:r>
-              <a:rPr lang="nb-NO" sz="1200" dirty="0" err="1"/>
+              <a:rPr lang="nb-NO" sz="1600" dirty="0"/>
+              <a:t> </a:t>
+            </a:r>
+            <a:r>
+              <a:rPr lang="nb-NO" sz="1600" dirty="0" err="1"/>
               <a:t>tied</a:t>
             </a:r>
             <a:r>
-              <a:rPr lang="nb-NO" sz="1200" dirty="0"/>
+              <a:rPr lang="nb-NO" sz="1600" dirty="0"/>
               <a:t> to a </a:t>
             </a:r>
             <a:r>
-              <a:rPr lang="nb-NO" sz="1200" dirty="0" err="1"/>
+              <a:rPr lang="nb-NO" sz="1600" dirty="0" err="1"/>
               <a:t>particular</a:t>
             </a:r>
             <a:r>
-              <a:rPr lang="nb-NO" sz="1200" dirty="0"/>
-              <a:t> </a:t>
-            </a:r>
-            <a:r>
-              <a:rPr lang="nb-NO" sz="1200" dirty="0" err="1"/>
+              <a:rPr lang="nb-NO" sz="1600" dirty="0"/>
+              <a:t> </a:t>
+            </a:r>
+            <a:r>
+              <a:rPr lang="nb-NO" sz="1600" dirty="0" err="1"/>
               <a:t>model</a:t>
             </a:r>
             <a:r>
-              <a:rPr lang="nb-NO" sz="1200" dirty="0"/>
-              <a:t> </a:t>
-            </a:r>
-            <a:r>
-              <a:rPr lang="nb-NO" sz="1200" dirty="0" err="1"/>
+              <a:rPr lang="nb-NO" sz="1600" dirty="0"/>
+              <a:t> </a:t>
+            </a:r>
+            <a:r>
+              <a:rPr lang="nb-NO" sz="1600" dirty="0" err="1"/>
               <a:t>instance</a:t>
             </a:r>
-            <a:endParaRPr lang="nb-NO" sz="1200" dirty="0"/>
-          </a:p>
-          <a:p>
-            <a:endParaRPr lang="nb-NO" sz="1800" dirty="0"/>
-          </a:p>
-          <a:p>
-            <a:r>
-              <a:rPr lang="nb-NO" sz="1800" dirty="0"/>
-              <a:t>I </a:t>
-            </a:r>
-            <a:r>
-              <a:rPr lang="nb-NO" sz="1800" dirty="0" err="1"/>
+            <a:endParaRPr lang="nb-NO" sz="1600" dirty="0"/>
+          </a:p>
+          <a:p>
+            <a:endParaRPr lang="nb-NO" sz="2000" dirty="0"/>
+          </a:p>
+          <a:p>
+            <a:r>
+              <a:rPr lang="nb-NO" sz="2000" dirty="0" err="1"/>
+              <a:t>These</a:t>
+            </a:r>
+            <a:r>
+              <a:rPr lang="nb-NO" sz="2000" dirty="0"/>
+              <a:t> </a:t>
+            </a:r>
+            <a:r>
+              <a:rPr lang="nb-NO" sz="2000" dirty="0" err="1"/>
               <a:t>may</a:t>
             </a:r>
             <a:r>
-              <a:rPr lang="nb-NO" sz="1800" dirty="0"/>
-              <a:t> </a:t>
-            </a:r>
-            <a:r>
-              <a:rPr lang="nb-NO" sz="1800" dirty="0" err="1"/>
-              <a:t>decide</a:t>
-            </a:r>
-            <a:r>
-              <a:rPr lang="nb-NO" sz="1800" dirty="0"/>
-              <a:t> </a:t>
-            </a:r>
-            <a:r>
-              <a:rPr lang="nb-NO" sz="1800" dirty="0" err="1"/>
-              <a:t>on</a:t>
-            </a:r>
-            <a:r>
-              <a:rPr lang="nb-NO" sz="1800" dirty="0"/>
-              <a:t> a </a:t>
-            </a:r>
-            <a:r>
-              <a:rPr lang="nb-NO" sz="1800" dirty="0" err="1"/>
-              <a:t>better</a:t>
-            </a:r>
-            <a:r>
-              <a:rPr lang="nb-NO" sz="1800" dirty="0"/>
-              <a:t> </a:t>
-            </a:r>
-            <a:r>
-              <a:rPr lang="nb-NO" sz="1800" dirty="0" err="1"/>
-              <a:t>name</a:t>
-            </a:r>
-            <a:r>
-              <a:rPr lang="nb-NO" sz="1800" dirty="0"/>
-              <a:t> for </a:t>
-            </a:r>
-            <a:r>
-              <a:rPr lang="nb-NO" sz="1800" dirty="0" err="1"/>
-              <a:t>this</a:t>
-            </a:r>
-            <a:r>
-              <a:rPr lang="nb-NO" sz="1800" dirty="0"/>
-              <a:t> file </a:t>
-            </a:r>
-            <a:r>
-              <a:rPr lang="nb-NO" sz="1800" dirty="0" err="1"/>
-              <a:t>before</a:t>
-            </a:r>
-            <a:r>
-              <a:rPr lang="nb-NO" sz="1800" dirty="0"/>
-              <a:t> I start to </a:t>
-            </a:r>
-            <a:r>
-              <a:rPr lang="nb-NO" sz="1800" dirty="0" err="1"/>
-              <a:t>train</a:t>
-            </a:r>
-            <a:r>
-              <a:rPr lang="nb-NO" sz="1800" dirty="0"/>
-              <a:t> </a:t>
-            </a:r>
-            <a:r>
-              <a:rPr lang="nb-NO" sz="1800" dirty="0" err="1"/>
-              <a:t>the</a:t>
-            </a:r>
-            <a:r>
-              <a:rPr lang="nb-NO" sz="1800" dirty="0"/>
-              <a:t> </a:t>
-            </a:r>
-            <a:r>
-              <a:rPr lang="nb-NO" sz="1800" dirty="0" err="1"/>
-              <a:t>models</a:t>
-            </a:r>
-            <a:r>
-              <a:rPr lang="nb-NO" sz="1800" dirty="0"/>
-              <a:t>…</a:t>
-            </a:r>
-          </a:p>
-          <a:p>
-            <a:pPr lvl="2"/>
-            <a:endParaRPr lang="en-GB" sz="1200" dirty="0"/>
+              <a:rPr lang="nb-NO" sz="2000" dirty="0"/>
+              <a:t> be </a:t>
+            </a:r>
+            <a:r>
+              <a:rPr lang="nb-NO" sz="2000" dirty="0" err="1"/>
+              <a:t>joined</a:t>
+            </a:r>
+            <a:r>
+              <a:rPr lang="nb-NO" sz="2000" dirty="0"/>
+              <a:t> in a </a:t>
+            </a:r>
+            <a:r>
+              <a:rPr lang="nb-NO" sz="2000" dirty="0" err="1"/>
+              <a:t>common</a:t>
+            </a:r>
+            <a:r>
+              <a:rPr lang="nb-NO" sz="2000" dirty="0"/>
+              <a:t> JSON file </a:t>
+            </a:r>
+            <a:r>
+              <a:rPr lang="nb-NO" sz="2000" dirty="0" err="1"/>
+              <a:t>belonging</a:t>
+            </a:r>
+            <a:r>
+              <a:rPr lang="nb-NO" sz="2000" dirty="0"/>
+              <a:t> to </a:t>
+            </a:r>
+            <a:r>
+              <a:rPr lang="nb-NO" sz="2000" dirty="0" err="1"/>
+              <a:t>each</a:t>
+            </a:r>
+            <a:r>
+              <a:rPr lang="nb-NO" sz="2000" dirty="0"/>
+              <a:t> </a:t>
+            </a:r>
+            <a:r>
+              <a:rPr lang="nb-NO" sz="2000" dirty="0" err="1"/>
+              <a:t>model</a:t>
+            </a:r>
+            <a:r>
+              <a:rPr lang="nb-NO" sz="2000" dirty="0"/>
+              <a:t> </a:t>
+            </a:r>
+            <a:r>
+              <a:rPr lang="nb-NO" sz="2000" dirty="0" err="1"/>
+              <a:t>instance</a:t>
+            </a:r>
+            <a:r>
+              <a:rPr lang="nb-NO" sz="2000" dirty="0"/>
+              <a:t> log as </a:t>
+            </a:r>
+            <a:r>
+              <a:rPr lang="nb-NO" sz="2000" dirty="0" err="1"/>
+              <a:t>well</a:t>
+            </a:r>
+            <a:endParaRPr lang="nb-NO" sz="2000" dirty="0"/>
           </a:p>
         </p:txBody>
       </p:sp>
@@ -13506,38 +13813,309 @@
           </a:p>
         </p:txBody>
       </p:sp>
-      <p:sp>
-        <p:nvSpPr>
-          <p:cNvPr id="3" name="Content Placeholder 2">
-            <a:extLst>
-              <a:ext uri="{FF2B5EF4-FFF2-40B4-BE49-F238E27FC236}">
-                <a16:creationId xmlns:a16="http://schemas.microsoft.com/office/drawing/2014/main" id="{AE202909-E2A0-49AD-BA81-90606507E2F6}"/>
-              </a:ext>
-            </a:extLst>
-          </p:cNvPr>
-          <p:cNvSpPr>
-            <a:spLocks noGrp="1"/>
-          </p:cNvSpPr>
-          <p:nvPr>
-            <p:ph idx="1"/>
-          </p:nvPr>
-        </p:nvSpPr>
-        <p:spPr>
-          <a:xfrm>
-            <a:off x="1371599" y="2318197"/>
-            <a:ext cx="9724031" cy="3683358"/>
-          </a:xfrm>
-        </p:spPr>
-        <p:txBody>
-          <a:bodyPr anchor="ctr">
-            <a:normAutofit/>
-          </a:bodyPr>
-          <a:lstStyle/>
-          <a:p>
-            <a:endParaRPr lang="en-GB" sz="2000" dirty="0"/>
-          </a:p>
-        </p:txBody>
-      </p:sp>
+      <mc:AlternateContent xmlns:mc="http://schemas.openxmlformats.org/markup-compatibility/2006" xmlns:a14="http://schemas.microsoft.com/office/drawing/2010/main">
+        <mc:Choice Requires="a14">
+          <p:sp>
+            <p:nvSpPr>
+              <p:cNvPr id="3" name="Content Placeholder 2">
+                <a:extLst>
+                  <a:ext uri="{FF2B5EF4-FFF2-40B4-BE49-F238E27FC236}">
+                    <a16:creationId xmlns:a16="http://schemas.microsoft.com/office/drawing/2014/main" id="{AE202909-E2A0-49AD-BA81-90606507E2F6}"/>
+                  </a:ext>
+                </a:extLst>
+              </p:cNvPr>
+              <p:cNvSpPr>
+                <a:spLocks noGrp="1"/>
+              </p:cNvSpPr>
+              <p:nvPr>
+                <p:ph idx="1"/>
+              </p:nvPr>
+            </p:nvSpPr>
+            <p:spPr>
+              <a:xfrm>
+                <a:off x="1371599" y="2318197"/>
+                <a:ext cx="9724031" cy="3683358"/>
+              </a:xfrm>
+            </p:spPr>
+            <p:txBody>
+              <a:bodyPr anchor="ctr">
+                <a:normAutofit/>
+              </a:bodyPr>
+              <a:lstStyle/>
+              <a:p>
+                <a:r>
+                  <a:rPr lang="nb-NO" sz="2000" dirty="0"/>
+                  <a:t>At </a:t>
+                </a:r>
+                <a:r>
+                  <a:rPr lang="nb-NO" sz="2000" dirty="0" err="1"/>
+                  <a:t>least</a:t>
+                </a:r>
+                <a:r>
+                  <a:rPr lang="nb-NO" sz="2000" dirty="0"/>
+                  <a:t> in </a:t>
+                </a:r>
+                <a:r>
+                  <a:rPr lang="nb-NO" sz="2000" dirty="0" err="1"/>
+                  <a:t>the</a:t>
+                </a:r>
+                <a:r>
+                  <a:rPr lang="nb-NO" sz="2000" dirty="0"/>
+                  <a:t> </a:t>
+                </a:r>
+                <a:r>
+                  <a:rPr lang="nb-NO" sz="2000" dirty="0" err="1"/>
+                  <a:t>beginning</a:t>
+                </a:r>
+                <a:r>
+                  <a:rPr lang="nb-NO" sz="2000" dirty="0"/>
+                  <a:t>, it </a:t>
+                </a:r>
+                <a:r>
+                  <a:rPr lang="nb-NO" sz="2000" dirty="0" err="1"/>
+                  <a:t>can’t</a:t>
+                </a:r>
+                <a:r>
+                  <a:rPr lang="nb-NO" sz="2000" dirty="0"/>
+                  <a:t> </a:t>
+                </a:r>
+                <a:r>
+                  <a:rPr lang="nb-NO" sz="2000" dirty="0" err="1"/>
+                  <a:t>hurt</a:t>
+                </a:r>
+                <a:r>
+                  <a:rPr lang="nb-NO" sz="2000" dirty="0"/>
+                  <a:t> to </a:t>
+                </a:r>
+                <a:r>
+                  <a:rPr lang="nb-NO" sz="2000" dirty="0" err="1"/>
+                  <a:t>export</a:t>
+                </a:r>
+                <a:r>
+                  <a:rPr lang="nb-NO" sz="2000" dirty="0"/>
+                  <a:t> </a:t>
+                </a:r>
+                <a:r>
+                  <a:rPr lang="nb-NO" sz="2000" dirty="0" err="1"/>
+                  <a:t>many</a:t>
+                </a:r>
+                <a:r>
+                  <a:rPr lang="nb-NO" sz="2000" dirty="0"/>
+                  <a:t> different </a:t>
+                </a:r>
+                <a:r>
+                  <a:rPr lang="nb-NO" sz="2000" dirty="0" err="1"/>
+                  <a:t>statistics</a:t>
+                </a:r>
+                <a:endParaRPr lang="nb-NO" sz="2000" dirty="0"/>
+              </a:p>
+              <a:p>
+                <a:r>
+                  <a:rPr lang="nb-NO" sz="2000" dirty="0"/>
+                  <a:t>Using </a:t>
+                </a:r>
+                <a:r>
+                  <a:rPr lang="nb-NO" sz="2000" dirty="0" err="1"/>
+                  <a:t>the</a:t>
+                </a:r>
+                <a:r>
+                  <a:rPr lang="nb-NO" sz="2000" dirty="0"/>
+                  <a:t> same </a:t>
+                </a:r>
+                <a:r>
+                  <a:rPr lang="nb-NO" sz="2000" dirty="0" err="1"/>
+                  <a:t>ones</a:t>
+                </a:r>
+                <a:r>
+                  <a:rPr lang="nb-NO" sz="2000" dirty="0"/>
+                  <a:t> </a:t>
+                </a:r>
+                <a:r>
+                  <a:rPr lang="nb-NO" sz="2000" dirty="0" err="1"/>
+                  <a:t>that</a:t>
+                </a:r>
+                <a:r>
+                  <a:rPr lang="nb-NO" sz="2000" dirty="0"/>
+                  <a:t> NGI used for TNW </a:t>
+                </a:r>
+                <a:r>
+                  <a:rPr lang="nb-NO" sz="2000" dirty="0" err="1"/>
+                  <a:t>will</a:t>
+                </a:r>
+                <a:r>
+                  <a:rPr lang="nb-NO" sz="2000" dirty="0"/>
+                  <a:t> at </a:t>
+                </a:r>
+                <a:r>
+                  <a:rPr lang="nb-NO" sz="2000" dirty="0" err="1"/>
+                  <a:t>least</a:t>
+                </a:r>
+                <a:r>
+                  <a:rPr lang="nb-NO" sz="2000" dirty="0"/>
+                  <a:t> make for </a:t>
+                </a:r>
+                <a:r>
+                  <a:rPr lang="nb-NO" sz="2000" dirty="0" err="1"/>
+                  <a:t>good</a:t>
+                </a:r>
+                <a:r>
+                  <a:rPr lang="nb-NO" sz="2000" dirty="0"/>
+                  <a:t> </a:t>
+                </a:r>
+                <a:r>
+                  <a:rPr lang="nb-NO" sz="2000" dirty="0" err="1"/>
+                  <a:t>model</a:t>
+                </a:r>
+                <a:r>
+                  <a:rPr lang="nb-NO" sz="2000" dirty="0"/>
+                  <a:t> </a:t>
+                </a:r>
+                <a:r>
+                  <a:rPr lang="nb-NO" sz="2000" dirty="0" err="1"/>
+                  <a:t>comparisons</a:t>
+                </a:r>
+                <a:endParaRPr lang="nb-NO" sz="2000" dirty="0"/>
+              </a:p>
+              <a:p>
+                <a:pPr lvl="1"/>
+                <a:r>
+                  <a:rPr lang="nb-NO" sz="1600" dirty="0"/>
+                  <a:t>Cross </a:t>
+                </a:r>
+                <a:r>
+                  <a:rPr lang="nb-NO" sz="1600" dirty="0" err="1"/>
+                  <a:t>validation</a:t>
+                </a:r>
+                <a:endParaRPr lang="nb-NO" sz="1600" dirty="0"/>
+              </a:p>
+              <a:p>
+                <a:pPr lvl="1"/>
+                <a:r>
+                  <a:rPr lang="nb-NO" sz="1600" dirty="0"/>
+                  <a:t>MAE, </a:t>
+                </a:r>
+                <a:r>
+                  <a:rPr lang="nb-NO" sz="1600" dirty="0" err="1"/>
+                  <a:t>Accuracy</a:t>
+                </a:r>
+                <a:endParaRPr lang="nb-NO" sz="1600" dirty="0"/>
+              </a:p>
+              <a:p>
+                <a:pPr lvl="1"/>
+                <a14:m>
+                  <m:oMath xmlns:m="http://schemas.openxmlformats.org/officeDocument/2006/math">
+                    <m:r>
+                      <a:rPr lang="nb-NO" sz="1600" i="1">
+                        <a:latin typeface="Cambria Math" panose="02040503050406030204" pitchFamily="18" charset="0"/>
+                      </a:rPr>
+                      <m:t>(</m:t>
+                    </m:r>
+                    <m:acc>
+                      <m:accPr>
+                        <m:chr m:val="̂"/>
+                        <m:ctrlPr>
+                          <a:rPr lang="nb-NO" sz="1600" b="0" i="1" smtClean="0">
+                            <a:latin typeface="Cambria Math" panose="02040503050406030204" pitchFamily="18" charset="0"/>
+                          </a:rPr>
+                        </m:ctrlPr>
+                      </m:accPr>
+                      <m:e>
+                        <m:r>
+                          <a:rPr lang="nb-NO" sz="1600" b="0" i="1" smtClean="0">
+                            <a:latin typeface="Cambria Math" panose="02040503050406030204" pitchFamily="18" charset="0"/>
+                          </a:rPr>
+                          <m:t>𝑥</m:t>
+                        </m:r>
+                      </m:e>
+                    </m:acc>
+                    <m:r>
+                      <a:rPr lang="nb-NO" sz="1600" b="0" i="1" dirty="0" smtClean="0">
+                        <a:latin typeface="Cambria Math" panose="02040503050406030204" pitchFamily="18" charset="0"/>
+                      </a:rPr>
+                      <m:t>−</m:t>
+                    </m:r>
+                    <m:r>
+                      <a:rPr lang="nb-NO" sz="1600" b="0" i="1" dirty="0" smtClean="0">
+                        <a:latin typeface="Cambria Math" panose="02040503050406030204" pitchFamily="18" charset="0"/>
+                      </a:rPr>
+                      <m:t>𝑥</m:t>
+                    </m:r>
+                    <m:r>
+                      <a:rPr lang="nb-NO" sz="1600" b="0" i="1" dirty="0" smtClean="0">
+                        <a:latin typeface="Cambria Math" panose="02040503050406030204" pitchFamily="18" charset="0"/>
+                      </a:rPr>
+                      <m:t>)/</m:t>
+                    </m:r>
+                    <m:r>
+                      <a:rPr lang="nb-NO" sz="1600" b="0" i="1" dirty="0" smtClean="0">
+                        <a:latin typeface="Cambria Math" panose="02040503050406030204" pitchFamily="18" charset="0"/>
+                      </a:rPr>
+                      <m:t>𝑥</m:t>
+                    </m:r>
+                  </m:oMath>
+                </a14:m>
+                <a:endParaRPr lang="nb-NO" sz="1600" dirty="0"/>
+              </a:p>
+              <a:p>
+                <a:r>
+                  <a:rPr lang="en-GB" sz="2000" dirty="0"/>
+                  <a:t>Acoustic impedance inversion can be tested on a larger data set.</a:t>
+                </a:r>
+              </a:p>
+              <a:p>
+                <a:pPr lvl="1"/>
+                <a:r>
+                  <a:rPr lang="en-GB" sz="1600" dirty="0"/>
+                  <a:t>May use some covariance statistics combined with the AI inversion?</a:t>
+                </a:r>
+              </a:p>
+            </p:txBody>
+          </p:sp>
+        </mc:Choice>
+        <mc:Fallback xmlns="">
+          <p:sp>
+            <p:nvSpPr>
+              <p:cNvPr id="3" name="Content Placeholder 2">
+                <a:extLst>
+                  <a:ext uri="{FF2B5EF4-FFF2-40B4-BE49-F238E27FC236}">
+                    <a16:creationId xmlns:a16="http://schemas.microsoft.com/office/drawing/2014/main" id="{AE202909-E2A0-49AD-BA81-90606507E2F6}"/>
+                  </a:ext>
+                </a:extLst>
+              </p:cNvPr>
+              <p:cNvSpPr>
+                <a:spLocks noGrp="1" noRot="1" noChangeAspect="1" noMove="1" noResize="1" noEditPoints="1" noAdjustHandles="1" noChangeArrowheads="1" noChangeShapeType="1" noTextEdit="1"/>
+              </p:cNvSpPr>
+              <p:nvPr>
+                <p:ph idx="1"/>
+              </p:nvPr>
+            </p:nvSpPr>
+            <p:spPr>
+              <a:xfrm>
+                <a:off x="1371599" y="2318197"/>
+                <a:ext cx="9724031" cy="3683358"/>
+              </a:xfrm>
+              <a:blipFill>
+                <a:blip r:embed="rId2"/>
+                <a:stretch>
+                  <a:fillRect l="-564"/>
+                </a:stretch>
+              </a:blipFill>
+            </p:spPr>
+            <p:txBody>
+              <a:bodyPr/>
+              <a:lstStyle/>
+              <a:p>
+                <a:r>
+                  <a:rPr lang="en-GB">
+                    <a:noFill/>
+                  </a:rPr>
+                  <a:t> </a:t>
+                </a:r>
+              </a:p>
+            </p:txBody>
+          </p:sp>
+        </mc:Fallback>
+      </mc:AlternateContent>
     </p:spTree>
     <p:extLst>
       <p:ext uri="{BB962C8B-B14F-4D97-AF65-F5344CB8AC3E}">
